--- a/figures/Figures-Yi.pptx
+++ b/figures/Figures-Yi.pptx
@@ -9,6 +9,7 @@
     <p:sldId id="259" r:id="rId3"/>
     <p:sldId id="258" r:id="rId4"/>
     <p:sldId id="257" r:id="rId5"/>
+    <p:sldId id="260" r:id="rId6"/>
   </p:sldIdLst>
   <p:sldSz cx="12192000" cy="6858000"/>
   <p:notesSz cx="6858000" cy="9144000"/>
@@ -262,7 +263,7 @@
           <a:p>
             <a:fld id="{9BED4BE8-31C7-403D-911A-3E727E0E58BF}" type="datetimeFigureOut">
               <a:rPr lang="en-US" smtClean="0"/>
-              <a:t>8/19/2021</a:t>
+              <a:t>2/16/2022</a:t>
             </a:fld>
             <a:endParaRPr lang="en-US" dirty="0"/>
           </a:p>
@@ -460,7 +461,7 @@
           <a:p>
             <a:fld id="{9BED4BE8-31C7-403D-911A-3E727E0E58BF}" type="datetimeFigureOut">
               <a:rPr lang="en-US" smtClean="0"/>
-              <a:t>8/19/2021</a:t>
+              <a:t>2/16/2022</a:t>
             </a:fld>
             <a:endParaRPr lang="en-US" dirty="0"/>
           </a:p>
@@ -668,7 +669,7 @@
           <a:p>
             <a:fld id="{9BED4BE8-31C7-403D-911A-3E727E0E58BF}" type="datetimeFigureOut">
               <a:rPr lang="en-US" smtClean="0"/>
-              <a:t>8/19/2021</a:t>
+              <a:t>2/16/2022</a:t>
             </a:fld>
             <a:endParaRPr lang="en-US" dirty="0"/>
           </a:p>
@@ -866,7 +867,7 @@
           <a:p>
             <a:fld id="{9BED4BE8-31C7-403D-911A-3E727E0E58BF}" type="datetimeFigureOut">
               <a:rPr lang="en-US" smtClean="0"/>
-              <a:t>8/19/2021</a:t>
+              <a:t>2/16/2022</a:t>
             </a:fld>
             <a:endParaRPr lang="en-US" dirty="0"/>
           </a:p>
@@ -1141,7 +1142,7 @@
           <a:p>
             <a:fld id="{9BED4BE8-31C7-403D-911A-3E727E0E58BF}" type="datetimeFigureOut">
               <a:rPr lang="en-US" smtClean="0"/>
-              <a:t>8/19/2021</a:t>
+              <a:t>2/16/2022</a:t>
             </a:fld>
             <a:endParaRPr lang="en-US" dirty="0"/>
           </a:p>
@@ -1406,7 +1407,7 @@
           <a:p>
             <a:fld id="{9BED4BE8-31C7-403D-911A-3E727E0E58BF}" type="datetimeFigureOut">
               <a:rPr lang="en-US" smtClean="0"/>
-              <a:t>8/19/2021</a:t>
+              <a:t>2/16/2022</a:t>
             </a:fld>
             <a:endParaRPr lang="en-US" dirty="0"/>
           </a:p>
@@ -1818,7 +1819,7 @@
           <a:p>
             <a:fld id="{9BED4BE8-31C7-403D-911A-3E727E0E58BF}" type="datetimeFigureOut">
               <a:rPr lang="en-US" smtClean="0"/>
-              <a:t>8/19/2021</a:t>
+              <a:t>2/16/2022</a:t>
             </a:fld>
             <a:endParaRPr lang="en-US" dirty="0"/>
           </a:p>
@@ -1959,7 +1960,7 @@
           <a:p>
             <a:fld id="{9BED4BE8-31C7-403D-911A-3E727E0E58BF}" type="datetimeFigureOut">
               <a:rPr lang="en-US" smtClean="0"/>
-              <a:t>8/19/2021</a:t>
+              <a:t>2/16/2022</a:t>
             </a:fld>
             <a:endParaRPr lang="en-US" dirty="0"/>
           </a:p>
@@ -2072,7 +2073,7 @@
           <a:p>
             <a:fld id="{9BED4BE8-31C7-403D-911A-3E727E0E58BF}" type="datetimeFigureOut">
               <a:rPr lang="en-US" smtClean="0"/>
-              <a:t>8/19/2021</a:t>
+              <a:t>2/16/2022</a:t>
             </a:fld>
             <a:endParaRPr lang="en-US" dirty="0"/>
           </a:p>
@@ -2383,7 +2384,7 @@
           <a:p>
             <a:fld id="{9BED4BE8-31C7-403D-911A-3E727E0E58BF}" type="datetimeFigureOut">
               <a:rPr lang="en-US" smtClean="0"/>
-              <a:t>8/19/2021</a:t>
+              <a:t>2/16/2022</a:t>
             </a:fld>
             <a:endParaRPr lang="en-US" dirty="0"/>
           </a:p>
@@ -2671,7 +2672,7 @@
           <a:p>
             <a:fld id="{9BED4BE8-31C7-403D-911A-3E727E0E58BF}" type="datetimeFigureOut">
               <a:rPr lang="en-US" smtClean="0"/>
-              <a:t>8/19/2021</a:t>
+              <a:t>2/16/2022</a:t>
             </a:fld>
             <a:endParaRPr lang="en-US" dirty="0"/>
           </a:p>
@@ -2912,7 +2913,7 @@
           <a:p>
             <a:fld id="{9BED4BE8-31C7-403D-911A-3E727E0E58BF}" type="datetimeFigureOut">
               <a:rPr lang="en-US" smtClean="0"/>
-              <a:t>8/19/2021</a:t>
+              <a:t>2/16/2022</a:t>
             </a:fld>
             <a:endParaRPr lang="en-US" dirty="0"/>
           </a:p>
@@ -14489,10 +14490,9 @@
             <a:lstStyle/>
             <a:p>
               <a:r>
-                <a:rPr lang="en-US"/>
+                <a:rPr lang="en-US" dirty="0"/>
                 <a:t>Execution Trace</a:t>
               </a:r>
-              <a:endParaRPr lang="en-US" dirty="0"/>
             </a:p>
           </p:txBody>
         </p:sp>
@@ -16087,10 +16087,9 @@
           <a:lstStyle/>
           <a:p>
             <a:r>
-              <a:rPr lang="en-US" sz="1600" dirty="0" err="1"/>
+              <a:rPr lang="en-US" sz="1600" dirty="0"/>
               <a:t>attr</a:t>
             </a:r>
-            <a:endParaRPr lang="en-US" sz="1600" dirty="0"/>
           </a:p>
         </p:txBody>
       </p:sp>
@@ -18380,15 +18379,7 @@
               </a:pPr>
               <a:r>
                 <a:rPr lang="en-US" sz="1100" dirty="0"/>
-                <a:t>void                             </a:t>
-              </a:r>
-              <a:r>
-                <a:rPr lang="en-US" sz="1100" dirty="0" err="1"/>
-                <a:t>computeGeometricalProperties</a:t>
-              </a:r>
-              <a:r>
-                <a:rPr lang="en-US" sz="1100" dirty="0"/>
-                <a:t>() {       </a:t>
+                <a:t>void                             computeGeometricalProperties() {       </a:t>
               </a:r>
             </a:p>
             <a:p>
@@ -18729,12 +18720,8 @@
             <a:p>
               <a:pPr algn="ctr"/>
               <a:r>
-                <a:rPr lang="en-US" sz="1600" dirty="0" err="1"/>
-                <a:t>Stmt</a:t>
-              </a:r>
-              <a:r>
                 <a:rPr lang="en-US" sz="1600" dirty="0"/>
-                <a:t>-level Feature graph</a:t>
+                <a:t>Stmt-level Feature graph</a:t>
               </a:r>
             </a:p>
           </p:txBody>
@@ -18744,6 +18731,2666 @@
     <p:extLst>
       <p:ext uri="{BB962C8B-B14F-4D97-AF65-F5344CB8AC3E}">
         <p14:creationId xmlns:p14="http://schemas.microsoft.com/office/powerpoint/2010/main" val="4013530509"/>
+      </p:ext>
+    </p:extLst>
+  </p:cSld>
+  <p:clrMapOvr>
+    <a:masterClrMapping/>
+  </p:clrMapOvr>
+</p:sld>
+</file>
+
+<file path=ppt/slides/slide5.xml><?xml version="1.0" encoding="utf-8"?>
+<p:sld xmlns:a="http://schemas.openxmlformats.org/drawingml/2006/main" xmlns:r="http://schemas.openxmlformats.org/officeDocument/2006/relationships" xmlns:p="http://schemas.openxmlformats.org/presentationml/2006/main">
+  <p:cSld>
+    <p:spTree>
+      <p:nvGrpSpPr>
+        <p:cNvPr id="1" name=""/>
+        <p:cNvGrpSpPr/>
+        <p:nvPr/>
+      </p:nvGrpSpPr>
+      <p:grpSpPr>
+        <a:xfrm>
+          <a:off x="0" y="0"/>
+          <a:ext cx="0" cy="0"/>
+          <a:chOff x="0" y="0"/>
+          <a:chExt cx="0" cy="0"/>
+        </a:xfrm>
+      </p:grpSpPr>
+      <p:sp>
+        <p:nvSpPr>
+          <p:cNvPr id="2" name="Rectangle 1">
+            <a:extLst>
+              <a:ext uri="{FF2B5EF4-FFF2-40B4-BE49-F238E27FC236}">
+                <a16:creationId xmlns:a16="http://schemas.microsoft.com/office/drawing/2014/main" id="{899E4CBE-0E8F-4B99-B5E6-389DC6C61087}"/>
+              </a:ext>
+            </a:extLst>
+          </p:cNvPr>
+          <p:cNvSpPr/>
+          <p:nvPr/>
+        </p:nvSpPr>
+        <p:spPr>
+          <a:xfrm>
+            <a:off x="1252917" y="297180"/>
+            <a:ext cx="3646551" cy="1396958"/>
+          </a:xfrm>
+          <a:prstGeom prst="rect">
+            <a:avLst/>
+          </a:prstGeom>
+          <a:solidFill>
+            <a:schemeClr val="bg1"/>
+          </a:solidFill>
+          <a:ln>
+            <a:solidFill>
+              <a:schemeClr val="tx1"/>
+            </a:solidFill>
+          </a:ln>
+        </p:spPr>
+        <p:style>
+          <a:lnRef idx="2">
+            <a:schemeClr val="accent1">
+              <a:shade val="50000"/>
+            </a:schemeClr>
+          </a:lnRef>
+          <a:fillRef idx="1">
+            <a:schemeClr val="accent1"/>
+          </a:fillRef>
+          <a:effectRef idx="0">
+            <a:schemeClr val="accent1"/>
+          </a:effectRef>
+          <a:fontRef idx="minor">
+            <a:schemeClr val="lt1"/>
+          </a:fontRef>
+        </p:style>
+        <p:txBody>
+          <a:bodyPr rtlCol="0" anchor="ctr"/>
+          <a:lstStyle/>
+          <a:p>
+            <a:r>
+              <a:rPr lang="en-US" sz="900" dirty="0">
+                <a:solidFill>
+                  <a:srgbClr val="0000FF"/>
+                </a:solidFill>
+                <a:latin typeface="Consolas" panose="020B0609020204030204" pitchFamily="49" charset="0"/>
+              </a:rPr>
+              <a:t>protected</a:t>
+            </a:r>
+            <a:r>
+              <a:rPr lang="en-US" sz="900" dirty="0">
+                <a:solidFill>
+                  <a:srgbClr val="000000"/>
+                </a:solidFill>
+                <a:latin typeface="Consolas" panose="020B0609020204030204" pitchFamily="49" charset="0"/>
+              </a:rPr>
+              <a:t> </a:t>
+            </a:r>
+            <a:r>
+              <a:rPr lang="en-US" sz="900" dirty="0">
+                <a:solidFill>
+                  <a:srgbClr val="0000FF"/>
+                </a:solidFill>
+                <a:latin typeface="Consolas" panose="020B0609020204030204" pitchFamily="49" charset="0"/>
+              </a:rPr>
+              <a:t>virtual</a:t>
+            </a:r>
+            <a:r>
+              <a:rPr lang="en-US" sz="900" dirty="0">
+                <a:solidFill>
+                  <a:srgbClr val="000000"/>
+                </a:solidFill>
+                <a:latin typeface="Consolas" panose="020B0609020204030204" pitchFamily="49" charset="0"/>
+              </a:rPr>
+              <a:t> </a:t>
+            </a:r>
+            <a:r>
+              <a:rPr lang="en-US" sz="900" dirty="0">
+                <a:solidFill>
+                  <a:srgbClr val="0000FF"/>
+                </a:solidFill>
+                <a:latin typeface="Consolas" panose="020B0609020204030204" pitchFamily="49" charset="0"/>
+              </a:rPr>
+              <a:t>string</a:t>
+            </a:r>
+            <a:r>
+              <a:rPr lang="en-US" sz="900" dirty="0">
+                <a:solidFill>
+                  <a:srgbClr val="000000"/>
+                </a:solidFill>
+                <a:latin typeface="Consolas" panose="020B0609020204030204" pitchFamily="49" charset="0"/>
+              </a:rPr>
+              <a:t> FormatYears(</a:t>
+            </a:r>
+            <a:r>
+              <a:rPr lang="en-US" sz="900" dirty="0">
+                <a:solidFill>
+                  <a:srgbClr val="0000FF"/>
+                </a:solidFill>
+                <a:latin typeface="Consolas" panose="020B0609020204030204" pitchFamily="49" charset="0"/>
+              </a:rPr>
+              <a:t>int</a:t>
+            </a:r>
+            <a:r>
+              <a:rPr lang="en-US" sz="900" dirty="0">
+                <a:solidFill>
+                  <a:srgbClr val="000000"/>
+                </a:solidFill>
+                <a:latin typeface="Consolas" panose="020B0609020204030204" pitchFamily="49" charset="0"/>
+              </a:rPr>
+              <a:t>[] years){</a:t>
+            </a:r>
+          </a:p>
+          <a:p>
+            <a:r>
+              <a:rPr lang="en-US" sz="900" dirty="0">
+                <a:solidFill>
+                  <a:srgbClr val="000000"/>
+                </a:solidFill>
+                <a:latin typeface="Consolas" panose="020B0609020204030204" pitchFamily="49" charset="0"/>
+              </a:rPr>
+              <a:t>    ……</a:t>
+            </a:r>
+          </a:p>
+          <a:p>
+            <a:r>
+              <a:rPr lang="en-US" sz="900" dirty="0">
+                <a:solidFill>
+                  <a:srgbClr val="000000"/>
+                </a:solidFill>
+                <a:latin typeface="Consolas" panose="020B0609020204030204" pitchFamily="49" charset="0"/>
+              </a:rPr>
+              <a:t>    </a:t>
+            </a:r>
+            <a:r>
+              <a:rPr lang="nn-NO" sz="900" dirty="0">
+                <a:solidFill>
+                  <a:srgbClr val="0000FF"/>
+                </a:solidFill>
+                <a:latin typeface="Consolas" panose="020B0609020204030204" pitchFamily="49" charset="0"/>
+              </a:rPr>
+              <a:t>for</a:t>
+            </a:r>
+            <a:r>
+              <a:rPr lang="nn-NO" sz="900" dirty="0">
+                <a:solidFill>
+                  <a:srgbClr val="000000"/>
+                </a:solidFill>
+                <a:latin typeface="Consolas" panose="020B0609020204030204" pitchFamily="49" charset="0"/>
+              </a:rPr>
+              <a:t> (</a:t>
+            </a:r>
+            <a:r>
+              <a:rPr lang="nn-NO" sz="900" dirty="0">
+                <a:solidFill>
+                  <a:srgbClr val="0000FF"/>
+                </a:solidFill>
+                <a:latin typeface="Consolas" panose="020B0609020204030204" pitchFamily="49" charset="0"/>
+              </a:rPr>
+              <a:t>var</a:t>
+            </a:r>
+            <a:r>
+              <a:rPr lang="nn-NO" sz="900" dirty="0">
+                <a:solidFill>
+                  <a:srgbClr val="000000"/>
+                </a:solidFill>
+                <a:latin typeface="Consolas" panose="020B0609020204030204" pitchFamily="49" charset="0"/>
+              </a:rPr>
+              <a:t> i = 0; i &lt; years.Length; i++)</a:t>
+            </a:r>
+            <a:r>
+              <a:rPr lang="en-US" sz="900" dirty="0">
+                <a:solidFill>
+                  <a:srgbClr val="000000"/>
+                </a:solidFill>
+                <a:latin typeface="Consolas" panose="020B0609020204030204" pitchFamily="49" charset="0"/>
+              </a:rPr>
+              <a:t>{</a:t>
+            </a:r>
+          </a:p>
+          <a:p>
+            <a:r>
+              <a:rPr lang="en-US" sz="900" dirty="0">
+                <a:solidFill>
+                  <a:srgbClr val="000000"/>
+                </a:solidFill>
+                <a:latin typeface="Consolas" panose="020B0609020204030204" pitchFamily="49" charset="0"/>
+              </a:rPr>
+              <a:t>        yearsPart.Append(years[i].ToString(</a:t>
+            </a:r>
+          </a:p>
+          <a:p>
+            <a:r>
+              <a:rPr lang="en-US" sz="900" dirty="0">
+                <a:solidFill>
+                  <a:srgbClr val="000000"/>
+                </a:solidFill>
+                <a:latin typeface="Consolas" panose="020B0609020204030204" pitchFamily="49" charset="0"/>
+              </a:rPr>
+              <a:t>            CultureInfo.InvariantCulture));</a:t>
+            </a:r>
+          </a:p>
+          <a:p>
+            <a:r>
+              <a:rPr lang="en-US" sz="900" dirty="0">
+                <a:solidFill>
+                  <a:srgbClr val="FF0000"/>
+                </a:solidFill>
+                <a:latin typeface="Consolas" panose="020B0609020204030204" pitchFamily="49" charset="0"/>
+              </a:rPr>
+              <a:t>-       int next = i + 1;</a:t>
+            </a:r>
+          </a:p>
+          <a:p>
+            <a:r>
+              <a:rPr lang="en-US" sz="900" dirty="0">
+                <a:solidFill>
+                  <a:schemeClr val="accent6">
+                    <a:lumMod val="75000"/>
+                  </a:schemeClr>
+                </a:solidFill>
+                <a:latin typeface="Consolas" panose="020B0609020204030204" pitchFamily="49" charset="0"/>
+              </a:rPr>
+              <a:t>+       var next = i + 1;</a:t>
+            </a:r>
+          </a:p>
+          <a:p>
+            <a:r>
+              <a:rPr lang="en-US" sz="900" dirty="0">
+                <a:solidFill>
+                  <a:srgbClr val="000000"/>
+                </a:solidFill>
+                <a:latin typeface="Consolas" panose="020B0609020204030204" pitchFamily="49" charset="0"/>
+              </a:rPr>
+              <a:t>        </a:t>
+            </a:r>
+            <a:r>
+              <a:rPr lang="en-US" sz="900" dirty="0">
+                <a:solidFill>
+                  <a:srgbClr val="0000FF"/>
+                </a:solidFill>
+                <a:latin typeface="Consolas" panose="020B0609020204030204" pitchFamily="49" charset="0"/>
+              </a:rPr>
+              <a:t>if</a:t>
+            </a:r>
+            <a:r>
+              <a:rPr lang="en-US" sz="900" dirty="0">
+                <a:solidFill>
+                  <a:srgbClr val="000000"/>
+                </a:solidFill>
+                <a:latin typeface="Consolas" panose="020B0609020204030204" pitchFamily="49" charset="0"/>
+              </a:rPr>
+              <a:t> (next &lt; years.Length){</a:t>
+            </a:r>
+          </a:p>
+          <a:p>
+            <a:r>
+              <a:rPr lang="en-US" sz="900" dirty="0">
+                <a:solidFill>
+                  <a:srgbClr val="000000"/>
+                </a:solidFill>
+                <a:latin typeface="Consolas" panose="020B0609020204030204" pitchFamily="49" charset="0"/>
+              </a:rPr>
+              <a:t>    ……</a:t>
+            </a:r>
+          </a:p>
+          <a:p>
+            <a:r>
+              <a:rPr lang="en-US" sz="900" dirty="0">
+                <a:solidFill>
+                  <a:srgbClr val="000000"/>
+                </a:solidFill>
+                <a:latin typeface="Consolas" panose="020B0609020204030204" pitchFamily="49" charset="0"/>
+              </a:rPr>
+              <a:t>}</a:t>
+            </a:r>
+            <a:endParaRPr lang="en-US" sz="700" dirty="0"/>
+          </a:p>
+        </p:txBody>
+      </p:sp>
+      <p:grpSp>
+        <p:nvGrpSpPr>
+          <p:cNvPr id="32" name="Group 31">
+            <a:extLst>
+              <a:ext uri="{FF2B5EF4-FFF2-40B4-BE49-F238E27FC236}">
+                <a16:creationId xmlns:a16="http://schemas.microsoft.com/office/drawing/2014/main" id="{E6D2D914-94EC-4317-86D1-61DAF9F86556}"/>
+              </a:ext>
+            </a:extLst>
+          </p:cNvPr>
+          <p:cNvGrpSpPr/>
+          <p:nvPr/>
+        </p:nvGrpSpPr>
+        <p:grpSpPr>
+          <a:xfrm>
+            <a:off x="613347" y="1790700"/>
+            <a:ext cx="2106803" cy="2552699"/>
+            <a:chOff x="613347" y="1790700"/>
+            <a:chExt cx="2106803" cy="2552699"/>
+          </a:xfrm>
+        </p:grpSpPr>
+        <p:grpSp>
+          <p:nvGrpSpPr>
+            <p:cNvPr id="11" name="Group 10">
+              <a:extLst>
+                <a:ext uri="{FF2B5EF4-FFF2-40B4-BE49-F238E27FC236}">
+                  <a16:creationId xmlns:a16="http://schemas.microsoft.com/office/drawing/2014/main" id="{D801F96C-0715-4025-84BA-39749F58120B}"/>
+                </a:ext>
+              </a:extLst>
+            </p:cNvPr>
+            <p:cNvGrpSpPr/>
+            <p:nvPr/>
+          </p:nvGrpSpPr>
+          <p:grpSpPr>
+            <a:xfrm>
+              <a:off x="613347" y="1790700"/>
+              <a:ext cx="2106803" cy="2552699"/>
+              <a:chOff x="619697" y="1790700"/>
+              <a:chExt cx="2106803" cy="2552699"/>
+            </a:xfrm>
+          </p:grpSpPr>
+          <p:grpSp>
+            <p:nvGrpSpPr>
+              <p:cNvPr id="6" name="Group 5">
+                <a:extLst>
+                  <a:ext uri="{FF2B5EF4-FFF2-40B4-BE49-F238E27FC236}">
+                    <a16:creationId xmlns:a16="http://schemas.microsoft.com/office/drawing/2014/main" id="{2750AA14-9E68-44E6-8458-0C760309D4B3}"/>
+                  </a:ext>
+                </a:extLst>
+              </p:cNvPr>
+              <p:cNvGrpSpPr/>
+              <p:nvPr/>
+            </p:nvGrpSpPr>
+            <p:grpSpPr>
+              <a:xfrm>
+                <a:off x="619697" y="1790700"/>
+                <a:ext cx="2106803" cy="2552699"/>
+                <a:chOff x="619697" y="1790700"/>
+                <a:chExt cx="2106803" cy="2552699"/>
+              </a:xfrm>
+            </p:grpSpPr>
+            <p:sp>
+              <p:nvSpPr>
+                <p:cNvPr id="4" name="Rectangle: Rounded Corners 3">
+                  <a:extLst>
+                    <a:ext uri="{FF2B5EF4-FFF2-40B4-BE49-F238E27FC236}">
+                      <a16:creationId xmlns:a16="http://schemas.microsoft.com/office/drawing/2014/main" id="{FEDE7534-B6E7-450C-B7C4-A8AF41A99BA8}"/>
+                    </a:ext>
+                  </a:extLst>
+                </p:cNvPr>
+                <p:cNvSpPr/>
+                <p:nvPr/>
+              </p:nvSpPr>
+              <p:spPr>
+                <a:xfrm>
+                  <a:off x="763398" y="1790700"/>
+                  <a:ext cx="1819401" cy="558800"/>
+                </a:xfrm>
+                <a:prstGeom prst="roundRect">
+                  <a:avLst/>
+                </a:prstGeom>
+                <a:noFill/>
+                <a:ln>
+                  <a:solidFill>
+                    <a:schemeClr val="tx1"/>
+                  </a:solidFill>
+                </a:ln>
+              </p:spPr>
+              <p:style>
+                <a:lnRef idx="2">
+                  <a:schemeClr val="accent1">
+                    <a:shade val="50000"/>
+                  </a:schemeClr>
+                </a:lnRef>
+                <a:fillRef idx="1">
+                  <a:schemeClr val="accent1"/>
+                </a:fillRef>
+                <a:effectRef idx="0">
+                  <a:schemeClr val="accent1"/>
+                </a:effectRef>
+                <a:fontRef idx="minor">
+                  <a:schemeClr val="lt1"/>
+                </a:fontRef>
+              </p:style>
+              <p:txBody>
+                <a:bodyPr rtlCol="0" anchor="ctr"/>
+                <a:lstStyle/>
+                <a:p>
+                  <a:pPr algn="ctr"/>
+                  <a:r>
+                    <a:rPr lang="nn-NO" sz="1050" dirty="0">
+                      <a:solidFill>
+                        <a:srgbClr val="0000FF"/>
+                      </a:solidFill>
+                      <a:latin typeface="Consolas" panose="020B0609020204030204" pitchFamily="49" charset="0"/>
+                    </a:rPr>
+                    <a:t>for</a:t>
+                  </a:r>
+                  <a:r>
+                    <a:rPr lang="nn-NO" sz="1050" dirty="0">
+                      <a:solidFill>
+                        <a:srgbClr val="000000"/>
+                      </a:solidFill>
+                      <a:latin typeface="Consolas" panose="020B0609020204030204" pitchFamily="49" charset="0"/>
+                    </a:rPr>
+                    <a:t> (</a:t>
+                  </a:r>
+                  <a:r>
+                    <a:rPr lang="nn-NO" sz="1050" dirty="0">
+                      <a:solidFill>
+                        <a:srgbClr val="0000FF"/>
+                      </a:solidFill>
+                      <a:latin typeface="Consolas" panose="020B0609020204030204" pitchFamily="49" charset="0"/>
+                    </a:rPr>
+                    <a:t>var</a:t>
+                  </a:r>
+                  <a:r>
+                    <a:rPr lang="nn-NO" sz="1050" dirty="0">
+                      <a:solidFill>
+                        <a:srgbClr val="000000"/>
+                      </a:solidFill>
+                      <a:latin typeface="Consolas" panose="020B0609020204030204" pitchFamily="49" charset="0"/>
+                    </a:rPr>
+                    <a:t> i = 0; i &lt; years.Length; i++)</a:t>
+                  </a:r>
+                  <a:r>
+                    <a:rPr lang="en-US" sz="1050" dirty="0">
+                      <a:solidFill>
+                        <a:srgbClr val="000000"/>
+                      </a:solidFill>
+                      <a:latin typeface="Consolas" panose="020B0609020204030204" pitchFamily="49" charset="0"/>
+                    </a:rPr>
+                    <a:t>{</a:t>
+                  </a:r>
+                </a:p>
+              </p:txBody>
+            </p:sp>
+            <p:sp>
+              <p:nvSpPr>
+                <p:cNvPr id="5" name="Rectangle: Rounded Corners 4">
+                  <a:extLst>
+                    <a:ext uri="{FF2B5EF4-FFF2-40B4-BE49-F238E27FC236}">
+                      <a16:creationId xmlns:a16="http://schemas.microsoft.com/office/drawing/2014/main" id="{AEFA7E4B-6B6A-48D4-98FD-062E8D4C78A4}"/>
+                    </a:ext>
+                  </a:extLst>
+                </p:cNvPr>
+                <p:cNvSpPr/>
+                <p:nvPr/>
+              </p:nvSpPr>
+              <p:spPr>
+                <a:xfrm>
+                  <a:off x="657797" y="2603500"/>
+                  <a:ext cx="2030602" cy="558800"/>
+                </a:xfrm>
+                <a:prstGeom prst="roundRect">
+                  <a:avLst/>
+                </a:prstGeom>
+                <a:noFill/>
+                <a:ln>
+                  <a:solidFill>
+                    <a:schemeClr val="tx1"/>
+                  </a:solidFill>
+                </a:ln>
+              </p:spPr>
+              <p:style>
+                <a:lnRef idx="2">
+                  <a:schemeClr val="accent1">
+                    <a:shade val="50000"/>
+                  </a:schemeClr>
+                </a:lnRef>
+                <a:fillRef idx="1">
+                  <a:schemeClr val="accent1"/>
+                </a:fillRef>
+                <a:effectRef idx="0">
+                  <a:schemeClr val="accent1"/>
+                </a:effectRef>
+                <a:fontRef idx="minor">
+                  <a:schemeClr val="lt1"/>
+                </a:fontRef>
+              </p:style>
+              <p:txBody>
+                <a:bodyPr rtlCol="0" anchor="ctr"/>
+                <a:lstStyle/>
+                <a:p>
+                  <a:r>
+                    <a:rPr lang="en-US" sz="1050" dirty="0">
+                      <a:solidFill>
+                        <a:srgbClr val="000000"/>
+                      </a:solidFill>
+                      <a:latin typeface="Consolas" panose="020B0609020204030204" pitchFamily="49" charset="0"/>
+                    </a:rPr>
+                    <a:t>yearsPart.Append(years[i].ToString(CultureInfo.InvariantCulture));</a:t>
+                  </a:r>
+                </a:p>
+              </p:txBody>
+            </p:sp>
+            <p:sp>
+              <p:nvSpPr>
+                <p:cNvPr id="7" name="Rectangle: Rounded Corners 6">
+                  <a:extLst>
+                    <a:ext uri="{FF2B5EF4-FFF2-40B4-BE49-F238E27FC236}">
+                      <a16:creationId xmlns:a16="http://schemas.microsoft.com/office/drawing/2014/main" id="{E288F229-B678-4FB0-894D-254B2E7C873D}"/>
+                    </a:ext>
+                  </a:extLst>
+                </p:cNvPr>
+                <p:cNvSpPr/>
+                <p:nvPr/>
+              </p:nvSpPr>
+              <p:spPr>
+                <a:xfrm>
+                  <a:off x="884047" y="3416301"/>
+                  <a:ext cx="1573403" cy="279400"/>
+                </a:xfrm>
+                <a:prstGeom prst="roundRect">
+                  <a:avLst/>
+                </a:prstGeom>
+                <a:noFill/>
+                <a:ln>
+                  <a:solidFill>
+                    <a:schemeClr val="tx1"/>
+                  </a:solidFill>
+                </a:ln>
+              </p:spPr>
+              <p:style>
+                <a:lnRef idx="2">
+                  <a:schemeClr val="accent1">
+                    <a:shade val="50000"/>
+                  </a:schemeClr>
+                </a:lnRef>
+                <a:fillRef idx="1">
+                  <a:schemeClr val="accent1"/>
+                </a:fillRef>
+                <a:effectRef idx="0">
+                  <a:schemeClr val="accent1"/>
+                </a:effectRef>
+                <a:fontRef idx="minor">
+                  <a:schemeClr val="lt1"/>
+                </a:fontRef>
+              </p:style>
+              <p:txBody>
+                <a:bodyPr rtlCol="0" anchor="ctr"/>
+                <a:lstStyle/>
+                <a:p>
+                  <a:r>
+                    <a:rPr lang="en-US" sz="1050" dirty="0">
+                      <a:solidFill>
+                        <a:srgbClr val="FF0000"/>
+                      </a:solidFill>
+                      <a:latin typeface="Consolas" panose="020B0609020204030204" pitchFamily="49" charset="0"/>
+                    </a:rPr>
+                    <a:t>int next = i + 1;</a:t>
+                  </a:r>
+                </a:p>
+              </p:txBody>
+            </p:sp>
+            <p:sp>
+              <p:nvSpPr>
+                <p:cNvPr id="8" name="Rectangle: Rounded Corners 7">
+                  <a:extLst>
+                    <a:ext uri="{FF2B5EF4-FFF2-40B4-BE49-F238E27FC236}">
+                      <a16:creationId xmlns:a16="http://schemas.microsoft.com/office/drawing/2014/main" id="{FAC901C5-E58F-49A1-B7C3-C7F2AC405786}"/>
+                    </a:ext>
+                  </a:extLst>
+                </p:cNvPr>
+                <p:cNvSpPr/>
+                <p:nvPr/>
+              </p:nvSpPr>
+              <p:spPr>
+                <a:xfrm>
+                  <a:off x="619697" y="3987800"/>
+                  <a:ext cx="2106803" cy="355599"/>
+                </a:xfrm>
+                <a:prstGeom prst="roundRect">
+                  <a:avLst/>
+                </a:prstGeom>
+                <a:noFill/>
+                <a:ln>
+                  <a:solidFill>
+                    <a:schemeClr val="tx1"/>
+                  </a:solidFill>
+                </a:ln>
+              </p:spPr>
+              <p:style>
+                <a:lnRef idx="2">
+                  <a:schemeClr val="accent1">
+                    <a:shade val="50000"/>
+                  </a:schemeClr>
+                </a:lnRef>
+                <a:fillRef idx="1">
+                  <a:schemeClr val="accent1"/>
+                </a:fillRef>
+                <a:effectRef idx="0">
+                  <a:schemeClr val="accent1"/>
+                </a:effectRef>
+                <a:fontRef idx="minor">
+                  <a:schemeClr val="lt1"/>
+                </a:fontRef>
+              </p:style>
+              <p:txBody>
+                <a:bodyPr rtlCol="0" anchor="ctr"/>
+                <a:lstStyle/>
+                <a:p>
+                  <a:r>
+                    <a:rPr lang="en-US" sz="1050" dirty="0">
+                      <a:solidFill>
+                        <a:srgbClr val="0000FF"/>
+                      </a:solidFill>
+                      <a:latin typeface="Consolas" panose="020B0609020204030204" pitchFamily="49" charset="0"/>
+                    </a:rPr>
+                    <a:t>if</a:t>
+                  </a:r>
+                  <a:r>
+                    <a:rPr lang="en-US" sz="1050" dirty="0">
+                      <a:solidFill>
+                        <a:srgbClr val="000000"/>
+                      </a:solidFill>
+                      <a:latin typeface="Consolas" panose="020B0609020204030204" pitchFamily="49" charset="0"/>
+                    </a:rPr>
+                    <a:t> (next &lt; years.Length){</a:t>
+                  </a:r>
+                </a:p>
+              </p:txBody>
+            </p:sp>
+          </p:grpSp>
+          <p:cxnSp>
+            <p:nvCxnSpPr>
+              <p:cNvPr id="10" name="Straight Arrow Connector 9">
+                <a:extLst>
+                  <a:ext uri="{FF2B5EF4-FFF2-40B4-BE49-F238E27FC236}">
+                    <a16:creationId xmlns:a16="http://schemas.microsoft.com/office/drawing/2014/main" id="{C7B8A0CE-AAFF-435D-AFC8-DA8DA1CCC392}"/>
+                  </a:ext>
+                </a:extLst>
+              </p:cNvPr>
+              <p:cNvCxnSpPr>
+                <a:stCxn id="4" idx="2"/>
+                <a:endCxn id="5" idx="0"/>
+              </p:cNvCxnSpPr>
+              <p:nvPr/>
+            </p:nvCxnSpPr>
+            <p:spPr>
+              <a:xfrm flipH="1">
+                <a:off x="1673098" y="2349500"/>
+                <a:ext cx="1" cy="254000"/>
+              </a:xfrm>
+              <a:prstGeom prst="straightConnector1">
+                <a:avLst/>
+              </a:prstGeom>
+              <a:ln>
+                <a:solidFill>
+                  <a:schemeClr val="tx1"/>
+                </a:solidFill>
+                <a:tailEnd type="triangle"/>
+              </a:ln>
+            </p:spPr>
+            <p:style>
+              <a:lnRef idx="1">
+                <a:schemeClr val="accent1"/>
+              </a:lnRef>
+              <a:fillRef idx="0">
+                <a:schemeClr val="accent1"/>
+              </a:fillRef>
+              <a:effectRef idx="0">
+                <a:schemeClr val="accent1"/>
+              </a:effectRef>
+              <a:fontRef idx="minor">
+                <a:schemeClr val="tx1"/>
+              </a:fontRef>
+            </p:style>
+          </p:cxnSp>
+          <p:cxnSp>
+            <p:nvCxnSpPr>
+              <p:cNvPr id="12" name="Straight Arrow Connector 11">
+                <a:extLst>
+                  <a:ext uri="{FF2B5EF4-FFF2-40B4-BE49-F238E27FC236}">
+                    <a16:creationId xmlns:a16="http://schemas.microsoft.com/office/drawing/2014/main" id="{ED2C550C-7344-4356-9E9F-9599C1D2CE04}"/>
+                  </a:ext>
+                </a:extLst>
+              </p:cNvPr>
+              <p:cNvCxnSpPr>
+                <a:cxnSpLocks/>
+                <a:stCxn id="5" idx="2"/>
+                <a:endCxn id="7" idx="0"/>
+              </p:cNvCxnSpPr>
+              <p:nvPr/>
+            </p:nvCxnSpPr>
+            <p:spPr>
+              <a:xfrm flipH="1">
+                <a:off x="1670749" y="3162300"/>
+                <a:ext cx="2349" cy="254001"/>
+              </a:xfrm>
+              <a:prstGeom prst="straightConnector1">
+                <a:avLst/>
+              </a:prstGeom>
+              <a:ln>
+                <a:solidFill>
+                  <a:schemeClr val="tx1"/>
+                </a:solidFill>
+                <a:tailEnd type="triangle"/>
+              </a:ln>
+            </p:spPr>
+            <p:style>
+              <a:lnRef idx="1">
+                <a:schemeClr val="accent1"/>
+              </a:lnRef>
+              <a:fillRef idx="0">
+                <a:schemeClr val="accent1"/>
+              </a:fillRef>
+              <a:effectRef idx="0">
+                <a:schemeClr val="accent1"/>
+              </a:effectRef>
+              <a:fontRef idx="minor">
+                <a:schemeClr val="tx1"/>
+              </a:fontRef>
+            </p:style>
+          </p:cxnSp>
+          <p:cxnSp>
+            <p:nvCxnSpPr>
+              <p:cNvPr id="13" name="Straight Arrow Connector 12">
+                <a:extLst>
+                  <a:ext uri="{FF2B5EF4-FFF2-40B4-BE49-F238E27FC236}">
+                    <a16:creationId xmlns:a16="http://schemas.microsoft.com/office/drawing/2014/main" id="{BE97AF5D-A3A2-43EC-8D88-90CCD63AD896}"/>
+                  </a:ext>
+                </a:extLst>
+              </p:cNvPr>
+              <p:cNvCxnSpPr>
+                <a:cxnSpLocks/>
+                <a:stCxn id="7" idx="2"/>
+                <a:endCxn id="8" idx="0"/>
+              </p:cNvCxnSpPr>
+              <p:nvPr/>
+            </p:nvCxnSpPr>
+            <p:spPr>
+              <a:xfrm>
+                <a:off x="1670749" y="3695701"/>
+                <a:ext cx="2350" cy="292099"/>
+              </a:xfrm>
+              <a:prstGeom prst="straightConnector1">
+                <a:avLst/>
+              </a:prstGeom>
+              <a:ln>
+                <a:solidFill>
+                  <a:schemeClr val="tx1"/>
+                </a:solidFill>
+                <a:tailEnd type="triangle"/>
+              </a:ln>
+            </p:spPr>
+            <p:style>
+              <a:lnRef idx="1">
+                <a:schemeClr val="accent1"/>
+              </a:lnRef>
+              <a:fillRef idx="0">
+                <a:schemeClr val="accent1"/>
+              </a:fillRef>
+              <a:effectRef idx="0">
+                <a:schemeClr val="accent1"/>
+              </a:effectRef>
+              <a:fontRef idx="minor">
+                <a:schemeClr val="tx1"/>
+              </a:fontRef>
+            </p:style>
+          </p:cxnSp>
+        </p:grpSp>
+        <p:cxnSp>
+          <p:nvCxnSpPr>
+            <p:cNvPr id="21" name="Connector: Curved 20">
+              <a:extLst>
+                <a:ext uri="{FF2B5EF4-FFF2-40B4-BE49-F238E27FC236}">
+                  <a16:creationId xmlns:a16="http://schemas.microsoft.com/office/drawing/2014/main" id="{6EA0EB26-9FB0-453D-963A-3EA3B1AC5D2F}"/>
+                </a:ext>
+              </a:extLst>
+            </p:cNvPr>
+            <p:cNvCxnSpPr>
+              <a:cxnSpLocks/>
+              <a:stCxn id="4" idx="3"/>
+              <a:endCxn id="7" idx="3"/>
+            </p:cNvCxnSpPr>
+            <p:nvPr/>
+          </p:nvCxnSpPr>
+          <p:spPr>
+            <a:xfrm flipH="1">
+              <a:off x="2451100" y="2070100"/>
+              <a:ext cx="125349" cy="1485901"/>
+            </a:xfrm>
+            <a:prstGeom prst="curvedConnector3">
+              <a:avLst>
+                <a:gd name="adj1" fmla="val -182371"/>
+              </a:avLst>
+            </a:prstGeom>
+            <a:ln>
+              <a:solidFill>
+                <a:schemeClr val="tx1"/>
+              </a:solidFill>
+              <a:tailEnd type="triangle"/>
+            </a:ln>
+          </p:spPr>
+          <p:style>
+            <a:lnRef idx="1">
+              <a:schemeClr val="accent1"/>
+            </a:lnRef>
+            <a:fillRef idx="0">
+              <a:schemeClr val="accent1"/>
+            </a:fillRef>
+            <a:effectRef idx="0">
+              <a:schemeClr val="accent1"/>
+            </a:effectRef>
+            <a:fontRef idx="minor">
+              <a:schemeClr val="tx1"/>
+            </a:fontRef>
+          </p:style>
+        </p:cxnSp>
+      </p:grpSp>
+      <p:sp>
+        <p:nvSpPr>
+          <p:cNvPr id="70" name="TextBox 69">
+            <a:extLst>
+              <a:ext uri="{FF2B5EF4-FFF2-40B4-BE49-F238E27FC236}">
+                <a16:creationId xmlns:a16="http://schemas.microsoft.com/office/drawing/2014/main" id="{5C06EF6D-619D-41C6-8617-17C4B39D7366}"/>
+              </a:ext>
+            </a:extLst>
+          </p:cNvPr>
+          <p:cNvSpPr txBox="1"/>
+          <p:nvPr/>
+        </p:nvSpPr>
+        <p:spPr>
+          <a:xfrm>
+            <a:off x="530626" y="1916211"/>
+            <a:ext cx="402487" cy="307777"/>
+          </a:xfrm>
+          <a:prstGeom prst="rect">
+            <a:avLst/>
+          </a:prstGeom>
+          <a:noFill/>
+        </p:spPr>
+        <p:txBody>
+          <a:bodyPr wrap="square" rtlCol="0">
+            <a:spAutoFit/>
+          </a:bodyPr>
+          <a:lstStyle/>
+          <a:p>
+            <a:r>
+              <a:rPr lang="en-US" sz="1400" dirty="0"/>
+              <a:t>i</a:t>
+            </a:r>
+          </a:p>
+        </p:txBody>
+      </p:sp>
+      <p:sp>
+        <p:nvSpPr>
+          <p:cNvPr id="71" name="TextBox 70">
+            <a:extLst>
+              <a:ext uri="{FF2B5EF4-FFF2-40B4-BE49-F238E27FC236}">
+                <a16:creationId xmlns:a16="http://schemas.microsoft.com/office/drawing/2014/main" id="{366D791C-C48B-4EDF-A649-A0B8E225D0D9}"/>
+              </a:ext>
+            </a:extLst>
+          </p:cNvPr>
+          <p:cNvSpPr txBox="1"/>
+          <p:nvPr/>
+        </p:nvSpPr>
+        <p:spPr>
+          <a:xfrm>
+            <a:off x="438266" y="2741042"/>
+            <a:ext cx="402487" cy="307777"/>
+          </a:xfrm>
+          <a:prstGeom prst="rect">
+            <a:avLst/>
+          </a:prstGeom>
+          <a:noFill/>
+        </p:spPr>
+        <p:txBody>
+          <a:bodyPr wrap="square" rtlCol="0">
+            <a:spAutoFit/>
+          </a:bodyPr>
+          <a:lstStyle/>
+          <a:p>
+            <a:r>
+              <a:rPr lang="en-US" sz="1400" dirty="0"/>
+              <a:t>i</a:t>
+            </a:r>
+          </a:p>
+        </p:txBody>
+      </p:sp>
+      <p:sp>
+        <p:nvSpPr>
+          <p:cNvPr id="72" name="TextBox 71">
+            <a:extLst>
+              <a:ext uri="{FF2B5EF4-FFF2-40B4-BE49-F238E27FC236}">
+                <a16:creationId xmlns:a16="http://schemas.microsoft.com/office/drawing/2014/main" id="{1437BF0F-9F0E-4849-A074-32749DCEF89C}"/>
+              </a:ext>
+            </a:extLst>
+          </p:cNvPr>
+          <p:cNvSpPr txBox="1"/>
+          <p:nvPr/>
+        </p:nvSpPr>
+        <p:spPr>
+          <a:xfrm>
+            <a:off x="650700" y="3402112"/>
+            <a:ext cx="402487" cy="307777"/>
+          </a:xfrm>
+          <a:prstGeom prst="rect">
+            <a:avLst/>
+          </a:prstGeom>
+          <a:noFill/>
+        </p:spPr>
+        <p:txBody>
+          <a:bodyPr wrap="square" rtlCol="0">
+            <a:spAutoFit/>
+          </a:bodyPr>
+          <a:lstStyle/>
+          <a:p>
+            <a:r>
+              <a:rPr lang="en-US" sz="1400" dirty="0"/>
+              <a:t>i</a:t>
+            </a:r>
+          </a:p>
+        </p:txBody>
+      </p:sp>
+      <p:sp>
+        <p:nvSpPr>
+          <p:cNvPr id="73" name="TextBox 72">
+            <a:extLst>
+              <a:ext uri="{FF2B5EF4-FFF2-40B4-BE49-F238E27FC236}">
+                <a16:creationId xmlns:a16="http://schemas.microsoft.com/office/drawing/2014/main" id="{2FCB3BD7-89ED-44A5-85FE-216091F622A7}"/>
+              </a:ext>
+            </a:extLst>
+          </p:cNvPr>
+          <p:cNvSpPr txBox="1"/>
+          <p:nvPr/>
+        </p:nvSpPr>
+        <p:spPr>
+          <a:xfrm>
+            <a:off x="345901" y="4036033"/>
+            <a:ext cx="402487" cy="307777"/>
+          </a:xfrm>
+          <a:prstGeom prst="rect">
+            <a:avLst/>
+          </a:prstGeom>
+          <a:noFill/>
+        </p:spPr>
+        <p:txBody>
+          <a:bodyPr wrap="square" rtlCol="0">
+            <a:spAutoFit/>
+          </a:bodyPr>
+          <a:lstStyle/>
+          <a:p>
+            <a:r>
+              <a:rPr lang="en-US" sz="1400" dirty="0"/>
+              <a:t>i</a:t>
+            </a:r>
+          </a:p>
+        </p:txBody>
+      </p:sp>
+      <p:grpSp>
+        <p:nvGrpSpPr>
+          <p:cNvPr id="103" name="Group 102">
+            <a:extLst>
+              <a:ext uri="{FF2B5EF4-FFF2-40B4-BE49-F238E27FC236}">
+                <a16:creationId xmlns:a16="http://schemas.microsoft.com/office/drawing/2014/main" id="{E5A68B9F-4FAB-447D-88B4-EAA38C833C79}"/>
+              </a:ext>
+            </a:extLst>
+          </p:cNvPr>
+          <p:cNvGrpSpPr/>
+          <p:nvPr/>
+        </p:nvGrpSpPr>
+        <p:grpSpPr>
+          <a:xfrm>
+            <a:off x="4100004" y="1790700"/>
+            <a:ext cx="2410334" cy="2553110"/>
+            <a:chOff x="2938716" y="1790700"/>
+            <a:chExt cx="2410334" cy="2553110"/>
+          </a:xfrm>
+        </p:grpSpPr>
+        <p:grpSp>
+          <p:nvGrpSpPr>
+            <p:cNvPr id="33" name="Group 32">
+              <a:extLst>
+                <a:ext uri="{FF2B5EF4-FFF2-40B4-BE49-F238E27FC236}">
+                  <a16:creationId xmlns:a16="http://schemas.microsoft.com/office/drawing/2014/main" id="{1E26D3CA-CC9C-42D6-8A84-9BBDB07D72C4}"/>
+                </a:ext>
+              </a:extLst>
+            </p:cNvPr>
+            <p:cNvGrpSpPr/>
+            <p:nvPr/>
+          </p:nvGrpSpPr>
+          <p:grpSpPr>
+            <a:xfrm>
+              <a:off x="3242247" y="1790700"/>
+              <a:ext cx="2106803" cy="2552699"/>
+              <a:chOff x="613347" y="1790700"/>
+              <a:chExt cx="2106803" cy="2552699"/>
+            </a:xfrm>
+          </p:grpSpPr>
+          <p:grpSp>
+            <p:nvGrpSpPr>
+              <p:cNvPr id="34" name="Group 33">
+                <a:extLst>
+                  <a:ext uri="{FF2B5EF4-FFF2-40B4-BE49-F238E27FC236}">
+                    <a16:creationId xmlns:a16="http://schemas.microsoft.com/office/drawing/2014/main" id="{9EAE4BF9-1966-46B9-B727-6BDC844B35CF}"/>
+                  </a:ext>
+                </a:extLst>
+              </p:cNvPr>
+              <p:cNvGrpSpPr/>
+              <p:nvPr/>
+            </p:nvGrpSpPr>
+            <p:grpSpPr>
+              <a:xfrm>
+                <a:off x="613347" y="1790700"/>
+                <a:ext cx="2106803" cy="2552699"/>
+                <a:chOff x="619697" y="1790700"/>
+                <a:chExt cx="2106803" cy="2552699"/>
+              </a:xfrm>
+            </p:grpSpPr>
+            <p:grpSp>
+              <p:nvGrpSpPr>
+                <p:cNvPr id="36" name="Group 35">
+                  <a:extLst>
+                    <a:ext uri="{FF2B5EF4-FFF2-40B4-BE49-F238E27FC236}">
+                      <a16:creationId xmlns:a16="http://schemas.microsoft.com/office/drawing/2014/main" id="{03F3121B-578D-4F91-85AC-4ADCB7CE8850}"/>
+                    </a:ext>
+                  </a:extLst>
+                </p:cNvPr>
+                <p:cNvGrpSpPr/>
+                <p:nvPr/>
+              </p:nvGrpSpPr>
+              <p:grpSpPr>
+                <a:xfrm>
+                  <a:off x="619697" y="1790700"/>
+                  <a:ext cx="2106803" cy="2552699"/>
+                  <a:chOff x="619697" y="1790700"/>
+                  <a:chExt cx="2106803" cy="2552699"/>
+                </a:xfrm>
+              </p:grpSpPr>
+              <p:sp>
+                <p:nvSpPr>
+                  <p:cNvPr id="40" name="Rectangle: Rounded Corners 39">
+                    <a:extLst>
+                      <a:ext uri="{FF2B5EF4-FFF2-40B4-BE49-F238E27FC236}">
+                        <a16:creationId xmlns:a16="http://schemas.microsoft.com/office/drawing/2014/main" id="{41FF26DD-7B7A-4F0A-9121-DE530C47DB5C}"/>
+                      </a:ext>
+                    </a:extLst>
+                  </p:cNvPr>
+                  <p:cNvSpPr/>
+                  <p:nvPr/>
+                </p:nvSpPr>
+                <p:spPr>
+                  <a:xfrm>
+                    <a:off x="763398" y="1790700"/>
+                    <a:ext cx="1819401" cy="558800"/>
+                  </a:xfrm>
+                  <a:prstGeom prst="roundRect">
+                    <a:avLst/>
+                  </a:prstGeom>
+                  <a:noFill/>
+                  <a:ln>
+                    <a:solidFill>
+                      <a:schemeClr val="tx1"/>
+                    </a:solidFill>
+                  </a:ln>
+                </p:spPr>
+                <p:style>
+                  <a:lnRef idx="2">
+                    <a:schemeClr val="accent1">
+                      <a:shade val="50000"/>
+                    </a:schemeClr>
+                  </a:lnRef>
+                  <a:fillRef idx="1">
+                    <a:schemeClr val="accent1"/>
+                  </a:fillRef>
+                  <a:effectRef idx="0">
+                    <a:schemeClr val="accent1"/>
+                  </a:effectRef>
+                  <a:fontRef idx="minor">
+                    <a:schemeClr val="lt1"/>
+                  </a:fontRef>
+                </p:style>
+                <p:txBody>
+                  <a:bodyPr rtlCol="0" anchor="ctr"/>
+                  <a:lstStyle/>
+                  <a:p>
+                    <a:pPr algn="ctr"/>
+                    <a:r>
+                      <a:rPr lang="nn-NO" sz="1050" dirty="0">
+                        <a:solidFill>
+                          <a:srgbClr val="0000FF"/>
+                        </a:solidFill>
+                        <a:latin typeface="Consolas" panose="020B0609020204030204" pitchFamily="49" charset="0"/>
+                      </a:rPr>
+                      <a:t>for</a:t>
+                    </a:r>
+                    <a:r>
+                      <a:rPr lang="nn-NO" sz="1050" dirty="0">
+                        <a:solidFill>
+                          <a:srgbClr val="000000"/>
+                        </a:solidFill>
+                        <a:latin typeface="Consolas" panose="020B0609020204030204" pitchFamily="49" charset="0"/>
+                      </a:rPr>
+                      <a:t> (</a:t>
+                    </a:r>
+                    <a:r>
+                      <a:rPr lang="nn-NO" sz="1050" dirty="0">
+                        <a:solidFill>
+                          <a:srgbClr val="0000FF"/>
+                        </a:solidFill>
+                        <a:latin typeface="Consolas" panose="020B0609020204030204" pitchFamily="49" charset="0"/>
+                      </a:rPr>
+                      <a:t>var</a:t>
+                    </a:r>
+                    <a:r>
+                      <a:rPr lang="nn-NO" sz="1050" dirty="0">
+                        <a:solidFill>
+                          <a:srgbClr val="000000"/>
+                        </a:solidFill>
+                        <a:latin typeface="Consolas" panose="020B0609020204030204" pitchFamily="49" charset="0"/>
+                      </a:rPr>
+                      <a:t> i = 0; i &lt; years.Length; i++)</a:t>
+                    </a:r>
+                    <a:r>
+                      <a:rPr lang="en-US" sz="1050" dirty="0">
+                        <a:solidFill>
+                          <a:srgbClr val="000000"/>
+                        </a:solidFill>
+                        <a:latin typeface="Consolas" panose="020B0609020204030204" pitchFamily="49" charset="0"/>
+                      </a:rPr>
+                      <a:t>{</a:t>
+                    </a:r>
+                  </a:p>
+                </p:txBody>
+              </p:sp>
+              <p:sp>
+                <p:nvSpPr>
+                  <p:cNvPr id="41" name="Rectangle: Rounded Corners 40">
+                    <a:extLst>
+                      <a:ext uri="{FF2B5EF4-FFF2-40B4-BE49-F238E27FC236}">
+                        <a16:creationId xmlns:a16="http://schemas.microsoft.com/office/drawing/2014/main" id="{6BF80F76-3EF3-4B73-977A-C6E10181BB23}"/>
+                      </a:ext>
+                    </a:extLst>
+                  </p:cNvPr>
+                  <p:cNvSpPr/>
+                  <p:nvPr/>
+                </p:nvSpPr>
+                <p:spPr>
+                  <a:xfrm>
+                    <a:off x="657797" y="2603500"/>
+                    <a:ext cx="2030602" cy="558800"/>
+                  </a:xfrm>
+                  <a:prstGeom prst="roundRect">
+                    <a:avLst/>
+                  </a:prstGeom>
+                  <a:noFill/>
+                  <a:ln>
+                    <a:solidFill>
+                      <a:schemeClr val="tx1"/>
+                    </a:solidFill>
+                  </a:ln>
+                </p:spPr>
+                <p:style>
+                  <a:lnRef idx="2">
+                    <a:schemeClr val="accent1">
+                      <a:shade val="50000"/>
+                    </a:schemeClr>
+                  </a:lnRef>
+                  <a:fillRef idx="1">
+                    <a:schemeClr val="accent1"/>
+                  </a:fillRef>
+                  <a:effectRef idx="0">
+                    <a:schemeClr val="accent1"/>
+                  </a:effectRef>
+                  <a:fontRef idx="minor">
+                    <a:schemeClr val="lt1"/>
+                  </a:fontRef>
+                </p:style>
+                <p:txBody>
+                  <a:bodyPr rtlCol="0" anchor="ctr"/>
+                  <a:lstStyle/>
+                  <a:p>
+                    <a:r>
+                      <a:rPr lang="en-US" sz="1050" dirty="0">
+                        <a:solidFill>
+                          <a:srgbClr val="000000"/>
+                        </a:solidFill>
+                        <a:latin typeface="Consolas" panose="020B0609020204030204" pitchFamily="49" charset="0"/>
+                      </a:rPr>
+                      <a:t>yearsPart.Append(years[i].ToString(CultureInfo.InvariantCulture));</a:t>
+                    </a:r>
+                  </a:p>
+                </p:txBody>
+              </p:sp>
+              <p:sp>
+                <p:nvSpPr>
+                  <p:cNvPr id="42" name="Rectangle: Rounded Corners 41">
+                    <a:extLst>
+                      <a:ext uri="{FF2B5EF4-FFF2-40B4-BE49-F238E27FC236}">
+                        <a16:creationId xmlns:a16="http://schemas.microsoft.com/office/drawing/2014/main" id="{BD51D68A-1D28-4DDC-87DC-6631E7CF7922}"/>
+                      </a:ext>
+                    </a:extLst>
+                  </p:cNvPr>
+                  <p:cNvSpPr/>
+                  <p:nvPr/>
+                </p:nvSpPr>
+                <p:spPr>
+                  <a:xfrm>
+                    <a:off x="884047" y="3416301"/>
+                    <a:ext cx="1573403" cy="279400"/>
+                  </a:xfrm>
+                  <a:prstGeom prst="roundRect">
+                    <a:avLst/>
+                  </a:prstGeom>
+                  <a:noFill/>
+                  <a:ln>
+                    <a:solidFill>
+                      <a:schemeClr val="tx1"/>
+                    </a:solidFill>
+                  </a:ln>
+                </p:spPr>
+                <p:style>
+                  <a:lnRef idx="2">
+                    <a:schemeClr val="accent1">
+                      <a:shade val="50000"/>
+                    </a:schemeClr>
+                  </a:lnRef>
+                  <a:fillRef idx="1">
+                    <a:schemeClr val="accent1"/>
+                  </a:fillRef>
+                  <a:effectRef idx="0">
+                    <a:schemeClr val="accent1"/>
+                  </a:effectRef>
+                  <a:fontRef idx="minor">
+                    <a:schemeClr val="lt1"/>
+                  </a:fontRef>
+                </p:style>
+                <p:txBody>
+                  <a:bodyPr rtlCol="0" anchor="ctr"/>
+                  <a:lstStyle/>
+                  <a:p>
+                    <a:r>
+                      <a:rPr lang="en-US" sz="1050" dirty="0">
+                        <a:solidFill>
+                          <a:schemeClr val="accent6">
+                            <a:lumMod val="75000"/>
+                          </a:schemeClr>
+                        </a:solidFill>
+                        <a:latin typeface="Consolas" panose="020B0609020204030204" pitchFamily="49" charset="0"/>
+                      </a:rPr>
+                      <a:t>var next = i + 1;</a:t>
+                    </a:r>
+                  </a:p>
+                </p:txBody>
+              </p:sp>
+              <p:sp>
+                <p:nvSpPr>
+                  <p:cNvPr id="43" name="Rectangle: Rounded Corners 42">
+                    <a:extLst>
+                      <a:ext uri="{FF2B5EF4-FFF2-40B4-BE49-F238E27FC236}">
+                        <a16:creationId xmlns:a16="http://schemas.microsoft.com/office/drawing/2014/main" id="{F3017B1F-6065-43D8-BCF5-81A486A58B3B}"/>
+                      </a:ext>
+                    </a:extLst>
+                  </p:cNvPr>
+                  <p:cNvSpPr/>
+                  <p:nvPr/>
+                </p:nvSpPr>
+                <p:spPr>
+                  <a:xfrm>
+                    <a:off x="619697" y="3987800"/>
+                    <a:ext cx="2106803" cy="355599"/>
+                  </a:xfrm>
+                  <a:prstGeom prst="roundRect">
+                    <a:avLst/>
+                  </a:prstGeom>
+                  <a:noFill/>
+                  <a:ln>
+                    <a:solidFill>
+                      <a:schemeClr val="tx1"/>
+                    </a:solidFill>
+                  </a:ln>
+                </p:spPr>
+                <p:style>
+                  <a:lnRef idx="2">
+                    <a:schemeClr val="accent1">
+                      <a:shade val="50000"/>
+                    </a:schemeClr>
+                  </a:lnRef>
+                  <a:fillRef idx="1">
+                    <a:schemeClr val="accent1"/>
+                  </a:fillRef>
+                  <a:effectRef idx="0">
+                    <a:schemeClr val="accent1"/>
+                  </a:effectRef>
+                  <a:fontRef idx="minor">
+                    <a:schemeClr val="lt1"/>
+                  </a:fontRef>
+                </p:style>
+                <p:txBody>
+                  <a:bodyPr rtlCol="0" anchor="ctr"/>
+                  <a:lstStyle/>
+                  <a:p>
+                    <a:r>
+                      <a:rPr lang="en-US" sz="1050" dirty="0">
+                        <a:solidFill>
+                          <a:srgbClr val="0000FF"/>
+                        </a:solidFill>
+                        <a:latin typeface="Consolas" panose="020B0609020204030204" pitchFamily="49" charset="0"/>
+                      </a:rPr>
+                      <a:t>if</a:t>
+                    </a:r>
+                    <a:r>
+                      <a:rPr lang="en-US" sz="1050" dirty="0">
+                        <a:solidFill>
+                          <a:srgbClr val="000000"/>
+                        </a:solidFill>
+                        <a:latin typeface="Consolas" panose="020B0609020204030204" pitchFamily="49" charset="0"/>
+                      </a:rPr>
+                      <a:t> (next &lt; years.Length){</a:t>
+                    </a:r>
+                  </a:p>
+                </p:txBody>
+              </p:sp>
+            </p:grpSp>
+            <p:cxnSp>
+              <p:nvCxnSpPr>
+                <p:cNvPr id="37" name="Straight Arrow Connector 36">
+                  <a:extLst>
+                    <a:ext uri="{FF2B5EF4-FFF2-40B4-BE49-F238E27FC236}">
+                      <a16:creationId xmlns:a16="http://schemas.microsoft.com/office/drawing/2014/main" id="{4F4D5353-CEA8-4E60-B92D-D60921AF18E6}"/>
+                    </a:ext>
+                  </a:extLst>
+                </p:cNvPr>
+                <p:cNvCxnSpPr>
+                  <a:stCxn id="40" idx="2"/>
+                  <a:endCxn id="41" idx="0"/>
+                </p:cNvCxnSpPr>
+                <p:nvPr/>
+              </p:nvCxnSpPr>
+              <p:spPr>
+                <a:xfrm flipH="1">
+                  <a:off x="1673098" y="2349500"/>
+                  <a:ext cx="1" cy="254000"/>
+                </a:xfrm>
+                <a:prstGeom prst="straightConnector1">
+                  <a:avLst/>
+                </a:prstGeom>
+                <a:ln>
+                  <a:solidFill>
+                    <a:schemeClr val="tx1"/>
+                  </a:solidFill>
+                  <a:tailEnd type="triangle"/>
+                </a:ln>
+              </p:spPr>
+              <p:style>
+                <a:lnRef idx="1">
+                  <a:schemeClr val="accent1"/>
+                </a:lnRef>
+                <a:fillRef idx="0">
+                  <a:schemeClr val="accent1"/>
+                </a:fillRef>
+                <a:effectRef idx="0">
+                  <a:schemeClr val="accent1"/>
+                </a:effectRef>
+                <a:fontRef idx="minor">
+                  <a:schemeClr val="tx1"/>
+                </a:fontRef>
+              </p:style>
+            </p:cxnSp>
+            <p:cxnSp>
+              <p:nvCxnSpPr>
+                <p:cNvPr id="38" name="Straight Arrow Connector 37">
+                  <a:extLst>
+                    <a:ext uri="{FF2B5EF4-FFF2-40B4-BE49-F238E27FC236}">
+                      <a16:creationId xmlns:a16="http://schemas.microsoft.com/office/drawing/2014/main" id="{5CE6CC51-67C9-4794-9D77-464CC4A129CF}"/>
+                    </a:ext>
+                  </a:extLst>
+                </p:cNvPr>
+                <p:cNvCxnSpPr>
+                  <a:cxnSpLocks/>
+                  <a:stCxn id="41" idx="2"/>
+                  <a:endCxn id="42" idx="0"/>
+                </p:cNvCxnSpPr>
+                <p:nvPr/>
+              </p:nvCxnSpPr>
+              <p:spPr>
+                <a:xfrm flipH="1">
+                  <a:off x="1670749" y="3162300"/>
+                  <a:ext cx="2349" cy="254001"/>
+                </a:xfrm>
+                <a:prstGeom prst="straightConnector1">
+                  <a:avLst/>
+                </a:prstGeom>
+                <a:ln>
+                  <a:solidFill>
+                    <a:schemeClr val="tx1"/>
+                  </a:solidFill>
+                  <a:tailEnd type="triangle"/>
+                </a:ln>
+              </p:spPr>
+              <p:style>
+                <a:lnRef idx="1">
+                  <a:schemeClr val="accent1"/>
+                </a:lnRef>
+                <a:fillRef idx="0">
+                  <a:schemeClr val="accent1"/>
+                </a:fillRef>
+                <a:effectRef idx="0">
+                  <a:schemeClr val="accent1"/>
+                </a:effectRef>
+                <a:fontRef idx="minor">
+                  <a:schemeClr val="tx1"/>
+                </a:fontRef>
+              </p:style>
+            </p:cxnSp>
+            <p:cxnSp>
+              <p:nvCxnSpPr>
+                <p:cNvPr id="39" name="Straight Arrow Connector 38">
+                  <a:extLst>
+                    <a:ext uri="{FF2B5EF4-FFF2-40B4-BE49-F238E27FC236}">
+                      <a16:creationId xmlns:a16="http://schemas.microsoft.com/office/drawing/2014/main" id="{C93B47D4-3EA3-47FA-B78A-4186CDF8BFC1}"/>
+                    </a:ext>
+                  </a:extLst>
+                </p:cNvPr>
+                <p:cNvCxnSpPr>
+                  <a:cxnSpLocks/>
+                  <a:stCxn id="42" idx="2"/>
+                  <a:endCxn id="43" idx="0"/>
+                </p:cNvCxnSpPr>
+                <p:nvPr/>
+              </p:nvCxnSpPr>
+              <p:spPr>
+                <a:xfrm>
+                  <a:off x="1670749" y="3695701"/>
+                  <a:ext cx="2350" cy="292099"/>
+                </a:xfrm>
+                <a:prstGeom prst="straightConnector1">
+                  <a:avLst/>
+                </a:prstGeom>
+                <a:ln>
+                  <a:solidFill>
+                    <a:schemeClr val="tx1"/>
+                  </a:solidFill>
+                  <a:tailEnd type="triangle"/>
+                </a:ln>
+              </p:spPr>
+              <p:style>
+                <a:lnRef idx="1">
+                  <a:schemeClr val="accent1"/>
+                </a:lnRef>
+                <a:fillRef idx="0">
+                  <a:schemeClr val="accent1"/>
+                </a:fillRef>
+                <a:effectRef idx="0">
+                  <a:schemeClr val="accent1"/>
+                </a:effectRef>
+                <a:fontRef idx="minor">
+                  <a:schemeClr val="tx1"/>
+                </a:fontRef>
+              </p:style>
+            </p:cxnSp>
+          </p:grpSp>
+          <p:cxnSp>
+            <p:nvCxnSpPr>
+              <p:cNvPr id="35" name="Connector: Curved 34">
+                <a:extLst>
+                  <a:ext uri="{FF2B5EF4-FFF2-40B4-BE49-F238E27FC236}">
+                    <a16:creationId xmlns:a16="http://schemas.microsoft.com/office/drawing/2014/main" id="{1D2A4C0B-BD2F-47A1-896B-181F72361792}"/>
+                  </a:ext>
+                </a:extLst>
+              </p:cNvPr>
+              <p:cNvCxnSpPr>
+                <a:cxnSpLocks/>
+                <a:stCxn id="40" idx="3"/>
+                <a:endCxn id="42" idx="3"/>
+              </p:cNvCxnSpPr>
+              <p:nvPr/>
+            </p:nvCxnSpPr>
+            <p:spPr>
+              <a:xfrm flipH="1">
+                <a:off x="2451100" y="2070100"/>
+                <a:ext cx="125349" cy="1485901"/>
+              </a:xfrm>
+              <a:prstGeom prst="curvedConnector3">
+                <a:avLst>
+                  <a:gd name="adj1" fmla="val -182371"/>
+                </a:avLst>
+              </a:prstGeom>
+              <a:ln>
+                <a:solidFill>
+                  <a:schemeClr val="tx1"/>
+                </a:solidFill>
+                <a:tailEnd type="triangle"/>
+              </a:ln>
+            </p:spPr>
+            <p:style>
+              <a:lnRef idx="1">
+                <a:schemeClr val="accent1"/>
+              </a:lnRef>
+              <a:fillRef idx="0">
+                <a:schemeClr val="accent1"/>
+              </a:fillRef>
+              <a:effectRef idx="0">
+                <a:schemeClr val="accent1"/>
+              </a:effectRef>
+              <a:fontRef idx="minor">
+                <a:schemeClr val="tx1"/>
+              </a:fontRef>
+            </p:style>
+          </p:cxnSp>
+        </p:grpSp>
+        <p:sp>
+          <p:nvSpPr>
+            <p:cNvPr id="74" name="TextBox 73">
+              <a:extLst>
+                <a:ext uri="{FF2B5EF4-FFF2-40B4-BE49-F238E27FC236}">
+                  <a16:creationId xmlns:a16="http://schemas.microsoft.com/office/drawing/2014/main" id="{B40DD140-3173-47A5-89B6-74DC3DFB982E}"/>
+                </a:ext>
+              </a:extLst>
+            </p:cNvPr>
+            <p:cNvSpPr txBox="1"/>
+            <p:nvPr/>
+          </p:nvSpPr>
+          <p:spPr>
+            <a:xfrm>
+              <a:off x="3123441" y="1916211"/>
+              <a:ext cx="402487" cy="307777"/>
+            </a:xfrm>
+            <a:prstGeom prst="rect">
+              <a:avLst/>
+            </a:prstGeom>
+            <a:noFill/>
+          </p:spPr>
+          <p:txBody>
+            <a:bodyPr wrap="square" rtlCol="0">
+              <a:spAutoFit/>
+            </a:bodyPr>
+            <a:lstStyle/>
+            <a:p>
+              <a:r>
+                <a:rPr lang="en-US" sz="1400" dirty="0"/>
+                <a:t>j</a:t>
+              </a:r>
+            </a:p>
+          </p:txBody>
+        </p:sp>
+        <p:sp>
+          <p:nvSpPr>
+            <p:cNvPr id="75" name="TextBox 74">
+              <a:extLst>
+                <a:ext uri="{FF2B5EF4-FFF2-40B4-BE49-F238E27FC236}">
+                  <a16:creationId xmlns:a16="http://schemas.microsoft.com/office/drawing/2014/main" id="{60928F17-E4EC-4E97-AC57-51624217B2F6}"/>
+                </a:ext>
+              </a:extLst>
+            </p:cNvPr>
+            <p:cNvSpPr txBox="1"/>
+            <p:nvPr/>
+          </p:nvSpPr>
+          <p:spPr>
+            <a:xfrm>
+              <a:off x="3031081" y="2741042"/>
+              <a:ext cx="402487" cy="307777"/>
+            </a:xfrm>
+            <a:prstGeom prst="rect">
+              <a:avLst/>
+            </a:prstGeom>
+            <a:noFill/>
+          </p:spPr>
+          <p:txBody>
+            <a:bodyPr wrap="square" rtlCol="0">
+              <a:spAutoFit/>
+            </a:bodyPr>
+            <a:lstStyle/>
+            <a:p>
+              <a:r>
+                <a:rPr lang="en-US" sz="1400" dirty="0"/>
+                <a:t>j</a:t>
+              </a:r>
+            </a:p>
+          </p:txBody>
+        </p:sp>
+        <p:sp>
+          <p:nvSpPr>
+            <p:cNvPr id="76" name="TextBox 75">
+              <a:extLst>
+                <a:ext uri="{FF2B5EF4-FFF2-40B4-BE49-F238E27FC236}">
+                  <a16:creationId xmlns:a16="http://schemas.microsoft.com/office/drawing/2014/main" id="{3E1733C8-CCB5-4268-89BB-22B3CBD21A2D}"/>
+                </a:ext>
+              </a:extLst>
+            </p:cNvPr>
+            <p:cNvSpPr txBox="1"/>
+            <p:nvPr/>
+          </p:nvSpPr>
+          <p:spPr>
+            <a:xfrm>
+              <a:off x="3243515" y="3402112"/>
+              <a:ext cx="402487" cy="307777"/>
+            </a:xfrm>
+            <a:prstGeom prst="rect">
+              <a:avLst/>
+            </a:prstGeom>
+            <a:noFill/>
+          </p:spPr>
+          <p:txBody>
+            <a:bodyPr wrap="square" rtlCol="0">
+              <a:spAutoFit/>
+            </a:bodyPr>
+            <a:lstStyle/>
+            <a:p>
+              <a:r>
+                <a:rPr lang="en-US" sz="1400" dirty="0"/>
+                <a:t>j</a:t>
+              </a:r>
+            </a:p>
+          </p:txBody>
+        </p:sp>
+        <p:sp>
+          <p:nvSpPr>
+            <p:cNvPr id="77" name="TextBox 76">
+              <a:extLst>
+                <a:ext uri="{FF2B5EF4-FFF2-40B4-BE49-F238E27FC236}">
+                  <a16:creationId xmlns:a16="http://schemas.microsoft.com/office/drawing/2014/main" id="{7409C60B-CE59-4EC5-ABF3-2CF8BBC29962}"/>
+                </a:ext>
+              </a:extLst>
+            </p:cNvPr>
+            <p:cNvSpPr txBox="1"/>
+            <p:nvPr/>
+          </p:nvSpPr>
+          <p:spPr>
+            <a:xfrm>
+              <a:off x="2938716" y="4036033"/>
+              <a:ext cx="402487" cy="307777"/>
+            </a:xfrm>
+            <a:prstGeom prst="rect">
+              <a:avLst/>
+            </a:prstGeom>
+            <a:noFill/>
+          </p:spPr>
+          <p:txBody>
+            <a:bodyPr wrap="square" rtlCol="0">
+              <a:spAutoFit/>
+            </a:bodyPr>
+            <a:lstStyle/>
+            <a:p>
+              <a:r>
+                <a:rPr lang="en-US" sz="1400" dirty="0"/>
+                <a:t>j</a:t>
+              </a:r>
+            </a:p>
+          </p:txBody>
+        </p:sp>
+      </p:grpSp>
+      <p:grpSp>
+        <p:nvGrpSpPr>
+          <p:cNvPr id="102" name="Group 101">
+            <a:extLst>
+              <a:ext uri="{FF2B5EF4-FFF2-40B4-BE49-F238E27FC236}">
+                <a16:creationId xmlns:a16="http://schemas.microsoft.com/office/drawing/2014/main" id="{BE23BCD3-3765-4843-9F69-E28F89F96CEA}"/>
+              </a:ext>
+            </a:extLst>
+          </p:cNvPr>
+          <p:cNvGrpSpPr/>
+          <p:nvPr/>
+        </p:nvGrpSpPr>
+        <p:grpSpPr>
+          <a:xfrm>
+            <a:off x="5545314" y="1249680"/>
+            <a:ext cx="2577416" cy="3107726"/>
+            <a:chOff x="5545314" y="1249680"/>
+            <a:chExt cx="2577416" cy="3107726"/>
+          </a:xfrm>
+        </p:grpSpPr>
+        <p:grpSp>
+          <p:nvGrpSpPr>
+            <p:cNvPr id="69" name="Group 68">
+              <a:extLst>
+                <a:ext uri="{FF2B5EF4-FFF2-40B4-BE49-F238E27FC236}">
+                  <a16:creationId xmlns:a16="http://schemas.microsoft.com/office/drawing/2014/main" id="{E2162E77-7CA8-472C-BC4A-838BFF7A5723}"/>
+                </a:ext>
+              </a:extLst>
+            </p:cNvPr>
+            <p:cNvGrpSpPr/>
+            <p:nvPr/>
+          </p:nvGrpSpPr>
+          <p:grpSpPr>
+            <a:xfrm>
+              <a:off x="6015927" y="1249680"/>
+              <a:ext cx="2106803" cy="3093719"/>
+              <a:chOff x="6015927" y="1249680"/>
+              <a:chExt cx="2106803" cy="3093719"/>
+            </a:xfrm>
+          </p:grpSpPr>
+          <p:grpSp>
+            <p:nvGrpSpPr>
+              <p:cNvPr id="56" name="Group 55">
+                <a:extLst>
+                  <a:ext uri="{FF2B5EF4-FFF2-40B4-BE49-F238E27FC236}">
+                    <a16:creationId xmlns:a16="http://schemas.microsoft.com/office/drawing/2014/main" id="{3AED9810-429F-4CDB-B648-AF1BDAE7AF35}"/>
+                  </a:ext>
+                </a:extLst>
+              </p:cNvPr>
+              <p:cNvGrpSpPr/>
+              <p:nvPr/>
+            </p:nvGrpSpPr>
+            <p:grpSpPr>
+              <a:xfrm>
+                <a:off x="6015927" y="1249680"/>
+                <a:ext cx="2106803" cy="3093719"/>
+                <a:chOff x="6015927" y="1249680"/>
+                <a:chExt cx="2106803" cy="3093719"/>
+              </a:xfrm>
+            </p:grpSpPr>
+            <p:grpSp>
+              <p:nvGrpSpPr>
+                <p:cNvPr id="44" name="Group 43">
+                  <a:extLst>
+                    <a:ext uri="{FF2B5EF4-FFF2-40B4-BE49-F238E27FC236}">
+                      <a16:creationId xmlns:a16="http://schemas.microsoft.com/office/drawing/2014/main" id="{2401977A-6A88-4567-BA51-DB33D38F68C3}"/>
+                    </a:ext>
+                  </a:extLst>
+                </p:cNvPr>
+                <p:cNvGrpSpPr/>
+                <p:nvPr/>
+              </p:nvGrpSpPr>
+              <p:grpSpPr>
+                <a:xfrm>
+                  <a:off x="6015927" y="1249680"/>
+                  <a:ext cx="2106803" cy="3093719"/>
+                  <a:chOff x="613347" y="1249680"/>
+                  <a:chExt cx="2106803" cy="3093719"/>
+                </a:xfrm>
+              </p:grpSpPr>
+              <p:grpSp>
+                <p:nvGrpSpPr>
+                  <p:cNvPr id="45" name="Group 44">
+                    <a:extLst>
+                      <a:ext uri="{FF2B5EF4-FFF2-40B4-BE49-F238E27FC236}">
+                        <a16:creationId xmlns:a16="http://schemas.microsoft.com/office/drawing/2014/main" id="{03504D36-1F52-43C5-AF1C-A0A08ECF14D5}"/>
+                      </a:ext>
+                    </a:extLst>
+                  </p:cNvPr>
+                  <p:cNvGrpSpPr/>
+                  <p:nvPr/>
+                </p:nvGrpSpPr>
+                <p:grpSpPr>
+                  <a:xfrm>
+                    <a:off x="613347" y="1249680"/>
+                    <a:ext cx="2106803" cy="3093719"/>
+                    <a:chOff x="619697" y="1249680"/>
+                    <a:chExt cx="2106803" cy="3093719"/>
+                  </a:xfrm>
+                </p:grpSpPr>
+                <p:grpSp>
+                  <p:nvGrpSpPr>
+                    <p:cNvPr id="47" name="Group 46">
+                      <a:extLst>
+                        <a:ext uri="{FF2B5EF4-FFF2-40B4-BE49-F238E27FC236}">
+                          <a16:creationId xmlns:a16="http://schemas.microsoft.com/office/drawing/2014/main" id="{EDE3EFCD-838D-4E0B-B9FD-AB463B2A222B}"/>
+                        </a:ext>
+                      </a:extLst>
+                    </p:cNvPr>
+                    <p:cNvGrpSpPr/>
+                    <p:nvPr/>
+                  </p:nvGrpSpPr>
+                  <p:grpSpPr>
+                    <a:xfrm>
+                      <a:off x="619697" y="1249680"/>
+                      <a:ext cx="2106803" cy="3093719"/>
+                      <a:chOff x="619697" y="1249680"/>
+                      <a:chExt cx="2106803" cy="3093719"/>
+                    </a:xfrm>
+                  </p:grpSpPr>
+                  <p:sp>
+                    <p:nvSpPr>
+                      <p:cNvPr id="51" name="Rectangle: Rounded Corners 50">
+                        <a:extLst>
+                          <a:ext uri="{FF2B5EF4-FFF2-40B4-BE49-F238E27FC236}">
+                            <a16:creationId xmlns:a16="http://schemas.microsoft.com/office/drawing/2014/main" id="{7DCAA037-C509-42B0-B1A6-BF3CB036FD00}"/>
+                          </a:ext>
+                        </a:extLst>
+                      </p:cNvPr>
+                      <p:cNvSpPr/>
+                      <p:nvPr/>
+                    </p:nvSpPr>
+                    <p:spPr>
+                      <a:xfrm>
+                        <a:off x="763398" y="1249680"/>
+                        <a:ext cx="1819401" cy="558800"/>
+                      </a:xfrm>
+                      <a:prstGeom prst="roundRect">
+                        <a:avLst/>
+                      </a:prstGeom>
+                      <a:noFill/>
+                      <a:ln>
+                        <a:solidFill>
+                          <a:schemeClr val="tx1"/>
+                        </a:solidFill>
+                      </a:ln>
+                    </p:spPr>
+                    <p:style>
+                      <a:lnRef idx="2">
+                        <a:schemeClr val="accent1">
+                          <a:shade val="50000"/>
+                        </a:schemeClr>
+                      </a:lnRef>
+                      <a:fillRef idx="1">
+                        <a:schemeClr val="accent1"/>
+                      </a:fillRef>
+                      <a:effectRef idx="0">
+                        <a:schemeClr val="accent1"/>
+                      </a:effectRef>
+                      <a:fontRef idx="minor">
+                        <a:schemeClr val="lt1"/>
+                      </a:fontRef>
+                    </p:style>
+                    <p:txBody>
+                      <a:bodyPr rtlCol="0" anchor="ctr"/>
+                      <a:lstStyle/>
+                      <a:p>
+                        <a:pPr algn="ctr"/>
+                        <a:r>
+                          <a:rPr lang="nn-NO" sz="1050" dirty="0">
+                            <a:solidFill>
+                              <a:srgbClr val="0000FF"/>
+                            </a:solidFill>
+                            <a:latin typeface="Consolas" panose="020B0609020204030204" pitchFamily="49" charset="0"/>
+                          </a:rPr>
+                          <a:t>for</a:t>
+                        </a:r>
+                        <a:r>
+                          <a:rPr lang="nn-NO" sz="1050" dirty="0">
+                            <a:solidFill>
+                              <a:srgbClr val="000000"/>
+                            </a:solidFill>
+                            <a:latin typeface="Consolas" panose="020B0609020204030204" pitchFamily="49" charset="0"/>
+                          </a:rPr>
+                          <a:t> (</a:t>
+                        </a:r>
+                        <a:r>
+                          <a:rPr lang="nn-NO" sz="1050" dirty="0">
+                            <a:solidFill>
+                              <a:srgbClr val="0000FF"/>
+                            </a:solidFill>
+                            <a:latin typeface="Consolas" panose="020B0609020204030204" pitchFamily="49" charset="0"/>
+                          </a:rPr>
+                          <a:t>var</a:t>
+                        </a:r>
+                        <a:r>
+                          <a:rPr lang="nn-NO" sz="1050" dirty="0">
+                            <a:solidFill>
+                              <a:srgbClr val="000000"/>
+                            </a:solidFill>
+                            <a:latin typeface="Consolas" panose="020B0609020204030204" pitchFamily="49" charset="0"/>
+                          </a:rPr>
+                          <a:t> i = 0; i &lt; years.Length; i++)</a:t>
+                        </a:r>
+                        <a:r>
+                          <a:rPr lang="en-US" sz="1050" dirty="0">
+                            <a:solidFill>
+                              <a:srgbClr val="000000"/>
+                            </a:solidFill>
+                            <a:latin typeface="Consolas" panose="020B0609020204030204" pitchFamily="49" charset="0"/>
+                          </a:rPr>
+                          <a:t>{</a:t>
+                        </a:r>
+                      </a:p>
+                    </p:txBody>
+                  </p:sp>
+                  <p:sp>
+                    <p:nvSpPr>
+                      <p:cNvPr id="52" name="Rectangle: Rounded Corners 51">
+                        <a:extLst>
+                          <a:ext uri="{FF2B5EF4-FFF2-40B4-BE49-F238E27FC236}">
+                            <a16:creationId xmlns:a16="http://schemas.microsoft.com/office/drawing/2014/main" id="{1BBB5C2F-DF77-4033-A164-715D39A18E92}"/>
+                          </a:ext>
+                        </a:extLst>
+                      </p:cNvPr>
+                      <p:cNvSpPr/>
+                      <p:nvPr/>
+                    </p:nvSpPr>
+                    <p:spPr>
+                      <a:xfrm>
+                        <a:off x="657797" y="2062480"/>
+                        <a:ext cx="2030602" cy="558800"/>
+                      </a:xfrm>
+                      <a:prstGeom prst="roundRect">
+                        <a:avLst/>
+                      </a:prstGeom>
+                      <a:noFill/>
+                      <a:ln>
+                        <a:solidFill>
+                          <a:schemeClr val="tx1"/>
+                        </a:solidFill>
+                      </a:ln>
+                    </p:spPr>
+                    <p:style>
+                      <a:lnRef idx="2">
+                        <a:schemeClr val="accent1">
+                          <a:shade val="50000"/>
+                        </a:schemeClr>
+                      </a:lnRef>
+                      <a:fillRef idx="1">
+                        <a:schemeClr val="accent1"/>
+                      </a:fillRef>
+                      <a:effectRef idx="0">
+                        <a:schemeClr val="accent1"/>
+                      </a:effectRef>
+                      <a:fontRef idx="minor">
+                        <a:schemeClr val="lt1"/>
+                      </a:fontRef>
+                    </p:style>
+                    <p:txBody>
+                      <a:bodyPr rtlCol="0" anchor="ctr"/>
+                      <a:lstStyle/>
+                      <a:p>
+                        <a:r>
+                          <a:rPr lang="en-US" sz="1050" dirty="0">
+                            <a:solidFill>
+                              <a:srgbClr val="000000"/>
+                            </a:solidFill>
+                            <a:latin typeface="Consolas" panose="020B0609020204030204" pitchFamily="49" charset="0"/>
+                          </a:rPr>
+                          <a:t>yearsPart.Append(years[i].ToString(CultureInfo.InvariantCulture));</a:t>
+                        </a:r>
+                      </a:p>
+                    </p:txBody>
+                  </p:sp>
+                  <p:sp>
+                    <p:nvSpPr>
+                      <p:cNvPr id="53" name="Rectangle: Rounded Corners 52">
+                        <a:extLst>
+                          <a:ext uri="{FF2B5EF4-FFF2-40B4-BE49-F238E27FC236}">
+                            <a16:creationId xmlns:a16="http://schemas.microsoft.com/office/drawing/2014/main" id="{30BB9309-DD8D-4ADB-9026-464BF994D49E}"/>
+                          </a:ext>
+                        </a:extLst>
+                      </p:cNvPr>
+                      <p:cNvSpPr/>
+                      <p:nvPr/>
+                    </p:nvSpPr>
+                    <p:spPr>
+                      <a:xfrm>
+                        <a:off x="884047" y="3416301"/>
+                        <a:ext cx="1573403" cy="279400"/>
+                      </a:xfrm>
+                      <a:prstGeom prst="roundRect">
+                        <a:avLst/>
+                      </a:prstGeom>
+                      <a:noFill/>
+                      <a:ln>
+                        <a:solidFill>
+                          <a:schemeClr val="tx1"/>
+                        </a:solidFill>
+                      </a:ln>
+                    </p:spPr>
+                    <p:style>
+                      <a:lnRef idx="2">
+                        <a:schemeClr val="accent1">
+                          <a:shade val="50000"/>
+                        </a:schemeClr>
+                      </a:lnRef>
+                      <a:fillRef idx="1">
+                        <a:schemeClr val="accent1"/>
+                      </a:fillRef>
+                      <a:effectRef idx="0">
+                        <a:schemeClr val="accent1"/>
+                      </a:effectRef>
+                      <a:fontRef idx="minor">
+                        <a:schemeClr val="lt1"/>
+                      </a:fontRef>
+                    </p:style>
+                    <p:txBody>
+                      <a:bodyPr rtlCol="0" anchor="ctr"/>
+                      <a:lstStyle/>
+                      <a:p>
+                        <a:r>
+                          <a:rPr lang="en-US" sz="1050" dirty="0">
+                            <a:solidFill>
+                              <a:schemeClr val="accent6">
+                                <a:lumMod val="75000"/>
+                              </a:schemeClr>
+                            </a:solidFill>
+                            <a:latin typeface="Consolas" panose="020B0609020204030204" pitchFamily="49" charset="0"/>
+                          </a:rPr>
+                          <a:t>var next = i + 1;</a:t>
+                        </a:r>
+                      </a:p>
+                    </p:txBody>
+                  </p:sp>
+                  <p:sp>
+                    <p:nvSpPr>
+                      <p:cNvPr id="54" name="Rectangle: Rounded Corners 53">
+                        <a:extLst>
+                          <a:ext uri="{FF2B5EF4-FFF2-40B4-BE49-F238E27FC236}">
+                            <a16:creationId xmlns:a16="http://schemas.microsoft.com/office/drawing/2014/main" id="{9516DE00-7D85-46EA-8543-768411D93BE7}"/>
+                          </a:ext>
+                        </a:extLst>
+                      </p:cNvPr>
+                      <p:cNvSpPr/>
+                      <p:nvPr/>
+                    </p:nvSpPr>
+                    <p:spPr>
+                      <a:xfrm>
+                        <a:off x="619697" y="3987800"/>
+                        <a:ext cx="2106803" cy="355599"/>
+                      </a:xfrm>
+                      <a:prstGeom prst="roundRect">
+                        <a:avLst/>
+                      </a:prstGeom>
+                      <a:noFill/>
+                      <a:ln>
+                        <a:solidFill>
+                          <a:schemeClr val="tx1"/>
+                        </a:solidFill>
+                      </a:ln>
+                    </p:spPr>
+                    <p:style>
+                      <a:lnRef idx="2">
+                        <a:schemeClr val="accent1">
+                          <a:shade val="50000"/>
+                        </a:schemeClr>
+                      </a:lnRef>
+                      <a:fillRef idx="1">
+                        <a:schemeClr val="accent1"/>
+                      </a:fillRef>
+                      <a:effectRef idx="0">
+                        <a:schemeClr val="accent1"/>
+                      </a:effectRef>
+                      <a:fontRef idx="minor">
+                        <a:schemeClr val="lt1"/>
+                      </a:fontRef>
+                    </p:style>
+                    <p:txBody>
+                      <a:bodyPr rtlCol="0" anchor="ctr"/>
+                      <a:lstStyle/>
+                      <a:p>
+                        <a:r>
+                          <a:rPr lang="en-US" sz="1050" dirty="0">
+                            <a:solidFill>
+                              <a:srgbClr val="0000FF"/>
+                            </a:solidFill>
+                            <a:latin typeface="Consolas" panose="020B0609020204030204" pitchFamily="49" charset="0"/>
+                          </a:rPr>
+                          <a:t>if</a:t>
+                        </a:r>
+                        <a:r>
+                          <a:rPr lang="en-US" sz="1050" dirty="0">
+                            <a:solidFill>
+                              <a:srgbClr val="000000"/>
+                            </a:solidFill>
+                            <a:latin typeface="Consolas" panose="020B0609020204030204" pitchFamily="49" charset="0"/>
+                          </a:rPr>
+                          <a:t> (next &lt; years.Length){</a:t>
+                        </a:r>
+                      </a:p>
+                    </p:txBody>
+                  </p:sp>
+                </p:grpSp>
+                <p:cxnSp>
+                  <p:nvCxnSpPr>
+                    <p:cNvPr id="48" name="Straight Arrow Connector 47">
+                      <a:extLst>
+                        <a:ext uri="{FF2B5EF4-FFF2-40B4-BE49-F238E27FC236}">
+                          <a16:creationId xmlns:a16="http://schemas.microsoft.com/office/drawing/2014/main" id="{E107FDF1-187C-46CB-8409-26132F70DC4A}"/>
+                        </a:ext>
+                      </a:extLst>
+                    </p:cNvPr>
+                    <p:cNvCxnSpPr>
+                      <a:stCxn id="51" idx="2"/>
+                      <a:endCxn id="52" idx="0"/>
+                    </p:cNvCxnSpPr>
+                    <p:nvPr/>
+                  </p:nvCxnSpPr>
+                  <p:spPr>
+                    <a:xfrm flipH="1">
+                      <a:off x="1673098" y="1808480"/>
+                      <a:ext cx="1" cy="254000"/>
+                    </a:xfrm>
+                    <a:prstGeom prst="straightConnector1">
+                      <a:avLst/>
+                    </a:prstGeom>
+                    <a:ln>
+                      <a:solidFill>
+                        <a:schemeClr val="tx1"/>
+                      </a:solidFill>
+                      <a:tailEnd type="triangle"/>
+                    </a:ln>
+                  </p:spPr>
+                  <p:style>
+                    <a:lnRef idx="1">
+                      <a:schemeClr val="accent1"/>
+                    </a:lnRef>
+                    <a:fillRef idx="0">
+                      <a:schemeClr val="accent1"/>
+                    </a:fillRef>
+                    <a:effectRef idx="0">
+                      <a:schemeClr val="accent1"/>
+                    </a:effectRef>
+                    <a:fontRef idx="minor">
+                      <a:schemeClr val="tx1"/>
+                    </a:fontRef>
+                  </p:style>
+                </p:cxnSp>
+                <p:cxnSp>
+                  <p:nvCxnSpPr>
+                    <p:cNvPr id="49" name="Straight Arrow Connector 48">
+                      <a:extLst>
+                        <a:ext uri="{FF2B5EF4-FFF2-40B4-BE49-F238E27FC236}">
+                          <a16:creationId xmlns:a16="http://schemas.microsoft.com/office/drawing/2014/main" id="{450F5DA7-A670-4CE7-B410-1EE2E787FC5A}"/>
+                        </a:ext>
+                      </a:extLst>
+                    </p:cNvPr>
+                    <p:cNvCxnSpPr>
+                      <a:cxnSpLocks/>
+                      <a:stCxn id="52" idx="2"/>
+                      <a:endCxn id="55" idx="0"/>
+                    </p:cNvCxnSpPr>
+                    <p:nvPr/>
+                  </p:nvCxnSpPr>
+                  <p:spPr>
+                    <a:xfrm>
+                      <a:off x="1673098" y="2621280"/>
+                      <a:ext cx="2731" cy="261620"/>
+                    </a:xfrm>
+                    <a:prstGeom prst="straightConnector1">
+                      <a:avLst/>
+                    </a:prstGeom>
+                    <a:ln>
+                      <a:solidFill>
+                        <a:srgbClr val="FF0000"/>
+                      </a:solidFill>
+                      <a:tailEnd type="triangle"/>
+                    </a:ln>
+                  </p:spPr>
+                  <p:style>
+                    <a:lnRef idx="1">
+                      <a:schemeClr val="accent1"/>
+                    </a:lnRef>
+                    <a:fillRef idx="0">
+                      <a:schemeClr val="accent1"/>
+                    </a:fillRef>
+                    <a:effectRef idx="0">
+                      <a:schemeClr val="accent1"/>
+                    </a:effectRef>
+                    <a:fontRef idx="minor">
+                      <a:schemeClr val="tx1"/>
+                    </a:fontRef>
+                  </p:style>
+                </p:cxnSp>
+                <p:cxnSp>
+                  <p:nvCxnSpPr>
+                    <p:cNvPr id="50" name="Straight Arrow Connector 49">
+                      <a:extLst>
+                        <a:ext uri="{FF2B5EF4-FFF2-40B4-BE49-F238E27FC236}">
+                          <a16:creationId xmlns:a16="http://schemas.microsoft.com/office/drawing/2014/main" id="{B5AF779C-2169-4C6E-9E6D-50A857728F98}"/>
+                        </a:ext>
+                      </a:extLst>
+                    </p:cNvPr>
+                    <p:cNvCxnSpPr>
+                      <a:cxnSpLocks/>
+                      <a:stCxn id="53" idx="2"/>
+                      <a:endCxn id="54" idx="0"/>
+                    </p:cNvCxnSpPr>
+                    <p:nvPr/>
+                  </p:nvCxnSpPr>
+                  <p:spPr>
+                    <a:xfrm>
+                      <a:off x="1670749" y="3695701"/>
+                      <a:ext cx="2350" cy="292099"/>
+                    </a:xfrm>
+                    <a:prstGeom prst="straightConnector1">
+                      <a:avLst/>
+                    </a:prstGeom>
+                    <a:ln>
+                      <a:solidFill>
+                        <a:schemeClr val="accent6">
+                          <a:lumMod val="75000"/>
+                        </a:schemeClr>
+                      </a:solidFill>
+                      <a:tailEnd type="triangle"/>
+                    </a:ln>
+                  </p:spPr>
+                  <p:style>
+                    <a:lnRef idx="1">
+                      <a:schemeClr val="accent1"/>
+                    </a:lnRef>
+                    <a:fillRef idx="0">
+                      <a:schemeClr val="accent1"/>
+                    </a:fillRef>
+                    <a:effectRef idx="0">
+                      <a:schemeClr val="accent1"/>
+                    </a:effectRef>
+                    <a:fontRef idx="minor">
+                      <a:schemeClr val="tx1"/>
+                    </a:fontRef>
+                  </p:style>
+                </p:cxnSp>
+              </p:grpSp>
+              <p:cxnSp>
+                <p:nvCxnSpPr>
+                  <p:cNvPr id="46" name="Connector: Curved 45">
+                    <a:extLst>
+                      <a:ext uri="{FF2B5EF4-FFF2-40B4-BE49-F238E27FC236}">
+                        <a16:creationId xmlns:a16="http://schemas.microsoft.com/office/drawing/2014/main" id="{B829DA50-420E-4145-A09A-AB026885ECB2}"/>
+                      </a:ext>
+                    </a:extLst>
+                  </p:cNvPr>
+                  <p:cNvCxnSpPr>
+                    <a:cxnSpLocks/>
+                    <a:stCxn id="51" idx="3"/>
+                    <a:endCxn id="53" idx="3"/>
+                  </p:cNvCxnSpPr>
+                  <p:nvPr/>
+                </p:nvCxnSpPr>
+                <p:spPr>
+                  <a:xfrm flipH="1">
+                    <a:off x="2451100" y="1529080"/>
+                    <a:ext cx="125349" cy="2026921"/>
+                  </a:xfrm>
+                  <a:prstGeom prst="curvedConnector3">
+                    <a:avLst>
+                      <a:gd name="adj1" fmla="val -632219"/>
+                    </a:avLst>
+                  </a:prstGeom>
+                  <a:ln>
+                    <a:solidFill>
+                      <a:schemeClr val="accent6">
+                        <a:lumMod val="75000"/>
+                      </a:schemeClr>
+                    </a:solidFill>
+                    <a:tailEnd type="triangle"/>
+                  </a:ln>
+                </p:spPr>
+                <p:style>
+                  <a:lnRef idx="1">
+                    <a:schemeClr val="accent1"/>
+                  </a:lnRef>
+                  <a:fillRef idx="0">
+                    <a:schemeClr val="accent1"/>
+                  </a:fillRef>
+                  <a:effectRef idx="0">
+                    <a:schemeClr val="accent1"/>
+                  </a:effectRef>
+                  <a:fontRef idx="minor">
+                    <a:schemeClr val="tx1"/>
+                  </a:fontRef>
+                </p:style>
+              </p:cxnSp>
+              <p:cxnSp>
+                <p:nvCxnSpPr>
+                  <p:cNvPr id="66" name="Connector: Curved 65">
+                    <a:extLst>
+                      <a:ext uri="{FF2B5EF4-FFF2-40B4-BE49-F238E27FC236}">
+                        <a16:creationId xmlns:a16="http://schemas.microsoft.com/office/drawing/2014/main" id="{F9EE8688-D3B0-4F2A-8F73-5F4F2C859132}"/>
+                      </a:ext>
+                    </a:extLst>
+                  </p:cNvPr>
+                  <p:cNvCxnSpPr>
+                    <a:cxnSpLocks/>
+                    <a:stCxn id="51" idx="3"/>
+                    <a:endCxn id="55" idx="3"/>
+                  </p:cNvCxnSpPr>
+                  <p:nvPr/>
+                </p:nvCxnSpPr>
+                <p:spPr>
+                  <a:xfrm flipH="1">
+                    <a:off x="2456180" y="1529080"/>
+                    <a:ext cx="120269" cy="1493520"/>
+                  </a:xfrm>
+                  <a:prstGeom prst="curvedConnector3">
+                    <a:avLst>
+                      <a:gd name="adj1" fmla="val -190074"/>
+                    </a:avLst>
+                  </a:prstGeom>
+                  <a:ln>
+                    <a:solidFill>
+                      <a:srgbClr val="FF0000"/>
+                    </a:solidFill>
+                    <a:tailEnd type="triangle"/>
+                  </a:ln>
+                </p:spPr>
+                <p:style>
+                  <a:lnRef idx="1">
+                    <a:schemeClr val="accent1"/>
+                  </a:lnRef>
+                  <a:fillRef idx="0">
+                    <a:schemeClr val="accent1"/>
+                  </a:fillRef>
+                  <a:effectRef idx="0">
+                    <a:schemeClr val="accent1"/>
+                  </a:effectRef>
+                  <a:fontRef idx="minor">
+                    <a:schemeClr val="tx1"/>
+                  </a:fontRef>
+                </p:style>
+              </p:cxnSp>
+            </p:grpSp>
+            <p:sp>
+              <p:nvSpPr>
+                <p:cNvPr id="55" name="Rectangle: Rounded Corners 54">
+                  <a:extLst>
+                    <a:ext uri="{FF2B5EF4-FFF2-40B4-BE49-F238E27FC236}">
+                      <a16:creationId xmlns:a16="http://schemas.microsoft.com/office/drawing/2014/main" id="{64AC956F-730C-4336-841A-AED809A1CB8E}"/>
+                    </a:ext>
+                  </a:extLst>
+                </p:cNvPr>
+                <p:cNvSpPr/>
+                <p:nvPr/>
+              </p:nvSpPr>
+              <p:spPr>
+                <a:xfrm>
+                  <a:off x="6285357" y="2882900"/>
+                  <a:ext cx="1573403" cy="279400"/>
+                </a:xfrm>
+                <a:prstGeom prst="roundRect">
+                  <a:avLst/>
+                </a:prstGeom>
+                <a:noFill/>
+                <a:ln>
+                  <a:solidFill>
+                    <a:schemeClr val="tx1"/>
+                  </a:solidFill>
+                </a:ln>
+              </p:spPr>
+              <p:style>
+                <a:lnRef idx="2">
+                  <a:schemeClr val="accent1">
+                    <a:shade val="50000"/>
+                  </a:schemeClr>
+                </a:lnRef>
+                <a:fillRef idx="1">
+                  <a:schemeClr val="accent1"/>
+                </a:fillRef>
+                <a:effectRef idx="0">
+                  <a:schemeClr val="accent1"/>
+                </a:effectRef>
+                <a:fontRef idx="minor">
+                  <a:schemeClr val="lt1"/>
+                </a:fontRef>
+              </p:style>
+              <p:txBody>
+                <a:bodyPr rtlCol="0" anchor="ctr"/>
+                <a:lstStyle/>
+                <a:p>
+                  <a:r>
+                    <a:rPr lang="en-US" sz="1050" dirty="0">
+                      <a:solidFill>
+                        <a:srgbClr val="FF0000"/>
+                      </a:solidFill>
+                      <a:latin typeface="Consolas" panose="020B0609020204030204" pitchFamily="49" charset="0"/>
+                    </a:rPr>
+                    <a:t>int next = i + 1;</a:t>
+                  </a:r>
+                </a:p>
+              </p:txBody>
+            </p:sp>
+          </p:grpSp>
+          <p:cxnSp>
+            <p:nvCxnSpPr>
+              <p:cNvPr id="61" name="Connector: Curved 60">
+                <a:extLst>
+                  <a:ext uri="{FF2B5EF4-FFF2-40B4-BE49-F238E27FC236}">
+                    <a16:creationId xmlns:a16="http://schemas.microsoft.com/office/drawing/2014/main" id="{2E08D82C-0BBA-443F-B395-8F6EC74FA24B}"/>
+                  </a:ext>
+                </a:extLst>
+              </p:cNvPr>
+              <p:cNvCxnSpPr>
+                <a:stCxn id="55" idx="1"/>
+                <a:endCxn id="54" idx="1"/>
+              </p:cNvCxnSpPr>
+              <p:nvPr/>
+            </p:nvCxnSpPr>
+            <p:spPr>
+              <a:xfrm rot="10800000" flipV="1">
+                <a:off x="6015927" y="3022600"/>
+                <a:ext cx="269430" cy="1143000"/>
+              </a:xfrm>
+              <a:prstGeom prst="curvedConnector3">
+                <a:avLst>
+                  <a:gd name="adj1" fmla="val 184846"/>
+                </a:avLst>
+              </a:prstGeom>
+              <a:ln>
+                <a:solidFill>
+                  <a:srgbClr val="FF0000"/>
+                </a:solidFill>
+                <a:tailEnd type="triangle"/>
+              </a:ln>
+            </p:spPr>
+            <p:style>
+              <a:lnRef idx="1">
+                <a:schemeClr val="accent1"/>
+              </a:lnRef>
+              <a:fillRef idx="0">
+                <a:schemeClr val="accent1"/>
+              </a:fillRef>
+              <a:effectRef idx="0">
+                <a:schemeClr val="accent1"/>
+              </a:effectRef>
+              <a:fontRef idx="minor">
+                <a:schemeClr val="tx1"/>
+              </a:fontRef>
+            </p:style>
+          </p:cxnSp>
+          <p:cxnSp>
+            <p:nvCxnSpPr>
+              <p:cNvPr id="63" name="Connector: Curved 62">
+                <a:extLst>
+                  <a:ext uri="{FF2B5EF4-FFF2-40B4-BE49-F238E27FC236}">
+                    <a16:creationId xmlns:a16="http://schemas.microsoft.com/office/drawing/2014/main" id="{A4F1DB51-BA87-4388-A8E8-A8E67485DC42}"/>
+                  </a:ext>
+                </a:extLst>
+              </p:cNvPr>
+              <p:cNvCxnSpPr>
+                <a:cxnSpLocks/>
+                <a:stCxn id="52" idx="3"/>
+                <a:endCxn id="53" idx="3"/>
+              </p:cNvCxnSpPr>
+              <p:nvPr/>
+            </p:nvCxnSpPr>
+            <p:spPr>
+              <a:xfrm flipH="1">
+                <a:off x="7853680" y="2341880"/>
+                <a:ext cx="230949" cy="1214121"/>
+              </a:xfrm>
+              <a:prstGeom prst="curvedConnector3">
+                <a:avLst>
+                  <a:gd name="adj1" fmla="val -98983"/>
+                </a:avLst>
+              </a:prstGeom>
+              <a:ln>
+                <a:solidFill>
+                  <a:schemeClr val="accent6">
+                    <a:lumMod val="75000"/>
+                  </a:schemeClr>
+                </a:solidFill>
+                <a:tailEnd type="triangle"/>
+              </a:ln>
+            </p:spPr>
+            <p:style>
+              <a:lnRef idx="1">
+                <a:schemeClr val="accent1"/>
+              </a:lnRef>
+              <a:fillRef idx="0">
+                <a:schemeClr val="accent1"/>
+              </a:fillRef>
+              <a:effectRef idx="0">
+                <a:schemeClr val="accent1"/>
+              </a:effectRef>
+              <a:fontRef idx="minor">
+                <a:schemeClr val="tx1"/>
+              </a:fontRef>
+            </p:style>
+          </p:cxnSp>
+        </p:grpSp>
+        <p:sp>
+          <p:nvSpPr>
+            <p:cNvPr id="79" name="TextBox 78">
+              <a:extLst>
+                <a:ext uri="{FF2B5EF4-FFF2-40B4-BE49-F238E27FC236}">
+                  <a16:creationId xmlns:a16="http://schemas.microsoft.com/office/drawing/2014/main" id="{85E9EB6B-5E93-4F69-A098-A7F3349073EF}"/>
+                </a:ext>
+              </a:extLst>
+            </p:cNvPr>
+            <p:cNvSpPr txBox="1"/>
+            <p:nvPr/>
+          </p:nvSpPr>
+          <p:spPr>
+            <a:xfrm>
+              <a:off x="6045631" y="2777029"/>
+              <a:ext cx="402487" cy="307777"/>
+            </a:xfrm>
+            <a:prstGeom prst="rect">
+              <a:avLst/>
+            </a:prstGeom>
+            <a:noFill/>
+          </p:spPr>
+          <p:txBody>
+            <a:bodyPr wrap="square" rtlCol="0">
+              <a:spAutoFit/>
+            </a:bodyPr>
+            <a:lstStyle/>
+            <a:p>
+              <a:r>
+                <a:rPr lang="en-US" sz="1400" dirty="0"/>
+                <a:t>i</a:t>
+              </a:r>
+            </a:p>
+          </p:txBody>
+        </p:sp>
+        <p:sp>
+          <p:nvSpPr>
+            <p:cNvPr id="80" name="TextBox 79">
+              <a:extLst>
+                <a:ext uri="{FF2B5EF4-FFF2-40B4-BE49-F238E27FC236}">
+                  <a16:creationId xmlns:a16="http://schemas.microsoft.com/office/drawing/2014/main" id="{3FA7328B-1D35-44A9-95C4-6FA37B9881B7}"/>
+                </a:ext>
+              </a:extLst>
+            </p:cNvPr>
+            <p:cNvSpPr txBox="1"/>
+            <p:nvPr/>
+          </p:nvSpPr>
+          <p:spPr>
+            <a:xfrm>
+              <a:off x="6032096" y="3402112"/>
+              <a:ext cx="402487" cy="307777"/>
+            </a:xfrm>
+            <a:prstGeom prst="rect">
+              <a:avLst/>
+            </a:prstGeom>
+            <a:noFill/>
+          </p:spPr>
+          <p:txBody>
+            <a:bodyPr wrap="square" rtlCol="0">
+              <a:spAutoFit/>
+            </a:bodyPr>
+            <a:lstStyle/>
+            <a:p>
+              <a:r>
+                <a:rPr lang="en-US" sz="1400" dirty="0"/>
+                <a:t>j</a:t>
+              </a:r>
+            </a:p>
+          </p:txBody>
+        </p:sp>
+        <p:sp>
+          <p:nvSpPr>
+            <p:cNvPr id="81" name="TextBox 80">
+              <a:extLst>
+                <a:ext uri="{FF2B5EF4-FFF2-40B4-BE49-F238E27FC236}">
+                  <a16:creationId xmlns:a16="http://schemas.microsoft.com/office/drawing/2014/main" id="{F293F874-B7E1-4413-877C-68699B2F7BE2}"/>
+                </a:ext>
+              </a:extLst>
+            </p:cNvPr>
+            <p:cNvSpPr txBox="1"/>
+            <p:nvPr/>
+          </p:nvSpPr>
+          <p:spPr>
+            <a:xfrm>
+              <a:off x="5545314" y="4049629"/>
+              <a:ext cx="402487" cy="307777"/>
+            </a:xfrm>
+            <a:prstGeom prst="rect">
+              <a:avLst/>
+            </a:prstGeom>
+            <a:noFill/>
+          </p:spPr>
+          <p:txBody>
+            <a:bodyPr wrap="square" rtlCol="0">
+              <a:spAutoFit/>
+            </a:bodyPr>
+            <a:lstStyle/>
+            <a:p>
+              <a:r>
+                <a:rPr lang="en-US" sz="1400" dirty="0"/>
+                <a:t>i, j</a:t>
+              </a:r>
+            </a:p>
+          </p:txBody>
+        </p:sp>
+        <p:sp>
+          <p:nvSpPr>
+            <p:cNvPr id="82" name="TextBox 81">
+              <a:extLst>
+                <a:ext uri="{FF2B5EF4-FFF2-40B4-BE49-F238E27FC236}">
+                  <a16:creationId xmlns:a16="http://schemas.microsoft.com/office/drawing/2014/main" id="{A48EB27B-B8D2-4EB1-93C7-98962120716A}"/>
+                </a:ext>
+              </a:extLst>
+            </p:cNvPr>
+            <p:cNvSpPr txBox="1"/>
+            <p:nvPr/>
+          </p:nvSpPr>
+          <p:spPr>
+            <a:xfrm>
+              <a:off x="5730039" y="2207823"/>
+              <a:ext cx="402487" cy="307777"/>
+            </a:xfrm>
+            <a:prstGeom prst="rect">
+              <a:avLst/>
+            </a:prstGeom>
+            <a:noFill/>
+          </p:spPr>
+          <p:txBody>
+            <a:bodyPr wrap="square" rtlCol="0">
+              <a:spAutoFit/>
+            </a:bodyPr>
+            <a:lstStyle/>
+            <a:p>
+              <a:r>
+                <a:rPr lang="en-US" sz="1400" dirty="0"/>
+                <a:t>i, j</a:t>
+              </a:r>
+            </a:p>
+          </p:txBody>
+        </p:sp>
+        <p:sp>
+          <p:nvSpPr>
+            <p:cNvPr id="101" name="TextBox 100">
+              <a:extLst>
+                <a:ext uri="{FF2B5EF4-FFF2-40B4-BE49-F238E27FC236}">
+                  <a16:creationId xmlns:a16="http://schemas.microsoft.com/office/drawing/2014/main" id="{E08F5D69-0D61-4E72-BBCE-A028E52CF9DA}"/>
+                </a:ext>
+              </a:extLst>
+            </p:cNvPr>
+            <p:cNvSpPr txBox="1"/>
+            <p:nvPr/>
+          </p:nvSpPr>
+          <p:spPr>
+            <a:xfrm>
+              <a:off x="5840875" y="1392587"/>
+              <a:ext cx="402487" cy="307777"/>
+            </a:xfrm>
+            <a:prstGeom prst="rect">
+              <a:avLst/>
+            </a:prstGeom>
+            <a:noFill/>
+          </p:spPr>
+          <p:txBody>
+            <a:bodyPr wrap="square" rtlCol="0">
+              <a:spAutoFit/>
+            </a:bodyPr>
+            <a:lstStyle/>
+            <a:p>
+              <a:r>
+                <a:rPr lang="en-US" sz="1400" dirty="0"/>
+                <a:t>i, j</a:t>
+              </a:r>
+            </a:p>
+          </p:txBody>
+        </p:sp>
+      </p:grpSp>
+    </p:spTree>
+    <p:extLst>
+      <p:ext uri="{BB962C8B-B14F-4D97-AF65-F5344CB8AC3E}">
+        <p14:creationId xmlns:p14="http://schemas.microsoft.com/office/powerpoint/2010/main" val="1112879322"/>
       </p:ext>
     </p:extLst>
   </p:cSld>

--- a/figures/Figures-Yi.pptx
+++ b/figures/Figures-Yi.pptx
@@ -10,6 +10,7 @@
     <p:sldId id="258" r:id="rId4"/>
     <p:sldId id="257" r:id="rId5"/>
     <p:sldId id="260" r:id="rId6"/>
+    <p:sldId id="261" r:id="rId7"/>
   </p:sldIdLst>
   <p:sldSz cx="12192000" cy="6858000"/>
   <p:notesSz cx="6858000" cy="9144000"/>
@@ -19730,7 +19731,7 @@
         </p:nvGrpSpPr>
         <p:grpSpPr>
           <a:xfrm>
-            <a:off x="4100004" y="1790700"/>
+            <a:off x="2938716" y="1790700"/>
             <a:ext cx="2410334" cy="2553110"/>
             <a:chOff x="2938716" y="1790700"/>
             <a:chExt cx="2410334" cy="2553110"/>
@@ -21400,6 +21401,2765 @@
 </p:sld>
 </file>
 
+<file path=ppt/slides/slide6.xml><?xml version="1.0" encoding="utf-8"?>
+<p:sld xmlns:a="http://schemas.openxmlformats.org/drawingml/2006/main" xmlns:r="http://schemas.openxmlformats.org/officeDocument/2006/relationships" xmlns:p="http://schemas.openxmlformats.org/presentationml/2006/main">
+  <p:cSld>
+    <p:spTree>
+      <p:nvGrpSpPr>
+        <p:cNvPr id="1" name=""/>
+        <p:cNvGrpSpPr/>
+        <p:nvPr/>
+      </p:nvGrpSpPr>
+      <p:grpSpPr>
+        <a:xfrm>
+          <a:off x="0" y="0"/>
+          <a:ext cx="0" cy="0"/>
+          <a:chOff x="0" y="0"/>
+          <a:chExt cx="0" cy="0"/>
+        </a:xfrm>
+      </p:grpSpPr>
+      <p:sp>
+        <p:nvSpPr>
+          <p:cNvPr id="2" name="Rectangle: Rounded Corners 1">
+            <a:extLst>
+              <a:ext uri="{FF2B5EF4-FFF2-40B4-BE49-F238E27FC236}">
+                <a16:creationId xmlns:a16="http://schemas.microsoft.com/office/drawing/2014/main" id="{C7598431-2685-478F-9B6A-922B0FE065AA}"/>
+              </a:ext>
+            </a:extLst>
+          </p:cNvPr>
+          <p:cNvSpPr/>
+          <p:nvPr/>
+        </p:nvSpPr>
+        <p:spPr>
+          <a:xfrm>
+            <a:off x="1287571" y="1816100"/>
+            <a:ext cx="1211104" cy="787400"/>
+          </a:xfrm>
+          <a:prstGeom prst="roundRect">
+            <a:avLst>
+              <a:gd name="adj" fmla="val 0"/>
+            </a:avLst>
+          </a:prstGeom>
+          <a:solidFill>
+            <a:schemeClr val="bg1">
+              <a:lumMod val="85000"/>
+            </a:schemeClr>
+          </a:solidFill>
+          <a:ln>
+            <a:solidFill>
+              <a:schemeClr val="tx1"/>
+            </a:solidFill>
+          </a:ln>
+        </p:spPr>
+        <p:style>
+          <a:lnRef idx="2">
+            <a:schemeClr val="accent1">
+              <a:shade val="50000"/>
+            </a:schemeClr>
+          </a:lnRef>
+          <a:fillRef idx="1">
+            <a:schemeClr val="accent1"/>
+          </a:fillRef>
+          <a:effectRef idx="0">
+            <a:schemeClr val="accent1"/>
+          </a:effectRef>
+          <a:fontRef idx="minor">
+            <a:schemeClr val="lt1"/>
+          </a:fontRef>
+        </p:style>
+        <p:txBody>
+          <a:bodyPr rtlCol="0" anchor="ctr"/>
+          <a:lstStyle/>
+          <a:p>
+            <a:pPr algn="ctr"/>
+            <a:r>
+              <a:rPr lang="en-US" sz="1400" b="1" dirty="0">
+                <a:solidFill>
+                  <a:schemeClr val="tx1"/>
+                </a:solidFill>
+              </a:rPr>
+              <a:t>Building Multi-version Graphs and Context</a:t>
+            </a:r>
+          </a:p>
+        </p:txBody>
+      </p:sp>
+      <p:sp>
+        <p:nvSpPr>
+          <p:cNvPr id="3" name="Rectangle: Rounded Corners 2">
+            <a:extLst>
+              <a:ext uri="{FF2B5EF4-FFF2-40B4-BE49-F238E27FC236}">
+                <a16:creationId xmlns:a16="http://schemas.microsoft.com/office/drawing/2014/main" id="{07A602BA-0DB9-4E51-AAFC-0847263D3568}"/>
+              </a:ext>
+            </a:extLst>
+          </p:cNvPr>
+          <p:cNvSpPr/>
+          <p:nvPr/>
+        </p:nvSpPr>
+        <p:spPr>
+          <a:xfrm>
+            <a:off x="3816996" y="1879259"/>
+            <a:ext cx="1349938" cy="695960"/>
+          </a:xfrm>
+          <a:prstGeom prst="roundRect">
+            <a:avLst>
+              <a:gd name="adj" fmla="val 0"/>
+            </a:avLst>
+          </a:prstGeom>
+          <a:solidFill>
+            <a:schemeClr val="bg1">
+              <a:lumMod val="85000"/>
+            </a:schemeClr>
+          </a:solidFill>
+          <a:ln>
+            <a:solidFill>
+              <a:schemeClr val="tx1"/>
+            </a:solidFill>
+          </a:ln>
+        </p:spPr>
+        <p:style>
+          <a:lnRef idx="2">
+            <a:schemeClr val="accent1">
+              <a:shade val="50000"/>
+            </a:schemeClr>
+          </a:lnRef>
+          <a:fillRef idx="1">
+            <a:schemeClr val="accent1"/>
+          </a:fillRef>
+          <a:effectRef idx="0">
+            <a:schemeClr val="accent1"/>
+          </a:effectRef>
+          <a:fontRef idx="minor">
+            <a:schemeClr val="lt1"/>
+          </a:fontRef>
+        </p:style>
+        <p:txBody>
+          <a:bodyPr rtlCol="0" anchor="ctr"/>
+          <a:lstStyle/>
+          <a:p>
+            <a:pPr algn="ctr"/>
+            <a:r>
+              <a:rPr lang="en-US" sz="1400" b="1" dirty="0">
+                <a:solidFill>
+                  <a:schemeClr val="tx1"/>
+                </a:solidFill>
+              </a:rPr>
+              <a:t>Code Change Representation Learning</a:t>
+            </a:r>
+          </a:p>
+        </p:txBody>
+      </p:sp>
+      <p:sp>
+        <p:nvSpPr>
+          <p:cNvPr id="4" name="Rectangle: Rounded Corners 3">
+            <a:extLst>
+              <a:ext uri="{FF2B5EF4-FFF2-40B4-BE49-F238E27FC236}">
+                <a16:creationId xmlns:a16="http://schemas.microsoft.com/office/drawing/2014/main" id="{CBF715A2-29E3-4296-B782-ECE27E6D386B}"/>
+              </a:ext>
+            </a:extLst>
+          </p:cNvPr>
+          <p:cNvSpPr/>
+          <p:nvPr/>
+        </p:nvSpPr>
+        <p:spPr>
+          <a:xfrm>
+            <a:off x="6791824" y="2053638"/>
+            <a:ext cx="1074566" cy="329042"/>
+          </a:xfrm>
+          <a:prstGeom prst="roundRect">
+            <a:avLst>
+              <a:gd name="adj" fmla="val 0"/>
+            </a:avLst>
+          </a:prstGeom>
+          <a:solidFill>
+            <a:schemeClr val="bg1">
+              <a:lumMod val="85000"/>
+            </a:schemeClr>
+          </a:solidFill>
+          <a:ln>
+            <a:solidFill>
+              <a:schemeClr val="tx1"/>
+            </a:solidFill>
+          </a:ln>
+        </p:spPr>
+        <p:style>
+          <a:lnRef idx="2">
+            <a:schemeClr val="accent1">
+              <a:shade val="50000"/>
+            </a:schemeClr>
+          </a:lnRef>
+          <a:fillRef idx="1">
+            <a:schemeClr val="accent1"/>
+          </a:fillRef>
+          <a:effectRef idx="0">
+            <a:schemeClr val="accent1"/>
+          </a:effectRef>
+          <a:fontRef idx="minor">
+            <a:schemeClr val="lt1"/>
+          </a:fontRef>
+        </p:style>
+        <p:txBody>
+          <a:bodyPr rtlCol="0" anchor="ctr"/>
+          <a:lstStyle/>
+          <a:p>
+            <a:pPr algn="ctr"/>
+            <a:r>
+              <a:rPr lang="en-US" sz="1400" b="1" dirty="0">
+                <a:solidFill>
+                  <a:schemeClr val="tx1"/>
+                </a:solidFill>
+              </a:rPr>
+              <a:t>Clustering</a:t>
+            </a:r>
+          </a:p>
+        </p:txBody>
+      </p:sp>
+      <p:sp>
+        <p:nvSpPr>
+          <p:cNvPr id="5" name="Rectangle: Rounded Corners 4">
+            <a:extLst>
+              <a:ext uri="{FF2B5EF4-FFF2-40B4-BE49-F238E27FC236}">
+                <a16:creationId xmlns:a16="http://schemas.microsoft.com/office/drawing/2014/main" id="{36C3A280-8BD9-4579-8822-30809E599A73}"/>
+              </a:ext>
+            </a:extLst>
+          </p:cNvPr>
+          <p:cNvSpPr/>
+          <p:nvPr/>
+        </p:nvSpPr>
+        <p:spPr>
+          <a:xfrm>
+            <a:off x="9363680" y="1800280"/>
+            <a:ext cx="1369299" cy="787401"/>
+          </a:xfrm>
+          <a:prstGeom prst="roundRect">
+            <a:avLst>
+              <a:gd name="adj" fmla="val 0"/>
+            </a:avLst>
+          </a:prstGeom>
+          <a:solidFill>
+            <a:schemeClr val="bg1">
+              <a:lumMod val="85000"/>
+            </a:schemeClr>
+          </a:solidFill>
+          <a:ln>
+            <a:solidFill>
+              <a:schemeClr val="tx1"/>
+            </a:solidFill>
+          </a:ln>
+        </p:spPr>
+        <p:style>
+          <a:lnRef idx="2">
+            <a:schemeClr val="accent1">
+              <a:shade val="50000"/>
+            </a:schemeClr>
+          </a:lnRef>
+          <a:fillRef idx="1">
+            <a:schemeClr val="accent1"/>
+          </a:fillRef>
+          <a:effectRef idx="0">
+            <a:schemeClr val="accent1"/>
+          </a:effectRef>
+          <a:fontRef idx="minor">
+            <a:schemeClr val="lt1"/>
+          </a:fontRef>
+        </p:style>
+        <p:txBody>
+          <a:bodyPr rtlCol="0" anchor="ctr"/>
+          <a:lstStyle/>
+          <a:p>
+            <a:pPr algn="ctr"/>
+            <a:r>
+              <a:rPr lang="en-US" sz="1400" b="1" dirty="0">
+                <a:solidFill>
+                  <a:schemeClr val="tx1"/>
+                </a:solidFill>
+              </a:rPr>
+              <a:t>Clustering Updating with the Code Clone</a:t>
+            </a:r>
+          </a:p>
+        </p:txBody>
+      </p:sp>
+      <p:grpSp>
+        <p:nvGrpSpPr>
+          <p:cNvPr id="19" name="Group 18">
+            <a:extLst>
+              <a:ext uri="{FF2B5EF4-FFF2-40B4-BE49-F238E27FC236}">
+                <a16:creationId xmlns:a16="http://schemas.microsoft.com/office/drawing/2014/main" id="{800DBBCE-A598-414F-A0E1-9753422C6030}"/>
+              </a:ext>
+            </a:extLst>
+          </p:cNvPr>
+          <p:cNvGrpSpPr/>
+          <p:nvPr/>
+        </p:nvGrpSpPr>
+        <p:grpSpPr>
+          <a:xfrm>
+            <a:off x="2784580" y="1724660"/>
+            <a:ext cx="687832" cy="970280"/>
+            <a:chOff x="3436112" y="1724660"/>
+            <a:chExt cx="687832" cy="970280"/>
+          </a:xfrm>
+          <a:solidFill>
+            <a:schemeClr val="accent1">
+              <a:lumMod val="20000"/>
+              <a:lumOff val="80000"/>
+            </a:schemeClr>
+          </a:solidFill>
+        </p:grpSpPr>
+        <p:sp>
+          <p:nvSpPr>
+            <p:cNvPr id="6" name="Oval 5">
+              <a:extLst>
+                <a:ext uri="{FF2B5EF4-FFF2-40B4-BE49-F238E27FC236}">
+                  <a16:creationId xmlns:a16="http://schemas.microsoft.com/office/drawing/2014/main" id="{55FB55CB-6F55-4AEA-A019-E2E712CD2F75}"/>
+                </a:ext>
+              </a:extLst>
+            </p:cNvPr>
+            <p:cNvSpPr/>
+            <p:nvPr/>
+          </p:nvSpPr>
+          <p:spPr>
+            <a:xfrm>
+              <a:off x="3683508" y="1724660"/>
+              <a:ext cx="182880" cy="182880"/>
+            </a:xfrm>
+            <a:prstGeom prst="ellipse">
+              <a:avLst/>
+            </a:prstGeom>
+            <a:grpFill/>
+            <a:ln>
+              <a:solidFill>
+                <a:schemeClr val="accent1">
+                  <a:lumMod val="50000"/>
+                </a:schemeClr>
+              </a:solidFill>
+            </a:ln>
+          </p:spPr>
+          <p:style>
+            <a:lnRef idx="2">
+              <a:schemeClr val="accent1">
+                <a:shade val="50000"/>
+              </a:schemeClr>
+            </a:lnRef>
+            <a:fillRef idx="1">
+              <a:schemeClr val="accent1"/>
+            </a:fillRef>
+            <a:effectRef idx="0">
+              <a:schemeClr val="accent1"/>
+            </a:effectRef>
+            <a:fontRef idx="minor">
+              <a:schemeClr val="lt1"/>
+            </a:fontRef>
+          </p:style>
+          <p:txBody>
+            <a:bodyPr rtlCol="0" anchor="ctr"/>
+            <a:lstStyle/>
+            <a:p>
+              <a:pPr algn="ctr"/>
+              <a:endParaRPr lang="en-US"/>
+            </a:p>
+          </p:txBody>
+        </p:sp>
+        <p:sp>
+          <p:nvSpPr>
+            <p:cNvPr id="7" name="Oval 6">
+              <a:extLst>
+                <a:ext uri="{FF2B5EF4-FFF2-40B4-BE49-F238E27FC236}">
+                  <a16:creationId xmlns:a16="http://schemas.microsoft.com/office/drawing/2014/main" id="{64367E73-5F19-4EE0-988F-2F2881DE67D3}"/>
+                </a:ext>
+              </a:extLst>
+            </p:cNvPr>
+            <p:cNvSpPr/>
+            <p:nvPr/>
+          </p:nvSpPr>
+          <p:spPr>
+            <a:xfrm>
+              <a:off x="3436112" y="2118360"/>
+              <a:ext cx="182880" cy="182880"/>
+            </a:xfrm>
+            <a:prstGeom prst="ellipse">
+              <a:avLst/>
+            </a:prstGeom>
+            <a:grpFill/>
+            <a:ln>
+              <a:solidFill>
+                <a:schemeClr val="accent1">
+                  <a:lumMod val="50000"/>
+                </a:schemeClr>
+              </a:solidFill>
+            </a:ln>
+          </p:spPr>
+          <p:style>
+            <a:lnRef idx="2">
+              <a:schemeClr val="accent1">
+                <a:shade val="50000"/>
+              </a:schemeClr>
+            </a:lnRef>
+            <a:fillRef idx="1">
+              <a:schemeClr val="accent1"/>
+            </a:fillRef>
+            <a:effectRef idx="0">
+              <a:schemeClr val="accent1"/>
+            </a:effectRef>
+            <a:fontRef idx="minor">
+              <a:schemeClr val="lt1"/>
+            </a:fontRef>
+          </p:style>
+          <p:txBody>
+            <a:bodyPr rtlCol="0" anchor="ctr"/>
+            <a:lstStyle/>
+            <a:p>
+              <a:pPr algn="ctr"/>
+              <a:endParaRPr lang="en-US"/>
+            </a:p>
+          </p:txBody>
+        </p:sp>
+        <p:sp>
+          <p:nvSpPr>
+            <p:cNvPr id="8" name="Oval 7">
+              <a:extLst>
+                <a:ext uri="{FF2B5EF4-FFF2-40B4-BE49-F238E27FC236}">
+                  <a16:creationId xmlns:a16="http://schemas.microsoft.com/office/drawing/2014/main" id="{5E49D8D8-0AB8-474E-B5C3-226F08EE9BFC}"/>
+                </a:ext>
+              </a:extLst>
+            </p:cNvPr>
+            <p:cNvSpPr/>
+            <p:nvPr/>
+          </p:nvSpPr>
+          <p:spPr>
+            <a:xfrm>
+              <a:off x="3941064" y="2118360"/>
+              <a:ext cx="182880" cy="182880"/>
+            </a:xfrm>
+            <a:prstGeom prst="ellipse">
+              <a:avLst/>
+            </a:prstGeom>
+            <a:grpFill/>
+            <a:ln>
+              <a:solidFill>
+                <a:schemeClr val="accent1">
+                  <a:lumMod val="50000"/>
+                </a:schemeClr>
+              </a:solidFill>
+            </a:ln>
+          </p:spPr>
+          <p:style>
+            <a:lnRef idx="2">
+              <a:schemeClr val="accent1">
+                <a:shade val="50000"/>
+              </a:schemeClr>
+            </a:lnRef>
+            <a:fillRef idx="1">
+              <a:schemeClr val="accent1"/>
+            </a:fillRef>
+            <a:effectRef idx="0">
+              <a:schemeClr val="accent1"/>
+            </a:effectRef>
+            <a:fontRef idx="minor">
+              <a:schemeClr val="lt1"/>
+            </a:fontRef>
+          </p:style>
+          <p:txBody>
+            <a:bodyPr rtlCol="0" anchor="ctr"/>
+            <a:lstStyle/>
+            <a:p>
+              <a:pPr algn="ctr"/>
+              <a:endParaRPr lang="en-US"/>
+            </a:p>
+          </p:txBody>
+        </p:sp>
+        <p:sp>
+          <p:nvSpPr>
+            <p:cNvPr id="9" name="Oval 8">
+              <a:extLst>
+                <a:ext uri="{FF2B5EF4-FFF2-40B4-BE49-F238E27FC236}">
+                  <a16:creationId xmlns:a16="http://schemas.microsoft.com/office/drawing/2014/main" id="{841C8043-704A-4927-9334-73E541FA7A5B}"/>
+                </a:ext>
+              </a:extLst>
+            </p:cNvPr>
+            <p:cNvSpPr/>
+            <p:nvPr/>
+          </p:nvSpPr>
+          <p:spPr>
+            <a:xfrm>
+              <a:off x="3683508" y="2512060"/>
+              <a:ext cx="182880" cy="182880"/>
+            </a:xfrm>
+            <a:prstGeom prst="ellipse">
+              <a:avLst/>
+            </a:prstGeom>
+            <a:grpFill/>
+            <a:ln>
+              <a:solidFill>
+                <a:schemeClr val="accent1">
+                  <a:lumMod val="50000"/>
+                </a:schemeClr>
+              </a:solidFill>
+            </a:ln>
+          </p:spPr>
+          <p:style>
+            <a:lnRef idx="2">
+              <a:schemeClr val="accent1">
+                <a:shade val="50000"/>
+              </a:schemeClr>
+            </a:lnRef>
+            <a:fillRef idx="1">
+              <a:schemeClr val="accent1"/>
+            </a:fillRef>
+            <a:effectRef idx="0">
+              <a:schemeClr val="accent1"/>
+            </a:effectRef>
+            <a:fontRef idx="minor">
+              <a:schemeClr val="lt1"/>
+            </a:fontRef>
+          </p:style>
+          <p:txBody>
+            <a:bodyPr rtlCol="0" anchor="ctr"/>
+            <a:lstStyle/>
+            <a:p>
+              <a:pPr algn="ctr"/>
+              <a:endParaRPr lang="en-US"/>
+            </a:p>
+          </p:txBody>
+        </p:sp>
+        <p:cxnSp>
+          <p:nvCxnSpPr>
+            <p:cNvPr id="11" name="Straight Arrow Connector 10">
+              <a:extLst>
+                <a:ext uri="{FF2B5EF4-FFF2-40B4-BE49-F238E27FC236}">
+                  <a16:creationId xmlns:a16="http://schemas.microsoft.com/office/drawing/2014/main" id="{FC2CDB62-892A-48F4-B914-405DDB75E564}"/>
+                </a:ext>
+              </a:extLst>
+            </p:cNvPr>
+            <p:cNvCxnSpPr>
+              <a:stCxn id="6" idx="5"/>
+              <a:endCxn id="8" idx="1"/>
+            </p:cNvCxnSpPr>
+            <p:nvPr/>
+          </p:nvCxnSpPr>
+          <p:spPr>
+            <a:xfrm>
+              <a:off x="3839606" y="1880758"/>
+              <a:ext cx="128240" cy="264384"/>
+            </a:xfrm>
+            <a:prstGeom prst="straightConnector1">
+              <a:avLst/>
+            </a:prstGeom>
+            <a:grpFill/>
+            <a:ln>
+              <a:solidFill>
+                <a:schemeClr val="accent1">
+                  <a:lumMod val="50000"/>
+                </a:schemeClr>
+              </a:solidFill>
+              <a:tailEnd type="triangle"/>
+            </a:ln>
+          </p:spPr>
+          <p:style>
+            <a:lnRef idx="1">
+              <a:schemeClr val="accent1"/>
+            </a:lnRef>
+            <a:fillRef idx="0">
+              <a:schemeClr val="accent1"/>
+            </a:fillRef>
+            <a:effectRef idx="0">
+              <a:schemeClr val="accent1"/>
+            </a:effectRef>
+            <a:fontRef idx="minor">
+              <a:schemeClr val="tx1"/>
+            </a:fontRef>
+          </p:style>
+        </p:cxnSp>
+        <p:cxnSp>
+          <p:nvCxnSpPr>
+            <p:cNvPr id="12" name="Straight Arrow Connector 11">
+              <a:extLst>
+                <a:ext uri="{FF2B5EF4-FFF2-40B4-BE49-F238E27FC236}">
+                  <a16:creationId xmlns:a16="http://schemas.microsoft.com/office/drawing/2014/main" id="{6A25474F-BC63-4405-99A5-2DD6CF988EFD}"/>
+                </a:ext>
+              </a:extLst>
+            </p:cNvPr>
+            <p:cNvCxnSpPr>
+              <a:cxnSpLocks/>
+              <a:stCxn id="6" idx="3"/>
+              <a:endCxn id="7" idx="7"/>
+            </p:cNvCxnSpPr>
+            <p:nvPr/>
+          </p:nvCxnSpPr>
+          <p:spPr>
+            <a:xfrm flipH="1">
+              <a:off x="3592210" y="1880758"/>
+              <a:ext cx="118080" cy="264384"/>
+            </a:xfrm>
+            <a:prstGeom prst="straightConnector1">
+              <a:avLst/>
+            </a:prstGeom>
+            <a:grpFill/>
+            <a:ln>
+              <a:solidFill>
+                <a:schemeClr val="accent1">
+                  <a:lumMod val="50000"/>
+                </a:schemeClr>
+              </a:solidFill>
+              <a:tailEnd type="triangle"/>
+            </a:ln>
+          </p:spPr>
+          <p:style>
+            <a:lnRef idx="1">
+              <a:schemeClr val="accent1"/>
+            </a:lnRef>
+            <a:fillRef idx="0">
+              <a:schemeClr val="accent1"/>
+            </a:fillRef>
+            <a:effectRef idx="0">
+              <a:schemeClr val="accent1"/>
+            </a:effectRef>
+            <a:fontRef idx="minor">
+              <a:schemeClr val="tx1"/>
+            </a:fontRef>
+          </p:style>
+        </p:cxnSp>
+        <p:cxnSp>
+          <p:nvCxnSpPr>
+            <p:cNvPr id="16" name="Straight Arrow Connector 15">
+              <a:extLst>
+                <a:ext uri="{FF2B5EF4-FFF2-40B4-BE49-F238E27FC236}">
+                  <a16:creationId xmlns:a16="http://schemas.microsoft.com/office/drawing/2014/main" id="{20F1944E-4620-47C2-B97A-3DDE6D486C1C}"/>
+                </a:ext>
+              </a:extLst>
+            </p:cNvPr>
+            <p:cNvCxnSpPr>
+              <a:cxnSpLocks/>
+              <a:stCxn id="8" idx="3"/>
+              <a:endCxn id="9" idx="7"/>
+            </p:cNvCxnSpPr>
+            <p:nvPr/>
+          </p:nvCxnSpPr>
+          <p:spPr>
+            <a:xfrm flipH="1">
+              <a:off x="3839606" y="2274458"/>
+              <a:ext cx="128240" cy="264384"/>
+            </a:xfrm>
+            <a:prstGeom prst="straightConnector1">
+              <a:avLst/>
+            </a:prstGeom>
+            <a:grpFill/>
+            <a:ln>
+              <a:solidFill>
+                <a:schemeClr val="accent1">
+                  <a:lumMod val="50000"/>
+                </a:schemeClr>
+              </a:solidFill>
+              <a:tailEnd type="triangle"/>
+            </a:ln>
+          </p:spPr>
+          <p:style>
+            <a:lnRef idx="1">
+              <a:schemeClr val="accent1"/>
+            </a:lnRef>
+            <a:fillRef idx="0">
+              <a:schemeClr val="accent1"/>
+            </a:fillRef>
+            <a:effectRef idx="0">
+              <a:schemeClr val="accent1"/>
+            </a:effectRef>
+            <a:fontRef idx="minor">
+              <a:schemeClr val="tx1"/>
+            </a:fontRef>
+          </p:style>
+        </p:cxnSp>
+      </p:grpSp>
+      <p:grpSp>
+        <p:nvGrpSpPr>
+          <p:cNvPr id="24" name="Group 23">
+            <a:extLst>
+              <a:ext uri="{FF2B5EF4-FFF2-40B4-BE49-F238E27FC236}">
+                <a16:creationId xmlns:a16="http://schemas.microsoft.com/office/drawing/2014/main" id="{CCDE0FF5-3A24-4DA0-BDC1-0E2ED0473CC2}"/>
+              </a:ext>
+            </a:extLst>
+          </p:cNvPr>
+          <p:cNvGrpSpPr/>
+          <p:nvPr/>
+        </p:nvGrpSpPr>
+        <p:grpSpPr>
+          <a:xfrm rot="5400000">
+            <a:off x="5877281" y="1377474"/>
+            <a:ext cx="250078" cy="810055"/>
+            <a:chOff x="6068497" y="1766458"/>
+            <a:chExt cx="250078" cy="810055"/>
+          </a:xfrm>
+        </p:grpSpPr>
+        <p:sp>
+          <p:nvSpPr>
+            <p:cNvPr id="20" name="Rectangle: Rounded Corners 19">
+              <a:extLst>
+                <a:ext uri="{FF2B5EF4-FFF2-40B4-BE49-F238E27FC236}">
+                  <a16:creationId xmlns:a16="http://schemas.microsoft.com/office/drawing/2014/main" id="{B0EDECD1-7571-482F-9655-68F74775B1FC}"/>
+                </a:ext>
+              </a:extLst>
+            </p:cNvPr>
+            <p:cNvSpPr/>
+            <p:nvPr/>
+          </p:nvSpPr>
+          <p:spPr>
+            <a:xfrm>
+              <a:off x="6068497" y="1766458"/>
+              <a:ext cx="250078" cy="810055"/>
+            </a:xfrm>
+            <a:prstGeom prst="roundRect">
+              <a:avLst/>
+            </a:prstGeom>
+            <a:noFill/>
+            <a:ln>
+              <a:solidFill>
+                <a:schemeClr val="tx1"/>
+              </a:solidFill>
+            </a:ln>
+          </p:spPr>
+          <p:style>
+            <a:lnRef idx="2">
+              <a:schemeClr val="accent1">
+                <a:shade val="50000"/>
+              </a:schemeClr>
+            </a:lnRef>
+            <a:fillRef idx="1">
+              <a:schemeClr val="accent1"/>
+            </a:fillRef>
+            <a:effectRef idx="0">
+              <a:schemeClr val="accent1"/>
+            </a:effectRef>
+            <a:fontRef idx="minor">
+              <a:schemeClr val="lt1"/>
+            </a:fontRef>
+          </p:style>
+          <p:txBody>
+            <a:bodyPr rtlCol="0" anchor="ctr"/>
+            <a:lstStyle/>
+            <a:p>
+              <a:pPr algn="ctr"/>
+              <a:endParaRPr lang="en-US"/>
+            </a:p>
+          </p:txBody>
+        </p:sp>
+        <p:sp>
+          <p:nvSpPr>
+            <p:cNvPr id="21" name="Oval 20">
+              <a:extLst>
+                <a:ext uri="{FF2B5EF4-FFF2-40B4-BE49-F238E27FC236}">
+                  <a16:creationId xmlns:a16="http://schemas.microsoft.com/office/drawing/2014/main" id="{AA110FD6-6AEF-4A37-BA03-1FB90247A9C7}"/>
+                </a:ext>
+              </a:extLst>
+            </p:cNvPr>
+            <p:cNvSpPr/>
+            <p:nvPr/>
+          </p:nvSpPr>
+          <p:spPr>
+            <a:xfrm>
+              <a:off x="6102255" y="1845311"/>
+              <a:ext cx="182880" cy="182880"/>
+            </a:xfrm>
+            <a:prstGeom prst="ellipse">
+              <a:avLst/>
+            </a:prstGeom>
+            <a:solidFill>
+              <a:schemeClr val="accent4">
+                <a:lumMod val="20000"/>
+                <a:lumOff val="80000"/>
+              </a:schemeClr>
+            </a:solidFill>
+            <a:ln>
+              <a:solidFill>
+                <a:schemeClr val="accent4">
+                  <a:lumMod val="60000"/>
+                  <a:lumOff val="40000"/>
+                </a:schemeClr>
+              </a:solidFill>
+            </a:ln>
+          </p:spPr>
+          <p:style>
+            <a:lnRef idx="2">
+              <a:schemeClr val="accent1">
+                <a:shade val="50000"/>
+              </a:schemeClr>
+            </a:lnRef>
+            <a:fillRef idx="1">
+              <a:schemeClr val="accent1"/>
+            </a:fillRef>
+            <a:effectRef idx="0">
+              <a:schemeClr val="accent1"/>
+            </a:effectRef>
+            <a:fontRef idx="minor">
+              <a:schemeClr val="lt1"/>
+            </a:fontRef>
+          </p:style>
+          <p:txBody>
+            <a:bodyPr rtlCol="0" anchor="ctr"/>
+            <a:lstStyle/>
+            <a:p>
+              <a:pPr algn="ctr"/>
+              <a:endParaRPr lang="en-US"/>
+            </a:p>
+          </p:txBody>
+        </p:sp>
+        <p:sp>
+          <p:nvSpPr>
+            <p:cNvPr id="22" name="Oval 21">
+              <a:extLst>
+                <a:ext uri="{FF2B5EF4-FFF2-40B4-BE49-F238E27FC236}">
+                  <a16:creationId xmlns:a16="http://schemas.microsoft.com/office/drawing/2014/main" id="{5E2C1D23-59A2-4677-8953-E3BE713584DA}"/>
+                </a:ext>
+              </a:extLst>
+            </p:cNvPr>
+            <p:cNvSpPr/>
+            <p:nvPr/>
+          </p:nvSpPr>
+          <p:spPr>
+            <a:xfrm>
+              <a:off x="6102255" y="2086816"/>
+              <a:ext cx="182880" cy="182880"/>
+            </a:xfrm>
+            <a:prstGeom prst="ellipse">
+              <a:avLst/>
+            </a:prstGeom>
+            <a:solidFill>
+              <a:schemeClr val="accent4">
+                <a:lumMod val="20000"/>
+                <a:lumOff val="80000"/>
+              </a:schemeClr>
+            </a:solidFill>
+            <a:ln>
+              <a:solidFill>
+                <a:schemeClr val="accent4">
+                  <a:lumMod val="60000"/>
+                  <a:lumOff val="40000"/>
+                </a:schemeClr>
+              </a:solidFill>
+            </a:ln>
+          </p:spPr>
+          <p:style>
+            <a:lnRef idx="2">
+              <a:schemeClr val="accent1">
+                <a:shade val="50000"/>
+              </a:schemeClr>
+            </a:lnRef>
+            <a:fillRef idx="1">
+              <a:schemeClr val="accent1"/>
+            </a:fillRef>
+            <a:effectRef idx="0">
+              <a:schemeClr val="accent1"/>
+            </a:effectRef>
+            <a:fontRef idx="minor">
+              <a:schemeClr val="lt1"/>
+            </a:fontRef>
+          </p:style>
+          <p:txBody>
+            <a:bodyPr rtlCol="0" anchor="ctr"/>
+            <a:lstStyle/>
+            <a:p>
+              <a:pPr algn="ctr"/>
+              <a:endParaRPr lang="en-US"/>
+            </a:p>
+          </p:txBody>
+        </p:sp>
+        <p:sp>
+          <p:nvSpPr>
+            <p:cNvPr id="23" name="Oval 22">
+              <a:extLst>
+                <a:ext uri="{FF2B5EF4-FFF2-40B4-BE49-F238E27FC236}">
+                  <a16:creationId xmlns:a16="http://schemas.microsoft.com/office/drawing/2014/main" id="{2EDC7B1A-8814-4212-A7E9-83191FB58205}"/>
+                </a:ext>
+              </a:extLst>
+            </p:cNvPr>
+            <p:cNvSpPr/>
+            <p:nvPr/>
+          </p:nvSpPr>
+          <p:spPr>
+            <a:xfrm>
+              <a:off x="6102255" y="2321448"/>
+              <a:ext cx="182880" cy="182880"/>
+            </a:xfrm>
+            <a:prstGeom prst="ellipse">
+              <a:avLst/>
+            </a:prstGeom>
+            <a:solidFill>
+              <a:schemeClr val="accent4">
+                <a:lumMod val="20000"/>
+                <a:lumOff val="80000"/>
+              </a:schemeClr>
+            </a:solidFill>
+            <a:ln>
+              <a:solidFill>
+                <a:schemeClr val="accent4">
+                  <a:lumMod val="60000"/>
+                  <a:lumOff val="40000"/>
+                </a:schemeClr>
+              </a:solidFill>
+            </a:ln>
+          </p:spPr>
+          <p:style>
+            <a:lnRef idx="2">
+              <a:schemeClr val="accent1">
+                <a:shade val="50000"/>
+              </a:schemeClr>
+            </a:lnRef>
+            <a:fillRef idx="1">
+              <a:schemeClr val="accent1"/>
+            </a:fillRef>
+            <a:effectRef idx="0">
+              <a:schemeClr val="accent1"/>
+            </a:effectRef>
+            <a:fontRef idx="minor">
+              <a:schemeClr val="lt1"/>
+            </a:fontRef>
+          </p:style>
+          <p:txBody>
+            <a:bodyPr rtlCol="0" anchor="ctr"/>
+            <a:lstStyle/>
+            <a:p>
+              <a:pPr algn="ctr"/>
+              <a:endParaRPr lang="en-US"/>
+            </a:p>
+          </p:txBody>
+        </p:sp>
+      </p:grpSp>
+      <p:grpSp>
+        <p:nvGrpSpPr>
+          <p:cNvPr id="25" name="Group 24">
+            <a:extLst>
+              <a:ext uri="{FF2B5EF4-FFF2-40B4-BE49-F238E27FC236}">
+                <a16:creationId xmlns:a16="http://schemas.microsoft.com/office/drawing/2014/main" id="{849B330F-62D3-4441-A8A4-E1CB35AF3E16}"/>
+              </a:ext>
+            </a:extLst>
+          </p:cNvPr>
+          <p:cNvGrpSpPr/>
+          <p:nvPr/>
+        </p:nvGrpSpPr>
+        <p:grpSpPr>
+          <a:xfrm rot="5400000">
+            <a:off x="5877281" y="1721532"/>
+            <a:ext cx="250078" cy="810055"/>
+            <a:chOff x="6068497" y="1766458"/>
+            <a:chExt cx="250078" cy="810055"/>
+          </a:xfrm>
+        </p:grpSpPr>
+        <p:sp>
+          <p:nvSpPr>
+            <p:cNvPr id="26" name="Rectangle: Rounded Corners 25">
+              <a:extLst>
+                <a:ext uri="{FF2B5EF4-FFF2-40B4-BE49-F238E27FC236}">
+                  <a16:creationId xmlns:a16="http://schemas.microsoft.com/office/drawing/2014/main" id="{8E8E9E84-2882-4C2B-A78B-BC5BC79E2281}"/>
+                </a:ext>
+              </a:extLst>
+            </p:cNvPr>
+            <p:cNvSpPr/>
+            <p:nvPr/>
+          </p:nvSpPr>
+          <p:spPr>
+            <a:xfrm>
+              <a:off x="6068497" y="1766458"/>
+              <a:ext cx="250078" cy="810055"/>
+            </a:xfrm>
+            <a:prstGeom prst="roundRect">
+              <a:avLst/>
+            </a:prstGeom>
+            <a:noFill/>
+            <a:ln>
+              <a:solidFill>
+                <a:schemeClr val="tx1"/>
+              </a:solidFill>
+            </a:ln>
+          </p:spPr>
+          <p:style>
+            <a:lnRef idx="2">
+              <a:schemeClr val="accent1">
+                <a:shade val="50000"/>
+              </a:schemeClr>
+            </a:lnRef>
+            <a:fillRef idx="1">
+              <a:schemeClr val="accent1"/>
+            </a:fillRef>
+            <a:effectRef idx="0">
+              <a:schemeClr val="accent1"/>
+            </a:effectRef>
+            <a:fontRef idx="minor">
+              <a:schemeClr val="lt1"/>
+            </a:fontRef>
+          </p:style>
+          <p:txBody>
+            <a:bodyPr rtlCol="0" anchor="ctr"/>
+            <a:lstStyle/>
+            <a:p>
+              <a:pPr algn="ctr"/>
+              <a:endParaRPr lang="en-US"/>
+            </a:p>
+          </p:txBody>
+        </p:sp>
+        <p:sp>
+          <p:nvSpPr>
+            <p:cNvPr id="27" name="Oval 26">
+              <a:extLst>
+                <a:ext uri="{FF2B5EF4-FFF2-40B4-BE49-F238E27FC236}">
+                  <a16:creationId xmlns:a16="http://schemas.microsoft.com/office/drawing/2014/main" id="{AA739091-E964-4293-95EB-C71D7B2E026C}"/>
+                </a:ext>
+              </a:extLst>
+            </p:cNvPr>
+            <p:cNvSpPr/>
+            <p:nvPr/>
+          </p:nvSpPr>
+          <p:spPr>
+            <a:xfrm>
+              <a:off x="6102255" y="1845311"/>
+              <a:ext cx="182880" cy="182880"/>
+            </a:xfrm>
+            <a:prstGeom prst="ellipse">
+              <a:avLst/>
+            </a:prstGeom>
+            <a:solidFill>
+              <a:schemeClr val="accent4">
+                <a:lumMod val="20000"/>
+                <a:lumOff val="80000"/>
+              </a:schemeClr>
+            </a:solidFill>
+            <a:ln>
+              <a:solidFill>
+                <a:schemeClr val="accent4">
+                  <a:lumMod val="60000"/>
+                  <a:lumOff val="40000"/>
+                </a:schemeClr>
+              </a:solidFill>
+            </a:ln>
+          </p:spPr>
+          <p:style>
+            <a:lnRef idx="2">
+              <a:schemeClr val="accent1">
+                <a:shade val="50000"/>
+              </a:schemeClr>
+            </a:lnRef>
+            <a:fillRef idx="1">
+              <a:schemeClr val="accent1"/>
+            </a:fillRef>
+            <a:effectRef idx="0">
+              <a:schemeClr val="accent1"/>
+            </a:effectRef>
+            <a:fontRef idx="minor">
+              <a:schemeClr val="lt1"/>
+            </a:fontRef>
+          </p:style>
+          <p:txBody>
+            <a:bodyPr rtlCol="0" anchor="ctr"/>
+            <a:lstStyle/>
+            <a:p>
+              <a:pPr algn="ctr"/>
+              <a:endParaRPr lang="en-US"/>
+            </a:p>
+          </p:txBody>
+        </p:sp>
+        <p:sp>
+          <p:nvSpPr>
+            <p:cNvPr id="28" name="Oval 27">
+              <a:extLst>
+                <a:ext uri="{FF2B5EF4-FFF2-40B4-BE49-F238E27FC236}">
+                  <a16:creationId xmlns:a16="http://schemas.microsoft.com/office/drawing/2014/main" id="{C43E43F2-AED0-4F61-A4B9-DB5BEBFEB12A}"/>
+                </a:ext>
+              </a:extLst>
+            </p:cNvPr>
+            <p:cNvSpPr/>
+            <p:nvPr/>
+          </p:nvSpPr>
+          <p:spPr>
+            <a:xfrm>
+              <a:off x="6102255" y="2086816"/>
+              <a:ext cx="182880" cy="182880"/>
+            </a:xfrm>
+            <a:prstGeom prst="ellipse">
+              <a:avLst/>
+            </a:prstGeom>
+            <a:solidFill>
+              <a:schemeClr val="accent4">
+                <a:lumMod val="20000"/>
+                <a:lumOff val="80000"/>
+              </a:schemeClr>
+            </a:solidFill>
+            <a:ln>
+              <a:solidFill>
+                <a:schemeClr val="accent4">
+                  <a:lumMod val="60000"/>
+                  <a:lumOff val="40000"/>
+                </a:schemeClr>
+              </a:solidFill>
+            </a:ln>
+          </p:spPr>
+          <p:style>
+            <a:lnRef idx="2">
+              <a:schemeClr val="accent1">
+                <a:shade val="50000"/>
+              </a:schemeClr>
+            </a:lnRef>
+            <a:fillRef idx="1">
+              <a:schemeClr val="accent1"/>
+            </a:fillRef>
+            <a:effectRef idx="0">
+              <a:schemeClr val="accent1"/>
+            </a:effectRef>
+            <a:fontRef idx="minor">
+              <a:schemeClr val="lt1"/>
+            </a:fontRef>
+          </p:style>
+          <p:txBody>
+            <a:bodyPr rtlCol="0" anchor="ctr"/>
+            <a:lstStyle/>
+            <a:p>
+              <a:pPr algn="ctr"/>
+              <a:endParaRPr lang="en-US"/>
+            </a:p>
+          </p:txBody>
+        </p:sp>
+        <p:sp>
+          <p:nvSpPr>
+            <p:cNvPr id="29" name="Oval 28">
+              <a:extLst>
+                <a:ext uri="{FF2B5EF4-FFF2-40B4-BE49-F238E27FC236}">
+                  <a16:creationId xmlns:a16="http://schemas.microsoft.com/office/drawing/2014/main" id="{C67B79F1-1157-4287-8700-B7A9D06792F3}"/>
+                </a:ext>
+              </a:extLst>
+            </p:cNvPr>
+            <p:cNvSpPr/>
+            <p:nvPr/>
+          </p:nvSpPr>
+          <p:spPr>
+            <a:xfrm>
+              <a:off x="6102255" y="2321448"/>
+              <a:ext cx="182880" cy="182880"/>
+            </a:xfrm>
+            <a:prstGeom prst="ellipse">
+              <a:avLst/>
+            </a:prstGeom>
+            <a:solidFill>
+              <a:schemeClr val="accent4">
+                <a:lumMod val="20000"/>
+                <a:lumOff val="80000"/>
+              </a:schemeClr>
+            </a:solidFill>
+            <a:ln>
+              <a:solidFill>
+                <a:schemeClr val="accent4">
+                  <a:lumMod val="60000"/>
+                  <a:lumOff val="40000"/>
+                </a:schemeClr>
+              </a:solidFill>
+            </a:ln>
+          </p:spPr>
+          <p:style>
+            <a:lnRef idx="2">
+              <a:schemeClr val="accent1">
+                <a:shade val="50000"/>
+              </a:schemeClr>
+            </a:lnRef>
+            <a:fillRef idx="1">
+              <a:schemeClr val="accent1"/>
+            </a:fillRef>
+            <a:effectRef idx="0">
+              <a:schemeClr val="accent1"/>
+            </a:effectRef>
+            <a:fontRef idx="minor">
+              <a:schemeClr val="lt1"/>
+            </a:fontRef>
+          </p:style>
+          <p:txBody>
+            <a:bodyPr rtlCol="0" anchor="ctr"/>
+            <a:lstStyle/>
+            <a:p>
+              <a:pPr algn="ctr"/>
+              <a:endParaRPr lang="en-US"/>
+            </a:p>
+          </p:txBody>
+        </p:sp>
+      </p:grpSp>
+      <p:grpSp>
+        <p:nvGrpSpPr>
+          <p:cNvPr id="30" name="Group 29">
+            <a:extLst>
+              <a:ext uri="{FF2B5EF4-FFF2-40B4-BE49-F238E27FC236}">
+                <a16:creationId xmlns:a16="http://schemas.microsoft.com/office/drawing/2014/main" id="{56169A95-EA04-4764-837B-A65767CA6E76}"/>
+              </a:ext>
+            </a:extLst>
+          </p:cNvPr>
+          <p:cNvGrpSpPr/>
+          <p:nvPr/>
+        </p:nvGrpSpPr>
+        <p:grpSpPr>
+          <a:xfrm rot="5400000">
+            <a:off x="5877281" y="2258854"/>
+            <a:ext cx="250078" cy="810055"/>
+            <a:chOff x="6068497" y="1766458"/>
+            <a:chExt cx="250078" cy="810055"/>
+          </a:xfrm>
+        </p:grpSpPr>
+        <p:sp>
+          <p:nvSpPr>
+            <p:cNvPr id="31" name="Rectangle: Rounded Corners 30">
+              <a:extLst>
+                <a:ext uri="{FF2B5EF4-FFF2-40B4-BE49-F238E27FC236}">
+                  <a16:creationId xmlns:a16="http://schemas.microsoft.com/office/drawing/2014/main" id="{BE0368D0-A514-4922-8387-A322FE8996F2}"/>
+                </a:ext>
+              </a:extLst>
+            </p:cNvPr>
+            <p:cNvSpPr/>
+            <p:nvPr/>
+          </p:nvSpPr>
+          <p:spPr>
+            <a:xfrm>
+              <a:off x="6068497" y="1766458"/>
+              <a:ext cx="250078" cy="810055"/>
+            </a:xfrm>
+            <a:prstGeom prst="roundRect">
+              <a:avLst/>
+            </a:prstGeom>
+            <a:noFill/>
+            <a:ln>
+              <a:solidFill>
+                <a:schemeClr val="tx1"/>
+              </a:solidFill>
+            </a:ln>
+          </p:spPr>
+          <p:style>
+            <a:lnRef idx="2">
+              <a:schemeClr val="accent1">
+                <a:shade val="50000"/>
+              </a:schemeClr>
+            </a:lnRef>
+            <a:fillRef idx="1">
+              <a:schemeClr val="accent1"/>
+            </a:fillRef>
+            <a:effectRef idx="0">
+              <a:schemeClr val="accent1"/>
+            </a:effectRef>
+            <a:fontRef idx="minor">
+              <a:schemeClr val="lt1"/>
+            </a:fontRef>
+          </p:style>
+          <p:txBody>
+            <a:bodyPr rtlCol="0" anchor="ctr"/>
+            <a:lstStyle/>
+            <a:p>
+              <a:pPr algn="ctr"/>
+              <a:endParaRPr lang="en-US"/>
+            </a:p>
+          </p:txBody>
+        </p:sp>
+        <p:sp>
+          <p:nvSpPr>
+            <p:cNvPr id="32" name="Oval 31">
+              <a:extLst>
+                <a:ext uri="{FF2B5EF4-FFF2-40B4-BE49-F238E27FC236}">
+                  <a16:creationId xmlns:a16="http://schemas.microsoft.com/office/drawing/2014/main" id="{ABE44E98-DF49-44F8-BA14-CEB3A5C3B540}"/>
+                </a:ext>
+              </a:extLst>
+            </p:cNvPr>
+            <p:cNvSpPr/>
+            <p:nvPr/>
+          </p:nvSpPr>
+          <p:spPr>
+            <a:xfrm>
+              <a:off x="6102255" y="1845311"/>
+              <a:ext cx="182880" cy="182880"/>
+            </a:xfrm>
+            <a:prstGeom prst="ellipse">
+              <a:avLst/>
+            </a:prstGeom>
+            <a:solidFill>
+              <a:schemeClr val="accent4">
+                <a:lumMod val="20000"/>
+                <a:lumOff val="80000"/>
+              </a:schemeClr>
+            </a:solidFill>
+            <a:ln>
+              <a:solidFill>
+                <a:schemeClr val="accent4">
+                  <a:lumMod val="60000"/>
+                  <a:lumOff val="40000"/>
+                </a:schemeClr>
+              </a:solidFill>
+            </a:ln>
+          </p:spPr>
+          <p:style>
+            <a:lnRef idx="2">
+              <a:schemeClr val="accent1">
+                <a:shade val="50000"/>
+              </a:schemeClr>
+            </a:lnRef>
+            <a:fillRef idx="1">
+              <a:schemeClr val="accent1"/>
+            </a:fillRef>
+            <a:effectRef idx="0">
+              <a:schemeClr val="accent1"/>
+            </a:effectRef>
+            <a:fontRef idx="minor">
+              <a:schemeClr val="lt1"/>
+            </a:fontRef>
+          </p:style>
+          <p:txBody>
+            <a:bodyPr rtlCol="0" anchor="ctr"/>
+            <a:lstStyle/>
+            <a:p>
+              <a:pPr algn="ctr"/>
+              <a:endParaRPr lang="en-US"/>
+            </a:p>
+          </p:txBody>
+        </p:sp>
+        <p:sp>
+          <p:nvSpPr>
+            <p:cNvPr id="33" name="Oval 32">
+              <a:extLst>
+                <a:ext uri="{FF2B5EF4-FFF2-40B4-BE49-F238E27FC236}">
+                  <a16:creationId xmlns:a16="http://schemas.microsoft.com/office/drawing/2014/main" id="{2DF5EA12-0541-47C8-98DA-8343B982139A}"/>
+                </a:ext>
+              </a:extLst>
+            </p:cNvPr>
+            <p:cNvSpPr/>
+            <p:nvPr/>
+          </p:nvSpPr>
+          <p:spPr>
+            <a:xfrm>
+              <a:off x="6102255" y="2086816"/>
+              <a:ext cx="182880" cy="182880"/>
+            </a:xfrm>
+            <a:prstGeom prst="ellipse">
+              <a:avLst/>
+            </a:prstGeom>
+            <a:solidFill>
+              <a:schemeClr val="accent4">
+                <a:lumMod val="20000"/>
+                <a:lumOff val="80000"/>
+              </a:schemeClr>
+            </a:solidFill>
+            <a:ln>
+              <a:solidFill>
+                <a:schemeClr val="accent4">
+                  <a:lumMod val="60000"/>
+                  <a:lumOff val="40000"/>
+                </a:schemeClr>
+              </a:solidFill>
+            </a:ln>
+          </p:spPr>
+          <p:style>
+            <a:lnRef idx="2">
+              <a:schemeClr val="accent1">
+                <a:shade val="50000"/>
+              </a:schemeClr>
+            </a:lnRef>
+            <a:fillRef idx="1">
+              <a:schemeClr val="accent1"/>
+            </a:fillRef>
+            <a:effectRef idx="0">
+              <a:schemeClr val="accent1"/>
+            </a:effectRef>
+            <a:fontRef idx="minor">
+              <a:schemeClr val="lt1"/>
+            </a:fontRef>
+          </p:style>
+          <p:txBody>
+            <a:bodyPr rtlCol="0" anchor="ctr"/>
+            <a:lstStyle/>
+            <a:p>
+              <a:pPr algn="ctr"/>
+              <a:endParaRPr lang="en-US"/>
+            </a:p>
+          </p:txBody>
+        </p:sp>
+        <p:sp>
+          <p:nvSpPr>
+            <p:cNvPr id="34" name="Oval 33">
+              <a:extLst>
+                <a:ext uri="{FF2B5EF4-FFF2-40B4-BE49-F238E27FC236}">
+                  <a16:creationId xmlns:a16="http://schemas.microsoft.com/office/drawing/2014/main" id="{8557D89F-CD41-4D40-A205-6F5EA3902B10}"/>
+                </a:ext>
+              </a:extLst>
+            </p:cNvPr>
+            <p:cNvSpPr/>
+            <p:nvPr/>
+          </p:nvSpPr>
+          <p:spPr>
+            <a:xfrm>
+              <a:off x="6102255" y="2321448"/>
+              <a:ext cx="182880" cy="182880"/>
+            </a:xfrm>
+            <a:prstGeom prst="ellipse">
+              <a:avLst/>
+            </a:prstGeom>
+            <a:solidFill>
+              <a:schemeClr val="accent4">
+                <a:lumMod val="20000"/>
+                <a:lumOff val="80000"/>
+              </a:schemeClr>
+            </a:solidFill>
+            <a:ln>
+              <a:solidFill>
+                <a:schemeClr val="accent4">
+                  <a:lumMod val="60000"/>
+                  <a:lumOff val="40000"/>
+                </a:schemeClr>
+              </a:solidFill>
+            </a:ln>
+          </p:spPr>
+          <p:style>
+            <a:lnRef idx="2">
+              <a:schemeClr val="accent1">
+                <a:shade val="50000"/>
+              </a:schemeClr>
+            </a:lnRef>
+            <a:fillRef idx="1">
+              <a:schemeClr val="accent1"/>
+            </a:fillRef>
+            <a:effectRef idx="0">
+              <a:schemeClr val="accent1"/>
+            </a:effectRef>
+            <a:fontRef idx="minor">
+              <a:schemeClr val="lt1"/>
+            </a:fontRef>
+          </p:style>
+          <p:txBody>
+            <a:bodyPr rtlCol="0" anchor="ctr"/>
+            <a:lstStyle/>
+            <a:p>
+              <a:pPr algn="ctr"/>
+              <a:endParaRPr lang="en-US"/>
+            </a:p>
+          </p:txBody>
+        </p:sp>
+      </p:grpSp>
+      <p:sp>
+        <p:nvSpPr>
+          <p:cNvPr id="35" name="TextBox 34">
+            <a:extLst>
+              <a:ext uri="{FF2B5EF4-FFF2-40B4-BE49-F238E27FC236}">
+                <a16:creationId xmlns:a16="http://schemas.microsoft.com/office/drawing/2014/main" id="{8CD25C06-2827-49BD-B870-DE6C520A66E2}"/>
+              </a:ext>
+            </a:extLst>
+          </p:cNvPr>
+          <p:cNvSpPr txBox="1"/>
+          <p:nvPr/>
+        </p:nvSpPr>
+        <p:spPr>
+          <a:xfrm>
+            <a:off x="5747861" y="2172774"/>
+            <a:ext cx="863600" cy="369332"/>
+          </a:xfrm>
+          <a:prstGeom prst="rect">
+            <a:avLst/>
+          </a:prstGeom>
+          <a:noFill/>
+        </p:spPr>
+        <p:txBody>
+          <a:bodyPr wrap="square" rtlCol="0">
+            <a:spAutoFit/>
+          </a:bodyPr>
+          <a:lstStyle/>
+          <a:p>
+            <a:r>
+              <a:rPr lang="en-US" dirty="0"/>
+              <a:t>……</a:t>
+            </a:r>
+          </a:p>
+        </p:txBody>
+      </p:sp>
+      <p:sp>
+        <p:nvSpPr>
+          <p:cNvPr id="37" name="Rectangle: Rounded Corners 36">
+            <a:extLst>
+              <a:ext uri="{FF2B5EF4-FFF2-40B4-BE49-F238E27FC236}">
+                <a16:creationId xmlns:a16="http://schemas.microsoft.com/office/drawing/2014/main" id="{4ADAA979-BAC1-4900-BB38-42C268B1A317}"/>
+              </a:ext>
+            </a:extLst>
+          </p:cNvPr>
+          <p:cNvSpPr/>
+          <p:nvPr/>
+        </p:nvSpPr>
+        <p:spPr>
+          <a:xfrm rot="5400000">
+            <a:off x="8497935" y="1377475"/>
+            <a:ext cx="250078" cy="810055"/>
+          </a:xfrm>
+          <a:prstGeom prst="roundRect">
+            <a:avLst/>
+          </a:prstGeom>
+          <a:noFill/>
+          <a:ln>
+            <a:solidFill>
+              <a:schemeClr val="tx1"/>
+            </a:solidFill>
+          </a:ln>
+        </p:spPr>
+        <p:style>
+          <a:lnRef idx="2">
+            <a:schemeClr val="accent1">
+              <a:shade val="50000"/>
+            </a:schemeClr>
+          </a:lnRef>
+          <a:fillRef idx="1">
+            <a:schemeClr val="accent1"/>
+          </a:fillRef>
+          <a:effectRef idx="0">
+            <a:schemeClr val="accent1"/>
+          </a:effectRef>
+          <a:fontRef idx="minor">
+            <a:schemeClr val="lt1"/>
+          </a:fontRef>
+        </p:style>
+        <p:txBody>
+          <a:bodyPr vert="vert270" rtlCol="0" anchor="ctr"/>
+          <a:lstStyle/>
+          <a:p>
+            <a:pPr algn="ctr"/>
+            <a:r>
+              <a:rPr lang="en-US" sz="1100" dirty="0">
+                <a:solidFill>
+                  <a:schemeClr val="tx1"/>
+                </a:solidFill>
+              </a:rPr>
+              <a:t>Concern 1</a:t>
+            </a:r>
+          </a:p>
+        </p:txBody>
+      </p:sp>
+      <p:sp>
+        <p:nvSpPr>
+          <p:cNvPr id="42" name="Rectangle: Rounded Corners 41">
+            <a:extLst>
+              <a:ext uri="{FF2B5EF4-FFF2-40B4-BE49-F238E27FC236}">
+                <a16:creationId xmlns:a16="http://schemas.microsoft.com/office/drawing/2014/main" id="{B30732FE-8129-4AC0-92D7-ED5E3CD94363}"/>
+              </a:ext>
+            </a:extLst>
+          </p:cNvPr>
+          <p:cNvSpPr/>
+          <p:nvPr/>
+        </p:nvSpPr>
+        <p:spPr>
+          <a:xfrm rot="5400000">
+            <a:off x="8497935" y="1721533"/>
+            <a:ext cx="250078" cy="810055"/>
+          </a:xfrm>
+          <a:prstGeom prst="roundRect">
+            <a:avLst/>
+          </a:prstGeom>
+          <a:noFill/>
+          <a:ln>
+            <a:solidFill>
+              <a:schemeClr val="tx1"/>
+            </a:solidFill>
+          </a:ln>
+        </p:spPr>
+        <p:style>
+          <a:lnRef idx="2">
+            <a:schemeClr val="accent1">
+              <a:shade val="50000"/>
+            </a:schemeClr>
+          </a:lnRef>
+          <a:fillRef idx="1">
+            <a:schemeClr val="accent1"/>
+          </a:fillRef>
+          <a:effectRef idx="0">
+            <a:schemeClr val="accent1"/>
+          </a:effectRef>
+          <a:fontRef idx="minor">
+            <a:schemeClr val="lt1"/>
+          </a:fontRef>
+        </p:style>
+        <p:txBody>
+          <a:bodyPr vert="vert270" rtlCol="0" anchor="ctr"/>
+          <a:lstStyle/>
+          <a:p>
+            <a:pPr algn="ctr"/>
+            <a:r>
+              <a:rPr lang="en-US" sz="1100" dirty="0">
+                <a:solidFill>
+                  <a:schemeClr val="tx1"/>
+                </a:solidFill>
+              </a:rPr>
+              <a:t>Concern 2</a:t>
+            </a:r>
+          </a:p>
+        </p:txBody>
+      </p:sp>
+      <p:sp>
+        <p:nvSpPr>
+          <p:cNvPr id="47" name="Rectangle: Rounded Corners 46">
+            <a:extLst>
+              <a:ext uri="{FF2B5EF4-FFF2-40B4-BE49-F238E27FC236}">
+                <a16:creationId xmlns:a16="http://schemas.microsoft.com/office/drawing/2014/main" id="{590D9DBC-E479-44A8-BB8D-793B437EE4D5}"/>
+              </a:ext>
+            </a:extLst>
+          </p:cNvPr>
+          <p:cNvSpPr/>
+          <p:nvPr/>
+        </p:nvSpPr>
+        <p:spPr>
+          <a:xfrm rot="5400000">
+            <a:off x="8497935" y="2258855"/>
+            <a:ext cx="250078" cy="810055"/>
+          </a:xfrm>
+          <a:prstGeom prst="roundRect">
+            <a:avLst/>
+          </a:prstGeom>
+          <a:noFill/>
+          <a:ln>
+            <a:solidFill>
+              <a:schemeClr val="tx1"/>
+            </a:solidFill>
+          </a:ln>
+        </p:spPr>
+        <p:style>
+          <a:lnRef idx="2">
+            <a:schemeClr val="accent1">
+              <a:shade val="50000"/>
+            </a:schemeClr>
+          </a:lnRef>
+          <a:fillRef idx="1">
+            <a:schemeClr val="accent1"/>
+          </a:fillRef>
+          <a:effectRef idx="0">
+            <a:schemeClr val="accent1"/>
+          </a:effectRef>
+          <a:fontRef idx="minor">
+            <a:schemeClr val="lt1"/>
+          </a:fontRef>
+        </p:style>
+        <p:txBody>
+          <a:bodyPr vert="vert270" rtlCol="0" anchor="ctr"/>
+          <a:lstStyle/>
+          <a:p>
+            <a:pPr algn="ctr"/>
+            <a:r>
+              <a:rPr lang="en-US" sz="1100" dirty="0">
+                <a:solidFill>
+                  <a:schemeClr val="tx1"/>
+                </a:solidFill>
+              </a:rPr>
+              <a:t>Concern 1</a:t>
+            </a:r>
+          </a:p>
+        </p:txBody>
+      </p:sp>
+      <p:sp>
+        <p:nvSpPr>
+          <p:cNvPr id="51" name="TextBox 50">
+            <a:extLst>
+              <a:ext uri="{FF2B5EF4-FFF2-40B4-BE49-F238E27FC236}">
+                <a16:creationId xmlns:a16="http://schemas.microsoft.com/office/drawing/2014/main" id="{577EEF1B-206D-458A-8903-70ED1A89C952}"/>
+              </a:ext>
+            </a:extLst>
+          </p:cNvPr>
+          <p:cNvSpPr txBox="1"/>
+          <p:nvPr/>
+        </p:nvSpPr>
+        <p:spPr>
+          <a:xfrm>
+            <a:off x="8368515" y="2172775"/>
+            <a:ext cx="863600" cy="369332"/>
+          </a:xfrm>
+          <a:prstGeom prst="rect">
+            <a:avLst/>
+          </a:prstGeom>
+          <a:noFill/>
+        </p:spPr>
+        <p:txBody>
+          <a:bodyPr wrap="square" rtlCol="0">
+            <a:spAutoFit/>
+          </a:bodyPr>
+          <a:lstStyle/>
+          <a:p>
+            <a:r>
+              <a:rPr lang="en-US" dirty="0"/>
+              <a:t>……</a:t>
+            </a:r>
+          </a:p>
+        </p:txBody>
+      </p:sp>
+      <p:sp>
+        <p:nvSpPr>
+          <p:cNvPr id="52" name="Rectangle: Rounded Corners 51">
+            <a:extLst>
+              <a:ext uri="{FF2B5EF4-FFF2-40B4-BE49-F238E27FC236}">
+                <a16:creationId xmlns:a16="http://schemas.microsoft.com/office/drawing/2014/main" id="{B94FA982-DA70-4CAD-AEC3-E135A31877D1}"/>
+              </a:ext>
+            </a:extLst>
+          </p:cNvPr>
+          <p:cNvSpPr/>
+          <p:nvPr/>
+        </p:nvSpPr>
+        <p:spPr>
+          <a:xfrm rot="5400000">
+            <a:off x="11323672" y="1377476"/>
+            <a:ext cx="250078" cy="810055"/>
+          </a:xfrm>
+          <a:prstGeom prst="roundRect">
+            <a:avLst/>
+          </a:prstGeom>
+          <a:noFill/>
+          <a:ln>
+            <a:solidFill>
+              <a:schemeClr val="tx1"/>
+            </a:solidFill>
+          </a:ln>
+        </p:spPr>
+        <p:style>
+          <a:lnRef idx="2">
+            <a:schemeClr val="accent1">
+              <a:shade val="50000"/>
+            </a:schemeClr>
+          </a:lnRef>
+          <a:fillRef idx="1">
+            <a:schemeClr val="accent1"/>
+          </a:fillRef>
+          <a:effectRef idx="0">
+            <a:schemeClr val="accent1"/>
+          </a:effectRef>
+          <a:fontRef idx="minor">
+            <a:schemeClr val="lt1"/>
+          </a:fontRef>
+        </p:style>
+        <p:txBody>
+          <a:bodyPr vert="vert270" rtlCol="0" anchor="ctr"/>
+          <a:lstStyle/>
+          <a:p>
+            <a:pPr algn="ctr"/>
+            <a:r>
+              <a:rPr lang="en-US" sz="1100" dirty="0">
+                <a:solidFill>
+                  <a:schemeClr val="tx1"/>
+                </a:solidFill>
+              </a:rPr>
+              <a:t>Concern 1</a:t>
+            </a:r>
+          </a:p>
+        </p:txBody>
+      </p:sp>
+      <p:sp>
+        <p:nvSpPr>
+          <p:cNvPr id="53" name="Rectangle: Rounded Corners 52">
+            <a:extLst>
+              <a:ext uri="{FF2B5EF4-FFF2-40B4-BE49-F238E27FC236}">
+                <a16:creationId xmlns:a16="http://schemas.microsoft.com/office/drawing/2014/main" id="{8BF03E46-D8FB-48EF-BDA3-515906E64E84}"/>
+              </a:ext>
+            </a:extLst>
+          </p:cNvPr>
+          <p:cNvSpPr/>
+          <p:nvPr/>
+        </p:nvSpPr>
+        <p:spPr>
+          <a:xfrm rot="5400000">
+            <a:off x="11323672" y="1721534"/>
+            <a:ext cx="250078" cy="810055"/>
+          </a:xfrm>
+          <a:prstGeom prst="roundRect">
+            <a:avLst/>
+          </a:prstGeom>
+          <a:noFill/>
+          <a:ln>
+            <a:solidFill>
+              <a:schemeClr val="tx1"/>
+            </a:solidFill>
+          </a:ln>
+        </p:spPr>
+        <p:style>
+          <a:lnRef idx="2">
+            <a:schemeClr val="accent1">
+              <a:shade val="50000"/>
+            </a:schemeClr>
+          </a:lnRef>
+          <a:fillRef idx="1">
+            <a:schemeClr val="accent1"/>
+          </a:fillRef>
+          <a:effectRef idx="0">
+            <a:schemeClr val="accent1"/>
+          </a:effectRef>
+          <a:fontRef idx="minor">
+            <a:schemeClr val="lt1"/>
+          </a:fontRef>
+        </p:style>
+        <p:txBody>
+          <a:bodyPr vert="vert270" rtlCol="0" anchor="ctr"/>
+          <a:lstStyle/>
+          <a:p>
+            <a:pPr algn="ctr"/>
+            <a:r>
+              <a:rPr lang="en-US" sz="1100" dirty="0">
+                <a:solidFill>
+                  <a:schemeClr val="tx1"/>
+                </a:solidFill>
+              </a:rPr>
+              <a:t>Concern 1</a:t>
+            </a:r>
+          </a:p>
+        </p:txBody>
+      </p:sp>
+      <p:sp>
+        <p:nvSpPr>
+          <p:cNvPr id="54" name="Rectangle: Rounded Corners 53">
+            <a:extLst>
+              <a:ext uri="{FF2B5EF4-FFF2-40B4-BE49-F238E27FC236}">
+                <a16:creationId xmlns:a16="http://schemas.microsoft.com/office/drawing/2014/main" id="{69DDE5EB-102A-41B3-AADB-21FDA77DE097}"/>
+              </a:ext>
+            </a:extLst>
+          </p:cNvPr>
+          <p:cNvSpPr/>
+          <p:nvPr/>
+        </p:nvSpPr>
+        <p:spPr>
+          <a:xfrm rot="5400000">
+            <a:off x="11323672" y="2258856"/>
+            <a:ext cx="250078" cy="810055"/>
+          </a:xfrm>
+          <a:prstGeom prst="roundRect">
+            <a:avLst/>
+          </a:prstGeom>
+          <a:noFill/>
+          <a:ln>
+            <a:solidFill>
+              <a:schemeClr val="tx1"/>
+            </a:solidFill>
+          </a:ln>
+        </p:spPr>
+        <p:style>
+          <a:lnRef idx="2">
+            <a:schemeClr val="accent1">
+              <a:shade val="50000"/>
+            </a:schemeClr>
+          </a:lnRef>
+          <a:fillRef idx="1">
+            <a:schemeClr val="accent1"/>
+          </a:fillRef>
+          <a:effectRef idx="0">
+            <a:schemeClr val="accent1"/>
+          </a:effectRef>
+          <a:fontRef idx="minor">
+            <a:schemeClr val="lt1"/>
+          </a:fontRef>
+        </p:style>
+        <p:txBody>
+          <a:bodyPr vert="vert270" rtlCol="0" anchor="ctr"/>
+          <a:lstStyle/>
+          <a:p>
+            <a:pPr algn="ctr"/>
+            <a:r>
+              <a:rPr lang="en-US" sz="1100" dirty="0">
+                <a:solidFill>
+                  <a:schemeClr val="tx1"/>
+                </a:solidFill>
+              </a:rPr>
+              <a:t>Concern 1</a:t>
+            </a:r>
+          </a:p>
+        </p:txBody>
+      </p:sp>
+      <p:sp>
+        <p:nvSpPr>
+          <p:cNvPr id="55" name="TextBox 54">
+            <a:extLst>
+              <a:ext uri="{FF2B5EF4-FFF2-40B4-BE49-F238E27FC236}">
+                <a16:creationId xmlns:a16="http://schemas.microsoft.com/office/drawing/2014/main" id="{4D876D11-3EB6-4256-8045-898889072D62}"/>
+              </a:ext>
+            </a:extLst>
+          </p:cNvPr>
+          <p:cNvSpPr txBox="1"/>
+          <p:nvPr/>
+        </p:nvSpPr>
+        <p:spPr>
+          <a:xfrm>
+            <a:off x="11194252" y="2172776"/>
+            <a:ext cx="863600" cy="369332"/>
+          </a:xfrm>
+          <a:prstGeom prst="rect">
+            <a:avLst/>
+          </a:prstGeom>
+          <a:noFill/>
+        </p:spPr>
+        <p:txBody>
+          <a:bodyPr wrap="square" rtlCol="0">
+            <a:spAutoFit/>
+          </a:bodyPr>
+          <a:lstStyle/>
+          <a:p>
+            <a:r>
+              <a:rPr lang="en-US" dirty="0"/>
+              <a:t>……</a:t>
+            </a:r>
+          </a:p>
+        </p:txBody>
+      </p:sp>
+      <p:sp>
+        <p:nvSpPr>
+          <p:cNvPr id="58" name="Rectangle 57">
+            <a:extLst>
+              <a:ext uri="{FF2B5EF4-FFF2-40B4-BE49-F238E27FC236}">
+                <a16:creationId xmlns:a16="http://schemas.microsoft.com/office/drawing/2014/main" id="{2ED4A621-0432-4653-B205-973432B5251D}"/>
+              </a:ext>
+            </a:extLst>
+          </p:cNvPr>
+          <p:cNvSpPr/>
+          <p:nvPr/>
+        </p:nvSpPr>
+        <p:spPr>
+          <a:xfrm>
+            <a:off x="3628239" y="1018095"/>
+            <a:ext cx="5561533" cy="2223143"/>
+          </a:xfrm>
+          <a:prstGeom prst="rect">
+            <a:avLst/>
+          </a:prstGeom>
+          <a:noFill/>
+          <a:ln>
+            <a:solidFill>
+              <a:schemeClr val="tx1"/>
+            </a:solidFill>
+            <a:prstDash val="dash"/>
+          </a:ln>
+        </p:spPr>
+        <p:style>
+          <a:lnRef idx="2">
+            <a:schemeClr val="accent1">
+              <a:shade val="50000"/>
+            </a:schemeClr>
+          </a:lnRef>
+          <a:fillRef idx="1">
+            <a:schemeClr val="accent1"/>
+          </a:fillRef>
+          <a:effectRef idx="0">
+            <a:schemeClr val="accent1"/>
+          </a:effectRef>
+          <a:fontRef idx="minor">
+            <a:schemeClr val="lt1"/>
+          </a:fontRef>
+        </p:style>
+        <p:txBody>
+          <a:bodyPr rtlCol="0" anchor="ctr"/>
+          <a:lstStyle/>
+          <a:p>
+            <a:pPr algn="ctr"/>
+            <a:endParaRPr lang="en-US"/>
+          </a:p>
+        </p:txBody>
+      </p:sp>
+      <p:sp>
+        <p:nvSpPr>
+          <p:cNvPr id="59" name="TextBox 58">
+            <a:extLst>
+              <a:ext uri="{FF2B5EF4-FFF2-40B4-BE49-F238E27FC236}">
+                <a16:creationId xmlns:a16="http://schemas.microsoft.com/office/drawing/2014/main" id="{43842F2A-F530-49F3-931E-E85848E4B6CB}"/>
+              </a:ext>
+            </a:extLst>
+          </p:cNvPr>
+          <p:cNvSpPr txBox="1"/>
+          <p:nvPr/>
+        </p:nvSpPr>
+        <p:spPr>
+          <a:xfrm>
+            <a:off x="3816996" y="2977284"/>
+            <a:ext cx="5372776" cy="307777"/>
+          </a:xfrm>
+          <a:prstGeom prst="rect">
+            <a:avLst/>
+          </a:prstGeom>
+          <a:noFill/>
+        </p:spPr>
+        <p:txBody>
+          <a:bodyPr wrap="square" rtlCol="0">
+            <a:spAutoFit/>
+          </a:bodyPr>
+          <a:lstStyle/>
+          <a:p>
+            <a:r>
+              <a:rPr lang="en-US" sz="1400" b="1" dirty="0"/>
+              <a:t>Context-aware Graph-based Code Change Clustering Learning Model</a:t>
+            </a:r>
+          </a:p>
+        </p:txBody>
+      </p:sp>
+      <p:sp>
+        <p:nvSpPr>
+          <p:cNvPr id="60" name="TextBox 59">
+            <a:extLst>
+              <a:ext uri="{FF2B5EF4-FFF2-40B4-BE49-F238E27FC236}">
+                <a16:creationId xmlns:a16="http://schemas.microsoft.com/office/drawing/2014/main" id="{9F67D81B-9C7B-4BD1-9C65-D542732C1EDA}"/>
+              </a:ext>
+            </a:extLst>
+          </p:cNvPr>
+          <p:cNvSpPr txBox="1"/>
+          <p:nvPr/>
+        </p:nvSpPr>
+        <p:spPr>
+          <a:xfrm>
+            <a:off x="2403812" y="1200759"/>
+            <a:ext cx="1357188" cy="523220"/>
+          </a:xfrm>
+          <a:prstGeom prst="rect">
+            <a:avLst/>
+          </a:prstGeom>
+          <a:noFill/>
+        </p:spPr>
+        <p:txBody>
+          <a:bodyPr wrap="square" rtlCol="0">
+            <a:spAutoFit/>
+          </a:bodyPr>
+          <a:lstStyle/>
+          <a:p>
+            <a:pPr algn="ctr"/>
+            <a:r>
+              <a:rPr lang="en-US" sz="1400" b="1" dirty="0"/>
+              <a:t>Multi-version graphs</a:t>
+            </a:r>
+          </a:p>
+        </p:txBody>
+      </p:sp>
+      <p:sp>
+        <p:nvSpPr>
+          <p:cNvPr id="61" name="TextBox 60">
+            <a:extLst>
+              <a:ext uri="{FF2B5EF4-FFF2-40B4-BE49-F238E27FC236}">
+                <a16:creationId xmlns:a16="http://schemas.microsoft.com/office/drawing/2014/main" id="{48D55EB6-B9B3-4A90-8405-7A9D41318008}"/>
+              </a:ext>
+            </a:extLst>
+          </p:cNvPr>
+          <p:cNvSpPr txBox="1"/>
+          <p:nvPr/>
+        </p:nvSpPr>
+        <p:spPr>
+          <a:xfrm>
+            <a:off x="5335252" y="983942"/>
+            <a:ext cx="1357188" cy="738664"/>
+          </a:xfrm>
+          <a:prstGeom prst="rect">
+            <a:avLst/>
+          </a:prstGeom>
+          <a:noFill/>
+        </p:spPr>
+        <p:txBody>
+          <a:bodyPr wrap="square" rtlCol="0">
+            <a:spAutoFit/>
+          </a:bodyPr>
+          <a:lstStyle/>
+          <a:p>
+            <a:pPr algn="ctr"/>
+            <a:r>
+              <a:rPr lang="en-US" sz="1400" b="1" dirty="0"/>
+              <a:t>Representation Vectors for Changed Nodes</a:t>
+            </a:r>
+          </a:p>
+        </p:txBody>
+      </p:sp>
+      <p:sp>
+        <p:nvSpPr>
+          <p:cNvPr id="62" name="TextBox 61">
+            <a:extLst>
+              <a:ext uri="{FF2B5EF4-FFF2-40B4-BE49-F238E27FC236}">
+                <a16:creationId xmlns:a16="http://schemas.microsoft.com/office/drawing/2014/main" id="{346D8053-D25E-48C4-BA78-64FB1F9E08AF}"/>
+              </a:ext>
+            </a:extLst>
+          </p:cNvPr>
+          <p:cNvSpPr txBox="1"/>
+          <p:nvPr/>
+        </p:nvSpPr>
+        <p:spPr>
+          <a:xfrm>
+            <a:off x="7948810" y="1200759"/>
+            <a:ext cx="1357188" cy="523220"/>
+          </a:xfrm>
+          <a:prstGeom prst="rect">
+            <a:avLst/>
+          </a:prstGeom>
+          <a:noFill/>
+        </p:spPr>
+        <p:txBody>
+          <a:bodyPr wrap="square" rtlCol="0">
+            <a:spAutoFit/>
+          </a:bodyPr>
+          <a:lstStyle/>
+          <a:p>
+            <a:pPr algn="ctr"/>
+            <a:r>
+              <a:rPr lang="en-US" sz="1400" b="1" dirty="0"/>
+              <a:t>Clustering Results</a:t>
+            </a:r>
+          </a:p>
+        </p:txBody>
+      </p:sp>
+      <p:sp>
+        <p:nvSpPr>
+          <p:cNvPr id="63" name="TextBox 62">
+            <a:extLst>
+              <a:ext uri="{FF2B5EF4-FFF2-40B4-BE49-F238E27FC236}">
+                <a16:creationId xmlns:a16="http://schemas.microsoft.com/office/drawing/2014/main" id="{FFD8A3B0-32BD-4C9D-825B-A1EA8C14F83B}"/>
+              </a:ext>
+            </a:extLst>
+          </p:cNvPr>
+          <p:cNvSpPr txBox="1"/>
+          <p:nvPr/>
+        </p:nvSpPr>
+        <p:spPr>
+          <a:xfrm>
+            <a:off x="10607479" y="1200759"/>
+            <a:ext cx="1626324" cy="523220"/>
+          </a:xfrm>
+          <a:prstGeom prst="rect">
+            <a:avLst/>
+          </a:prstGeom>
+          <a:noFill/>
+        </p:spPr>
+        <p:txBody>
+          <a:bodyPr wrap="square" rtlCol="0">
+            <a:spAutoFit/>
+          </a:bodyPr>
+          <a:lstStyle/>
+          <a:p>
+            <a:pPr algn="ctr"/>
+            <a:r>
+              <a:rPr lang="en-US" sz="1400" b="1" dirty="0"/>
+              <a:t>Updated Clustering Results</a:t>
+            </a:r>
+          </a:p>
+        </p:txBody>
+      </p:sp>
+      <p:sp>
+        <p:nvSpPr>
+          <p:cNvPr id="64" name="Arrow: Right 63">
+            <a:extLst>
+              <a:ext uri="{FF2B5EF4-FFF2-40B4-BE49-F238E27FC236}">
+                <a16:creationId xmlns:a16="http://schemas.microsoft.com/office/drawing/2014/main" id="{AA68E82E-3006-43DC-BCB3-E14747D144E2}"/>
+              </a:ext>
+            </a:extLst>
+          </p:cNvPr>
+          <p:cNvSpPr/>
+          <p:nvPr/>
+        </p:nvSpPr>
+        <p:spPr>
+          <a:xfrm>
+            <a:off x="2529155" y="2129902"/>
+            <a:ext cx="220614" cy="156098"/>
+          </a:xfrm>
+          <a:prstGeom prst="rightArrow">
+            <a:avLst/>
+          </a:prstGeom>
+          <a:solidFill>
+            <a:schemeClr val="tx1"/>
+          </a:solidFill>
+          <a:ln>
+            <a:solidFill>
+              <a:schemeClr val="tx1"/>
+            </a:solidFill>
+          </a:ln>
+        </p:spPr>
+        <p:style>
+          <a:lnRef idx="2">
+            <a:schemeClr val="accent1">
+              <a:shade val="50000"/>
+            </a:schemeClr>
+          </a:lnRef>
+          <a:fillRef idx="1">
+            <a:schemeClr val="accent1"/>
+          </a:fillRef>
+          <a:effectRef idx="0">
+            <a:schemeClr val="accent1"/>
+          </a:effectRef>
+          <a:fontRef idx="minor">
+            <a:schemeClr val="lt1"/>
+          </a:fontRef>
+        </p:style>
+        <p:txBody>
+          <a:bodyPr rtlCol="0" anchor="ctr"/>
+          <a:lstStyle/>
+          <a:p>
+            <a:pPr algn="ctr"/>
+            <a:endParaRPr lang="en-US"/>
+          </a:p>
+        </p:txBody>
+      </p:sp>
+      <p:sp>
+        <p:nvSpPr>
+          <p:cNvPr id="65" name="Arrow: Right 64">
+            <a:extLst>
+              <a:ext uri="{FF2B5EF4-FFF2-40B4-BE49-F238E27FC236}">
+                <a16:creationId xmlns:a16="http://schemas.microsoft.com/office/drawing/2014/main" id="{3BCE0D83-D45A-47A9-8391-FD13ECAA1D11}"/>
+              </a:ext>
+            </a:extLst>
+          </p:cNvPr>
+          <p:cNvSpPr/>
+          <p:nvPr/>
+        </p:nvSpPr>
+        <p:spPr>
+          <a:xfrm>
+            <a:off x="3535028" y="2129902"/>
+            <a:ext cx="220614" cy="156098"/>
+          </a:xfrm>
+          <a:prstGeom prst="rightArrow">
+            <a:avLst/>
+          </a:prstGeom>
+          <a:solidFill>
+            <a:schemeClr val="tx1"/>
+          </a:solidFill>
+          <a:ln>
+            <a:solidFill>
+              <a:schemeClr val="tx1"/>
+            </a:solidFill>
+          </a:ln>
+        </p:spPr>
+        <p:style>
+          <a:lnRef idx="2">
+            <a:schemeClr val="accent1">
+              <a:shade val="50000"/>
+            </a:schemeClr>
+          </a:lnRef>
+          <a:fillRef idx="1">
+            <a:schemeClr val="accent1"/>
+          </a:fillRef>
+          <a:effectRef idx="0">
+            <a:schemeClr val="accent1"/>
+          </a:effectRef>
+          <a:fontRef idx="minor">
+            <a:schemeClr val="lt1"/>
+          </a:fontRef>
+        </p:style>
+        <p:txBody>
+          <a:bodyPr rtlCol="0" anchor="ctr"/>
+          <a:lstStyle/>
+          <a:p>
+            <a:pPr algn="ctr"/>
+            <a:endParaRPr lang="en-US"/>
+          </a:p>
+        </p:txBody>
+      </p:sp>
+      <p:sp>
+        <p:nvSpPr>
+          <p:cNvPr id="66" name="Arrow: Right 65">
+            <a:extLst>
+              <a:ext uri="{FF2B5EF4-FFF2-40B4-BE49-F238E27FC236}">
+                <a16:creationId xmlns:a16="http://schemas.microsoft.com/office/drawing/2014/main" id="{812863E9-6FAE-491C-9DAE-29C7134764D9}"/>
+              </a:ext>
+            </a:extLst>
+          </p:cNvPr>
+          <p:cNvSpPr/>
+          <p:nvPr/>
+        </p:nvSpPr>
+        <p:spPr>
+          <a:xfrm>
+            <a:off x="5273086" y="2129902"/>
+            <a:ext cx="220614" cy="156098"/>
+          </a:xfrm>
+          <a:prstGeom prst="rightArrow">
+            <a:avLst/>
+          </a:prstGeom>
+          <a:solidFill>
+            <a:schemeClr val="tx1"/>
+          </a:solidFill>
+          <a:ln>
+            <a:solidFill>
+              <a:schemeClr val="tx1"/>
+            </a:solidFill>
+          </a:ln>
+        </p:spPr>
+        <p:style>
+          <a:lnRef idx="2">
+            <a:schemeClr val="accent1">
+              <a:shade val="50000"/>
+            </a:schemeClr>
+          </a:lnRef>
+          <a:fillRef idx="1">
+            <a:schemeClr val="accent1"/>
+          </a:fillRef>
+          <a:effectRef idx="0">
+            <a:schemeClr val="accent1"/>
+          </a:effectRef>
+          <a:fontRef idx="minor">
+            <a:schemeClr val="lt1"/>
+          </a:fontRef>
+        </p:style>
+        <p:txBody>
+          <a:bodyPr rtlCol="0" anchor="ctr"/>
+          <a:lstStyle/>
+          <a:p>
+            <a:pPr algn="ctr"/>
+            <a:endParaRPr lang="en-US"/>
+          </a:p>
+        </p:txBody>
+      </p:sp>
+      <p:sp>
+        <p:nvSpPr>
+          <p:cNvPr id="67" name="Arrow: Right 66">
+            <a:extLst>
+              <a:ext uri="{FF2B5EF4-FFF2-40B4-BE49-F238E27FC236}">
+                <a16:creationId xmlns:a16="http://schemas.microsoft.com/office/drawing/2014/main" id="{076A22D7-D2FC-4104-8F0D-D5C1B9E4656E}"/>
+              </a:ext>
+            </a:extLst>
+          </p:cNvPr>
+          <p:cNvSpPr/>
+          <p:nvPr/>
+        </p:nvSpPr>
+        <p:spPr>
+          <a:xfrm>
+            <a:off x="6508858" y="2129902"/>
+            <a:ext cx="220614" cy="156098"/>
+          </a:xfrm>
+          <a:prstGeom prst="rightArrow">
+            <a:avLst/>
+          </a:prstGeom>
+          <a:solidFill>
+            <a:schemeClr val="tx1"/>
+          </a:solidFill>
+          <a:ln>
+            <a:solidFill>
+              <a:schemeClr val="tx1"/>
+            </a:solidFill>
+          </a:ln>
+        </p:spPr>
+        <p:style>
+          <a:lnRef idx="2">
+            <a:schemeClr val="accent1">
+              <a:shade val="50000"/>
+            </a:schemeClr>
+          </a:lnRef>
+          <a:fillRef idx="1">
+            <a:schemeClr val="accent1"/>
+          </a:fillRef>
+          <a:effectRef idx="0">
+            <a:schemeClr val="accent1"/>
+          </a:effectRef>
+          <a:fontRef idx="minor">
+            <a:schemeClr val="lt1"/>
+          </a:fontRef>
+        </p:style>
+        <p:txBody>
+          <a:bodyPr rtlCol="0" anchor="ctr"/>
+          <a:lstStyle/>
+          <a:p>
+            <a:pPr algn="ctr"/>
+            <a:endParaRPr lang="en-US"/>
+          </a:p>
+        </p:txBody>
+      </p:sp>
+      <p:sp>
+        <p:nvSpPr>
+          <p:cNvPr id="68" name="Arrow: Right 67">
+            <a:extLst>
+              <a:ext uri="{FF2B5EF4-FFF2-40B4-BE49-F238E27FC236}">
+                <a16:creationId xmlns:a16="http://schemas.microsoft.com/office/drawing/2014/main" id="{C0DDA746-72E2-4C55-8092-3168D7B3668D}"/>
+              </a:ext>
+            </a:extLst>
+          </p:cNvPr>
+          <p:cNvSpPr/>
+          <p:nvPr/>
+        </p:nvSpPr>
+        <p:spPr>
+          <a:xfrm>
+            <a:off x="7927744" y="2129902"/>
+            <a:ext cx="220614" cy="156098"/>
+          </a:xfrm>
+          <a:prstGeom prst="rightArrow">
+            <a:avLst/>
+          </a:prstGeom>
+          <a:solidFill>
+            <a:schemeClr val="tx1"/>
+          </a:solidFill>
+          <a:ln>
+            <a:solidFill>
+              <a:schemeClr val="tx1"/>
+            </a:solidFill>
+          </a:ln>
+        </p:spPr>
+        <p:style>
+          <a:lnRef idx="2">
+            <a:schemeClr val="accent1">
+              <a:shade val="50000"/>
+            </a:schemeClr>
+          </a:lnRef>
+          <a:fillRef idx="1">
+            <a:schemeClr val="accent1"/>
+          </a:fillRef>
+          <a:effectRef idx="0">
+            <a:schemeClr val="accent1"/>
+          </a:effectRef>
+          <a:fontRef idx="minor">
+            <a:schemeClr val="lt1"/>
+          </a:fontRef>
+        </p:style>
+        <p:txBody>
+          <a:bodyPr rtlCol="0" anchor="ctr"/>
+          <a:lstStyle/>
+          <a:p>
+            <a:pPr algn="ctr"/>
+            <a:endParaRPr lang="en-US"/>
+          </a:p>
+        </p:txBody>
+      </p:sp>
+      <p:sp>
+        <p:nvSpPr>
+          <p:cNvPr id="69" name="Arrow: Right 68">
+            <a:extLst>
+              <a:ext uri="{FF2B5EF4-FFF2-40B4-BE49-F238E27FC236}">
+                <a16:creationId xmlns:a16="http://schemas.microsoft.com/office/drawing/2014/main" id="{FCF75B42-B9A2-4786-BF5A-C8B7B8892ECB}"/>
+              </a:ext>
+            </a:extLst>
+          </p:cNvPr>
+          <p:cNvSpPr/>
+          <p:nvPr/>
+        </p:nvSpPr>
+        <p:spPr>
+          <a:xfrm>
+            <a:off x="9070668" y="2129902"/>
+            <a:ext cx="220614" cy="156098"/>
+          </a:xfrm>
+          <a:prstGeom prst="rightArrow">
+            <a:avLst/>
+          </a:prstGeom>
+          <a:solidFill>
+            <a:schemeClr val="tx1"/>
+          </a:solidFill>
+          <a:ln>
+            <a:solidFill>
+              <a:schemeClr val="tx1"/>
+            </a:solidFill>
+          </a:ln>
+        </p:spPr>
+        <p:style>
+          <a:lnRef idx="2">
+            <a:schemeClr val="accent1">
+              <a:shade val="50000"/>
+            </a:schemeClr>
+          </a:lnRef>
+          <a:fillRef idx="1">
+            <a:schemeClr val="accent1"/>
+          </a:fillRef>
+          <a:effectRef idx="0">
+            <a:schemeClr val="accent1"/>
+          </a:effectRef>
+          <a:fontRef idx="minor">
+            <a:schemeClr val="lt1"/>
+          </a:fontRef>
+        </p:style>
+        <p:txBody>
+          <a:bodyPr rtlCol="0" anchor="ctr"/>
+          <a:lstStyle/>
+          <a:p>
+            <a:pPr algn="ctr"/>
+            <a:endParaRPr lang="en-US"/>
+          </a:p>
+        </p:txBody>
+      </p:sp>
+      <p:sp>
+        <p:nvSpPr>
+          <p:cNvPr id="70" name="Arrow: Right 69">
+            <a:extLst>
+              <a:ext uri="{FF2B5EF4-FFF2-40B4-BE49-F238E27FC236}">
+                <a16:creationId xmlns:a16="http://schemas.microsoft.com/office/drawing/2014/main" id="{2B0FF969-D2F2-40D2-9E73-1FAFF2991818}"/>
+              </a:ext>
+            </a:extLst>
+          </p:cNvPr>
+          <p:cNvSpPr/>
+          <p:nvPr/>
+        </p:nvSpPr>
+        <p:spPr>
+          <a:xfrm>
+            <a:off x="10785056" y="2129902"/>
+            <a:ext cx="220614" cy="156098"/>
+          </a:xfrm>
+          <a:prstGeom prst="rightArrow">
+            <a:avLst/>
+          </a:prstGeom>
+          <a:solidFill>
+            <a:schemeClr val="tx1"/>
+          </a:solidFill>
+          <a:ln>
+            <a:solidFill>
+              <a:schemeClr val="tx1"/>
+            </a:solidFill>
+          </a:ln>
+        </p:spPr>
+        <p:style>
+          <a:lnRef idx="2">
+            <a:schemeClr val="accent1">
+              <a:shade val="50000"/>
+            </a:schemeClr>
+          </a:lnRef>
+          <a:fillRef idx="1">
+            <a:schemeClr val="accent1"/>
+          </a:fillRef>
+          <a:effectRef idx="0">
+            <a:schemeClr val="accent1"/>
+          </a:effectRef>
+          <a:fontRef idx="minor">
+            <a:schemeClr val="lt1"/>
+          </a:fontRef>
+        </p:style>
+        <p:txBody>
+          <a:bodyPr rtlCol="0" anchor="ctr"/>
+          <a:lstStyle/>
+          <a:p>
+            <a:pPr algn="ctr"/>
+            <a:endParaRPr lang="en-US"/>
+          </a:p>
+        </p:txBody>
+      </p:sp>
+      <p:sp>
+        <p:nvSpPr>
+          <p:cNvPr id="71" name="Flowchart: Card 70">
+            <a:extLst>
+              <a:ext uri="{FF2B5EF4-FFF2-40B4-BE49-F238E27FC236}">
+                <a16:creationId xmlns:a16="http://schemas.microsoft.com/office/drawing/2014/main" id="{60B7D68F-ABCC-43B2-AAD4-86D86287FBA9}"/>
+              </a:ext>
+            </a:extLst>
+          </p:cNvPr>
+          <p:cNvSpPr/>
+          <p:nvPr/>
+        </p:nvSpPr>
+        <p:spPr>
+          <a:xfrm>
+            <a:off x="389698" y="1163540"/>
+            <a:ext cx="366713" cy="521847"/>
+          </a:xfrm>
+          <a:prstGeom prst="flowChartPunchedCard">
+            <a:avLst/>
+          </a:prstGeom>
+          <a:solidFill>
+            <a:schemeClr val="accent6">
+              <a:lumMod val="20000"/>
+              <a:lumOff val="80000"/>
+            </a:schemeClr>
+          </a:solidFill>
+          <a:ln>
+            <a:solidFill>
+              <a:schemeClr val="accent6">
+                <a:lumMod val="75000"/>
+              </a:schemeClr>
+            </a:solidFill>
+          </a:ln>
+        </p:spPr>
+        <p:style>
+          <a:lnRef idx="2">
+            <a:schemeClr val="accent1">
+              <a:shade val="50000"/>
+            </a:schemeClr>
+          </a:lnRef>
+          <a:fillRef idx="1">
+            <a:schemeClr val="accent1"/>
+          </a:fillRef>
+          <a:effectRef idx="0">
+            <a:schemeClr val="accent1"/>
+          </a:effectRef>
+          <a:fontRef idx="minor">
+            <a:schemeClr val="lt1"/>
+          </a:fontRef>
+        </p:style>
+        <p:txBody>
+          <a:bodyPr rtlCol="0" anchor="ctr"/>
+          <a:lstStyle/>
+          <a:p>
+            <a:pPr algn="ctr"/>
+            <a:endParaRPr lang="en-US"/>
+          </a:p>
+        </p:txBody>
+      </p:sp>
+      <p:sp>
+        <p:nvSpPr>
+          <p:cNvPr id="72" name="Flowchart: Card 71">
+            <a:extLst>
+              <a:ext uri="{FF2B5EF4-FFF2-40B4-BE49-F238E27FC236}">
+                <a16:creationId xmlns:a16="http://schemas.microsoft.com/office/drawing/2014/main" id="{1F493FA5-9C7D-4A80-BEA9-39639D4A8B41}"/>
+              </a:ext>
+            </a:extLst>
+          </p:cNvPr>
+          <p:cNvSpPr/>
+          <p:nvPr/>
+        </p:nvSpPr>
+        <p:spPr>
+          <a:xfrm>
+            <a:off x="378341" y="2274458"/>
+            <a:ext cx="366713" cy="521847"/>
+          </a:xfrm>
+          <a:prstGeom prst="flowChartPunchedCard">
+            <a:avLst/>
+          </a:prstGeom>
+          <a:solidFill>
+            <a:schemeClr val="accent6">
+              <a:lumMod val="20000"/>
+              <a:lumOff val="80000"/>
+            </a:schemeClr>
+          </a:solidFill>
+          <a:ln>
+            <a:solidFill>
+              <a:schemeClr val="accent6">
+                <a:lumMod val="75000"/>
+              </a:schemeClr>
+            </a:solidFill>
+          </a:ln>
+        </p:spPr>
+        <p:style>
+          <a:lnRef idx="2">
+            <a:schemeClr val="accent1">
+              <a:shade val="50000"/>
+            </a:schemeClr>
+          </a:lnRef>
+          <a:fillRef idx="1">
+            <a:schemeClr val="accent1"/>
+          </a:fillRef>
+          <a:effectRef idx="0">
+            <a:schemeClr val="accent1"/>
+          </a:effectRef>
+          <a:fontRef idx="minor">
+            <a:schemeClr val="lt1"/>
+          </a:fontRef>
+        </p:style>
+        <p:txBody>
+          <a:bodyPr rtlCol="0" anchor="ctr"/>
+          <a:lstStyle/>
+          <a:p>
+            <a:pPr algn="ctr"/>
+            <a:endParaRPr lang="en-US"/>
+          </a:p>
+        </p:txBody>
+      </p:sp>
+      <p:sp>
+        <p:nvSpPr>
+          <p:cNvPr id="73" name="TextBox 72">
+            <a:extLst>
+              <a:ext uri="{FF2B5EF4-FFF2-40B4-BE49-F238E27FC236}">
+                <a16:creationId xmlns:a16="http://schemas.microsoft.com/office/drawing/2014/main" id="{A1D3FF65-1731-40D1-8D34-B57736348470}"/>
+              </a:ext>
+            </a:extLst>
+          </p:cNvPr>
+          <p:cNvSpPr txBox="1"/>
+          <p:nvPr/>
+        </p:nvSpPr>
+        <p:spPr>
+          <a:xfrm>
+            <a:off x="-86962" y="1702691"/>
+            <a:ext cx="1357188" cy="523220"/>
+          </a:xfrm>
+          <a:prstGeom prst="rect">
+            <a:avLst/>
+          </a:prstGeom>
+          <a:noFill/>
+        </p:spPr>
+        <p:txBody>
+          <a:bodyPr wrap="square" rtlCol="0">
+            <a:spAutoFit/>
+          </a:bodyPr>
+          <a:lstStyle/>
+          <a:p>
+            <a:pPr algn="ctr"/>
+            <a:r>
+              <a:rPr lang="en-US" sz="1400" b="1" dirty="0"/>
+              <a:t>Source Code Version </a:t>
+            </a:r>
+            <a:r>
+              <a:rPr lang="en-US" sz="1400" b="1" i="1" dirty="0"/>
+              <a:t>i</a:t>
+            </a:r>
+          </a:p>
+        </p:txBody>
+      </p:sp>
+      <p:sp>
+        <p:nvSpPr>
+          <p:cNvPr id="74" name="TextBox 73">
+            <a:extLst>
+              <a:ext uri="{FF2B5EF4-FFF2-40B4-BE49-F238E27FC236}">
+                <a16:creationId xmlns:a16="http://schemas.microsoft.com/office/drawing/2014/main" id="{38F76080-1614-4BBA-817F-8F124E63ECC0}"/>
+              </a:ext>
+            </a:extLst>
+          </p:cNvPr>
+          <p:cNvSpPr txBox="1"/>
+          <p:nvPr/>
+        </p:nvSpPr>
+        <p:spPr>
+          <a:xfrm>
+            <a:off x="-86962" y="2796305"/>
+            <a:ext cx="1357188" cy="523220"/>
+          </a:xfrm>
+          <a:prstGeom prst="rect">
+            <a:avLst/>
+          </a:prstGeom>
+          <a:noFill/>
+        </p:spPr>
+        <p:txBody>
+          <a:bodyPr wrap="square" rtlCol="0">
+            <a:spAutoFit/>
+          </a:bodyPr>
+          <a:lstStyle/>
+          <a:p>
+            <a:pPr algn="ctr"/>
+            <a:r>
+              <a:rPr lang="en-US" sz="1400" b="1" dirty="0"/>
+              <a:t>Source Code Version </a:t>
+            </a:r>
+            <a:r>
+              <a:rPr lang="en-US" sz="1400" b="1" i="1" dirty="0"/>
+              <a:t>j</a:t>
+            </a:r>
+          </a:p>
+        </p:txBody>
+      </p:sp>
+      <p:sp>
+        <p:nvSpPr>
+          <p:cNvPr id="75" name="Arrow: Right 74">
+            <a:extLst>
+              <a:ext uri="{FF2B5EF4-FFF2-40B4-BE49-F238E27FC236}">
+                <a16:creationId xmlns:a16="http://schemas.microsoft.com/office/drawing/2014/main" id="{D7A541A3-35BB-4FF2-B85F-EE88EF06D435}"/>
+              </a:ext>
+            </a:extLst>
+          </p:cNvPr>
+          <p:cNvSpPr/>
+          <p:nvPr/>
+        </p:nvSpPr>
+        <p:spPr>
+          <a:xfrm>
+            <a:off x="1013881" y="2129902"/>
+            <a:ext cx="220614" cy="156098"/>
+          </a:xfrm>
+          <a:prstGeom prst="rightArrow">
+            <a:avLst/>
+          </a:prstGeom>
+          <a:solidFill>
+            <a:schemeClr val="tx1"/>
+          </a:solidFill>
+          <a:ln>
+            <a:solidFill>
+              <a:schemeClr val="tx1"/>
+            </a:solidFill>
+          </a:ln>
+        </p:spPr>
+        <p:style>
+          <a:lnRef idx="2">
+            <a:schemeClr val="accent1">
+              <a:shade val="50000"/>
+            </a:schemeClr>
+          </a:lnRef>
+          <a:fillRef idx="1">
+            <a:schemeClr val="accent1"/>
+          </a:fillRef>
+          <a:effectRef idx="0">
+            <a:schemeClr val="accent1"/>
+          </a:effectRef>
+          <a:fontRef idx="minor">
+            <a:schemeClr val="lt1"/>
+          </a:fontRef>
+        </p:style>
+        <p:txBody>
+          <a:bodyPr rtlCol="0" anchor="ctr"/>
+          <a:lstStyle/>
+          <a:p>
+            <a:pPr algn="ctr"/>
+            <a:endParaRPr lang="en-US"/>
+          </a:p>
+        </p:txBody>
+      </p:sp>
+    </p:spTree>
+    <p:extLst>
+      <p:ext uri="{BB962C8B-B14F-4D97-AF65-F5344CB8AC3E}">
+        <p14:creationId xmlns:p14="http://schemas.microsoft.com/office/powerpoint/2010/main" val="3840980318"/>
+      </p:ext>
+    </p:extLst>
+  </p:cSld>
+  <p:clrMapOvr>
+    <a:masterClrMapping/>
+  </p:clrMapOvr>
+</p:sld>
+</file>
+
 <file path=ppt/theme/theme1.xml><?xml version="1.0" encoding="utf-8"?>
 <a:theme xmlns:a="http://schemas.openxmlformats.org/drawingml/2006/main" name="Office Theme">
   <a:themeElements>

--- a/figures/Figures-Yi.pptx
+++ b/figures/Figures-Yi.pptx
@@ -18772,7 +18772,7 @@
         </p:nvSpPr>
         <p:spPr>
           <a:xfrm>
-            <a:off x="1252917" y="297180"/>
+            <a:off x="1135890" y="290530"/>
             <a:ext cx="3646551" cy="1396958"/>
           </a:xfrm>
           <a:prstGeom prst="rect">
@@ -19606,9 +19606,10 @@
           <a:lstStyle/>
           <a:p>
             <a:r>
-              <a:rPr lang="en-US" sz="1400" dirty="0"/>
+              <a:rPr lang="en-US" sz="1400" dirty="0" err="1"/>
               <a:t>i</a:t>
             </a:r>
+            <a:endParaRPr lang="en-US" sz="1400" dirty="0"/>
           </a:p>
         </p:txBody>
       </p:sp>
@@ -19641,9 +19642,10 @@
           <a:lstStyle/>
           <a:p>
             <a:r>
-              <a:rPr lang="en-US" sz="1400" dirty="0"/>
+              <a:rPr lang="en-US" sz="1400" dirty="0" err="1"/>
               <a:t>i</a:t>
             </a:r>
+            <a:endParaRPr lang="en-US" sz="1400" dirty="0"/>
           </a:p>
         </p:txBody>
       </p:sp>
@@ -19661,7 +19663,7 @@
         </p:nvSpPr>
         <p:spPr>
           <a:xfrm>
-            <a:off x="650700" y="3402112"/>
+            <a:off x="610998" y="3402111"/>
             <a:ext cx="402487" cy="307777"/>
           </a:xfrm>
           <a:prstGeom prst="rect">
@@ -19676,9 +19678,10 @@
           <a:lstStyle/>
           <a:p>
             <a:r>
-              <a:rPr lang="en-US" sz="1400" dirty="0"/>
+              <a:rPr lang="en-US" sz="1400" dirty="0" err="1"/>
               <a:t>i</a:t>
             </a:r>
+            <a:endParaRPr lang="en-US" sz="1400" dirty="0"/>
           </a:p>
         </p:txBody>
       </p:sp>
@@ -19696,7 +19699,7 @@
         </p:nvSpPr>
         <p:spPr>
           <a:xfrm>
-            <a:off x="345901" y="4036033"/>
+            <a:off x="302821" y="4036033"/>
             <a:ext cx="402487" cy="307777"/>
           </a:xfrm>
           <a:prstGeom prst="rect">
@@ -19711,9 +19714,10 @@
           <a:lstStyle/>
           <a:p>
             <a:r>
-              <a:rPr lang="en-US" sz="1400" dirty="0"/>
+              <a:rPr lang="en-US" sz="1400" dirty="0" err="1"/>
               <a:t>i</a:t>
             </a:r>
+            <a:endParaRPr lang="en-US" sz="1400" dirty="0"/>
           </a:p>
         </p:txBody>
       </p:sp>
@@ -19731,7 +19735,7 @@
         </p:nvGrpSpPr>
         <p:grpSpPr>
           <a:xfrm>
-            <a:off x="2938716" y="1790700"/>
+            <a:off x="2959166" y="1804296"/>
             <a:ext cx="2410334" cy="2553110"/>
             <a:chOff x="2938716" y="1790700"/>
             <a:chExt cx="2410334" cy="2553110"/>
@@ -21388,6 +21392,111 @@
           </p:txBody>
         </p:sp>
       </p:grpSp>
+      <p:sp>
+        <p:nvSpPr>
+          <p:cNvPr id="3" name="TextBox 2">
+            <a:extLst>
+              <a:ext uri="{FF2B5EF4-FFF2-40B4-BE49-F238E27FC236}">
+                <a16:creationId xmlns:a16="http://schemas.microsoft.com/office/drawing/2014/main" id="{745FBC6A-1697-4311-88C6-6A5D83113ED6}"/>
+              </a:ext>
+            </a:extLst>
+          </p:cNvPr>
+          <p:cNvSpPr txBox="1"/>
+          <p:nvPr/>
+        </p:nvSpPr>
+        <p:spPr>
+          <a:xfrm>
+            <a:off x="1430998" y="4301268"/>
+            <a:ext cx="436338" cy="369332"/>
+          </a:xfrm>
+          <a:prstGeom prst="rect">
+            <a:avLst/>
+          </a:prstGeom>
+          <a:noFill/>
+        </p:spPr>
+        <p:txBody>
+          <a:bodyPr wrap="none" rtlCol="0">
+            <a:spAutoFit/>
+          </a:bodyPr>
+          <a:lstStyle/>
+          <a:p>
+            <a:r>
+              <a:rPr lang="en-US" dirty="0"/>
+              <a:t>(a)</a:t>
+            </a:r>
+          </a:p>
+        </p:txBody>
+      </p:sp>
+      <p:sp>
+        <p:nvSpPr>
+          <p:cNvPr id="58" name="TextBox 57">
+            <a:extLst>
+              <a:ext uri="{FF2B5EF4-FFF2-40B4-BE49-F238E27FC236}">
+                <a16:creationId xmlns:a16="http://schemas.microsoft.com/office/drawing/2014/main" id="{C0847004-DA0E-41A9-9CBA-63F413091A7D}"/>
+              </a:ext>
+            </a:extLst>
+          </p:cNvPr>
+          <p:cNvSpPr txBox="1"/>
+          <p:nvPr/>
+        </p:nvSpPr>
+        <p:spPr>
+          <a:xfrm>
+            <a:off x="4095579" y="4301268"/>
+            <a:ext cx="447558" cy="369332"/>
+          </a:xfrm>
+          <a:prstGeom prst="rect">
+            <a:avLst/>
+          </a:prstGeom>
+          <a:noFill/>
+        </p:spPr>
+        <p:txBody>
+          <a:bodyPr wrap="none" rtlCol="0">
+            <a:spAutoFit/>
+          </a:bodyPr>
+          <a:lstStyle/>
+          <a:p>
+            <a:r>
+              <a:rPr lang="en-US" dirty="0"/>
+              <a:t>(b)</a:t>
+            </a:r>
+          </a:p>
+        </p:txBody>
+      </p:sp>
+      <p:sp>
+        <p:nvSpPr>
+          <p:cNvPr id="59" name="TextBox 58">
+            <a:extLst>
+              <a:ext uri="{FF2B5EF4-FFF2-40B4-BE49-F238E27FC236}">
+                <a16:creationId xmlns:a16="http://schemas.microsoft.com/office/drawing/2014/main" id="{9A3F0B85-5125-49BE-8437-BE6D1FCDCFA0}"/>
+              </a:ext>
+            </a:extLst>
+          </p:cNvPr>
+          <p:cNvSpPr txBox="1"/>
+          <p:nvPr/>
+        </p:nvSpPr>
+        <p:spPr>
+          <a:xfrm>
+            <a:off x="6843199" y="4291569"/>
+            <a:ext cx="423514" cy="369332"/>
+          </a:xfrm>
+          <a:prstGeom prst="rect">
+            <a:avLst/>
+          </a:prstGeom>
+          <a:noFill/>
+        </p:spPr>
+        <p:txBody>
+          <a:bodyPr wrap="none" rtlCol="0">
+            <a:spAutoFit/>
+          </a:bodyPr>
+          <a:lstStyle/>
+          <a:p>
+            <a:r>
+              <a:rPr lang="en-US" dirty="0"/>
+              <a:t>(c)</a:t>
+            </a:r>
+          </a:p>
+        </p:txBody>
+      </p:sp>
     </p:spTree>
     <p:extLst>
       <p:ext uri="{BB962C8B-B14F-4D97-AF65-F5344CB8AC3E}">

--- a/figures/Figures-Yi.pptx
+++ b/figures/Figures-Yi.pptx
@@ -264,7 +264,7 @@
           <a:p>
             <a:fld id="{9BED4BE8-31C7-403D-911A-3E727E0E58BF}" type="datetimeFigureOut">
               <a:rPr lang="en-US" smtClean="0"/>
-              <a:t>2/16/2022</a:t>
+              <a:t>2/17/2022</a:t>
             </a:fld>
             <a:endParaRPr lang="en-US" dirty="0"/>
           </a:p>
@@ -462,7 +462,7 @@
           <a:p>
             <a:fld id="{9BED4BE8-31C7-403D-911A-3E727E0E58BF}" type="datetimeFigureOut">
               <a:rPr lang="en-US" smtClean="0"/>
-              <a:t>2/16/2022</a:t>
+              <a:t>2/17/2022</a:t>
             </a:fld>
             <a:endParaRPr lang="en-US" dirty="0"/>
           </a:p>
@@ -670,7 +670,7 @@
           <a:p>
             <a:fld id="{9BED4BE8-31C7-403D-911A-3E727E0E58BF}" type="datetimeFigureOut">
               <a:rPr lang="en-US" smtClean="0"/>
-              <a:t>2/16/2022</a:t>
+              <a:t>2/17/2022</a:t>
             </a:fld>
             <a:endParaRPr lang="en-US" dirty="0"/>
           </a:p>
@@ -868,7 +868,7 @@
           <a:p>
             <a:fld id="{9BED4BE8-31C7-403D-911A-3E727E0E58BF}" type="datetimeFigureOut">
               <a:rPr lang="en-US" smtClean="0"/>
-              <a:t>2/16/2022</a:t>
+              <a:t>2/17/2022</a:t>
             </a:fld>
             <a:endParaRPr lang="en-US" dirty="0"/>
           </a:p>
@@ -1143,7 +1143,7 @@
           <a:p>
             <a:fld id="{9BED4BE8-31C7-403D-911A-3E727E0E58BF}" type="datetimeFigureOut">
               <a:rPr lang="en-US" smtClean="0"/>
-              <a:t>2/16/2022</a:t>
+              <a:t>2/17/2022</a:t>
             </a:fld>
             <a:endParaRPr lang="en-US" dirty="0"/>
           </a:p>
@@ -1408,7 +1408,7 @@
           <a:p>
             <a:fld id="{9BED4BE8-31C7-403D-911A-3E727E0E58BF}" type="datetimeFigureOut">
               <a:rPr lang="en-US" smtClean="0"/>
-              <a:t>2/16/2022</a:t>
+              <a:t>2/17/2022</a:t>
             </a:fld>
             <a:endParaRPr lang="en-US" dirty="0"/>
           </a:p>
@@ -1820,7 +1820,7 @@
           <a:p>
             <a:fld id="{9BED4BE8-31C7-403D-911A-3E727E0E58BF}" type="datetimeFigureOut">
               <a:rPr lang="en-US" smtClean="0"/>
-              <a:t>2/16/2022</a:t>
+              <a:t>2/17/2022</a:t>
             </a:fld>
             <a:endParaRPr lang="en-US" dirty="0"/>
           </a:p>
@@ -1961,7 +1961,7 @@
           <a:p>
             <a:fld id="{9BED4BE8-31C7-403D-911A-3E727E0E58BF}" type="datetimeFigureOut">
               <a:rPr lang="en-US" smtClean="0"/>
-              <a:t>2/16/2022</a:t>
+              <a:t>2/17/2022</a:t>
             </a:fld>
             <a:endParaRPr lang="en-US" dirty="0"/>
           </a:p>
@@ -2074,7 +2074,7 @@
           <a:p>
             <a:fld id="{9BED4BE8-31C7-403D-911A-3E727E0E58BF}" type="datetimeFigureOut">
               <a:rPr lang="en-US" smtClean="0"/>
-              <a:t>2/16/2022</a:t>
+              <a:t>2/17/2022</a:t>
             </a:fld>
             <a:endParaRPr lang="en-US" dirty="0"/>
           </a:p>
@@ -2385,7 +2385,7 @@
           <a:p>
             <a:fld id="{9BED4BE8-31C7-403D-911A-3E727E0E58BF}" type="datetimeFigureOut">
               <a:rPr lang="en-US" smtClean="0"/>
-              <a:t>2/16/2022</a:t>
+              <a:t>2/17/2022</a:t>
             </a:fld>
             <a:endParaRPr lang="en-US" dirty="0"/>
           </a:p>
@@ -2673,7 +2673,7 @@
           <a:p>
             <a:fld id="{9BED4BE8-31C7-403D-911A-3E727E0E58BF}" type="datetimeFigureOut">
               <a:rPr lang="en-US" smtClean="0"/>
-              <a:t>2/16/2022</a:t>
+              <a:t>2/17/2022</a:t>
             </a:fld>
             <a:endParaRPr lang="en-US" dirty="0"/>
           </a:p>
@@ -2914,7 +2914,7 @@
           <a:p>
             <a:fld id="{9BED4BE8-31C7-403D-911A-3E727E0E58BF}" type="datetimeFigureOut">
               <a:rPr lang="en-US" smtClean="0"/>
-              <a:t>2/16/2022</a:t>
+              <a:t>2/17/2022</a:t>
             </a:fld>
             <a:endParaRPr lang="en-US" dirty="0"/>
           </a:p>
@@ -21541,8 +21541,8 @@
         </p:nvSpPr>
         <p:spPr>
           <a:xfrm>
-            <a:off x="1287571" y="1816100"/>
-            <a:ext cx="1211104" cy="787400"/>
+            <a:off x="1287571" y="1723979"/>
+            <a:ext cx="1211104" cy="970961"/>
           </a:xfrm>
           <a:prstGeom prst="roundRect">
             <a:avLst>
@@ -21584,10 +21584,10 @@
             <a:r>
               <a:rPr lang="en-US" sz="1400" b="1" dirty="0">
                 <a:solidFill>
-                  <a:schemeClr val="tx1"/>
+                  <a:srgbClr val="0070C0"/>
                 </a:solidFill>
               </a:rPr>
-              <a:t>Building Multi-version Graphs and Context</a:t>
+              <a:t>Building Multi-version PDGs and Contexts</a:t>
             </a:r>
           </a:p>
         </p:txBody>
@@ -21649,7 +21649,7 @@
             <a:r>
               <a:rPr lang="en-US" sz="1400" b="1" dirty="0">
                 <a:solidFill>
-                  <a:schemeClr val="tx1"/>
+                  <a:srgbClr val="0070C0"/>
                 </a:solidFill>
               </a:rPr>
               <a:t>Code Change Representation Learning</a:t>
@@ -21714,7 +21714,7 @@
             <a:r>
               <a:rPr lang="en-US" sz="1400" b="1" dirty="0">
                 <a:solidFill>
-                  <a:schemeClr val="tx1"/>
+                  <a:srgbClr val="0070C0"/>
                 </a:solidFill>
               </a:rPr>
               <a:t>Clustering</a:t>
@@ -21779,10 +21779,10 @@
             <a:r>
               <a:rPr lang="en-US" sz="1400" b="1" dirty="0">
                 <a:solidFill>
-                  <a:schemeClr val="tx1"/>
+                  <a:srgbClr val="0070C0"/>
                 </a:solidFill>
               </a:rPr>
-              <a:t>Clustering Updating with the Code Clone</a:t>
+              <a:t>Updating the Clusters via Code Clone Det</a:t>
             </a:r>
           </a:p>
         </p:txBody>
@@ -23476,8 +23476,12 @@
           <a:lstStyle/>
           <a:p>
             <a:r>
-              <a:rPr lang="en-US" sz="1400" b="1" dirty="0"/>
-              <a:t>Context-aware Graph-based Code Change Clustering Learning Model</a:t>
+              <a:rPr lang="en-US" sz="1400" b="1" dirty="0">
+                <a:solidFill>
+                  <a:srgbClr val="0070C0"/>
+                </a:solidFill>
+              </a:rPr>
+              <a:t>Context-aware, Graph-based, Code Change Clustering Learning Model</a:t>
             </a:r>
           </a:p>
         </p:txBody>
@@ -23513,7 +23517,7 @@
             <a:pPr algn="ctr"/>
             <a:r>
               <a:rPr lang="en-US" sz="1400" b="1" dirty="0"/>
-              <a:t>Multi-version graphs</a:t>
+              <a:t>Multi-version PDGs</a:t>
             </a:r>
           </a:p>
         </p:txBody>
@@ -23532,8 +23536,8 @@
         </p:nvSpPr>
         <p:spPr>
           <a:xfrm>
-            <a:off x="5335252" y="983942"/>
-            <a:ext cx="1357188" cy="738664"/>
+            <a:off x="5323726" y="999102"/>
+            <a:ext cx="1357188" cy="523220"/>
           </a:xfrm>
           <a:prstGeom prst="rect">
             <a:avLst/>
@@ -23549,7 +23553,7 @@
             <a:pPr algn="ctr"/>
             <a:r>
               <a:rPr lang="en-US" sz="1400" b="1" dirty="0"/>
-              <a:t>Representation Vectors for Changed Nodes</a:t>
+              <a:t>Vectors for Changed Nodes</a:t>
             </a:r>
           </a:p>
         </p:txBody>
@@ -23568,7 +23572,7 @@
         </p:nvSpPr>
         <p:spPr>
           <a:xfrm>
-            <a:off x="7948810" y="1200759"/>
+            <a:off x="7941764" y="999102"/>
             <a:ext cx="1357188" cy="523220"/>
           </a:xfrm>
           <a:prstGeom prst="rect">
@@ -23585,7 +23589,7 @@
             <a:pPr algn="ctr"/>
             <a:r>
               <a:rPr lang="en-US" sz="1400" b="1" dirty="0"/>
-              <a:t>Clustering Results</a:t>
+              <a:t>Labels for Clusters</a:t>
             </a:r>
           </a:p>
         </p:txBody>
@@ -23604,8 +23608,8 @@
         </p:nvSpPr>
         <p:spPr>
           <a:xfrm>
-            <a:off x="10607479" y="1200759"/>
-            <a:ext cx="1626324" cy="523220"/>
+            <a:off x="10703657" y="1108611"/>
+            <a:ext cx="1369300" cy="523220"/>
           </a:xfrm>
           <a:prstGeom prst="rect">
             <a:avLst/>
@@ -23621,7 +23625,7 @@
             <a:pPr algn="ctr"/>
             <a:r>
               <a:rPr lang="en-US" sz="1400" b="1" dirty="0"/>
-              <a:t>Updated Clustering Results</a:t>
+              <a:t>Updated Clusters</a:t>
             </a:r>
           </a:p>
         </p:txBody>

--- a/figures/Figures-Yi.pptx
+++ b/figures/Figures-Yi.pptx
@@ -11,6 +11,7 @@
     <p:sldId id="257" r:id="rId5"/>
     <p:sldId id="260" r:id="rId6"/>
     <p:sldId id="261" r:id="rId7"/>
+    <p:sldId id="262" r:id="rId8"/>
   </p:sldIdLst>
   <p:sldSz cx="12192000" cy="6858000"/>
   <p:notesSz cx="6858000" cy="9144000"/>
@@ -264,7 +265,7 @@
           <a:p>
             <a:fld id="{9BED4BE8-31C7-403D-911A-3E727E0E58BF}" type="datetimeFigureOut">
               <a:rPr lang="en-US" smtClean="0"/>
-              <a:t>2/17/2022</a:t>
+              <a:t>2/22/2022</a:t>
             </a:fld>
             <a:endParaRPr lang="en-US" dirty="0"/>
           </a:p>
@@ -462,7 +463,7 @@
           <a:p>
             <a:fld id="{9BED4BE8-31C7-403D-911A-3E727E0E58BF}" type="datetimeFigureOut">
               <a:rPr lang="en-US" smtClean="0"/>
-              <a:t>2/17/2022</a:t>
+              <a:t>2/22/2022</a:t>
             </a:fld>
             <a:endParaRPr lang="en-US" dirty="0"/>
           </a:p>
@@ -670,7 +671,7 @@
           <a:p>
             <a:fld id="{9BED4BE8-31C7-403D-911A-3E727E0E58BF}" type="datetimeFigureOut">
               <a:rPr lang="en-US" smtClean="0"/>
-              <a:t>2/17/2022</a:t>
+              <a:t>2/22/2022</a:t>
             </a:fld>
             <a:endParaRPr lang="en-US" dirty="0"/>
           </a:p>
@@ -868,7 +869,7 @@
           <a:p>
             <a:fld id="{9BED4BE8-31C7-403D-911A-3E727E0E58BF}" type="datetimeFigureOut">
               <a:rPr lang="en-US" smtClean="0"/>
-              <a:t>2/17/2022</a:t>
+              <a:t>2/22/2022</a:t>
             </a:fld>
             <a:endParaRPr lang="en-US" dirty="0"/>
           </a:p>
@@ -1143,7 +1144,7 @@
           <a:p>
             <a:fld id="{9BED4BE8-31C7-403D-911A-3E727E0E58BF}" type="datetimeFigureOut">
               <a:rPr lang="en-US" smtClean="0"/>
-              <a:t>2/17/2022</a:t>
+              <a:t>2/22/2022</a:t>
             </a:fld>
             <a:endParaRPr lang="en-US" dirty="0"/>
           </a:p>
@@ -1408,7 +1409,7 @@
           <a:p>
             <a:fld id="{9BED4BE8-31C7-403D-911A-3E727E0E58BF}" type="datetimeFigureOut">
               <a:rPr lang="en-US" smtClean="0"/>
-              <a:t>2/17/2022</a:t>
+              <a:t>2/22/2022</a:t>
             </a:fld>
             <a:endParaRPr lang="en-US" dirty="0"/>
           </a:p>
@@ -1820,7 +1821,7 @@
           <a:p>
             <a:fld id="{9BED4BE8-31C7-403D-911A-3E727E0E58BF}" type="datetimeFigureOut">
               <a:rPr lang="en-US" smtClean="0"/>
-              <a:t>2/17/2022</a:t>
+              <a:t>2/22/2022</a:t>
             </a:fld>
             <a:endParaRPr lang="en-US" dirty="0"/>
           </a:p>
@@ -1961,7 +1962,7 @@
           <a:p>
             <a:fld id="{9BED4BE8-31C7-403D-911A-3E727E0E58BF}" type="datetimeFigureOut">
               <a:rPr lang="en-US" smtClean="0"/>
-              <a:t>2/17/2022</a:t>
+              <a:t>2/22/2022</a:t>
             </a:fld>
             <a:endParaRPr lang="en-US" dirty="0"/>
           </a:p>
@@ -2074,7 +2075,7 @@
           <a:p>
             <a:fld id="{9BED4BE8-31C7-403D-911A-3E727E0E58BF}" type="datetimeFigureOut">
               <a:rPr lang="en-US" smtClean="0"/>
-              <a:t>2/17/2022</a:t>
+              <a:t>2/22/2022</a:t>
             </a:fld>
             <a:endParaRPr lang="en-US" dirty="0"/>
           </a:p>
@@ -2385,7 +2386,7 @@
           <a:p>
             <a:fld id="{9BED4BE8-31C7-403D-911A-3E727E0E58BF}" type="datetimeFigureOut">
               <a:rPr lang="en-US" smtClean="0"/>
-              <a:t>2/17/2022</a:t>
+              <a:t>2/22/2022</a:t>
             </a:fld>
             <a:endParaRPr lang="en-US" dirty="0"/>
           </a:p>
@@ -2673,7 +2674,7 @@
           <a:p>
             <a:fld id="{9BED4BE8-31C7-403D-911A-3E727E0E58BF}" type="datetimeFigureOut">
               <a:rPr lang="en-US" smtClean="0"/>
-              <a:t>2/17/2022</a:t>
+              <a:t>2/22/2022</a:t>
             </a:fld>
             <a:endParaRPr lang="en-US" dirty="0"/>
           </a:p>
@@ -2914,7 +2915,7 @@
           <a:p>
             <a:fld id="{9BED4BE8-31C7-403D-911A-3E727E0E58BF}" type="datetimeFigureOut">
               <a:rPr lang="en-US" smtClean="0"/>
-              <a:t>2/17/2022</a:t>
+              <a:t>2/22/2022</a:t>
             </a:fld>
             <a:endParaRPr lang="en-US" dirty="0"/>
           </a:p>
@@ -18810,11 +18811,20 @@
             <a:r>
               <a:rPr lang="en-US" sz="900" dirty="0">
                 <a:solidFill>
+                  <a:schemeClr val="tx1"/>
+                </a:solidFill>
+                <a:latin typeface="Consolas" panose="020B0609020204030204" pitchFamily="49" charset="0"/>
+              </a:rPr>
+              <a:t>1</a:t>
+            </a:r>
+            <a:r>
+              <a:rPr lang="en-US" sz="900" dirty="0">
+                <a:solidFill>
                   <a:srgbClr val="0000FF"/>
                 </a:solidFill>
                 <a:latin typeface="Consolas" panose="020B0609020204030204" pitchFamily="49" charset="0"/>
               </a:rPr>
-              <a:t>protected</a:t>
+              <a:t> protected</a:t>
             </a:r>
             <a:r>
               <a:rPr lang="en-US" sz="900" dirty="0">
@@ -18888,7 +18898,7 @@
                 </a:solidFill>
                 <a:latin typeface="Consolas" panose="020B0609020204030204" pitchFamily="49" charset="0"/>
               </a:rPr>
-              <a:t>    ……</a:t>
+              <a:t>2    ……</a:t>
             </a:r>
           </a:p>
           <a:p>
@@ -18899,7 +18909,7 @@
                 </a:solidFill>
                 <a:latin typeface="Consolas" panose="020B0609020204030204" pitchFamily="49" charset="0"/>
               </a:rPr>
-              <a:t>    </a:t>
+              <a:t>3    </a:t>
             </a:r>
             <a:r>
               <a:rPr lang="nn-NO" sz="900" dirty="0">
@@ -18955,7 +18965,7 @@
                 </a:solidFill>
                 <a:latin typeface="Consolas" panose="020B0609020204030204" pitchFamily="49" charset="0"/>
               </a:rPr>
-              <a:t>        yearsPart.Append(years[i].ToString(</a:t>
+              <a:t>4        yearsPart.Append(years[i].ToString(</a:t>
             </a:r>
           </a:p>
           <a:p>
@@ -18966,10 +18976,19 @@
                 </a:solidFill>
                 <a:latin typeface="Consolas" panose="020B0609020204030204" pitchFamily="49" charset="0"/>
               </a:rPr>
-              <a:t>            CultureInfo.InvariantCulture));</a:t>
+              <a:t>             CultureInfo.InvariantCulture));</a:t>
             </a:r>
           </a:p>
           <a:p>
+            <a:r>
+              <a:rPr lang="en-US" sz="900" dirty="0">
+                <a:solidFill>
+                  <a:schemeClr val="tx1"/>
+                </a:solidFill>
+                <a:latin typeface="Consolas" panose="020B0609020204030204" pitchFamily="49" charset="0"/>
+              </a:rPr>
+              <a:t>5</a:t>
+            </a:r>
             <a:r>
               <a:rPr lang="en-US" sz="900" dirty="0">
                 <a:solidFill>
@@ -18981,6 +19000,15 @@
             </a:r>
           </a:p>
           <a:p>
+            <a:r>
+              <a:rPr lang="en-US" sz="900" dirty="0">
+                <a:solidFill>
+                  <a:schemeClr val="tx1"/>
+                </a:solidFill>
+                <a:latin typeface="Consolas" panose="020B0609020204030204" pitchFamily="49" charset="0"/>
+              </a:rPr>
+              <a:t>6</a:t>
+            </a:r>
             <a:r>
               <a:rPr lang="en-US" sz="900" dirty="0">
                 <a:solidFill>
@@ -19001,7 +19029,7 @@
                 </a:solidFill>
                 <a:latin typeface="Consolas" panose="020B0609020204030204" pitchFamily="49" charset="0"/>
               </a:rPr>
-              <a:t>        </a:t>
+              <a:t>7        </a:t>
             </a:r>
             <a:r>
               <a:rPr lang="en-US" sz="900" dirty="0">
@@ -19030,7 +19058,7 @@
                 </a:solidFill>
                 <a:latin typeface="Consolas" panose="020B0609020204030204" pitchFamily="49" charset="0"/>
               </a:rPr>
-              <a:t>    ……</a:t>
+              <a:t>8    ……</a:t>
             </a:r>
           </a:p>
           <a:p>
@@ -19041,7 +19069,7 @@
                 </a:solidFill>
                 <a:latin typeface="Consolas" panose="020B0609020204030204" pitchFamily="49" charset="0"/>
               </a:rPr>
-              <a:t>}</a:t>
+              <a:t>9}</a:t>
             </a:r>
             <a:endParaRPr lang="en-US" sz="700" dirty="0"/>
           </a:p>
@@ -19606,10 +19634,9 @@
           <a:lstStyle/>
           <a:p>
             <a:r>
-              <a:rPr lang="en-US" sz="1400" dirty="0" err="1"/>
+              <a:rPr lang="en-US" sz="1400" dirty="0"/>
               <a:t>i</a:t>
             </a:r>
-            <a:endParaRPr lang="en-US" sz="1400" dirty="0"/>
           </a:p>
         </p:txBody>
       </p:sp>
@@ -19642,10 +19669,9 @@
           <a:lstStyle/>
           <a:p>
             <a:r>
-              <a:rPr lang="en-US" sz="1400" dirty="0" err="1"/>
+              <a:rPr lang="en-US" sz="1400" dirty="0"/>
               <a:t>i</a:t>
             </a:r>
-            <a:endParaRPr lang="en-US" sz="1400" dirty="0"/>
           </a:p>
         </p:txBody>
       </p:sp>
@@ -19678,10 +19704,9 @@
           <a:lstStyle/>
           <a:p>
             <a:r>
-              <a:rPr lang="en-US" sz="1400" dirty="0" err="1"/>
+              <a:rPr lang="en-US" sz="1400" dirty="0"/>
               <a:t>i</a:t>
             </a:r>
-            <a:endParaRPr lang="en-US" sz="1400" dirty="0"/>
           </a:p>
         </p:txBody>
       </p:sp>
@@ -19714,10 +19739,9 @@
           <a:lstStyle/>
           <a:p>
             <a:r>
-              <a:rPr lang="en-US" sz="1400" dirty="0" err="1"/>
+              <a:rPr lang="en-US" sz="1400" dirty="0"/>
               <a:t>i</a:t>
             </a:r>
-            <a:endParaRPr lang="en-US" sz="1400" dirty="0"/>
           </a:p>
         </p:txBody>
       </p:sp>
@@ -21863,7 +21887,7 @@
             <a:lstStyle/>
             <a:p>
               <a:pPr algn="ctr"/>
-              <a:endParaRPr lang="en-US"/>
+              <a:endParaRPr lang="en-US" dirty="0"/>
             </a:p>
           </p:txBody>
         </p:sp>
@@ -21917,7 +21941,7 @@
             <a:lstStyle/>
             <a:p>
               <a:pPr algn="ctr"/>
-              <a:endParaRPr lang="en-US"/>
+              <a:endParaRPr lang="en-US" dirty="0"/>
             </a:p>
           </p:txBody>
         </p:sp>
@@ -21971,7 +21995,7 @@
             <a:lstStyle/>
             <a:p>
               <a:pPr algn="ctr"/>
-              <a:endParaRPr lang="en-US"/>
+              <a:endParaRPr lang="en-US" dirty="0"/>
             </a:p>
           </p:txBody>
         </p:sp>
@@ -22025,7 +22049,7 @@
             <a:lstStyle/>
             <a:p>
               <a:pPr algn="ctr"/>
-              <a:endParaRPr lang="en-US"/>
+              <a:endParaRPr lang="en-US" dirty="0"/>
             </a:p>
           </p:txBody>
         </p:sp>
@@ -22244,7 +22268,7 @@
             <a:lstStyle/>
             <a:p>
               <a:pPr algn="ctr"/>
-              <a:endParaRPr lang="en-US"/>
+              <a:endParaRPr lang="en-US" dirty="0"/>
             </a:p>
           </p:txBody>
         </p:sp>
@@ -22304,7 +22328,7 @@
             <a:lstStyle/>
             <a:p>
               <a:pPr algn="ctr"/>
-              <a:endParaRPr lang="en-US"/>
+              <a:endParaRPr lang="en-US" dirty="0"/>
             </a:p>
           </p:txBody>
         </p:sp>
@@ -22364,7 +22388,7 @@
             <a:lstStyle/>
             <a:p>
               <a:pPr algn="ctr"/>
-              <a:endParaRPr lang="en-US"/>
+              <a:endParaRPr lang="en-US" dirty="0"/>
             </a:p>
           </p:txBody>
         </p:sp>
@@ -22424,7 +22448,7 @@
             <a:lstStyle/>
             <a:p>
               <a:pPr algn="ctr"/>
-              <a:endParaRPr lang="en-US"/>
+              <a:endParaRPr lang="en-US" dirty="0"/>
             </a:p>
           </p:txBody>
         </p:sp>
@@ -22497,7 +22521,7 @@
             <a:lstStyle/>
             <a:p>
               <a:pPr algn="ctr"/>
-              <a:endParaRPr lang="en-US"/>
+              <a:endParaRPr lang="en-US" dirty="0"/>
             </a:p>
           </p:txBody>
         </p:sp>
@@ -22557,7 +22581,7 @@
             <a:lstStyle/>
             <a:p>
               <a:pPr algn="ctr"/>
-              <a:endParaRPr lang="en-US"/>
+              <a:endParaRPr lang="en-US" dirty="0"/>
             </a:p>
           </p:txBody>
         </p:sp>
@@ -22617,7 +22641,7 @@
             <a:lstStyle/>
             <a:p>
               <a:pPr algn="ctr"/>
-              <a:endParaRPr lang="en-US"/>
+              <a:endParaRPr lang="en-US" dirty="0"/>
             </a:p>
           </p:txBody>
         </p:sp>
@@ -22677,7 +22701,7 @@
             <a:lstStyle/>
             <a:p>
               <a:pPr algn="ctr"/>
-              <a:endParaRPr lang="en-US"/>
+              <a:endParaRPr lang="en-US" dirty="0"/>
             </a:p>
           </p:txBody>
         </p:sp>
@@ -22750,7 +22774,7 @@
             <a:lstStyle/>
             <a:p>
               <a:pPr algn="ctr"/>
-              <a:endParaRPr lang="en-US"/>
+              <a:endParaRPr lang="en-US" dirty="0"/>
             </a:p>
           </p:txBody>
         </p:sp>
@@ -22810,7 +22834,7 @@
             <a:lstStyle/>
             <a:p>
               <a:pPr algn="ctr"/>
-              <a:endParaRPr lang="en-US"/>
+              <a:endParaRPr lang="en-US" dirty="0"/>
             </a:p>
           </p:txBody>
         </p:sp>
@@ -22870,7 +22894,7 @@
             <a:lstStyle/>
             <a:p>
               <a:pPr algn="ctr"/>
-              <a:endParaRPr lang="en-US"/>
+              <a:endParaRPr lang="en-US" dirty="0"/>
             </a:p>
           </p:txBody>
         </p:sp>
@@ -22930,7 +22954,7 @@
             <a:lstStyle/>
             <a:p>
               <a:pPr algn="ctr"/>
-              <a:endParaRPr lang="en-US"/>
+              <a:endParaRPr lang="en-US" dirty="0"/>
             </a:p>
           </p:txBody>
         </p:sp>
@@ -23443,7 +23467,7 @@
           <a:lstStyle/>
           <a:p>
             <a:pPr algn="ctr"/>
-            <a:endParaRPr lang="en-US"/>
+            <a:endParaRPr lang="en-US" dirty="0"/>
           </a:p>
         </p:txBody>
       </p:sp>
@@ -23680,7 +23704,7 @@
           <a:lstStyle/>
           <a:p>
             <a:pPr algn="ctr"/>
-            <a:endParaRPr lang="en-US"/>
+            <a:endParaRPr lang="en-US" dirty="0"/>
           </a:p>
         </p:txBody>
       </p:sp>
@@ -23734,7 +23758,7 @@
           <a:lstStyle/>
           <a:p>
             <a:pPr algn="ctr"/>
-            <a:endParaRPr lang="en-US"/>
+            <a:endParaRPr lang="en-US" dirty="0"/>
           </a:p>
         </p:txBody>
       </p:sp>
@@ -23788,7 +23812,7 @@
           <a:lstStyle/>
           <a:p>
             <a:pPr algn="ctr"/>
-            <a:endParaRPr lang="en-US"/>
+            <a:endParaRPr lang="en-US" dirty="0"/>
           </a:p>
         </p:txBody>
       </p:sp>
@@ -23842,7 +23866,7 @@
           <a:lstStyle/>
           <a:p>
             <a:pPr algn="ctr"/>
-            <a:endParaRPr lang="en-US"/>
+            <a:endParaRPr lang="en-US" dirty="0"/>
           </a:p>
         </p:txBody>
       </p:sp>
@@ -23896,7 +23920,7 @@
           <a:lstStyle/>
           <a:p>
             <a:pPr algn="ctr"/>
-            <a:endParaRPr lang="en-US"/>
+            <a:endParaRPr lang="en-US" dirty="0"/>
           </a:p>
         </p:txBody>
       </p:sp>
@@ -23950,7 +23974,7 @@
           <a:lstStyle/>
           <a:p>
             <a:pPr algn="ctr"/>
-            <a:endParaRPr lang="en-US"/>
+            <a:endParaRPr lang="en-US" dirty="0"/>
           </a:p>
         </p:txBody>
       </p:sp>
@@ -24004,7 +24028,7 @@
           <a:lstStyle/>
           <a:p>
             <a:pPr algn="ctr"/>
-            <a:endParaRPr lang="en-US"/>
+            <a:endParaRPr lang="en-US" dirty="0"/>
           </a:p>
         </p:txBody>
       </p:sp>
@@ -24063,7 +24087,7 @@
           <a:lstStyle/>
           <a:p>
             <a:pPr algn="ctr"/>
-            <a:endParaRPr lang="en-US"/>
+            <a:endParaRPr lang="en-US" dirty="0"/>
           </a:p>
         </p:txBody>
       </p:sp>
@@ -24122,7 +24146,7 @@
           <a:lstStyle/>
           <a:p>
             <a:pPr algn="ctr"/>
-            <a:endParaRPr lang="en-US"/>
+            <a:endParaRPr lang="en-US" dirty="0"/>
           </a:p>
         </p:txBody>
       </p:sp>
@@ -24256,7 +24280,7 @@
           <a:lstStyle/>
           <a:p>
             <a:pPr algn="ctr"/>
-            <a:endParaRPr lang="en-US"/>
+            <a:endParaRPr lang="en-US" dirty="0"/>
           </a:p>
         </p:txBody>
       </p:sp>
@@ -24264,6 +24288,3011 @@
     <p:extLst>
       <p:ext uri="{BB962C8B-B14F-4D97-AF65-F5344CB8AC3E}">
         <p14:creationId xmlns:p14="http://schemas.microsoft.com/office/powerpoint/2010/main" val="3840980318"/>
+      </p:ext>
+    </p:extLst>
+  </p:cSld>
+  <p:clrMapOvr>
+    <a:masterClrMapping/>
+  </p:clrMapOvr>
+</p:sld>
+</file>
+
+<file path=ppt/slides/slide7.xml><?xml version="1.0" encoding="utf-8"?>
+<p:sld xmlns:a="http://schemas.openxmlformats.org/drawingml/2006/main" xmlns:r="http://schemas.openxmlformats.org/officeDocument/2006/relationships" xmlns:p="http://schemas.openxmlformats.org/presentationml/2006/main">
+  <p:cSld>
+    <p:spTree>
+      <p:nvGrpSpPr>
+        <p:cNvPr id="1" name=""/>
+        <p:cNvGrpSpPr/>
+        <p:nvPr/>
+      </p:nvGrpSpPr>
+      <p:grpSpPr>
+        <a:xfrm>
+          <a:off x="0" y="0"/>
+          <a:ext cx="0" cy="0"/>
+          <a:chOff x="0" y="0"/>
+          <a:chExt cx="0" cy="0"/>
+        </a:xfrm>
+      </p:grpSpPr>
+      <p:grpSp>
+        <p:nvGrpSpPr>
+          <p:cNvPr id="51" name="Group 50">
+            <a:extLst>
+              <a:ext uri="{FF2B5EF4-FFF2-40B4-BE49-F238E27FC236}">
+                <a16:creationId xmlns:a16="http://schemas.microsoft.com/office/drawing/2014/main" id="{4A48833B-FB04-4064-BDEC-AD8F6BD5A824}"/>
+              </a:ext>
+            </a:extLst>
+          </p:cNvPr>
+          <p:cNvGrpSpPr/>
+          <p:nvPr/>
+        </p:nvGrpSpPr>
+        <p:grpSpPr>
+          <a:xfrm>
+            <a:off x="86212" y="1159940"/>
+            <a:ext cx="1986196" cy="2335446"/>
+            <a:chOff x="3347804" y="1176104"/>
+            <a:chExt cx="1986196" cy="2335446"/>
+          </a:xfrm>
+        </p:grpSpPr>
+        <p:sp>
+          <p:nvSpPr>
+            <p:cNvPr id="2" name="Oval 1">
+              <a:extLst>
+                <a:ext uri="{FF2B5EF4-FFF2-40B4-BE49-F238E27FC236}">
+                  <a16:creationId xmlns:a16="http://schemas.microsoft.com/office/drawing/2014/main" id="{3A2DE67A-6293-4CE8-B6F0-4B0E6F9D6FFB}"/>
+                </a:ext>
+              </a:extLst>
+            </p:cNvPr>
+            <p:cNvSpPr/>
+            <p:nvPr/>
+          </p:nvSpPr>
+          <p:spPr>
+            <a:xfrm>
+              <a:off x="4178300" y="1499954"/>
+              <a:ext cx="381000" cy="381000"/>
+            </a:xfrm>
+            <a:prstGeom prst="ellipse">
+              <a:avLst/>
+            </a:prstGeom>
+            <a:noFill/>
+            <a:ln>
+              <a:solidFill>
+                <a:schemeClr val="tx1"/>
+              </a:solidFill>
+            </a:ln>
+          </p:spPr>
+          <p:style>
+            <a:lnRef idx="2">
+              <a:schemeClr val="accent1">
+                <a:shade val="50000"/>
+              </a:schemeClr>
+            </a:lnRef>
+            <a:fillRef idx="1">
+              <a:schemeClr val="accent1"/>
+            </a:fillRef>
+            <a:effectRef idx="0">
+              <a:schemeClr val="accent1"/>
+            </a:effectRef>
+            <a:fontRef idx="minor">
+              <a:schemeClr val="lt1"/>
+            </a:fontRef>
+          </p:style>
+          <p:txBody>
+            <a:bodyPr lIns="0" tIns="0" rIns="0" bIns="0" rtlCol="0" anchor="ctr"/>
+            <a:lstStyle/>
+            <a:p>
+              <a:pPr algn="ctr"/>
+              <a:r>
+                <a:rPr lang="en-US" sz="1600" dirty="0">
+                  <a:solidFill>
+                    <a:schemeClr val="tx1"/>
+                  </a:solidFill>
+                </a:rPr>
+                <a:t>S3</a:t>
+              </a:r>
+            </a:p>
+          </p:txBody>
+        </p:sp>
+        <p:sp>
+          <p:nvSpPr>
+            <p:cNvPr id="3" name="Oval 2">
+              <a:extLst>
+                <a:ext uri="{FF2B5EF4-FFF2-40B4-BE49-F238E27FC236}">
+                  <a16:creationId xmlns:a16="http://schemas.microsoft.com/office/drawing/2014/main" id="{4B27E447-B1D9-40C4-AF38-259D93EEDA47}"/>
+                </a:ext>
+              </a:extLst>
+            </p:cNvPr>
+            <p:cNvSpPr/>
+            <p:nvPr/>
+          </p:nvSpPr>
+          <p:spPr>
+            <a:xfrm>
+              <a:off x="4953000" y="1823804"/>
+              <a:ext cx="381000" cy="381000"/>
+            </a:xfrm>
+            <a:prstGeom prst="ellipse">
+              <a:avLst/>
+            </a:prstGeom>
+            <a:noFill/>
+            <a:ln>
+              <a:solidFill>
+                <a:schemeClr val="tx1"/>
+              </a:solidFill>
+            </a:ln>
+          </p:spPr>
+          <p:style>
+            <a:lnRef idx="2">
+              <a:schemeClr val="accent1">
+                <a:shade val="50000"/>
+              </a:schemeClr>
+            </a:lnRef>
+            <a:fillRef idx="1">
+              <a:schemeClr val="accent1"/>
+            </a:fillRef>
+            <a:effectRef idx="0">
+              <a:schemeClr val="accent1"/>
+            </a:effectRef>
+            <a:fontRef idx="minor">
+              <a:schemeClr val="lt1"/>
+            </a:fontRef>
+          </p:style>
+          <p:txBody>
+            <a:bodyPr lIns="0" tIns="0" rIns="0" bIns="0" rtlCol="0" anchor="ctr"/>
+            <a:lstStyle/>
+            <a:p>
+              <a:pPr algn="ctr"/>
+              <a:r>
+                <a:rPr lang="en-US" sz="1600" dirty="0">
+                  <a:solidFill>
+                    <a:schemeClr val="accent6">
+                      <a:lumMod val="75000"/>
+                    </a:schemeClr>
+                  </a:solidFill>
+                </a:rPr>
+                <a:t>S6</a:t>
+              </a:r>
+            </a:p>
+          </p:txBody>
+        </p:sp>
+        <p:sp>
+          <p:nvSpPr>
+            <p:cNvPr id="4" name="Oval 3">
+              <a:extLst>
+                <a:ext uri="{FF2B5EF4-FFF2-40B4-BE49-F238E27FC236}">
+                  <a16:creationId xmlns:a16="http://schemas.microsoft.com/office/drawing/2014/main" id="{C889B34D-F0D1-4B56-9710-0D3D34ED174B}"/>
+                </a:ext>
+              </a:extLst>
+            </p:cNvPr>
+            <p:cNvSpPr/>
+            <p:nvPr/>
+          </p:nvSpPr>
+          <p:spPr>
+            <a:xfrm>
+              <a:off x="4178300" y="2204804"/>
+              <a:ext cx="381000" cy="381000"/>
+            </a:xfrm>
+            <a:prstGeom prst="ellipse">
+              <a:avLst/>
+            </a:prstGeom>
+            <a:noFill/>
+            <a:ln>
+              <a:solidFill>
+                <a:schemeClr val="tx1"/>
+              </a:solidFill>
+            </a:ln>
+          </p:spPr>
+          <p:style>
+            <a:lnRef idx="2">
+              <a:schemeClr val="accent1">
+                <a:shade val="50000"/>
+              </a:schemeClr>
+            </a:lnRef>
+            <a:fillRef idx="1">
+              <a:schemeClr val="accent1"/>
+            </a:fillRef>
+            <a:effectRef idx="0">
+              <a:schemeClr val="accent1"/>
+            </a:effectRef>
+            <a:fontRef idx="minor">
+              <a:schemeClr val="lt1"/>
+            </a:fontRef>
+          </p:style>
+          <p:txBody>
+            <a:bodyPr lIns="0" tIns="0" rIns="0" bIns="0" rtlCol="0" anchor="ctr"/>
+            <a:lstStyle/>
+            <a:p>
+              <a:pPr algn="ctr"/>
+              <a:r>
+                <a:rPr lang="en-US" sz="1600" dirty="0">
+                  <a:solidFill>
+                    <a:schemeClr val="tx1"/>
+                  </a:solidFill>
+                </a:rPr>
+                <a:t>S4</a:t>
+              </a:r>
+            </a:p>
+          </p:txBody>
+        </p:sp>
+        <p:sp>
+          <p:nvSpPr>
+            <p:cNvPr id="5" name="Oval 4">
+              <a:extLst>
+                <a:ext uri="{FF2B5EF4-FFF2-40B4-BE49-F238E27FC236}">
+                  <a16:creationId xmlns:a16="http://schemas.microsoft.com/office/drawing/2014/main" id="{03F49203-F5C9-4A8D-9CF9-ACAA2362F406}"/>
+                </a:ext>
+              </a:extLst>
+            </p:cNvPr>
+            <p:cNvSpPr/>
+            <p:nvPr/>
+          </p:nvSpPr>
+          <p:spPr>
+            <a:xfrm>
+              <a:off x="3347804" y="1825835"/>
+              <a:ext cx="381000" cy="381000"/>
+            </a:xfrm>
+            <a:prstGeom prst="ellipse">
+              <a:avLst/>
+            </a:prstGeom>
+            <a:noFill/>
+            <a:ln>
+              <a:solidFill>
+                <a:schemeClr val="tx1"/>
+              </a:solidFill>
+            </a:ln>
+          </p:spPr>
+          <p:style>
+            <a:lnRef idx="2">
+              <a:schemeClr val="accent1">
+                <a:shade val="50000"/>
+              </a:schemeClr>
+            </a:lnRef>
+            <a:fillRef idx="1">
+              <a:schemeClr val="accent1"/>
+            </a:fillRef>
+            <a:effectRef idx="0">
+              <a:schemeClr val="accent1"/>
+            </a:effectRef>
+            <a:fontRef idx="minor">
+              <a:schemeClr val="lt1"/>
+            </a:fontRef>
+          </p:style>
+          <p:txBody>
+            <a:bodyPr lIns="0" tIns="0" rIns="0" bIns="0" rtlCol="0" anchor="ctr"/>
+            <a:lstStyle/>
+            <a:p>
+              <a:pPr algn="ctr"/>
+              <a:r>
+                <a:rPr lang="en-US" sz="1600" dirty="0">
+                  <a:solidFill>
+                    <a:srgbClr val="FF0000"/>
+                  </a:solidFill>
+                </a:rPr>
+                <a:t>S5</a:t>
+              </a:r>
+            </a:p>
+          </p:txBody>
+        </p:sp>
+        <p:sp>
+          <p:nvSpPr>
+            <p:cNvPr id="6" name="Oval 5">
+              <a:extLst>
+                <a:ext uri="{FF2B5EF4-FFF2-40B4-BE49-F238E27FC236}">
+                  <a16:creationId xmlns:a16="http://schemas.microsoft.com/office/drawing/2014/main" id="{C25CB021-EAE6-4E0F-BEBA-E30DE4921DE2}"/>
+                </a:ext>
+              </a:extLst>
+            </p:cNvPr>
+            <p:cNvSpPr/>
+            <p:nvPr/>
+          </p:nvSpPr>
+          <p:spPr>
+            <a:xfrm>
+              <a:off x="4178300" y="2806700"/>
+              <a:ext cx="381000" cy="381000"/>
+            </a:xfrm>
+            <a:prstGeom prst="ellipse">
+              <a:avLst/>
+            </a:prstGeom>
+            <a:noFill/>
+            <a:ln>
+              <a:solidFill>
+                <a:schemeClr val="tx1"/>
+              </a:solidFill>
+            </a:ln>
+          </p:spPr>
+          <p:style>
+            <a:lnRef idx="2">
+              <a:schemeClr val="accent1">
+                <a:shade val="50000"/>
+              </a:schemeClr>
+            </a:lnRef>
+            <a:fillRef idx="1">
+              <a:schemeClr val="accent1"/>
+            </a:fillRef>
+            <a:effectRef idx="0">
+              <a:schemeClr val="accent1"/>
+            </a:effectRef>
+            <a:fontRef idx="minor">
+              <a:schemeClr val="lt1"/>
+            </a:fontRef>
+          </p:style>
+          <p:txBody>
+            <a:bodyPr lIns="0" tIns="0" rIns="0" bIns="0" rtlCol="0" anchor="ctr"/>
+            <a:lstStyle/>
+            <a:p>
+              <a:pPr algn="ctr"/>
+              <a:r>
+                <a:rPr lang="en-US" sz="1600" dirty="0">
+                  <a:solidFill>
+                    <a:schemeClr val="tx1"/>
+                  </a:solidFill>
+                </a:rPr>
+                <a:t>S7</a:t>
+              </a:r>
+            </a:p>
+          </p:txBody>
+        </p:sp>
+        <p:cxnSp>
+          <p:nvCxnSpPr>
+            <p:cNvPr id="8" name="Straight Arrow Connector 7">
+              <a:extLst>
+                <a:ext uri="{FF2B5EF4-FFF2-40B4-BE49-F238E27FC236}">
+                  <a16:creationId xmlns:a16="http://schemas.microsoft.com/office/drawing/2014/main" id="{81333EBF-A501-4839-9035-8CF024B7A966}"/>
+                </a:ext>
+              </a:extLst>
+            </p:cNvPr>
+            <p:cNvCxnSpPr>
+              <a:stCxn id="2" idx="4"/>
+              <a:endCxn id="4" idx="0"/>
+            </p:cNvCxnSpPr>
+            <p:nvPr/>
+          </p:nvCxnSpPr>
+          <p:spPr>
+            <a:xfrm>
+              <a:off x="4368800" y="1880954"/>
+              <a:ext cx="0" cy="323850"/>
+            </a:xfrm>
+            <a:prstGeom prst="straightConnector1">
+              <a:avLst/>
+            </a:prstGeom>
+            <a:ln>
+              <a:tailEnd type="triangle"/>
+            </a:ln>
+          </p:spPr>
+          <p:style>
+            <a:lnRef idx="1">
+              <a:schemeClr val="accent1"/>
+            </a:lnRef>
+            <a:fillRef idx="0">
+              <a:schemeClr val="accent1"/>
+            </a:fillRef>
+            <a:effectRef idx="0">
+              <a:schemeClr val="accent1"/>
+            </a:effectRef>
+            <a:fontRef idx="minor">
+              <a:schemeClr val="tx1"/>
+            </a:fontRef>
+          </p:style>
+        </p:cxnSp>
+        <p:cxnSp>
+          <p:nvCxnSpPr>
+            <p:cNvPr id="9" name="Straight Arrow Connector 8">
+              <a:extLst>
+                <a:ext uri="{FF2B5EF4-FFF2-40B4-BE49-F238E27FC236}">
+                  <a16:creationId xmlns:a16="http://schemas.microsoft.com/office/drawing/2014/main" id="{2F743377-EDC9-4103-A062-D8F6E130E407}"/>
+                </a:ext>
+              </a:extLst>
+            </p:cNvPr>
+            <p:cNvCxnSpPr>
+              <a:cxnSpLocks/>
+              <a:stCxn id="2" idx="6"/>
+              <a:endCxn id="3" idx="1"/>
+            </p:cNvCxnSpPr>
+            <p:nvPr/>
+          </p:nvCxnSpPr>
+          <p:spPr>
+            <a:xfrm>
+              <a:off x="4559300" y="1690454"/>
+              <a:ext cx="449496" cy="189146"/>
+            </a:xfrm>
+            <a:prstGeom prst="straightConnector1">
+              <a:avLst/>
+            </a:prstGeom>
+            <a:ln>
+              <a:solidFill>
+                <a:schemeClr val="accent6">
+                  <a:lumMod val="75000"/>
+                </a:schemeClr>
+              </a:solidFill>
+              <a:tailEnd type="triangle"/>
+            </a:ln>
+          </p:spPr>
+          <p:style>
+            <a:lnRef idx="1">
+              <a:schemeClr val="accent1"/>
+            </a:lnRef>
+            <a:fillRef idx="0">
+              <a:schemeClr val="accent1"/>
+            </a:fillRef>
+            <a:effectRef idx="0">
+              <a:schemeClr val="accent1"/>
+            </a:effectRef>
+            <a:fontRef idx="minor">
+              <a:schemeClr val="tx1"/>
+            </a:fontRef>
+          </p:style>
+        </p:cxnSp>
+        <p:cxnSp>
+          <p:nvCxnSpPr>
+            <p:cNvPr id="12" name="Straight Arrow Connector 11">
+              <a:extLst>
+                <a:ext uri="{FF2B5EF4-FFF2-40B4-BE49-F238E27FC236}">
+                  <a16:creationId xmlns:a16="http://schemas.microsoft.com/office/drawing/2014/main" id="{6C0C46F0-DD88-4668-B1EC-F50AC7305D3A}"/>
+                </a:ext>
+              </a:extLst>
+            </p:cNvPr>
+            <p:cNvCxnSpPr>
+              <a:cxnSpLocks/>
+              <a:stCxn id="4" idx="6"/>
+              <a:endCxn id="3" idx="3"/>
+            </p:cNvCxnSpPr>
+            <p:nvPr/>
+          </p:nvCxnSpPr>
+          <p:spPr>
+            <a:xfrm flipV="1">
+              <a:off x="4559300" y="2149008"/>
+              <a:ext cx="449496" cy="246296"/>
+            </a:xfrm>
+            <a:prstGeom prst="straightConnector1">
+              <a:avLst/>
+            </a:prstGeom>
+            <a:ln>
+              <a:solidFill>
+                <a:schemeClr val="accent6">
+                  <a:lumMod val="75000"/>
+                </a:schemeClr>
+              </a:solidFill>
+              <a:tailEnd type="triangle"/>
+            </a:ln>
+          </p:spPr>
+          <p:style>
+            <a:lnRef idx="1">
+              <a:schemeClr val="accent1"/>
+            </a:lnRef>
+            <a:fillRef idx="0">
+              <a:schemeClr val="accent1"/>
+            </a:fillRef>
+            <a:effectRef idx="0">
+              <a:schemeClr val="accent1"/>
+            </a:effectRef>
+            <a:fontRef idx="minor">
+              <a:schemeClr val="tx1"/>
+            </a:fontRef>
+          </p:style>
+        </p:cxnSp>
+        <p:cxnSp>
+          <p:nvCxnSpPr>
+            <p:cNvPr id="15" name="Straight Arrow Connector 14">
+              <a:extLst>
+                <a:ext uri="{FF2B5EF4-FFF2-40B4-BE49-F238E27FC236}">
+                  <a16:creationId xmlns:a16="http://schemas.microsoft.com/office/drawing/2014/main" id="{958DAE7F-35EC-49E3-A206-CB550BEF486A}"/>
+                </a:ext>
+              </a:extLst>
+            </p:cNvPr>
+            <p:cNvCxnSpPr>
+              <a:cxnSpLocks/>
+              <a:stCxn id="4" idx="2"/>
+              <a:endCxn id="5" idx="5"/>
+            </p:cNvCxnSpPr>
+            <p:nvPr/>
+          </p:nvCxnSpPr>
+          <p:spPr>
+            <a:xfrm flipH="1" flipV="1">
+              <a:off x="3673008" y="2151039"/>
+              <a:ext cx="505292" cy="244265"/>
+            </a:xfrm>
+            <a:prstGeom prst="straightConnector1">
+              <a:avLst/>
+            </a:prstGeom>
+            <a:ln>
+              <a:solidFill>
+                <a:srgbClr val="FF0000"/>
+              </a:solidFill>
+              <a:tailEnd type="triangle"/>
+            </a:ln>
+          </p:spPr>
+          <p:style>
+            <a:lnRef idx="1">
+              <a:schemeClr val="accent1"/>
+            </a:lnRef>
+            <a:fillRef idx="0">
+              <a:schemeClr val="accent1"/>
+            </a:fillRef>
+            <a:effectRef idx="0">
+              <a:schemeClr val="accent1"/>
+            </a:effectRef>
+            <a:fontRef idx="minor">
+              <a:schemeClr val="tx1"/>
+            </a:fontRef>
+          </p:style>
+        </p:cxnSp>
+        <p:cxnSp>
+          <p:nvCxnSpPr>
+            <p:cNvPr id="29" name="Straight Arrow Connector 28">
+              <a:extLst>
+                <a:ext uri="{FF2B5EF4-FFF2-40B4-BE49-F238E27FC236}">
+                  <a16:creationId xmlns:a16="http://schemas.microsoft.com/office/drawing/2014/main" id="{89218288-91BE-40F2-93D3-D48A88C3CD25}"/>
+                </a:ext>
+              </a:extLst>
+            </p:cNvPr>
+            <p:cNvCxnSpPr>
+              <a:cxnSpLocks/>
+              <a:stCxn id="2" idx="2"/>
+              <a:endCxn id="5" idx="7"/>
+            </p:cNvCxnSpPr>
+            <p:nvPr/>
+          </p:nvCxnSpPr>
+          <p:spPr>
+            <a:xfrm flipH="1">
+              <a:off x="3673008" y="1690454"/>
+              <a:ext cx="505292" cy="191177"/>
+            </a:xfrm>
+            <a:prstGeom prst="straightConnector1">
+              <a:avLst/>
+            </a:prstGeom>
+            <a:ln>
+              <a:solidFill>
+                <a:srgbClr val="FF0000"/>
+              </a:solidFill>
+              <a:tailEnd type="triangle"/>
+            </a:ln>
+          </p:spPr>
+          <p:style>
+            <a:lnRef idx="1">
+              <a:schemeClr val="accent1"/>
+            </a:lnRef>
+            <a:fillRef idx="0">
+              <a:schemeClr val="accent1"/>
+            </a:fillRef>
+            <a:effectRef idx="0">
+              <a:schemeClr val="accent1"/>
+            </a:effectRef>
+            <a:fontRef idx="minor">
+              <a:schemeClr val="tx1"/>
+            </a:fontRef>
+          </p:style>
+        </p:cxnSp>
+        <p:cxnSp>
+          <p:nvCxnSpPr>
+            <p:cNvPr id="34" name="Straight Arrow Connector 33">
+              <a:extLst>
+                <a:ext uri="{FF2B5EF4-FFF2-40B4-BE49-F238E27FC236}">
+                  <a16:creationId xmlns:a16="http://schemas.microsoft.com/office/drawing/2014/main" id="{B2A76456-9C82-430D-A349-D1CA1D475C52}"/>
+                </a:ext>
+              </a:extLst>
+            </p:cNvPr>
+            <p:cNvCxnSpPr>
+              <a:cxnSpLocks/>
+              <a:stCxn id="3" idx="4"/>
+              <a:endCxn id="6" idx="7"/>
+            </p:cNvCxnSpPr>
+            <p:nvPr/>
+          </p:nvCxnSpPr>
+          <p:spPr>
+            <a:xfrm flipH="1">
+              <a:off x="4503504" y="2204804"/>
+              <a:ext cx="639996" cy="657692"/>
+            </a:xfrm>
+            <a:prstGeom prst="straightConnector1">
+              <a:avLst/>
+            </a:prstGeom>
+            <a:ln>
+              <a:solidFill>
+                <a:schemeClr val="accent6">
+                  <a:lumMod val="75000"/>
+                </a:schemeClr>
+              </a:solidFill>
+              <a:tailEnd type="triangle"/>
+            </a:ln>
+          </p:spPr>
+          <p:style>
+            <a:lnRef idx="1">
+              <a:schemeClr val="accent1"/>
+            </a:lnRef>
+            <a:fillRef idx="0">
+              <a:schemeClr val="accent1"/>
+            </a:fillRef>
+            <a:effectRef idx="0">
+              <a:schemeClr val="accent1"/>
+            </a:effectRef>
+            <a:fontRef idx="minor">
+              <a:schemeClr val="tx1"/>
+            </a:fontRef>
+          </p:style>
+        </p:cxnSp>
+        <p:cxnSp>
+          <p:nvCxnSpPr>
+            <p:cNvPr id="37" name="Straight Arrow Connector 36">
+              <a:extLst>
+                <a:ext uri="{FF2B5EF4-FFF2-40B4-BE49-F238E27FC236}">
+                  <a16:creationId xmlns:a16="http://schemas.microsoft.com/office/drawing/2014/main" id="{7DD69850-8E28-4D50-BC94-9CC377B9821F}"/>
+                </a:ext>
+              </a:extLst>
+            </p:cNvPr>
+            <p:cNvCxnSpPr>
+              <a:cxnSpLocks/>
+              <a:stCxn id="5" idx="4"/>
+              <a:endCxn id="6" idx="1"/>
+            </p:cNvCxnSpPr>
+            <p:nvPr/>
+          </p:nvCxnSpPr>
+          <p:spPr>
+            <a:xfrm>
+              <a:off x="3538304" y="2206835"/>
+              <a:ext cx="695792" cy="655661"/>
+            </a:xfrm>
+            <a:prstGeom prst="straightConnector1">
+              <a:avLst/>
+            </a:prstGeom>
+            <a:ln>
+              <a:solidFill>
+                <a:srgbClr val="FF0000"/>
+              </a:solidFill>
+              <a:tailEnd type="triangle"/>
+            </a:ln>
+          </p:spPr>
+          <p:style>
+            <a:lnRef idx="1">
+              <a:schemeClr val="accent1"/>
+            </a:lnRef>
+            <a:fillRef idx="0">
+              <a:schemeClr val="accent1"/>
+            </a:fillRef>
+            <a:effectRef idx="0">
+              <a:schemeClr val="accent1"/>
+            </a:effectRef>
+            <a:fontRef idx="minor">
+              <a:schemeClr val="tx1"/>
+            </a:fontRef>
+          </p:style>
+        </p:cxnSp>
+        <p:cxnSp>
+          <p:nvCxnSpPr>
+            <p:cNvPr id="55" name="Straight Arrow Connector 54">
+              <a:extLst>
+                <a:ext uri="{FF2B5EF4-FFF2-40B4-BE49-F238E27FC236}">
+                  <a16:creationId xmlns:a16="http://schemas.microsoft.com/office/drawing/2014/main" id="{0BDA502C-B9DC-4810-BB5A-8A120C1F8B64}"/>
+                </a:ext>
+              </a:extLst>
+            </p:cNvPr>
+            <p:cNvCxnSpPr>
+              <a:cxnSpLocks/>
+              <a:endCxn id="2" idx="0"/>
+            </p:cNvCxnSpPr>
+            <p:nvPr/>
+          </p:nvCxnSpPr>
+          <p:spPr>
+            <a:xfrm>
+              <a:off x="4368800" y="1176104"/>
+              <a:ext cx="0" cy="323850"/>
+            </a:xfrm>
+            <a:prstGeom prst="straightConnector1">
+              <a:avLst/>
+            </a:prstGeom>
+            <a:ln>
+              <a:tailEnd type="triangle"/>
+            </a:ln>
+          </p:spPr>
+          <p:style>
+            <a:lnRef idx="1">
+              <a:schemeClr val="accent1"/>
+            </a:lnRef>
+            <a:fillRef idx="0">
+              <a:schemeClr val="accent1"/>
+            </a:fillRef>
+            <a:effectRef idx="0">
+              <a:schemeClr val="accent1"/>
+            </a:effectRef>
+            <a:fontRef idx="minor">
+              <a:schemeClr val="tx1"/>
+            </a:fontRef>
+          </p:style>
+        </p:cxnSp>
+        <p:cxnSp>
+          <p:nvCxnSpPr>
+            <p:cNvPr id="57" name="Straight Arrow Connector 56">
+              <a:extLst>
+                <a:ext uri="{FF2B5EF4-FFF2-40B4-BE49-F238E27FC236}">
+                  <a16:creationId xmlns:a16="http://schemas.microsoft.com/office/drawing/2014/main" id="{456F928F-947E-4295-AF47-48D9B19008F6}"/>
+                </a:ext>
+              </a:extLst>
+            </p:cNvPr>
+            <p:cNvCxnSpPr>
+              <a:cxnSpLocks/>
+            </p:cNvCxnSpPr>
+            <p:nvPr/>
+          </p:nvCxnSpPr>
+          <p:spPr>
+            <a:xfrm>
+              <a:off x="4368800" y="3187700"/>
+              <a:ext cx="0" cy="323850"/>
+            </a:xfrm>
+            <a:prstGeom prst="straightConnector1">
+              <a:avLst/>
+            </a:prstGeom>
+            <a:ln>
+              <a:tailEnd type="triangle"/>
+            </a:ln>
+          </p:spPr>
+          <p:style>
+            <a:lnRef idx="1">
+              <a:schemeClr val="accent1"/>
+            </a:lnRef>
+            <a:fillRef idx="0">
+              <a:schemeClr val="accent1"/>
+            </a:fillRef>
+            <a:effectRef idx="0">
+              <a:schemeClr val="accent1"/>
+            </a:effectRef>
+            <a:fontRef idx="minor">
+              <a:schemeClr val="tx1"/>
+            </a:fontRef>
+          </p:style>
+        </p:cxnSp>
+      </p:grpSp>
+      <p:sp>
+        <p:nvSpPr>
+          <p:cNvPr id="59" name="Rectangle: Rounded Corners 58">
+            <a:extLst>
+              <a:ext uri="{FF2B5EF4-FFF2-40B4-BE49-F238E27FC236}">
+                <a16:creationId xmlns:a16="http://schemas.microsoft.com/office/drawing/2014/main" id="{360651C0-2FF9-4632-B27B-B46A920D8475}"/>
+              </a:ext>
+            </a:extLst>
+          </p:cNvPr>
+          <p:cNvSpPr/>
+          <p:nvPr/>
+        </p:nvSpPr>
+        <p:spPr>
+          <a:xfrm>
+            <a:off x="2733964" y="1150704"/>
+            <a:ext cx="449496" cy="2335446"/>
+          </a:xfrm>
+          <a:prstGeom prst="roundRect">
+            <a:avLst/>
+          </a:prstGeom>
+          <a:solidFill>
+            <a:schemeClr val="bg2">
+              <a:lumMod val="90000"/>
+            </a:schemeClr>
+          </a:solidFill>
+          <a:ln>
+            <a:solidFill>
+              <a:schemeClr val="tx1"/>
+            </a:solidFill>
+          </a:ln>
+        </p:spPr>
+        <p:style>
+          <a:lnRef idx="2">
+            <a:schemeClr val="accent1">
+              <a:shade val="50000"/>
+            </a:schemeClr>
+          </a:lnRef>
+          <a:fillRef idx="1">
+            <a:schemeClr val="accent1"/>
+          </a:fillRef>
+          <a:effectRef idx="0">
+            <a:schemeClr val="accent1"/>
+          </a:effectRef>
+          <a:fontRef idx="minor">
+            <a:schemeClr val="lt1"/>
+          </a:fontRef>
+        </p:style>
+        <p:txBody>
+          <a:bodyPr rtlCol="0" anchor="ctr"/>
+          <a:lstStyle/>
+          <a:p>
+            <a:pPr algn="ctr"/>
+            <a:endParaRPr lang="en-US"/>
+          </a:p>
+        </p:txBody>
+      </p:sp>
+      <p:grpSp>
+        <p:nvGrpSpPr>
+          <p:cNvPr id="60" name="Group 59">
+            <a:extLst>
+              <a:ext uri="{FF2B5EF4-FFF2-40B4-BE49-F238E27FC236}">
+                <a16:creationId xmlns:a16="http://schemas.microsoft.com/office/drawing/2014/main" id="{184B81BE-FD7F-4D6C-A59E-72A41FD0250C}"/>
+              </a:ext>
+            </a:extLst>
+          </p:cNvPr>
+          <p:cNvGrpSpPr/>
+          <p:nvPr/>
+        </p:nvGrpSpPr>
+        <p:grpSpPr>
+          <a:xfrm>
+            <a:off x="3725342" y="1150704"/>
+            <a:ext cx="1986196" cy="2335446"/>
+            <a:chOff x="3347804" y="1176104"/>
+            <a:chExt cx="1986196" cy="2335446"/>
+          </a:xfrm>
+        </p:grpSpPr>
+        <p:sp>
+          <p:nvSpPr>
+            <p:cNvPr id="61" name="Oval 60">
+              <a:extLst>
+                <a:ext uri="{FF2B5EF4-FFF2-40B4-BE49-F238E27FC236}">
+                  <a16:creationId xmlns:a16="http://schemas.microsoft.com/office/drawing/2014/main" id="{056217D0-6C67-49CC-981E-91E00A3B4FC0}"/>
+                </a:ext>
+              </a:extLst>
+            </p:cNvPr>
+            <p:cNvSpPr/>
+            <p:nvPr/>
+          </p:nvSpPr>
+          <p:spPr>
+            <a:xfrm>
+              <a:off x="4178300" y="1499954"/>
+              <a:ext cx="381000" cy="381000"/>
+            </a:xfrm>
+            <a:prstGeom prst="ellipse">
+              <a:avLst/>
+            </a:prstGeom>
+            <a:noFill/>
+            <a:ln>
+              <a:solidFill>
+                <a:schemeClr val="tx1"/>
+              </a:solidFill>
+            </a:ln>
+          </p:spPr>
+          <p:style>
+            <a:lnRef idx="2">
+              <a:schemeClr val="accent1">
+                <a:shade val="50000"/>
+              </a:schemeClr>
+            </a:lnRef>
+            <a:fillRef idx="1">
+              <a:schemeClr val="accent1"/>
+            </a:fillRef>
+            <a:effectRef idx="0">
+              <a:schemeClr val="accent1"/>
+            </a:effectRef>
+            <a:fontRef idx="minor">
+              <a:schemeClr val="lt1"/>
+            </a:fontRef>
+          </p:style>
+          <p:txBody>
+            <a:bodyPr lIns="0" tIns="0" rIns="0" bIns="0" rtlCol="0" anchor="ctr"/>
+            <a:lstStyle/>
+            <a:p>
+              <a:pPr algn="ctr"/>
+              <a:r>
+                <a:rPr lang="en-US" sz="1600" dirty="0">
+                  <a:solidFill>
+                    <a:schemeClr val="tx1"/>
+                  </a:solidFill>
+                </a:rPr>
+                <a:t>V3</a:t>
+              </a:r>
+            </a:p>
+          </p:txBody>
+        </p:sp>
+        <p:sp>
+          <p:nvSpPr>
+            <p:cNvPr id="62" name="Oval 61">
+              <a:extLst>
+                <a:ext uri="{FF2B5EF4-FFF2-40B4-BE49-F238E27FC236}">
+                  <a16:creationId xmlns:a16="http://schemas.microsoft.com/office/drawing/2014/main" id="{42BD281D-A22B-4905-84BE-4DD219517C4B}"/>
+                </a:ext>
+              </a:extLst>
+            </p:cNvPr>
+            <p:cNvSpPr/>
+            <p:nvPr/>
+          </p:nvSpPr>
+          <p:spPr>
+            <a:xfrm>
+              <a:off x="4953000" y="1823804"/>
+              <a:ext cx="381000" cy="381000"/>
+            </a:xfrm>
+            <a:prstGeom prst="ellipse">
+              <a:avLst/>
+            </a:prstGeom>
+            <a:noFill/>
+            <a:ln>
+              <a:solidFill>
+                <a:schemeClr val="tx1"/>
+              </a:solidFill>
+            </a:ln>
+          </p:spPr>
+          <p:style>
+            <a:lnRef idx="2">
+              <a:schemeClr val="accent1">
+                <a:shade val="50000"/>
+              </a:schemeClr>
+            </a:lnRef>
+            <a:fillRef idx="1">
+              <a:schemeClr val="accent1"/>
+            </a:fillRef>
+            <a:effectRef idx="0">
+              <a:schemeClr val="accent1"/>
+            </a:effectRef>
+            <a:fontRef idx="minor">
+              <a:schemeClr val="lt1"/>
+            </a:fontRef>
+          </p:style>
+          <p:txBody>
+            <a:bodyPr lIns="0" tIns="0" rIns="0" bIns="0" rtlCol="0" anchor="ctr"/>
+            <a:lstStyle/>
+            <a:p>
+              <a:pPr algn="ctr"/>
+              <a:r>
+                <a:rPr lang="en-US" sz="1600" dirty="0">
+                  <a:solidFill>
+                    <a:schemeClr val="accent6">
+                      <a:lumMod val="75000"/>
+                    </a:schemeClr>
+                  </a:solidFill>
+                </a:rPr>
+                <a:t>V6</a:t>
+              </a:r>
+            </a:p>
+          </p:txBody>
+        </p:sp>
+        <p:sp>
+          <p:nvSpPr>
+            <p:cNvPr id="63" name="Oval 62">
+              <a:extLst>
+                <a:ext uri="{FF2B5EF4-FFF2-40B4-BE49-F238E27FC236}">
+                  <a16:creationId xmlns:a16="http://schemas.microsoft.com/office/drawing/2014/main" id="{D7FDFEBC-CE8D-4D3A-93CA-3F1187C93863}"/>
+                </a:ext>
+              </a:extLst>
+            </p:cNvPr>
+            <p:cNvSpPr/>
+            <p:nvPr/>
+          </p:nvSpPr>
+          <p:spPr>
+            <a:xfrm>
+              <a:off x="4178300" y="2204804"/>
+              <a:ext cx="381000" cy="381000"/>
+            </a:xfrm>
+            <a:prstGeom prst="ellipse">
+              <a:avLst/>
+            </a:prstGeom>
+            <a:noFill/>
+            <a:ln>
+              <a:solidFill>
+                <a:schemeClr val="tx1"/>
+              </a:solidFill>
+            </a:ln>
+          </p:spPr>
+          <p:style>
+            <a:lnRef idx="2">
+              <a:schemeClr val="accent1">
+                <a:shade val="50000"/>
+              </a:schemeClr>
+            </a:lnRef>
+            <a:fillRef idx="1">
+              <a:schemeClr val="accent1"/>
+            </a:fillRef>
+            <a:effectRef idx="0">
+              <a:schemeClr val="accent1"/>
+            </a:effectRef>
+            <a:fontRef idx="minor">
+              <a:schemeClr val="lt1"/>
+            </a:fontRef>
+          </p:style>
+          <p:txBody>
+            <a:bodyPr lIns="0" tIns="0" rIns="0" bIns="0" rtlCol="0" anchor="ctr"/>
+            <a:lstStyle/>
+            <a:p>
+              <a:pPr algn="ctr"/>
+              <a:r>
+                <a:rPr lang="en-US" sz="1600" dirty="0">
+                  <a:solidFill>
+                    <a:schemeClr val="tx1"/>
+                  </a:solidFill>
+                </a:rPr>
+                <a:t>V4</a:t>
+              </a:r>
+            </a:p>
+          </p:txBody>
+        </p:sp>
+        <p:sp>
+          <p:nvSpPr>
+            <p:cNvPr id="64" name="Oval 63">
+              <a:extLst>
+                <a:ext uri="{FF2B5EF4-FFF2-40B4-BE49-F238E27FC236}">
+                  <a16:creationId xmlns:a16="http://schemas.microsoft.com/office/drawing/2014/main" id="{152BC16A-9278-49ED-9765-CB70E30BE0E4}"/>
+                </a:ext>
+              </a:extLst>
+            </p:cNvPr>
+            <p:cNvSpPr/>
+            <p:nvPr/>
+          </p:nvSpPr>
+          <p:spPr>
+            <a:xfrm>
+              <a:off x="3347804" y="1825835"/>
+              <a:ext cx="381000" cy="381000"/>
+            </a:xfrm>
+            <a:prstGeom prst="ellipse">
+              <a:avLst/>
+            </a:prstGeom>
+            <a:noFill/>
+            <a:ln>
+              <a:solidFill>
+                <a:schemeClr val="tx1"/>
+              </a:solidFill>
+            </a:ln>
+          </p:spPr>
+          <p:style>
+            <a:lnRef idx="2">
+              <a:schemeClr val="accent1">
+                <a:shade val="50000"/>
+              </a:schemeClr>
+            </a:lnRef>
+            <a:fillRef idx="1">
+              <a:schemeClr val="accent1"/>
+            </a:fillRef>
+            <a:effectRef idx="0">
+              <a:schemeClr val="accent1"/>
+            </a:effectRef>
+            <a:fontRef idx="minor">
+              <a:schemeClr val="lt1"/>
+            </a:fontRef>
+          </p:style>
+          <p:txBody>
+            <a:bodyPr lIns="0" tIns="0" rIns="0" bIns="0" rtlCol="0" anchor="ctr"/>
+            <a:lstStyle/>
+            <a:p>
+              <a:pPr algn="ctr"/>
+              <a:r>
+                <a:rPr lang="en-US" sz="1600" dirty="0">
+                  <a:solidFill>
+                    <a:srgbClr val="FF0000"/>
+                  </a:solidFill>
+                </a:rPr>
+                <a:t>V5</a:t>
+              </a:r>
+            </a:p>
+          </p:txBody>
+        </p:sp>
+        <p:sp>
+          <p:nvSpPr>
+            <p:cNvPr id="65" name="Oval 64">
+              <a:extLst>
+                <a:ext uri="{FF2B5EF4-FFF2-40B4-BE49-F238E27FC236}">
+                  <a16:creationId xmlns:a16="http://schemas.microsoft.com/office/drawing/2014/main" id="{FCB97BE8-036D-4E74-A737-01B39B435611}"/>
+                </a:ext>
+              </a:extLst>
+            </p:cNvPr>
+            <p:cNvSpPr/>
+            <p:nvPr/>
+          </p:nvSpPr>
+          <p:spPr>
+            <a:xfrm>
+              <a:off x="4178300" y="2806700"/>
+              <a:ext cx="381000" cy="381000"/>
+            </a:xfrm>
+            <a:prstGeom prst="ellipse">
+              <a:avLst/>
+            </a:prstGeom>
+            <a:noFill/>
+            <a:ln>
+              <a:solidFill>
+                <a:schemeClr val="tx1"/>
+              </a:solidFill>
+            </a:ln>
+          </p:spPr>
+          <p:style>
+            <a:lnRef idx="2">
+              <a:schemeClr val="accent1">
+                <a:shade val="50000"/>
+              </a:schemeClr>
+            </a:lnRef>
+            <a:fillRef idx="1">
+              <a:schemeClr val="accent1"/>
+            </a:fillRef>
+            <a:effectRef idx="0">
+              <a:schemeClr val="accent1"/>
+            </a:effectRef>
+            <a:fontRef idx="minor">
+              <a:schemeClr val="lt1"/>
+            </a:fontRef>
+          </p:style>
+          <p:txBody>
+            <a:bodyPr lIns="0" tIns="0" rIns="0" bIns="0" rtlCol="0" anchor="ctr"/>
+            <a:lstStyle/>
+            <a:p>
+              <a:pPr algn="ctr"/>
+              <a:r>
+                <a:rPr lang="en-US" sz="1600" dirty="0">
+                  <a:solidFill>
+                    <a:schemeClr val="tx1"/>
+                  </a:solidFill>
+                </a:rPr>
+                <a:t>V7</a:t>
+              </a:r>
+            </a:p>
+          </p:txBody>
+        </p:sp>
+        <p:cxnSp>
+          <p:nvCxnSpPr>
+            <p:cNvPr id="66" name="Straight Arrow Connector 65">
+              <a:extLst>
+                <a:ext uri="{FF2B5EF4-FFF2-40B4-BE49-F238E27FC236}">
+                  <a16:creationId xmlns:a16="http://schemas.microsoft.com/office/drawing/2014/main" id="{390BD0FA-762C-4765-BED7-6ADE02589C86}"/>
+                </a:ext>
+              </a:extLst>
+            </p:cNvPr>
+            <p:cNvCxnSpPr>
+              <a:stCxn id="61" idx="4"/>
+              <a:endCxn id="63" idx="0"/>
+            </p:cNvCxnSpPr>
+            <p:nvPr/>
+          </p:nvCxnSpPr>
+          <p:spPr>
+            <a:xfrm>
+              <a:off x="4368800" y="1880954"/>
+              <a:ext cx="0" cy="323850"/>
+            </a:xfrm>
+            <a:prstGeom prst="straightConnector1">
+              <a:avLst/>
+            </a:prstGeom>
+            <a:ln>
+              <a:tailEnd type="triangle"/>
+            </a:ln>
+          </p:spPr>
+          <p:style>
+            <a:lnRef idx="1">
+              <a:schemeClr val="accent1"/>
+            </a:lnRef>
+            <a:fillRef idx="0">
+              <a:schemeClr val="accent1"/>
+            </a:fillRef>
+            <a:effectRef idx="0">
+              <a:schemeClr val="accent1"/>
+            </a:effectRef>
+            <a:fontRef idx="minor">
+              <a:schemeClr val="tx1"/>
+            </a:fontRef>
+          </p:style>
+        </p:cxnSp>
+        <p:cxnSp>
+          <p:nvCxnSpPr>
+            <p:cNvPr id="67" name="Straight Arrow Connector 66">
+              <a:extLst>
+                <a:ext uri="{FF2B5EF4-FFF2-40B4-BE49-F238E27FC236}">
+                  <a16:creationId xmlns:a16="http://schemas.microsoft.com/office/drawing/2014/main" id="{EE292C38-1FD5-4AFE-8895-E31F8DFB1A81}"/>
+                </a:ext>
+              </a:extLst>
+            </p:cNvPr>
+            <p:cNvCxnSpPr>
+              <a:cxnSpLocks/>
+              <a:stCxn id="61" idx="6"/>
+              <a:endCxn id="62" idx="1"/>
+            </p:cNvCxnSpPr>
+            <p:nvPr/>
+          </p:nvCxnSpPr>
+          <p:spPr>
+            <a:xfrm>
+              <a:off x="4559300" y="1690454"/>
+              <a:ext cx="449496" cy="189146"/>
+            </a:xfrm>
+            <a:prstGeom prst="straightConnector1">
+              <a:avLst/>
+            </a:prstGeom>
+            <a:ln>
+              <a:solidFill>
+                <a:schemeClr val="accent6">
+                  <a:lumMod val="75000"/>
+                </a:schemeClr>
+              </a:solidFill>
+              <a:tailEnd type="triangle"/>
+            </a:ln>
+          </p:spPr>
+          <p:style>
+            <a:lnRef idx="1">
+              <a:schemeClr val="accent1"/>
+            </a:lnRef>
+            <a:fillRef idx="0">
+              <a:schemeClr val="accent1"/>
+            </a:fillRef>
+            <a:effectRef idx="0">
+              <a:schemeClr val="accent1"/>
+            </a:effectRef>
+            <a:fontRef idx="minor">
+              <a:schemeClr val="tx1"/>
+            </a:fontRef>
+          </p:style>
+        </p:cxnSp>
+        <p:cxnSp>
+          <p:nvCxnSpPr>
+            <p:cNvPr id="68" name="Straight Arrow Connector 67">
+              <a:extLst>
+                <a:ext uri="{FF2B5EF4-FFF2-40B4-BE49-F238E27FC236}">
+                  <a16:creationId xmlns:a16="http://schemas.microsoft.com/office/drawing/2014/main" id="{9CEE15AD-150D-4C34-85D5-74348FD2DDD8}"/>
+                </a:ext>
+              </a:extLst>
+            </p:cNvPr>
+            <p:cNvCxnSpPr>
+              <a:cxnSpLocks/>
+              <a:stCxn id="63" idx="6"/>
+              <a:endCxn id="62" idx="3"/>
+            </p:cNvCxnSpPr>
+            <p:nvPr/>
+          </p:nvCxnSpPr>
+          <p:spPr>
+            <a:xfrm flipV="1">
+              <a:off x="4559300" y="2149008"/>
+              <a:ext cx="449496" cy="246296"/>
+            </a:xfrm>
+            <a:prstGeom prst="straightConnector1">
+              <a:avLst/>
+            </a:prstGeom>
+            <a:ln>
+              <a:solidFill>
+                <a:schemeClr val="accent6">
+                  <a:lumMod val="75000"/>
+                </a:schemeClr>
+              </a:solidFill>
+              <a:tailEnd type="triangle"/>
+            </a:ln>
+          </p:spPr>
+          <p:style>
+            <a:lnRef idx="1">
+              <a:schemeClr val="accent1"/>
+            </a:lnRef>
+            <a:fillRef idx="0">
+              <a:schemeClr val="accent1"/>
+            </a:fillRef>
+            <a:effectRef idx="0">
+              <a:schemeClr val="accent1"/>
+            </a:effectRef>
+            <a:fontRef idx="minor">
+              <a:schemeClr val="tx1"/>
+            </a:fontRef>
+          </p:style>
+        </p:cxnSp>
+        <p:cxnSp>
+          <p:nvCxnSpPr>
+            <p:cNvPr id="69" name="Straight Arrow Connector 68">
+              <a:extLst>
+                <a:ext uri="{FF2B5EF4-FFF2-40B4-BE49-F238E27FC236}">
+                  <a16:creationId xmlns:a16="http://schemas.microsoft.com/office/drawing/2014/main" id="{B8D44E7A-2E18-48F5-AC12-AF97E8A1D594}"/>
+                </a:ext>
+              </a:extLst>
+            </p:cNvPr>
+            <p:cNvCxnSpPr>
+              <a:cxnSpLocks/>
+              <a:stCxn id="63" idx="2"/>
+              <a:endCxn id="64" idx="5"/>
+            </p:cNvCxnSpPr>
+            <p:nvPr/>
+          </p:nvCxnSpPr>
+          <p:spPr>
+            <a:xfrm flipH="1" flipV="1">
+              <a:off x="3673008" y="2151039"/>
+              <a:ext cx="505292" cy="244265"/>
+            </a:xfrm>
+            <a:prstGeom prst="straightConnector1">
+              <a:avLst/>
+            </a:prstGeom>
+            <a:ln>
+              <a:solidFill>
+                <a:srgbClr val="FF0000"/>
+              </a:solidFill>
+              <a:tailEnd type="triangle"/>
+            </a:ln>
+          </p:spPr>
+          <p:style>
+            <a:lnRef idx="1">
+              <a:schemeClr val="accent1"/>
+            </a:lnRef>
+            <a:fillRef idx="0">
+              <a:schemeClr val="accent1"/>
+            </a:fillRef>
+            <a:effectRef idx="0">
+              <a:schemeClr val="accent1"/>
+            </a:effectRef>
+            <a:fontRef idx="minor">
+              <a:schemeClr val="tx1"/>
+            </a:fontRef>
+          </p:style>
+        </p:cxnSp>
+        <p:cxnSp>
+          <p:nvCxnSpPr>
+            <p:cNvPr id="70" name="Straight Arrow Connector 69">
+              <a:extLst>
+                <a:ext uri="{FF2B5EF4-FFF2-40B4-BE49-F238E27FC236}">
+                  <a16:creationId xmlns:a16="http://schemas.microsoft.com/office/drawing/2014/main" id="{843D73AF-63AF-4D51-9EC4-711A6CD69327}"/>
+                </a:ext>
+              </a:extLst>
+            </p:cNvPr>
+            <p:cNvCxnSpPr>
+              <a:cxnSpLocks/>
+              <a:stCxn id="61" idx="2"/>
+              <a:endCxn id="64" idx="7"/>
+            </p:cNvCxnSpPr>
+            <p:nvPr/>
+          </p:nvCxnSpPr>
+          <p:spPr>
+            <a:xfrm flipH="1">
+              <a:off x="3673008" y="1690454"/>
+              <a:ext cx="505292" cy="191177"/>
+            </a:xfrm>
+            <a:prstGeom prst="straightConnector1">
+              <a:avLst/>
+            </a:prstGeom>
+            <a:ln>
+              <a:solidFill>
+                <a:srgbClr val="FF0000"/>
+              </a:solidFill>
+              <a:tailEnd type="triangle"/>
+            </a:ln>
+          </p:spPr>
+          <p:style>
+            <a:lnRef idx="1">
+              <a:schemeClr val="accent1"/>
+            </a:lnRef>
+            <a:fillRef idx="0">
+              <a:schemeClr val="accent1"/>
+            </a:fillRef>
+            <a:effectRef idx="0">
+              <a:schemeClr val="accent1"/>
+            </a:effectRef>
+            <a:fontRef idx="minor">
+              <a:schemeClr val="tx1"/>
+            </a:fontRef>
+          </p:style>
+        </p:cxnSp>
+        <p:cxnSp>
+          <p:nvCxnSpPr>
+            <p:cNvPr id="71" name="Straight Arrow Connector 70">
+              <a:extLst>
+                <a:ext uri="{FF2B5EF4-FFF2-40B4-BE49-F238E27FC236}">
+                  <a16:creationId xmlns:a16="http://schemas.microsoft.com/office/drawing/2014/main" id="{71485EC6-3757-48BF-A281-3FC2FF1D412C}"/>
+                </a:ext>
+              </a:extLst>
+            </p:cNvPr>
+            <p:cNvCxnSpPr>
+              <a:cxnSpLocks/>
+              <a:stCxn id="62" idx="4"/>
+              <a:endCxn id="65" idx="7"/>
+            </p:cNvCxnSpPr>
+            <p:nvPr/>
+          </p:nvCxnSpPr>
+          <p:spPr>
+            <a:xfrm flipH="1">
+              <a:off x="4503504" y="2204804"/>
+              <a:ext cx="639996" cy="657692"/>
+            </a:xfrm>
+            <a:prstGeom prst="straightConnector1">
+              <a:avLst/>
+            </a:prstGeom>
+            <a:ln>
+              <a:solidFill>
+                <a:schemeClr val="accent6">
+                  <a:lumMod val="75000"/>
+                </a:schemeClr>
+              </a:solidFill>
+              <a:tailEnd type="triangle"/>
+            </a:ln>
+          </p:spPr>
+          <p:style>
+            <a:lnRef idx="1">
+              <a:schemeClr val="accent1"/>
+            </a:lnRef>
+            <a:fillRef idx="0">
+              <a:schemeClr val="accent1"/>
+            </a:fillRef>
+            <a:effectRef idx="0">
+              <a:schemeClr val="accent1"/>
+            </a:effectRef>
+            <a:fontRef idx="minor">
+              <a:schemeClr val="tx1"/>
+            </a:fontRef>
+          </p:style>
+        </p:cxnSp>
+        <p:cxnSp>
+          <p:nvCxnSpPr>
+            <p:cNvPr id="72" name="Straight Arrow Connector 71">
+              <a:extLst>
+                <a:ext uri="{FF2B5EF4-FFF2-40B4-BE49-F238E27FC236}">
+                  <a16:creationId xmlns:a16="http://schemas.microsoft.com/office/drawing/2014/main" id="{3844CF42-427E-46E1-83FA-5641C40D06A7}"/>
+                </a:ext>
+              </a:extLst>
+            </p:cNvPr>
+            <p:cNvCxnSpPr>
+              <a:cxnSpLocks/>
+              <a:stCxn id="64" idx="4"/>
+              <a:endCxn id="65" idx="1"/>
+            </p:cNvCxnSpPr>
+            <p:nvPr/>
+          </p:nvCxnSpPr>
+          <p:spPr>
+            <a:xfrm>
+              <a:off x="3538304" y="2206835"/>
+              <a:ext cx="695792" cy="655661"/>
+            </a:xfrm>
+            <a:prstGeom prst="straightConnector1">
+              <a:avLst/>
+            </a:prstGeom>
+            <a:ln>
+              <a:solidFill>
+                <a:srgbClr val="FF0000"/>
+              </a:solidFill>
+              <a:tailEnd type="triangle"/>
+            </a:ln>
+          </p:spPr>
+          <p:style>
+            <a:lnRef idx="1">
+              <a:schemeClr val="accent1"/>
+            </a:lnRef>
+            <a:fillRef idx="0">
+              <a:schemeClr val="accent1"/>
+            </a:fillRef>
+            <a:effectRef idx="0">
+              <a:schemeClr val="accent1"/>
+            </a:effectRef>
+            <a:fontRef idx="minor">
+              <a:schemeClr val="tx1"/>
+            </a:fontRef>
+          </p:style>
+        </p:cxnSp>
+        <p:cxnSp>
+          <p:nvCxnSpPr>
+            <p:cNvPr id="73" name="Straight Arrow Connector 72">
+              <a:extLst>
+                <a:ext uri="{FF2B5EF4-FFF2-40B4-BE49-F238E27FC236}">
+                  <a16:creationId xmlns:a16="http://schemas.microsoft.com/office/drawing/2014/main" id="{7FF36DD9-B303-4ACA-B82F-A30A400CC063}"/>
+                </a:ext>
+              </a:extLst>
+            </p:cNvPr>
+            <p:cNvCxnSpPr>
+              <a:cxnSpLocks/>
+              <a:endCxn id="61" idx="0"/>
+            </p:cNvCxnSpPr>
+            <p:nvPr/>
+          </p:nvCxnSpPr>
+          <p:spPr>
+            <a:xfrm>
+              <a:off x="4368800" y="1176104"/>
+              <a:ext cx="0" cy="323850"/>
+            </a:xfrm>
+            <a:prstGeom prst="straightConnector1">
+              <a:avLst/>
+            </a:prstGeom>
+            <a:ln>
+              <a:tailEnd type="triangle"/>
+            </a:ln>
+          </p:spPr>
+          <p:style>
+            <a:lnRef idx="1">
+              <a:schemeClr val="accent1"/>
+            </a:lnRef>
+            <a:fillRef idx="0">
+              <a:schemeClr val="accent1"/>
+            </a:fillRef>
+            <a:effectRef idx="0">
+              <a:schemeClr val="accent1"/>
+            </a:effectRef>
+            <a:fontRef idx="minor">
+              <a:schemeClr val="tx1"/>
+            </a:fontRef>
+          </p:style>
+        </p:cxnSp>
+        <p:cxnSp>
+          <p:nvCxnSpPr>
+            <p:cNvPr id="74" name="Straight Arrow Connector 73">
+              <a:extLst>
+                <a:ext uri="{FF2B5EF4-FFF2-40B4-BE49-F238E27FC236}">
+                  <a16:creationId xmlns:a16="http://schemas.microsoft.com/office/drawing/2014/main" id="{CF48A448-7609-4706-A00F-756786A37946}"/>
+                </a:ext>
+              </a:extLst>
+            </p:cNvPr>
+            <p:cNvCxnSpPr>
+              <a:cxnSpLocks/>
+            </p:cNvCxnSpPr>
+            <p:nvPr/>
+          </p:nvCxnSpPr>
+          <p:spPr>
+            <a:xfrm>
+              <a:off x="4368800" y="3187700"/>
+              <a:ext cx="0" cy="323850"/>
+            </a:xfrm>
+            <a:prstGeom prst="straightConnector1">
+              <a:avLst/>
+            </a:prstGeom>
+            <a:ln>
+              <a:tailEnd type="triangle"/>
+            </a:ln>
+          </p:spPr>
+          <p:style>
+            <a:lnRef idx="1">
+              <a:schemeClr val="accent1"/>
+            </a:lnRef>
+            <a:fillRef idx="0">
+              <a:schemeClr val="accent1"/>
+            </a:fillRef>
+            <a:effectRef idx="0">
+              <a:schemeClr val="accent1"/>
+            </a:effectRef>
+            <a:fontRef idx="minor">
+              <a:schemeClr val="tx1"/>
+            </a:fontRef>
+          </p:style>
+        </p:cxnSp>
+      </p:grpSp>
+      <p:cxnSp>
+        <p:nvCxnSpPr>
+          <p:cNvPr id="77" name="Straight Connector 76">
+            <a:extLst>
+              <a:ext uri="{FF2B5EF4-FFF2-40B4-BE49-F238E27FC236}">
+                <a16:creationId xmlns:a16="http://schemas.microsoft.com/office/drawing/2014/main" id="{39682941-3A1A-42DA-A4C6-1250F68EDC19}"/>
+              </a:ext>
+            </a:extLst>
+          </p:cNvPr>
+          <p:cNvCxnSpPr>
+            <a:stCxn id="62" idx="0"/>
+          </p:cNvCxnSpPr>
+          <p:nvPr/>
+        </p:nvCxnSpPr>
+        <p:spPr>
+          <a:xfrm flipV="1">
+            <a:off x="5521038" y="1150704"/>
+            <a:ext cx="787400" cy="647700"/>
+          </a:xfrm>
+          <a:prstGeom prst="line">
+            <a:avLst/>
+          </a:prstGeom>
+          <a:ln>
+            <a:solidFill>
+              <a:schemeClr val="tx1"/>
+            </a:solidFill>
+          </a:ln>
+        </p:spPr>
+        <p:style>
+          <a:lnRef idx="1">
+            <a:schemeClr val="accent1"/>
+          </a:lnRef>
+          <a:fillRef idx="0">
+            <a:schemeClr val="accent1"/>
+          </a:fillRef>
+          <a:effectRef idx="0">
+            <a:schemeClr val="accent1"/>
+          </a:effectRef>
+          <a:fontRef idx="minor">
+            <a:schemeClr val="tx1"/>
+          </a:fontRef>
+        </p:style>
+      </p:cxnSp>
+      <p:cxnSp>
+        <p:nvCxnSpPr>
+          <p:cNvPr id="78" name="Straight Connector 77">
+            <a:extLst>
+              <a:ext uri="{FF2B5EF4-FFF2-40B4-BE49-F238E27FC236}">
+                <a16:creationId xmlns:a16="http://schemas.microsoft.com/office/drawing/2014/main" id="{6B9C0603-E0A9-445D-A95E-637AA9F3DC09}"/>
+              </a:ext>
+            </a:extLst>
+          </p:cNvPr>
+          <p:cNvCxnSpPr>
+            <a:cxnSpLocks/>
+            <a:stCxn id="62" idx="4"/>
+          </p:cNvCxnSpPr>
+          <p:nvPr/>
+        </p:nvCxnSpPr>
+        <p:spPr>
+          <a:xfrm>
+            <a:off x="5521038" y="2179404"/>
+            <a:ext cx="682747" cy="1152272"/>
+          </a:xfrm>
+          <a:prstGeom prst="line">
+            <a:avLst/>
+          </a:prstGeom>
+          <a:ln>
+            <a:solidFill>
+              <a:schemeClr val="tx1"/>
+            </a:solidFill>
+          </a:ln>
+        </p:spPr>
+        <p:style>
+          <a:lnRef idx="1">
+            <a:schemeClr val="accent1"/>
+          </a:lnRef>
+          <a:fillRef idx="0">
+            <a:schemeClr val="accent1"/>
+          </a:fillRef>
+          <a:effectRef idx="0">
+            <a:schemeClr val="accent1"/>
+          </a:effectRef>
+          <a:fontRef idx="minor">
+            <a:schemeClr val="tx1"/>
+          </a:fontRef>
+        </p:style>
+      </p:cxnSp>
+      <p:sp>
+        <p:nvSpPr>
+          <p:cNvPr id="81" name="Left Brace 80">
+            <a:extLst>
+              <a:ext uri="{FF2B5EF4-FFF2-40B4-BE49-F238E27FC236}">
+                <a16:creationId xmlns:a16="http://schemas.microsoft.com/office/drawing/2014/main" id="{BB6329F5-5D1D-4FCF-B3FC-982D36D2CB94}"/>
+              </a:ext>
+            </a:extLst>
+          </p:cNvPr>
+          <p:cNvSpPr/>
+          <p:nvPr/>
+        </p:nvSpPr>
+        <p:spPr>
+          <a:xfrm>
+            <a:off x="6262719" y="1150704"/>
+            <a:ext cx="180423" cy="1219200"/>
+          </a:xfrm>
+          <a:prstGeom prst="leftBrace">
+            <a:avLst/>
+          </a:prstGeom>
+          <a:ln>
+            <a:solidFill>
+              <a:schemeClr val="tx1"/>
+            </a:solidFill>
+          </a:ln>
+        </p:spPr>
+        <p:style>
+          <a:lnRef idx="1">
+            <a:schemeClr val="accent1"/>
+          </a:lnRef>
+          <a:fillRef idx="0">
+            <a:schemeClr val="accent1"/>
+          </a:fillRef>
+          <a:effectRef idx="0">
+            <a:schemeClr val="accent1"/>
+          </a:effectRef>
+          <a:fontRef idx="minor">
+            <a:schemeClr val="tx1"/>
+          </a:fontRef>
+        </p:style>
+        <p:txBody>
+          <a:bodyPr rtlCol="0" anchor="ctr"/>
+          <a:lstStyle/>
+          <a:p>
+            <a:pPr algn="ctr"/>
+            <a:endParaRPr lang="en-US"/>
+          </a:p>
+        </p:txBody>
+      </p:sp>
+      <p:grpSp>
+        <p:nvGrpSpPr>
+          <p:cNvPr id="86" name="Group 85">
+            <a:extLst>
+              <a:ext uri="{FF2B5EF4-FFF2-40B4-BE49-F238E27FC236}">
+                <a16:creationId xmlns:a16="http://schemas.microsoft.com/office/drawing/2014/main" id="{2E20C167-4F53-49D9-A017-7E1FB7CA32D4}"/>
+              </a:ext>
+            </a:extLst>
+          </p:cNvPr>
+          <p:cNvGrpSpPr/>
+          <p:nvPr/>
+        </p:nvGrpSpPr>
+        <p:grpSpPr>
+          <a:xfrm>
+            <a:off x="6448917" y="1150704"/>
+            <a:ext cx="381000" cy="1204091"/>
+            <a:chOff x="7989076" y="1150704"/>
+            <a:chExt cx="381000" cy="1204091"/>
+          </a:xfrm>
+        </p:grpSpPr>
+        <p:sp>
+          <p:nvSpPr>
+            <p:cNvPr id="83" name="Oval 82">
+              <a:extLst>
+                <a:ext uri="{FF2B5EF4-FFF2-40B4-BE49-F238E27FC236}">
+                  <a16:creationId xmlns:a16="http://schemas.microsoft.com/office/drawing/2014/main" id="{9ADFF9B1-8581-4409-8102-4556C7430CFA}"/>
+                </a:ext>
+              </a:extLst>
+            </p:cNvPr>
+            <p:cNvSpPr/>
+            <p:nvPr/>
+          </p:nvSpPr>
+          <p:spPr>
+            <a:xfrm>
+              <a:off x="7989076" y="1150704"/>
+              <a:ext cx="381000" cy="381000"/>
+            </a:xfrm>
+            <a:prstGeom prst="ellipse">
+              <a:avLst/>
+            </a:prstGeom>
+            <a:noFill/>
+            <a:ln>
+              <a:solidFill>
+                <a:schemeClr val="tx1"/>
+              </a:solidFill>
+            </a:ln>
+          </p:spPr>
+          <p:style>
+            <a:lnRef idx="2">
+              <a:schemeClr val="accent1">
+                <a:shade val="50000"/>
+              </a:schemeClr>
+            </a:lnRef>
+            <a:fillRef idx="1">
+              <a:schemeClr val="accent1"/>
+            </a:fillRef>
+            <a:effectRef idx="0">
+              <a:schemeClr val="accent1"/>
+            </a:effectRef>
+            <a:fontRef idx="minor">
+              <a:schemeClr val="lt1"/>
+            </a:fontRef>
+          </p:style>
+          <p:txBody>
+            <a:bodyPr lIns="0" tIns="0" rIns="0" bIns="0" rtlCol="0" anchor="ctr"/>
+            <a:lstStyle/>
+            <a:p>
+              <a:pPr algn="ctr"/>
+              <a:r>
+                <a:rPr lang="en-US" sz="1600" dirty="0">
+                  <a:solidFill>
+                    <a:schemeClr val="tx1"/>
+                  </a:solidFill>
+                </a:rPr>
+                <a:t>V3</a:t>
+              </a:r>
+            </a:p>
+          </p:txBody>
+        </p:sp>
+        <p:sp>
+          <p:nvSpPr>
+            <p:cNvPr id="84" name="Oval 83">
+              <a:extLst>
+                <a:ext uri="{FF2B5EF4-FFF2-40B4-BE49-F238E27FC236}">
+                  <a16:creationId xmlns:a16="http://schemas.microsoft.com/office/drawing/2014/main" id="{95797AA8-EFB6-466E-93CA-73A4096D4F29}"/>
+                </a:ext>
+              </a:extLst>
+            </p:cNvPr>
+            <p:cNvSpPr/>
+            <p:nvPr/>
+          </p:nvSpPr>
+          <p:spPr>
+            <a:xfrm>
+              <a:off x="7989076" y="1569127"/>
+              <a:ext cx="381000" cy="381000"/>
+            </a:xfrm>
+            <a:prstGeom prst="ellipse">
+              <a:avLst/>
+            </a:prstGeom>
+            <a:noFill/>
+            <a:ln>
+              <a:solidFill>
+                <a:schemeClr val="tx1"/>
+              </a:solidFill>
+            </a:ln>
+          </p:spPr>
+          <p:style>
+            <a:lnRef idx="2">
+              <a:schemeClr val="accent1">
+                <a:shade val="50000"/>
+              </a:schemeClr>
+            </a:lnRef>
+            <a:fillRef idx="1">
+              <a:schemeClr val="accent1"/>
+            </a:fillRef>
+            <a:effectRef idx="0">
+              <a:schemeClr val="accent1"/>
+            </a:effectRef>
+            <a:fontRef idx="minor">
+              <a:schemeClr val="lt1"/>
+            </a:fontRef>
+          </p:style>
+          <p:txBody>
+            <a:bodyPr lIns="0" tIns="0" rIns="0" bIns="0" rtlCol="0" anchor="ctr"/>
+            <a:lstStyle/>
+            <a:p>
+              <a:pPr algn="ctr"/>
+              <a:r>
+                <a:rPr lang="en-US" sz="1600" dirty="0">
+                  <a:solidFill>
+                    <a:schemeClr val="tx1"/>
+                  </a:solidFill>
+                </a:rPr>
+                <a:t>V4</a:t>
+              </a:r>
+            </a:p>
+          </p:txBody>
+        </p:sp>
+        <p:sp>
+          <p:nvSpPr>
+            <p:cNvPr id="85" name="Oval 84">
+              <a:extLst>
+                <a:ext uri="{FF2B5EF4-FFF2-40B4-BE49-F238E27FC236}">
+                  <a16:creationId xmlns:a16="http://schemas.microsoft.com/office/drawing/2014/main" id="{48003D3A-C046-4B91-99C0-5C511EC302EB}"/>
+                </a:ext>
+              </a:extLst>
+            </p:cNvPr>
+            <p:cNvSpPr/>
+            <p:nvPr/>
+          </p:nvSpPr>
+          <p:spPr>
+            <a:xfrm>
+              <a:off x="7989076" y="1973795"/>
+              <a:ext cx="381000" cy="381000"/>
+            </a:xfrm>
+            <a:prstGeom prst="ellipse">
+              <a:avLst/>
+            </a:prstGeom>
+            <a:noFill/>
+            <a:ln>
+              <a:solidFill>
+                <a:schemeClr val="tx1"/>
+              </a:solidFill>
+            </a:ln>
+          </p:spPr>
+          <p:style>
+            <a:lnRef idx="2">
+              <a:schemeClr val="accent1">
+                <a:shade val="50000"/>
+              </a:schemeClr>
+            </a:lnRef>
+            <a:fillRef idx="1">
+              <a:schemeClr val="accent1"/>
+            </a:fillRef>
+            <a:effectRef idx="0">
+              <a:schemeClr val="accent1"/>
+            </a:effectRef>
+            <a:fontRef idx="minor">
+              <a:schemeClr val="lt1"/>
+            </a:fontRef>
+          </p:style>
+          <p:txBody>
+            <a:bodyPr lIns="0" tIns="0" rIns="0" bIns="0" rtlCol="0" anchor="ctr"/>
+            <a:lstStyle/>
+            <a:p>
+              <a:pPr algn="ctr"/>
+              <a:r>
+                <a:rPr lang="en-US" sz="1600" dirty="0">
+                  <a:solidFill>
+                    <a:schemeClr val="tx1"/>
+                  </a:solidFill>
+                </a:rPr>
+                <a:t>V7</a:t>
+              </a:r>
+            </a:p>
+          </p:txBody>
+        </p:sp>
+      </p:grpSp>
+      <p:sp>
+        <p:nvSpPr>
+          <p:cNvPr id="91" name="Oval 90">
+            <a:extLst>
+              <a:ext uri="{FF2B5EF4-FFF2-40B4-BE49-F238E27FC236}">
+                <a16:creationId xmlns:a16="http://schemas.microsoft.com/office/drawing/2014/main" id="{EE473F9A-8D5C-4B98-AF2B-889133FD3A7D}"/>
+              </a:ext>
+            </a:extLst>
+          </p:cNvPr>
+          <p:cNvSpPr/>
+          <p:nvPr/>
+        </p:nvSpPr>
+        <p:spPr>
+          <a:xfrm>
+            <a:off x="6424670" y="2947940"/>
+            <a:ext cx="381000" cy="381000"/>
+          </a:xfrm>
+          <a:prstGeom prst="ellipse">
+            <a:avLst/>
+          </a:prstGeom>
+          <a:noFill/>
+          <a:ln>
+            <a:solidFill>
+              <a:schemeClr val="tx1"/>
+            </a:solidFill>
+          </a:ln>
+        </p:spPr>
+        <p:style>
+          <a:lnRef idx="2">
+            <a:schemeClr val="accent1">
+              <a:shade val="50000"/>
+            </a:schemeClr>
+          </a:lnRef>
+          <a:fillRef idx="1">
+            <a:schemeClr val="accent1"/>
+          </a:fillRef>
+          <a:effectRef idx="0">
+            <a:schemeClr val="accent1"/>
+          </a:effectRef>
+          <a:fontRef idx="minor">
+            <a:schemeClr val="lt1"/>
+          </a:fontRef>
+        </p:style>
+        <p:txBody>
+          <a:bodyPr lIns="0" tIns="0" rIns="0" bIns="0" rtlCol="0" anchor="ctr"/>
+          <a:lstStyle/>
+          <a:p>
+            <a:pPr algn="ctr"/>
+            <a:r>
+              <a:rPr lang="en-US" sz="1600" dirty="0">
+                <a:solidFill>
+                  <a:schemeClr val="accent6">
+                    <a:lumMod val="75000"/>
+                  </a:schemeClr>
+                </a:solidFill>
+              </a:rPr>
+              <a:t>V6</a:t>
+            </a:r>
+          </a:p>
+        </p:txBody>
+      </p:sp>
+      <p:sp>
+        <p:nvSpPr>
+          <p:cNvPr id="95" name="Flowchart: Summing Junction 94">
+            <a:extLst>
+              <a:ext uri="{FF2B5EF4-FFF2-40B4-BE49-F238E27FC236}">
+                <a16:creationId xmlns:a16="http://schemas.microsoft.com/office/drawing/2014/main" id="{EC3CC771-2C12-4C3F-9FB5-FB692C4A4525}"/>
+              </a:ext>
+            </a:extLst>
+          </p:cNvPr>
+          <p:cNvSpPr/>
+          <p:nvPr/>
+        </p:nvSpPr>
+        <p:spPr>
+          <a:xfrm>
+            <a:off x="8525161" y="2164295"/>
+            <a:ext cx="381000" cy="381000"/>
+          </a:xfrm>
+          <a:prstGeom prst="flowChartSummingJunction">
+            <a:avLst/>
+          </a:prstGeom>
+          <a:noFill/>
+          <a:ln w="44450">
+            <a:solidFill>
+              <a:schemeClr val="accent5">
+                <a:lumMod val="75000"/>
+              </a:schemeClr>
+            </a:solidFill>
+          </a:ln>
+        </p:spPr>
+        <p:style>
+          <a:lnRef idx="2">
+            <a:schemeClr val="accent1">
+              <a:shade val="50000"/>
+            </a:schemeClr>
+          </a:lnRef>
+          <a:fillRef idx="1">
+            <a:schemeClr val="accent1"/>
+          </a:fillRef>
+          <a:effectRef idx="0">
+            <a:schemeClr val="accent1"/>
+          </a:effectRef>
+          <a:fontRef idx="minor">
+            <a:schemeClr val="lt1"/>
+          </a:fontRef>
+        </p:style>
+        <p:txBody>
+          <a:bodyPr rtlCol="0" anchor="ctr"/>
+          <a:lstStyle/>
+          <a:p>
+            <a:pPr algn="ctr"/>
+            <a:endParaRPr lang="en-US"/>
+          </a:p>
+        </p:txBody>
+      </p:sp>
+      <p:grpSp>
+        <p:nvGrpSpPr>
+          <p:cNvPr id="101" name="Group 100">
+            <a:extLst>
+              <a:ext uri="{FF2B5EF4-FFF2-40B4-BE49-F238E27FC236}">
+                <a16:creationId xmlns:a16="http://schemas.microsoft.com/office/drawing/2014/main" id="{DD0F03D0-6061-4830-8839-725B7B8264CC}"/>
+              </a:ext>
+            </a:extLst>
+          </p:cNvPr>
+          <p:cNvGrpSpPr/>
+          <p:nvPr/>
+        </p:nvGrpSpPr>
+        <p:grpSpPr>
+          <a:xfrm>
+            <a:off x="9393379" y="1743368"/>
+            <a:ext cx="412550" cy="1219200"/>
+            <a:chOff x="8829964" y="1854200"/>
+            <a:chExt cx="412550" cy="1219200"/>
+          </a:xfrm>
+        </p:grpSpPr>
+        <p:sp>
+          <p:nvSpPr>
+            <p:cNvPr id="96" name="Rectangle: Rounded Corners 95">
+              <a:extLst>
+                <a:ext uri="{FF2B5EF4-FFF2-40B4-BE49-F238E27FC236}">
+                  <a16:creationId xmlns:a16="http://schemas.microsoft.com/office/drawing/2014/main" id="{5625D678-1995-4E4B-944D-577BDCCAC7B4}"/>
+                </a:ext>
+              </a:extLst>
+            </p:cNvPr>
+            <p:cNvSpPr/>
+            <p:nvPr/>
+          </p:nvSpPr>
+          <p:spPr>
+            <a:xfrm>
+              <a:off x="8829964" y="1854200"/>
+              <a:ext cx="412550" cy="1219200"/>
+            </a:xfrm>
+            <a:prstGeom prst="roundRect">
+              <a:avLst/>
+            </a:prstGeom>
+            <a:noFill/>
+            <a:ln>
+              <a:solidFill>
+                <a:schemeClr val="accent6">
+                  <a:lumMod val="50000"/>
+                </a:schemeClr>
+              </a:solidFill>
+            </a:ln>
+          </p:spPr>
+          <p:style>
+            <a:lnRef idx="2">
+              <a:schemeClr val="accent1">
+                <a:shade val="50000"/>
+              </a:schemeClr>
+            </a:lnRef>
+            <a:fillRef idx="1">
+              <a:schemeClr val="accent1"/>
+            </a:fillRef>
+            <a:effectRef idx="0">
+              <a:schemeClr val="accent1"/>
+            </a:effectRef>
+            <a:fontRef idx="minor">
+              <a:schemeClr val="lt1"/>
+            </a:fontRef>
+          </p:style>
+          <p:txBody>
+            <a:bodyPr rtlCol="0" anchor="ctr"/>
+            <a:lstStyle/>
+            <a:p>
+              <a:pPr algn="ctr"/>
+              <a:endParaRPr lang="en-US"/>
+            </a:p>
+          </p:txBody>
+        </p:sp>
+        <p:grpSp>
+          <p:nvGrpSpPr>
+            <p:cNvPr id="97" name="Group 96">
+              <a:extLst>
+                <a:ext uri="{FF2B5EF4-FFF2-40B4-BE49-F238E27FC236}">
+                  <a16:creationId xmlns:a16="http://schemas.microsoft.com/office/drawing/2014/main" id="{15C0DEBF-5E8C-4956-A4E5-CE3B7CA6801A}"/>
+                </a:ext>
+              </a:extLst>
+            </p:cNvPr>
+            <p:cNvGrpSpPr/>
+            <p:nvPr/>
+          </p:nvGrpSpPr>
+          <p:grpSpPr>
+            <a:xfrm>
+              <a:off x="8888787" y="1987071"/>
+              <a:ext cx="312565" cy="987813"/>
+              <a:chOff x="7989076" y="1150704"/>
+              <a:chExt cx="381000" cy="1204091"/>
+            </a:xfrm>
+            <a:solidFill>
+              <a:schemeClr val="accent6">
+                <a:lumMod val="20000"/>
+                <a:lumOff val="80000"/>
+              </a:schemeClr>
+            </a:solidFill>
+          </p:grpSpPr>
+          <p:sp>
+            <p:nvSpPr>
+              <p:cNvPr id="98" name="Oval 97">
+                <a:extLst>
+                  <a:ext uri="{FF2B5EF4-FFF2-40B4-BE49-F238E27FC236}">
+                    <a16:creationId xmlns:a16="http://schemas.microsoft.com/office/drawing/2014/main" id="{00BBE466-86F5-4996-9B88-8FA52FCEBA86}"/>
+                  </a:ext>
+                </a:extLst>
+              </p:cNvPr>
+              <p:cNvSpPr/>
+              <p:nvPr/>
+            </p:nvSpPr>
+            <p:spPr>
+              <a:xfrm>
+                <a:off x="7989076" y="1150704"/>
+                <a:ext cx="381000" cy="381000"/>
+              </a:xfrm>
+              <a:prstGeom prst="ellipse">
+                <a:avLst/>
+              </a:prstGeom>
+              <a:grpFill/>
+              <a:ln>
+                <a:solidFill>
+                  <a:schemeClr val="accent6">
+                    <a:lumMod val="50000"/>
+                  </a:schemeClr>
+                </a:solidFill>
+              </a:ln>
+            </p:spPr>
+            <p:style>
+              <a:lnRef idx="2">
+                <a:schemeClr val="accent1">
+                  <a:shade val="50000"/>
+                </a:schemeClr>
+              </a:lnRef>
+              <a:fillRef idx="1">
+                <a:schemeClr val="accent1"/>
+              </a:fillRef>
+              <a:effectRef idx="0">
+                <a:schemeClr val="accent1"/>
+              </a:effectRef>
+              <a:fontRef idx="minor">
+                <a:schemeClr val="lt1"/>
+              </a:fontRef>
+            </p:style>
+            <p:txBody>
+              <a:bodyPr lIns="0" tIns="0" rIns="0" bIns="0" rtlCol="0" anchor="ctr"/>
+              <a:lstStyle/>
+              <a:p>
+                <a:pPr algn="ctr"/>
+                <a:endParaRPr lang="en-US" sz="1600" dirty="0">
+                  <a:solidFill>
+                    <a:schemeClr val="tx1"/>
+                  </a:solidFill>
+                </a:endParaRPr>
+              </a:p>
+            </p:txBody>
+          </p:sp>
+          <p:sp>
+            <p:nvSpPr>
+              <p:cNvPr id="99" name="Oval 98">
+                <a:extLst>
+                  <a:ext uri="{FF2B5EF4-FFF2-40B4-BE49-F238E27FC236}">
+                    <a16:creationId xmlns:a16="http://schemas.microsoft.com/office/drawing/2014/main" id="{1E024D6E-94C9-4062-BBB7-1945CE82FD22}"/>
+                  </a:ext>
+                </a:extLst>
+              </p:cNvPr>
+              <p:cNvSpPr/>
+              <p:nvPr/>
+            </p:nvSpPr>
+            <p:spPr>
+              <a:xfrm>
+                <a:off x="7989076" y="1569127"/>
+                <a:ext cx="381000" cy="381000"/>
+              </a:xfrm>
+              <a:prstGeom prst="ellipse">
+                <a:avLst/>
+              </a:prstGeom>
+              <a:grpFill/>
+              <a:ln>
+                <a:solidFill>
+                  <a:schemeClr val="accent6">
+                    <a:lumMod val="50000"/>
+                  </a:schemeClr>
+                </a:solidFill>
+              </a:ln>
+            </p:spPr>
+            <p:style>
+              <a:lnRef idx="2">
+                <a:schemeClr val="accent1">
+                  <a:shade val="50000"/>
+                </a:schemeClr>
+              </a:lnRef>
+              <a:fillRef idx="1">
+                <a:schemeClr val="accent1"/>
+              </a:fillRef>
+              <a:effectRef idx="0">
+                <a:schemeClr val="accent1"/>
+              </a:effectRef>
+              <a:fontRef idx="minor">
+                <a:schemeClr val="lt1"/>
+              </a:fontRef>
+            </p:style>
+            <p:txBody>
+              <a:bodyPr lIns="0" tIns="0" rIns="0" bIns="0" rtlCol="0" anchor="ctr"/>
+              <a:lstStyle/>
+              <a:p>
+                <a:pPr algn="ctr"/>
+                <a:endParaRPr lang="en-US" sz="1600" dirty="0">
+                  <a:solidFill>
+                    <a:schemeClr val="tx1"/>
+                  </a:solidFill>
+                </a:endParaRPr>
+              </a:p>
+            </p:txBody>
+          </p:sp>
+          <p:sp>
+            <p:nvSpPr>
+              <p:cNvPr id="100" name="Oval 99">
+                <a:extLst>
+                  <a:ext uri="{FF2B5EF4-FFF2-40B4-BE49-F238E27FC236}">
+                    <a16:creationId xmlns:a16="http://schemas.microsoft.com/office/drawing/2014/main" id="{DAB2E35C-77DE-44C6-AE84-E307051ED72E}"/>
+                  </a:ext>
+                </a:extLst>
+              </p:cNvPr>
+              <p:cNvSpPr/>
+              <p:nvPr/>
+            </p:nvSpPr>
+            <p:spPr>
+              <a:xfrm>
+                <a:off x="7989076" y="1973795"/>
+                <a:ext cx="381000" cy="381000"/>
+              </a:xfrm>
+              <a:prstGeom prst="ellipse">
+                <a:avLst/>
+              </a:prstGeom>
+              <a:grpFill/>
+              <a:ln>
+                <a:solidFill>
+                  <a:schemeClr val="accent6">
+                    <a:lumMod val="50000"/>
+                  </a:schemeClr>
+                </a:solidFill>
+              </a:ln>
+            </p:spPr>
+            <p:style>
+              <a:lnRef idx="2">
+                <a:schemeClr val="accent1">
+                  <a:shade val="50000"/>
+                </a:schemeClr>
+              </a:lnRef>
+              <a:fillRef idx="1">
+                <a:schemeClr val="accent1"/>
+              </a:fillRef>
+              <a:effectRef idx="0">
+                <a:schemeClr val="accent1"/>
+              </a:effectRef>
+              <a:fontRef idx="minor">
+                <a:schemeClr val="lt1"/>
+              </a:fontRef>
+            </p:style>
+            <p:txBody>
+              <a:bodyPr lIns="0" tIns="0" rIns="0" bIns="0" rtlCol="0" anchor="ctr"/>
+              <a:lstStyle/>
+              <a:p>
+                <a:pPr algn="ctr"/>
+                <a:endParaRPr lang="en-US" sz="1600" dirty="0">
+                  <a:solidFill>
+                    <a:schemeClr val="tx1"/>
+                  </a:solidFill>
+                </a:endParaRPr>
+              </a:p>
+            </p:txBody>
+          </p:sp>
+        </p:grpSp>
+      </p:grpSp>
+      <p:sp>
+        <p:nvSpPr>
+          <p:cNvPr id="102" name="Rectangle: Rounded Corners 101">
+            <a:extLst>
+              <a:ext uri="{FF2B5EF4-FFF2-40B4-BE49-F238E27FC236}">
+                <a16:creationId xmlns:a16="http://schemas.microsoft.com/office/drawing/2014/main" id="{C8EF780A-4833-4550-8011-999ED360C29D}"/>
+              </a:ext>
+            </a:extLst>
+          </p:cNvPr>
+          <p:cNvSpPr/>
+          <p:nvPr/>
+        </p:nvSpPr>
+        <p:spPr>
+          <a:xfrm>
+            <a:off x="10258899" y="1187648"/>
+            <a:ext cx="449496" cy="2335446"/>
+          </a:xfrm>
+          <a:prstGeom prst="roundRect">
+            <a:avLst/>
+          </a:prstGeom>
+          <a:solidFill>
+            <a:schemeClr val="bg2">
+              <a:lumMod val="90000"/>
+            </a:schemeClr>
+          </a:solidFill>
+          <a:ln>
+            <a:solidFill>
+              <a:schemeClr val="tx1"/>
+            </a:solidFill>
+          </a:ln>
+        </p:spPr>
+        <p:style>
+          <a:lnRef idx="2">
+            <a:schemeClr val="accent1">
+              <a:shade val="50000"/>
+            </a:schemeClr>
+          </a:lnRef>
+          <a:fillRef idx="1">
+            <a:schemeClr val="accent1"/>
+          </a:fillRef>
+          <a:effectRef idx="0">
+            <a:schemeClr val="accent1"/>
+          </a:effectRef>
+          <a:fontRef idx="minor">
+            <a:schemeClr val="lt1"/>
+          </a:fontRef>
+        </p:style>
+        <p:txBody>
+          <a:bodyPr rtlCol="0" anchor="ctr"/>
+          <a:lstStyle/>
+          <a:p>
+            <a:pPr algn="ctr"/>
+            <a:endParaRPr lang="en-US"/>
+          </a:p>
+        </p:txBody>
+      </p:sp>
+      <p:cxnSp>
+        <p:nvCxnSpPr>
+          <p:cNvPr id="106" name="Straight Arrow Connector 105">
+            <a:extLst>
+              <a:ext uri="{FF2B5EF4-FFF2-40B4-BE49-F238E27FC236}">
+                <a16:creationId xmlns:a16="http://schemas.microsoft.com/office/drawing/2014/main" id="{C02372C6-5A1A-45EA-B460-CFA04087AFAC}"/>
+              </a:ext>
+            </a:extLst>
+          </p:cNvPr>
+          <p:cNvCxnSpPr>
+            <a:cxnSpLocks/>
+            <a:endCxn id="59" idx="1"/>
+          </p:cNvCxnSpPr>
+          <p:nvPr/>
+        </p:nvCxnSpPr>
+        <p:spPr>
+          <a:xfrm>
+            <a:off x="2152075" y="2318427"/>
+            <a:ext cx="581889" cy="0"/>
+          </a:xfrm>
+          <a:prstGeom prst="straightConnector1">
+            <a:avLst/>
+          </a:prstGeom>
+          <a:ln w="44450">
+            <a:tailEnd type="triangle"/>
+          </a:ln>
+        </p:spPr>
+        <p:style>
+          <a:lnRef idx="1">
+            <a:schemeClr val="accent1"/>
+          </a:lnRef>
+          <a:fillRef idx="0">
+            <a:schemeClr val="accent1"/>
+          </a:fillRef>
+          <a:effectRef idx="0">
+            <a:schemeClr val="accent1"/>
+          </a:effectRef>
+          <a:fontRef idx="minor">
+            <a:schemeClr val="tx1"/>
+          </a:fontRef>
+        </p:style>
+      </p:cxnSp>
+      <p:cxnSp>
+        <p:nvCxnSpPr>
+          <p:cNvPr id="109" name="Straight Arrow Connector 108">
+            <a:extLst>
+              <a:ext uri="{FF2B5EF4-FFF2-40B4-BE49-F238E27FC236}">
+                <a16:creationId xmlns:a16="http://schemas.microsoft.com/office/drawing/2014/main" id="{0CA67759-AFBC-4903-88AC-3EBE84154D63}"/>
+              </a:ext>
+            </a:extLst>
+          </p:cNvPr>
+          <p:cNvCxnSpPr>
+            <a:cxnSpLocks/>
+          </p:cNvCxnSpPr>
+          <p:nvPr/>
+        </p:nvCxnSpPr>
+        <p:spPr>
+          <a:xfrm>
+            <a:off x="3189633" y="2318427"/>
+            <a:ext cx="581889" cy="0"/>
+          </a:xfrm>
+          <a:prstGeom prst="straightConnector1">
+            <a:avLst/>
+          </a:prstGeom>
+          <a:ln w="44450">
+            <a:tailEnd type="triangle"/>
+          </a:ln>
+        </p:spPr>
+        <p:style>
+          <a:lnRef idx="1">
+            <a:schemeClr val="accent1"/>
+          </a:lnRef>
+          <a:fillRef idx="0">
+            <a:schemeClr val="accent1"/>
+          </a:fillRef>
+          <a:effectRef idx="0">
+            <a:schemeClr val="accent1"/>
+          </a:effectRef>
+          <a:fontRef idx="minor">
+            <a:schemeClr val="tx1"/>
+          </a:fontRef>
+        </p:style>
+      </p:cxnSp>
+      <p:cxnSp>
+        <p:nvCxnSpPr>
+          <p:cNvPr id="111" name="Connector: Elbow 110">
+            <a:extLst>
+              <a:ext uri="{FF2B5EF4-FFF2-40B4-BE49-F238E27FC236}">
+                <a16:creationId xmlns:a16="http://schemas.microsoft.com/office/drawing/2014/main" id="{8518612D-CF1A-4346-B1FD-79065DF122D0}"/>
+              </a:ext>
+            </a:extLst>
+          </p:cNvPr>
+          <p:cNvCxnSpPr>
+            <a:endCxn id="95" idx="0"/>
+          </p:cNvCxnSpPr>
+          <p:nvPr/>
+        </p:nvCxnSpPr>
+        <p:spPr>
+          <a:xfrm>
+            <a:off x="8155707" y="1674290"/>
+            <a:ext cx="559954" cy="490005"/>
+          </a:xfrm>
+          <a:prstGeom prst="bentConnector2">
+            <a:avLst/>
+          </a:prstGeom>
+          <a:ln w="44450">
+            <a:tailEnd type="triangle"/>
+          </a:ln>
+        </p:spPr>
+        <p:style>
+          <a:lnRef idx="1">
+            <a:schemeClr val="accent1"/>
+          </a:lnRef>
+          <a:fillRef idx="0">
+            <a:schemeClr val="accent1"/>
+          </a:fillRef>
+          <a:effectRef idx="0">
+            <a:schemeClr val="accent1"/>
+          </a:effectRef>
+          <a:fontRef idx="minor">
+            <a:schemeClr val="tx1"/>
+          </a:fontRef>
+        </p:style>
+      </p:cxnSp>
+      <p:cxnSp>
+        <p:nvCxnSpPr>
+          <p:cNvPr id="113" name="Connector: Elbow 112">
+            <a:extLst>
+              <a:ext uri="{FF2B5EF4-FFF2-40B4-BE49-F238E27FC236}">
+                <a16:creationId xmlns:a16="http://schemas.microsoft.com/office/drawing/2014/main" id="{53AE4BD3-E150-40F6-A143-34FB9769381B}"/>
+              </a:ext>
+            </a:extLst>
+          </p:cNvPr>
+          <p:cNvCxnSpPr>
+            <a:cxnSpLocks/>
+            <a:endCxn id="95" idx="4"/>
+          </p:cNvCxnSpPr>
+          <p:nvPr/>
+        </p:nvCxnSpPr>
+        <p:spPr>
+          <a:xfrm flipV="1">
+            <a:off x="7018857" y="2545295"/>
+            <a:ext cx="1696804" cy="626241"/>
+          </a:xfrm>
+          <a:prstGeom prst="bentConnector2">
+            <a:avLst/>
+          </a:prstGeom>
+          <a:ln w="44450">
+            <a:tailEnd type="triangle"/>
+          </a:ln>
+        </p:spPr>
+        <p:style>
+          <a:lnRef idx="1">
+            <a:schemeClr val="accent1"/>
+          </a:lnRef>
+          <a:fillRef idx="0">
+            <a:schemeClr val="accent1"/>
+          </a:fillRef>
+          <a:effectRef idx="0">
+            <a:schemeClr val="accent1"/>
+          </a:effectRef>
+          <a:fontRef idx="minor">
+            <a:schemeClr val="tx1"/>
+          </a:fontRef>
+        </p:style>
+      </p:cxnSp>
+      <p:cxnSp>
+        <p:nvCxnSpPr>
+          <p:cNvPr id="116" name="Straight Arrow Connector 115">
+            <a:extLst>
+              <a:ext uri="{FF2B5EF4-FFF2-40B4-BE49-F238E27FC236}">
+                <a16:creationId xmlns:a16="http://schemas.microsoft.com/office/drawing/2014/main" id="{B93C8514-31E4-4F20-899D-866560C7FBE8}"/>
+              </a:ext>
+            </a:extLst>
+          </p:cNvPr>
+          <p:cNvCxnSpPr>
+            <a:stCxn id="95" idx="6"/>
+            <a:endCxn id="96" idx="1"/>
+          </p:cNvCxnSpPr>
+          <p:nvPr/>
+        </p:nvCxnSpPr>
+        <p:spPr>
+          <a:xfrm flipV="1">
+            <a:off x="8906161" y="2352968"/>
+            <a:ext cx="487218" cy="1827"/>
+          </a:xfrm>
+          <a:prstGeom prst="straightConnector1">
+            <a:avLst/>
+          </a:prstGeom>
+          <a:ln w="44450">
+            <a:tailEnd type="triangle"/>
+          </a:ln>
+        </p:spPr>
+        <p:style>
+          <a:lnRef idx="1">
+            <a:schemeClr val="accent1"/>
+          </a:lnRef>
+          <a:fillRef idx="0">
+            <a:schemeClr val="accent1"/>
+          </a:fillRef>
+          <a:effectRef idx="0">
+            <a:schemeClr val="accent1"/>
+          </a:effectRef>
+          <a:fontRef idx="minor">
+            <a:schemeClr val="tx1"/>
+          </a:fontRef>
+        </p:style>
+      </p:cxnSp>
+      <p:cxnSp>
+        <p:nvCxnSpPr>
+          <p:cNvPr id="118" name="Straight Arrow Connector 117">
+            <a:extLst>
+              <a:ext uri="{FF2B5EF4-FFF2-40B4-BE49-F238E27FC236}">
+                <a16:creationId xmlns:a16="http://schemas.microsoft.com/office/drawing/2014/main" id="{3BE25479-C5E1-4067-B0BF-FC62D2CED242}"/>
+              </a:ext>
+            </a:extLst>
+          </p:cNvPr>
+          <p:cNvCxnSpPr>
+            <a:stCxn id="96" idx="3"/>
+            <a:endCxn id="102" idx="1"/>
+          </p:cNvCxnSpPr>
+          <p:nvPr/>
+        </p:nvCxnSpPr>
+        <p:spPr>
+          <a:xfrm>
+            <a:off x="9805929" y="2352968"/>
+            <a:ext cx="452970" cy="2403"/>
+          </a:xfrm>
+          <a:prstGeom prst="straightConnector1">
+            <a:avLst/>
+          </a:prstGeom>
+          <a:ln w="44450">
+            <a:tailEnd type="triangle"/>
+          </a:ln>
+        </p:spPr>
+        <p:style>
+          <a:lnRef idx="1">
+            <a:schemeClr val="accent1"/>
+          </a:lnRef>
+          <a:fillRef idx="0">
+            <a:schemeClr val="accent1"/>
+          </a:fillRef>
+          <a:effectRef idx="0">
+            <a:schemeClr val="accent1"/>
+          </a:effectRef>
+          <a:fontRef idx="minor">
+            <a:schemeClr val="tx1"/>
+          </a:fontRef>
+        </p:style>
+      </p:cxnSp>
+      <p:sp>
+        <p:nvSpPr>
+          <p:cNvPr id="120" name="Flowchart: Card 119">
+            <a:extLst>
+              <a:ext uri="{FF2B5EF4-FFF2-40B4-BE49-F238E27FC236}">
+                <a16:creationId xmlns:a16="http://schemas.microsoft.com/office/drawing/2014/main" id="{10120A33-1C93-431B-B1C6-F5D4A193D90E}"/>
+              </a:ext>
+            </a:extLst>
+          </p:cNvPr>
+          <p:cNvSpPr/>
+          <p:nvPr/>
+        </p:nvSpPr>
+        <p:spPr>
+          <a:xfrm>
+            <a:off x="11166766" y="2025848"/>
+            <a:ext cx="542651" cy="681274"/>
+          </a:xfrm>
+          <a:prstGeom prst="flowChartPunchedCard">
+            <a:avLst/>
+          </a:prstGeom>
+          <a:noFill/>
+          <a:ln>
+            <a:solidFill>
+              <a:schemeClr val="tx1"/>
+            </a:solidFill>
+          </a:ln>
+        </p:spPr>
+        <p:style>
+          <a:lnRef idx="2">
+            <a:schemeClr val="accent1">
+              <a:shade val="50000"/>
+            </a:schemeClr>
+          </a:lnRef>
+          <a:fillRef idx="1">
+            <a:schemeClr val="accent1"/>
+          </a:fillRef>
+          <a:effectRef idx="0">
+            <a:schemeClr val="accent1"/>
+          </a:effectRef>
+          <a:fontRef idx="minor">
+            <a:schemeClr val="lt1"/>
+          </a:fontRef>
+        </p:style>
+        <p:txBody>
+          <a:bodyPr rtlCol="0" anchor="ctr"/>
+          <a:lstStyle/>
+          <a:p>
+            <a:pPr algn="ctr"/>
+            <a:endParaRPr lang="en-US"/>
+          </a:p>
+        </p:txBody>
+      </p:sp>
+      <p:cxnSp>
+        <p:nvCxnSpPr>
+          <p:cNvPr id="121" name="Straight Arrow Connector 120">
+            <a:extLst>
+              <a:ext uri="{FF2B5EF4-FFF2-40B4-BE49-F238E27FC236}">
+                <a16:creationId xmlns:a16="http://schemas.microsoft.com/office/drawing/2014/main" id="{F06DE42B-8C93-4F36-970B-E6B085A2543A}"/>
+              </a:ext>
+            </a:extLst>
+          </p:cNvPr>
+          <p:cNvCxnSpPr/>
+          <p:nvPr/>
+        </p:nvCxnSpPr>
+        <p:spPr>
+          <a:xfrm>
+            <a:off x="10703803" y="2352968"/>
+            <a:ext cx="452970" cy="2403"/>
+          </a:xfrm>
+          <a:prstGeom prst="straightConnector1">
+            <a:avLst/>
+          </a:prstGeom>
+          <a:ln w="44450">
+            <a:tailEnd type="triangle"/>
+          </a:ln>
+        </p:spPr>
+        <p:style>
+          <a:lnRef idx="1">
+            <a:schemeClr val="accent1"/>
+          </a:lnRef>
+          <a:fillRef idx="0">
+            <a:schemeClr val="accent1"/>
+          </a:fillRef>
+          <a:effectRef idx="0">
+            <a:schemeClr val="accent1"/>
+          </a:effectRef>
+          <a:fontRef idx="minor">
+            <a:schemeClr val="tx1"/>
+          </a:fontRef>
+        </p:style>
+      </p:cxnSp>
+      <p:sp>
+        <p:nvSpPr>
+          <p:cNvPr id="122" name="TextBox 121">
+            <a:extLst>
+              <a:ext uri="{FF2B5EF4-FFF2-40B4-BE49-F238E27FC236}">
+                <a16:creationId xmlns:a16="http://schemas.microsoft.com/office/drawing/2014/main" id="{8EB0A09D-C5D1-45EA-932B-2448D3C2D7FB}"/>
+              </a:ext>
+            </a:extLst>
+          </p:cNvPr>
+          <p:cNvSpPr txBox="1"/>
+          <p:nvPr/>
+        </p:nvSpPr>
+        <p:spPr>
+          <a:xfrm>
+            <a:off x="6161034" y="2433205"/>
+            <a:ext cx="1004063" cy="369332"/>
+          </a:xfrm>
+          <a:prstGeom prst="rect">
+            <a:avLst/>
+          </a:prstGeom>
+          <a:noFill/>
+        </p:spPr>
+        <p:txBody>
+          <a:bodyPr wrap="square" rtlCol="0">
+            <a:spAutoFit/>
+          </a:bodyPr>
+          <a:lstStyle/>
+          <a:p>
+            <a:r>
+              <a:rPr lang="en-US" b="1" dirty="0"/>
+              <a:t>Context</a:t>
+            </a:r>
+          </a:p>
+        </p:txBody>
+      </p:sp>
+      <p:sp>
+        <p:nvSpPr>
+          <p:cNvPr id="123" name="TextBox 122">
+            <a:extLst>
+              <a:ext uri="{FF2B5EF4-FFF2-40B4-BE49-F238E27FC236}">
+                <a16:creationId xmlns:a16="http://schemas.microsoft.com/office/drawing/2014/main" id="{30F46E21-0E92-4887-BD97-C8636035E4E9}"/>
+              </a:ext>
+            </a:extLst>
+          </p:cNvPr>
+          <p:cNvSpPr txBox="1"/>
+          <p:nvPr/>
+        </p:nvSpPr>
+        <p:spPr>
+          <a:xfrm>
+            <a:off x="2379116" y="847242"/>
+            <a:ext cx="1403926" cy="369332"/>
+          </a:xfrm>
+          <a:prstGeom prst="rect">
+            <a:avLst/>
+          </a:prstGeom>
+          <a:noFill/>
+        </p:spPr>
+        <p:txBody>
+          <a:bodyPr wrap="square" rtlCol="0">
+            <a:spAutoFit/>
+          </a:bodyPr>
+          <a:lstStyle/>
+          <a:p>
+            <a:r>
+              <a:rPr lang="en-US" b="1" dirty="0"/>
+              <a:t>Label-GCN</a:t>
+            </a:r>
+          </a:p>
+        </p:txBody>
+      </p:sp>
+      <p:sp>
+        <p:nvSpPr>
+          <p:cNvPr id="125" name="Rectangle: Rounded Corners 124">
+            <a:extLst>
+              <a:ext uri="{FF2B5EF4-FFF2-40B4-BE49-F238E27FC236}">
+                <a16:creationId xmlns:a16="http://schemas.microsoft.com/office/drawing/2014/main" id="{3701175A-4949-447C-B14D-948DAD68B7E0}"/>
+              </a:ext>
+            </a:extLst>
+          </p:cNvPr>
+          <p:cNvSpPr/>
+          <p:nvPr/>
+        </p:nvSpPr>
+        <p:spPr>
+          <a:xfrm>
+            <a:off x="7710089" y="1150704"/>
+            <a:ext cx="449496" cy="1130779"/>
+          </a:xfrm>
+          <a:prstGeom prst="roundRect">
+            <a:avLst/>
+          </a:prstGeom>
+          <a:solidFill>
+            <a:schemeClr val="bg2">
+              <a:lumMod val="90000"/>
+            </a:schemeClr>
+          </a:solidFill>
+          <a:ln>
+            <a:solidFill>
+              <a:schemeClr val="tx1"/>
+            </a:solidFill>
+          </a:ln>
+        </p:spPr>
+        <p:style>
+          <a:lnRef idx="2">
+            <a:schemeClr val="accent1">
+              <a:shade val="50000"/>
+            </a:schemeClr>
+          </a:lnRef>
+          <a:fillRef idx="1">
+            <a:schemeClr val="accent1"/>
+          </a:fillRef>
+          <a:effectRef idx="0">
+            <a:schemeClr val="accent1"/>
+          </a:effectRef>
+          <a:fontRef idx="minor">
+            <a:schemeClr val="lt1"/>
+          </a:fontRef>
+        </p:style>
+        <p:txBody>
+          <a:bodyPr rtlCol="0" anchor="ctr"/>
+          <a:lstStyle/>
+          <a:p>
+            <a:pPr algn="ctr"/>
+            <a:endParaRPr lang="en-US"/>
+          </a:p>
+        </p:txBody>
+      </p:sp>
+      <p:sp>
+        <p:nvSpPr>
+          <p:cNvPr id="133" name="TextBox 132">
+            <a:extLst>
+              <a:ext uri="{FF2B5EF4-FFF2-40B4-BE49-F238E27FC236}">
+                <a16:creationId xmlns:a16="http://schemas.microsoft.com/office/drawing/2014/main" id="{B8307E1E-B330-41B0-BECA-ABAAEAF2A0E2}"/>
+              </a:ext>
+            </a:extLst>
+          </p:cNvPr>
+          <p:cNvSpPr txBox="1"/>
+          <p:nvPr/>
+        </p:nvSpPr>
+        <p:spPr>
+          <a:xfrm>
+            <a:off x="5784643" y="3285496"/>
+            <a:ext cx="1696803" cy="646331"/>
+          </a:xfrm>
+          <a:prstGeom prst="rect">
+            <a:avLst/>
+          </a:prstGeom>
+          <a:noFill/>
+        </p:spPr>
+        <p:txBody>
+          <a:bodyPr wrap="square" rtlCol="0">
+            <a:spAutoFit/>
+          </a:bodyPr>
+          <a:lstStyle/>
+          <a:p>
+            <a:pPr algn="ctr"/>
+            <a:r>
+              <a:rPr lang="en-US" b="1" dirty="0"/>
+              <a:t>Representation Vector</a:t>
+            </a:r>
+          </a:p>
+        </p:txBody>
+      </p:sp>
+      <p:sp>
+        <p:nvSpPr>
+          <p:cNvPr id="135" name="TextBox 134">
+            <a:extLst>
+              <a:ext uri="{FF2B5EF4-FFF2-40B4-BE49-F238E27FC236}">
+                <a16:creationId xmlns:a16="http://schemas.microsoft.com/office/drawing/2014/main" id="{5710802F-7F87-447C-A441-30A2B74B1A2C}"/>
+              </a:ext>
+            </a:extLst>
+          </p:cNvPr>
+          <p:cNvSpPr txBox="1"/>
+          <p:nvPr/>
+        </p:nvSpPr>
+        <p:spPr>
+          <a:xfrm>
+            <a:off x="8702415" y="2902498"/>
+            <a:ext cx="1696803" cy="923330"/>
+          </a:xfrm>
+          <a:prstGeom prst="rect">
+            <a:avLst/>
+          </a:prstGeom>
+          <a:noFill/>
+        </p:spPr>
+        <p:txBody>
+          <a:bodyPr wrap="square" rtlCol="0">
+            <a:spAutoFit/>
+          </a:bodyPr>
+          <a:lstStyle/>
+          <a:p>
+            <a:pPr algn="ctr"/>
+            <a:r>
+              <a:rPr lang="en-US" b="1" dirty="0"/>
+              <a:t>Code Change Representation Vector</a:t>
+            </a:r>
+          </a:p>
+        </p:txBody>
+      </p:sp>
+      <p:sp>
+        <p:nvSpPr>
+          <p:cNvPr id="136" name="TextBox 135">
+            <a:extLst>
+              <a:ext uri="{FF2B5EF4-FFF2-40B4-BE49-F238E27FC236}">
+                <a16:creationId xmlns:a16="http://schemas.microsoft.com/office/drawing/2014/main" id="{282B16F0-CC78-41C4-B270-39996F3DA97F}"/>
+              </a:ext>
+            </a:extLst>
+          </p:cNvPr>
+          <p:cNvSpPr txBox="1"/>
+          <p:nvPr/>
+        </p:nvSpPr>
+        <p:spPr>
+          <a:xfrm>
+            <a:off x="7077363" y="545000"/>
+            <a:ext cx="1781325" cy="646331"/>
+          </a:xfrm>
+          <a:prstGeom prst="rect">
+            <a:avLst/>
+          </a:prstGeom>
+          <a:noFill/>
+        </p:spPr>
+        <p:txBody>
+          <a:bodyPr wrap="square" rtlCol="0">
+            <a:spAutoFit/>
+          </a:bodyPr>
+          <a:lstStyle/>
+          <a:p>
+            <a:pPr algn="ctr"/>
+            <a:r>
+              <a:rPr lang="en-US" b="1" dirty="0"/>
+              <a:t>Fully-connected Layer</a:t>
+            </a:r>
+          </a:p>
+        </p:txBody>
+      </p:sp>
+      <p:sp>
+        <p:nvSpPr>
+          <p:cNvPr id="137" name="TextBox 136">
+            <a:extLst>
+              <a:ext uri="{FF2B5EF4-FFF2-40B4-BE49-F238E27FC236}">
+                <a16:creationId xmlns:a16="http://schemas.microsoft.com/office/drawing/2014/main" id="{81A3BE03-1A4C-4845-A9FA-D9101AD4BCFF}"/>
+              </a:ext>
+            </a:extLst>
+          </p:cNvPr>
+          <p:cNvSpPr txBox="1"/>
+          <p:nvPr/>
+        </p:nvSpPr>
+        <p:spPr>
+          <a:xfrm>
+            <a:off x="9592984" y="601943"/>
+            <a:ext cx="1781325" cy="646331"/>
+          </a:xfrm>
+          <a:prstGeom prst="rect">
+            <a:avLst/>
+          </a:prstGeom>
+          <a:noFill/>
+        </p:spPr>
+        <p:txBody>
+          <a:bodyPr wrap="square" rtlCol="0">
+            <a:spAutoFit/>
+          </a:bodyPr>
+          <a:lstStyle/>
+          <a:p>
+            <a:pPr algn="ctr"/>
+            <a:r>
+              <a:rPr lang="en-US" b="1" dirty="0"/>
+              <a:t>Hierarchical Clustering</a:t>
+            </a:r>
+          </a:p>
+        </p:txBody>
+      </p:sp>
+      <p:sp>
+        <p:nvSpPr>
+          <p:cNvPr id="138" name="TextBox 137">
+            <a:extLst>
+              <a:ext uri="{FF2B5EF4-FFF2-40B4-BE49-F238E27FC236}">
+                <a16:creationId xmlns:a16="http://schemas.microsoft.com/office/drawing/2014/main" id="{C1B30D0F-CD8D-471A-A29A-C653633B0473}"/>
+              </a:ext>
+            </a:extLst>
+          </p:cNvPr>
+          <p:cNvSpPr txBox="1"/>
+          <p:nvPr/>
+        </p:nvSpPr>
+        <p:spPr>
+          <a:xfrm>
+            <a:off x="10572839" y="2708405"/>
+            <a:ext cx="1781325" cy="646331"/>
+          </a:xfrm>
+          <a:prstGeom prst="rect">
+            <a:avLst/>
+          </a:prstGeom>
+          <a:noFill/>
+        </p:spPr>
+        <p:txBody>
+          <a:bodyPr wrap="square" rtlCol="0">
+            <a:spAutoFit/>
+          </a:bodyPr>
+          <a:lstStyle/>
+          <a:p>
+            <a:pPr algn="ctr"/>
+            <a:r>
+              <a:rPr lang="en-US" b="1" dirty="0"/>
+              <a:t>Clustering Results</a:t>
+            </a:r>
+          </a:p>
+        </p:txBody>
+      </p:sp>
+      <p:cxnSp>
+        <p:nvCxnSpPr>
+          <p:cNvPr id="139" name="Straight Arrow Connector 138">
+            <a:extLst>
+              <a:ext uri="{FF2B5EF4-FFF2-40B4-BE49-F238E27FC236}">
+                <a16:creationId xmlns:a16="http://schemas.microsoft.com/office/drawing/2014/main" id="{83CECE03-1FAA-41FD-9F14-9C133212593A}"/>
+              </a:ext>
+            </a:extLst>
+          </p:cNvPr>
+          <p:cNvCxnSpPr>
+            <a:cxnSpLocks/>
+          </p:cNvCxnSpPr>
+          <p:nvPr/>
+        </p:nvCxnSpPr>
+        <p:spPr>
+          <a:xfrm>
+            <a:off x="6956982" y="1686120"/>
+            <a:ext cx="763936" cy="0"/>
+          </a:xfrm>
+          <a:prstGeom prst="straightConnector1">
+            <a:avLst/>
+          </a:prstGeom>
+          <a:ln w="44450">
+            <a:tailEnd type="triangle"/>
+          </a:ln>
+        </p:spPr>
+        <p:style>
+          <a:lnRef idx="1">
+            <a:schemeClr val="accent1"/>
+          </a:lnRef>
+          <a:fillRef idx="0">
+            <a:schemeClr val="accent1"/>
+          </a:fillRef>
+          <a:effectRef idx="0">
+            <a:schemeClr val="accent1"/>
+          </a:effectRef>
+          <a:fontRef idx="minor">
+            <a:schemeClr val="tx1"/>
+          </a:fontRef>
+        </p:style>
+      </p:cxnSp>
+    </p:spTree>
+    <p:extLst>
+      <p:ext uri="{BB962C8B-B14F-4D97-AF65-F5344CB8AC3E}">
+        <p14:creationId xmlns:p14="http://schemas.microsoft.com/office/powerpoint/2010/main" val="1860352794"/>
       </p:ext>
     </p:extLst>
   </p:cSld>

--- a/figures/Figures-Yi.pptx
+++ b/figures/Figures-Yi.pptx
@@ -265,7 +265,7 @@
           <a:p>
             <a:fld id="{9BED4BE8-31C7-403D-911A-3E727E0E58BF}" type="datetimeFigureOut">
               <a:rPr lang="en-US" smtClean="0"/>
-              <a:t>2/22/2022</a:t>
+              <a:t>2/23/2022</a:t>
             </a:fld>
             <a:endParaRPr lang="en-US" dirty="0"/>
           </a:p>
@@ -463,7 +463,7 @@
           <a:p>
             <a:fld id="{9BED4BE8-31C7-403D-911A-3E727E0E58BF}" type="datetimeFigureOut">
               <a:rPr lang="en-US" smtClean="0"/>
-              <a:t>2/22/2022</a:t>
+              <a:t>2/23/2022</a:t>
             </a:fld>
             <a:endParaRPr lang="en-US" dirty="0"/>
           </a:p>
@@ -671,7 +671,7 @@
           <a:p>
             <a:fld id="{9BED4BE8-31C7-403D-911A-3E727E0E58BF}" type="datetimeFigureOut">
               <a:rPr lang="en-US" smtClean="0"/>
-              <a:t>2/22/2022</a:t>
+              <a:t>2/23/2022</a:t>
             </a:fld>
             <a:endParaRPr lang="en-US" dirty="0"/>
           </a:p>
@@ -869,7 +869,7 @@
           <a:p>
             <a:fld id="{9BED4BE8-31C7-403D-911A-3E727E0E58BF}" type="datetimeFigureOut">
               <a:rPr lang="en-US" smtClean="0"/>
-              <a:t>2/22/2022</a:t>
+              <a:t>2/23/2022</a:t>
             </a:fld>
             <a:endParaRPr lang="en-US" dirty="0"/>
           </a:p>
@@ -1144,7 +1144,7 @@
           <a:p>
             <a:fld id="{9BED4BE8-31C7-403D-911A-3E727E0E58BF}" type="datetimeFigureOut">
               <a:rPr lang="en-US" smtClean="0"/>
-              <a:t>2/22/2022</a:t>
+              <a:t>2/23/2022</a:t>
             </a:fld>
             <a:endParaRPr lang="en-US" dirty="0"/>
           </a:p>
@@ -1409,7 +1409,7 @@
           <a:p>
             <a:fld id="{9BED4BE8-31C7-403D-911A-3E727E0E58BF}" type="datetimeFigureOut">
               <a:rPr lang="en-US" smtClean="0"/>
-              <a:t>2/22/2022</a:t>
+              <a:t>2/23/2022</a:t>
             </a:fld>
             <a:endParaRPr lang="en-US" dirty="0"/>
           </a:p>
@@ -1821,7 +1821,7 @@
           <a:p>
             <a:fld id="{9BED4BE8-31C7-403D-911A-3E727E0E58BF}" type="datetimeFigureOut">
               <a:rPr lang="en-US" smtClean="0"/>
-              <a:t>2/22/2022</a:t>
+              <a:t>2/23/2022</a:t>
             </a:fld>
             <a:endParaRPr lang="en-US" dirty="0"/>
           </a:p>
@@ -1962,7 +1962,7 @@
           <a:p>
             <a:fld id="{9BED4BE8-31C7-403D-911A-3E727E0E58BF}" type="datetimeFigureOut">
               <a:rPr lang="en-US" smtClean="0"/>
-              <a:t>2/22/2022</a:t>
+              <a:t>2/23/2022</a:t>
             </a:fld>
             <a:endParaRPr lang="en-US" dirty="0"/>
           </a:p>
@@ -2075,7 +2075,7 @@
           <a:p>
             <a:fld id="{9BED4BE8-31C7-403D-911A-3E727E0E58BF}" type="datetimeFigureOut">
               <a:rPr lang="en-US" smtClean="0"/>
-              <a:t>2/22/2022</a:t>
+              <a:t>2/23/2022</a:t>
             </a:fld>
             <a:endParaRPr lang="en-US" dirty="0"/>
           </a:p>
@@ -2386,7 +2386,7 @@
           <a:p>
             <a:fld id="{9BED4BE8-31C7-403D-911A-3E727E0E58BF}" type="datetimeFigureOut">
               <a:rPr lang="en-US" smtClean="0"/>
-              <a:t>2/22/2022</a:t>
+              <a:t>2/23/2022</a:t>
             </a:fld>
             <a:endParaRPr lang="en-US" dirty="0"/>
           </a:p>
@@ -2674,7 +2674,7 @@
           <a:p>
             <a:fld id="{9BED4BE8-31C7-403D-911A-3E727E0E58BF}" type="datetimeFigureOut">
               <a:rPr lang="en-US" smtClean="0"/>
-              <a:t>2/22/2022</a:t>
+              <a:t>2/23/2022</a:t>
             </a:fld>
             <a:endParaRPr lang="en-US" dirty="0"/>
           </a:p>
@@ -2915,7 +2915,7 @@
           <a:p>
             <a:fld id="{9BED4BE8-31C7-403D-911A-3E727E0E58BF}" type="datetimeFigureOut">
               <a:rPr lang="en-US" smtClean="0"/>
-              <a:t>2/22/2022</a:t>
+              <a:t>2/23/2022</a:t>
             </a:fld>
             <a:endParaRPr lang="en-US" dirty="0"/>
           </a:p>
@@ -25194,7 +25194,12 @@
             <a:prstGeom prst="ellipse">
               <a:avLst/>
             </a:prstGeom>
-            <a:noFill/>
+            <a:solidFill>
+              <a:schemeClr val="accent6">
+                <a:lumMod val="20000"/>
+                <a:lumOff val="80000"/>
+              </a:schemeClr>
+            </a:solidFill>
             <a:ln>
               <a:solidFill>
                 <a:schemeClr val="tx1"/>
@@ -26174,7 +26179,12 @@
           <a:prstGeom prst="ellipse">
             <a:avLst/>
           </a:prstGeom>
-          <a:noFill/>
+          <a:solidFill>
+            <a:schemeClr val="accent6">
+              <a:lumMod val="20000"/>
+              <a:lumOff val="80000"/>
+            </a:schemeClr>
+          </a:solidFill>
           <a:ln>
             <a:solidFill>
               <a:schemeClr val="tx1"/>
@@ -26956,7 +26966,7 @@
         </p:nvSpPr>
         <p:spPr>
           <a:xfrm>
-            <a:off x="6161034" y="2433205"/>
+            <a:off x="6168118" y="2375787"/>
             <a:ext cx="1004063" cy="369332"/>
           </a:xfrm>
           <a:prstGeom prst="rect">
@@ -26991,8 +27001,8 @@
         </p:nvSpPr>
         <p:spPr>
           <a:xfrm>
-            <a:off x="2379116" y="847242"/>
-            <a:ext cx="1403926" cy="369332"/>
+            <a:off x="2395630" y="858028"/>
+            <a:ext cx="1403926" cy="338554"/>
           </a:xfrm>
           <a:prstGeom prst="rect">
             <a:avLst/>
@@ -27006,7 +27016,7 @@
           <a:lstStyle/>
           <a:p>
             <a:r>
-              <a:rPr lang="en-US" b="1" dirty="0"/>
+              <a:rPr lang="en-US" sz="1600" b="1" dirty="0"/>
               <a:t>Label-GCN</a:t>
             </a:r>
           </a:p>
@@ -27082,8 +27092,8 @@
         </p:nvSpPr>
         <p:spPr>
           <a:xfrm>
-            <a:off x="5784643" y="3285496"/>
-            <a:ext cx="1696803" cy="646331"/>
+            <a:off x="5429639" y="3277997"/>
+            <a:ext cx="2371062" cy="369332"/>
           </a:xfrm>
           <a:prstGeom prst="rect">
             <a:avLst/>
@@ -27118,7 +27128,7 @@
         </p:nvSpPr>
         <p:spPr>
           <a:xfrm>
-            <a:off x="8702415" y="2902498"/>
+            <a:off x="8674781" y="2903363"/>
             <a:ext cx="1696803" cy="923330"/>
           </a:xfrm>
           <a:prstGeom prst="rect">
@@ -27135,7 +27145,7 @@
             <a:pPr algn="ctr"/>
             <a:r>
               <a:rPr lang="en-US" b="1" dirty="0"/>
-              <a:t>Code Change Representation Vector</a:t>
+              <a:t>Code Change Representation Vector for S6</a:t>
             </a:r>
           </a:p>
         </p:txBody>
@@ -27154,8 +27164,8 @@
         </p:nvSpPr>
         <p:spPr>
           <a:xfrm>
-            <a:off x="7077363" y="545000"/>
-            <a:ext cx="1781325" cy="646331"/>
+            <a:off x="6679840" y="851223"/>
+            <a:ext cx="2374838" cy="338554"/>
           </a:xfrm>
           <a:prstGeom prst="rect">
             <a:avLst/>
@@ -27170,7 +27180,7 @@
           <a:p>
             <a:pPr algn="ctr"/>
             <a:r>
-              <a:rPr lang="en-US" b="1" dirty="0"/>
+              <a:rPr lang="en-US" sz="1600" b="1" dirty="0"/>
               <a:t>Fully-connected Layer</a:t>
             </a:r>
           </a:p>
@@ -27206,7 +27216,7 @@
           <a:p>
             <a:pPr algn="ctr"/>
             <a:r>
-              <a:rPr lang="en-US" b="1" dirty="0"/>
+              <a:rPr lang="en-US" b="1" i="1" dirty="0"/>
               <a:t>Hierarchical Clustering</a:t>
             </a:r>
           </a:p>
@@ -27289,6 +27299,158 @@
           </a:fontRef>
         </p:style>
       </p:cxnSp>
+      <p:sp>
+        <p:nvSpPr>
+          <p:cNvPr id="75" name="TextBox 74">
+            <a:extLst>
+              <a:ext uri="{FF2B5EF4-FFF2-40B4-BE49-F238E27FC236}">
+                <a16:creationId xmlns:a16="http://schemas.microsoft.com/office/drawing/2014/main" id="{F2C5482D-5F80-4C25-AD95-29401DA3603C}"/>
+              </a:ext>
+            </a:extLst>
+          </p:cNvPr>
+          <p:cNvSpPr txBox="1"/>
+          <p:nvPr/>
+        </p:nvSpPr>
+        <p:spPr>
+          <a:xfrm>
+            <a:off x="2615991" y="579127"/>
+            <a:ext cx="6642779" cy="369332"/>
+          </a:xfrm>
+          <a:prstGeom prst="rect">
+            <a:avLst/>
+          </a:prstGeom>
+          <a:noFill/>
+        </p:spPr>
+        <p:txBody>
+          <a:bodyPr wrap="square" rtlCol="0">
+            <a:spAutoFit/>
+          </a:bodyPr>
+          <a:lstStyle/>
+          <a:p>
+            <a:r>
+              <a:rPr lang="en-US" b="1" i="1" dirty="0"/>
+              <a:t>Context-aware, Graph-based Code Change Representation Learning </a:t>
+            </a:r>
+          </a:p>
+        </p:txBody>
+      </p:sp>
+      <p:sp>
+        <p:nvSpPr>
+          <p:cNvPr id="7" name="Right Brace 6">
+            <a:extLst>
+              <a:ext uri="{FF2B5EF4-FFF2-40B4-BE49-F238E27FC236}">
+                <a16:creationId xmlns:a16="http://schemas.microsoft.com/office/drawing/2014/main" id="{ACF470F2-6BB3-4F31-A87D-A2EB4E89346E}"/>
+              </a:ext>
+            </a:extLst>
+          </p:cNvPr>
+          <p:cNvSpPr/>
+          <p:nvPr/>
+        </p:nvSpPr>
+        <p:spPr>
+          <a:xfrm rot="16200000">
+            <a:off x="5821625" y="-2706834"/>
+            <a:ext cx="305440" cy="7203327"/>
+          </a:xfrm>
+          <a:prstGeom prst="rightBrace">
+            <a:avLst/>
+          </a:prstGeom>
+          <a:ln w="12700"/>
+        </p:spPr>
+        <p:style>
+          <a:lnRef idx="1">
+            <a:schemeClr val="accent1"/>
+          </a:lnRef>
+          <a:fillRef idx="0">
+            <a:schemeClr val="accent1"/>
+          </a:fillRef>
+          <a:effectRef idx="0">
+            <a:schemeClr val="accent1"/>
+          </a:effectRef>
+          <a:fontRef idx="minor">
+            <a:schemeClr val="tx1"/>
+          </a:fontRef>
+        </p:style>
+        <p:txBody>
+          <a:bodyPr rtlCol="0" anchor="ctr"/>
+          <a:lstStyle/>
+          <a:p>
+            <a:pPr algn="ctr"/>
+            <a:endParaRPr lang="en-US"/>
+          </a:p>
+        </p:txBody>
+      </p:sp>
+      <p:sp>
+        <p:nvSpPr>
+          <p:cNvPr id="76" name="TextBox 75">
+            <a:extLst>
+              <a:ext uri="{FF2B5EF4-FFF2-40B4-BE49-F238E27FC236}">
+                <a16:creationId xmlns:a16="http://schemas.microsoft.com/office/drawing/2014/main" id="{A02C7F24-E54E-4417-904D-3151015D7B57}"/>
+              </a:ext>
+            </a:extLst>
+          </p:cNvPr>
+          <p:cNvSpPr txBox="1"/>
+          <p:nvPr/>
+        </p:nvSpPr>
+        <p:spPr>
+          <a:xfrm>
+            <a:off x="726912" y="890532"/>
+            <a:ext cx="1403926" cy="338554"/>
+          </a:xfrm>
+          <a:prstGeom prst="rect">
+            <a:avLst/>
+          </a:prstGeom>
+          <a:noFill/>
+        </p:spPr>
+        <p:txBody>
+          <a:bodyPr wrap="square" rtlCol="0">
+            <a:spAutoFit/>
+          </a:bodyPr>
+          <a:lstStyle/>
+          <a:p>
+            <a:r>
+              <a:rPr lang="en-US" sz="1600" b="1" dirty="0"/>
+              <a:t>δ-PDG</a:t>
+            </a:r>
+          </a:p>
+        </p:txBody>
+      </p:sp>
+      <p:sp>
+        <p:nvSpPr>
+          <p:cNvPr id="79" name="TextBox 78">
+            <a:extLst>
+              <a:ext uri="{FF2B5EF4-FFF2-40B4-BE49-F238E27FC236}">
+                <a16:creationId xmlns:a16="http://schemas.microsoft.com/office/drawing/2014/main" id="{E73EFBF7-ED8E-4478-B37E-81A24C36493A}"/>
+              </a:ext>
+            </a:extLst>
+          </p:cNvPr>
+          <p:cNvSpPr txBox="1"/>
+          <p:nvPr/>
+        </p:nvSpPr>
+        <p:spPr>
+          <a:xfrm>
+            <a:off x="1183845" y="770346"/>
+            <a:ext cx="530006" cy="338554"/>
+          </a:xfrm>
+          <a:prstGeom prst="rect">
+            <a:avLst/>
+          </a:prstGeom>
+          <a:noFill/>
+        </p:spPr>
+        <p:txBody>
+          <a:bodyPr wrap="square" rtlCol="0">
+            <a:spAutoFit/>
+          </a:bodyPr>
+          <a:lstStyle/>
+          <a:p>
+            <a:pPr algn="ctr"/>
+            <a:r>
+              <a:rPr lang="en-US" sz="1600" b="1" dirty="0" err="1"/>
+              <a:t>i,j</a:t>
+            </a:r>
+            <a:endParaRPr lang="en-US" sz="1600" b="1" dirty="0"/>
+          </a:p>
+        </p:txBody>
+      </p:sp>
     </p:spTree>
     <p:extLst>
       <p:ext uri="{BB962C8B-B14F-4D97-AF65-F5344CB8AC3E}">

--- a/figures/Figures-Yi.pptx
+++ b/figures/Figures-Yi.pptx
@@ -265,7 +265,7 @@
           <a:p>
             <a:fld id="{9BED4BE8-31C7-403D-911A-3E727E0E58BF}" type="datetimeFigureOut">
               <a:rPr lang="en-US" smtClean="0"/>
-              <a:t>2/23/2022</a:t>
+              <a:t>2/27/2022</a:t>
             </a:fld>
             <a:endParaRPr lang="en-US" dirty="0"/>
           </a:p>
@@ -463,7 +463,7 @@
           <a:p>
             <a:fld id="{9BED4BE8-31C7-403D-911A-3E727E0E58BF}" type="datetimeFigureOut">
               <a:rPr lang="en-US" smtClean="0"/>
-              <a:t>2/23/2022</a:t>
+              <a:t>2/27/2022</a:t>
             </a:fld>
             <a:endParaRPr lang="en-US" dirty="0"/>
           </a:p>
@@ -671,7 +671,7 @@
           <a:p>
             <a:fld id="{9BED4BE8-31C7-403D-911A-3E727E0E58BF}" type="datetimeFigureOut">
               <a:rPr lang="en-US" smtClean="0"/>
-              <a:t>2/23/2022</a:t>
+              <a:t>2/27/2022</a:t>
             </a:fld>
             <a:endParaRPr lang="en-US" dirty="0"/>
           </a:p>
@@ -869,7 +869,7 @@
           <a:p>
             <a:fld id="{9BED4BE8-31C7-403D-911A-3E727E0E58BF}" type="datetimeFigureOut">
               <a:rPr lang="en-US" smtClean="0"/>
-              <a:t>2/23/2022</a:t>
+              <a:t>2/27/2022</a:t>
             </a:fld>
             <a:endParaRPr lang="en-US" dirty="0"/>
           </a:p>
@@ -1144,7 +1144,7 @@
           <a:p>
             <a:fld id="{9BED4BE8-31C7-403D-911A-3E727E0E58BF}" type="datetimeFigureOut">
               <a:rPr lang="en-US" smtClean="0"/>
-              <a:t>2/23/2022</a:t>
+              <a:t>2/27/2022</a:t>
             </a:fld>
             <a:endParaRPr lang="en-US" dirty="0"/>
           </a:p>
@@ -1409,7 +1409,7 @@
           <a:p>
             <a:fld id="{9BED4BE8-31C7-403D-911A-3E727E0E58BF}" type="datetimeFigureOut">
               <a:rPr lang="en-US" smtClean="0"/>
-              <a:t>2/23/2022</a:t>
+              <a:t>2/27/2022</a:t>
             </a:fld>
             <a:endParaRPr lang="en-US" dirty="0"/>
           </a:p>
@@ -1821,7 +1821,7 @@
           <a:p>
             <a:fld id="{9BED4BE8-31C7-403D-911A-3E727E0E58BF}" type="datetimeFigureOut">
               <a:rPr lang="en-US" smtClean="0"/>
-              <a:t>2/23/2022</a:t>
+              <a:t>2/27/2022</a:t>
             </a:fld>
             <a:endParaRPr lang="en-US" dirty="0"/>
           </a:p>
@@ -1962,7 +1962,7 @@
           <a:p>
             <a:fld id="{9BED4BE8-31C7-403D-911A-3E727E0E58BF}" type="datetimeFigureOut">
               <a:rPr lang="en-US" smtClean="0"/>
-              <a:t>2/23/2022</a:t>
+              <a:t>2/27/2022</a:t>
             </a:fld>
             <a:endParaRPr lang="en-US" dirty="0"/>
           </a:p>
@@ -2075,7 +2075,7 @@
           <a:p>
             <a:fld id="{9BED4BE8-31C7-403D-911A-3E727E0E58BF}" type="datetimeFigureOut">
               <a:rPr lang="en-US" smtClean="0"/>
-              <a:t>2/23/2022</a:t>
+              <a:t>2/27/2022</a:t>
             </a:fld>
             <a:endParaRPr lang="en-US" dirty="0"/>
           </a:p>
@@ -2386,7 +2386,7 @@
           <a:p>
             <a:fld id="{9BED4BE8-31C7-403D-911A-3E727E0E58BF}" type="datetimeFigureOut">
               <a:rPr lang="en-US" smtClean="0"/>
-              <a:t>2/23/2022</a:t>
+              <a:t>2/27/2022</a:t>
             </a:fld>
             <a:endParaRPr lang="en-US" dirty="0"/>
           </a:p>
@@ -2674,7 +2674,7 @@
           <a:p>
             <a:fld id="{9BED4BE8-31C7-403D-911A-3E727E0E58BF}" type="datetimeFigureOut">
               <a:rPr lang="en-US" smtClean="0"/>
-              <a:t>2/23/2022</a:t>
+              <a:t>2/27/2022</a:t>
             </a:fld>
             <a:endParaRPr lang="en-US" dirty="0"/>
           </a:p>
@@ -2915,7 +2915,7 @@
           <a:p>
             <a:fld id="{9BED4BE8-31C7-403D-911A-3E727E0E58BF}" type="datetimeFigureOut">
               <a:rPr lang="en-US" smtClean="0"/>
-              <a:t>2/23/2022</a:t>
+              <a:t>2/27/2022</a:t>
             </a:fld>
             <a:endParaRPr lang="en-US" dirty="0"/>
           </a:p>
@@ -27451,6 +27451,108 @@
           </a:p>
         </p:txBody>
       </p:sp>
+      <p:grpSp>
+        <p:nvGrpSpPr>
+          <p:cNvPr id="11" name="Group 10">
+            <a:extLst>
+              <a:ext uri="{FF2B5EF4-FFF2-40B4-BE49-F238E27FC236}">
+                <a16:creationId xmlns:a16="http://schemas.microsoft.com/office/drawing/2014/main" id="{5F8B015D-07D0-4C0F-93EC-C281D8FF0863}"/>
+              </a:ext>
+            </a:extLst>
+          </p:cNvPr>
+          <p:cNvGrpSpPr/>
+          <p:nvPr/>
+        </p:nvGrpSpPr>
+        <p:grpSpPr>
+          <a:xfrm>
+            <a:off x="8130550" y="1167246"/>
+            <a:ext cx="1004063" cy="529575"/>
+            <a:chOff x="4761992" y="3977386"/>
+            <a:chExt cx="1004063" cy="529575"/>
+          </a:xfrm>
+        </p:grpSpPr>
+        <p:sp>
+          <p:nvSpPr>
+            <p:cNvPr id="80" name="TextBox 79">
+              <a:extLst>
+                <a:ext uri="{FF2B5EF4-FFF2-40B4-BE49-F238E27FC236}">
+                  <a16:creationId xmlns:a16="http://schemas.microsoft.com/office/drawing/2014/main" id="{13CA4A67-9AB2-4C5E-B21E-23CC91B1153E}"/>
+                </a:ext>
+              </a:extLst>
+            </p:cNvPr>
+            <p:cNvSpPr txBox="1"/>
+            <p:nvPr/>
+          </p:nvSpPr>
+          <p:spPr>
+            <a:xfrm>
+              <a:off x="4761992" y="3977386"/>
+              <a:ext cx="1004063" cy="461665"/>
+            </a:xfrm>
+            <a:prstGeom prst="rect">
+              <a:avLst/>
+            </a:prstGeom>
+            <a:noFill/>
+          </p:spPr>
+          <p:txBody>
+            <a:bodyPr wrap="square" rtlCol="0">
+              <a:spAutoFit/>
+            </a:bodyPr>
+            <a:lstStyle/>
+            <a:p>
+              <a:r>
+                <a:rPr lang="en-US" sz="2400" i="1" dirty="0">
+                  <a:latin typeface="Century Schoolbook" panose="02040604050505020304" pitchFamily="18" charset="0"/>
+                  <a:cs typeface="Times New Roman" panose="02020603050405020304" pitchFamily="18" charset="0"/>
+                </a:rPr>
+                <a:t>v</a:t>
+              </a:r>
+              <a:endParaRPr lang="en-US" i="1" dirty="0">
+                <a:latin typeface="Century Schoolbook" panose="02040604050505020304" pitchFamily="18" charset="0"/>
+                <a:cs typeface="Times New Roman" panose="02020603050405020304" pitchFamily="18" charset="0"/>
+              </a:endParaRPr>
+            </a:p>
+          </p:txBody>
+        </p:sp>
+        <p:sp>
+          <p:nvSpPr>
+            <p:cNvPr id="82" name="TextBox 81">
+              <a:extLst>
+                <a:ext uri="{FF2B5EF4-FFF2-40B4-BE49-F238E27FC236}">
+                  <a16:creationId xmlns:a16="http://schemas.microsoft.com/office/drawing/2014/main" id="{27BA0DA9-9DFD-4D90-9E7C-F8C2EE1FD68F}"/>
+                </a:ext>
+              </a:extLst>
+            </p:cNvPr>
+            <p:cNvSpPr txBox="1"/>
+            <p:nvPr/>
+          </p:nvSpPr>
+          <p:spPr>
+            <a:xfrm>
+              <a:off x="4936838" y="4137629"/>
+              <a:ext cx="584200" cy="369332"/>
+            </a:xfrm>
+            <a:prstGeom prst="rect">
+              <a:avLst/>
+            </a:prstGeom>
+            <a:noFill/>
+          </p:spPr>
+          <p:txBody>
+            <a:bodyPr wrap="square">
+              <a:spAutoFit/>
+            </a:bodyPr>
+            <a:lstStyle/>
+            <a:p>
+              <a:r>
+                <a:rPr lang="en-US" sz="1800" i="1" dirty="0" err="1">
+                  <a:latin typeface="Times New Roman" panose="02020603050405020304" pitchFamily="18" charset="0"/>
+                  <a:cs typeface="Times New Roman" panose="02020603050405020304" pitchFamily="18" charset="0"/>
+                </a:rPr>
+                <a:t>ctx</a:t>
+              </a:r>
+              <a:endParaRPr lang="en-US" dirty="0"/>
+            </a:p>
+          </p:txBody>
+        </p:sp>
+      </p:grpSp>
     </p:spTree>
     <p:extLst>
       <p:ext uri="{BB962C8B-B14F-4D97-AF65-F5344CB8AC3E}">

--- a/figures/Figures-Yi.pptx
+++ b/figures/Figures-Yi.pptx
@@ -265,7 +265,7 @@
           <a:p>
             <a:fld id="{9BED4BE8-31C7-403D-911A-3E727E0E58BF}" type="datetimeFigureOut">
               <a:rPr lang="en-US" smtClean="0"/>
-              <a:t>2/27/2022</a:t>
+              <a:t>3/6/2022</a:t>
             </a:fld>
             <a:endParaRPr lang="en-US" dirty="0"/>
           </a:p>
@@ -463,7 +463,7 @@
           <a:p>
             <a:fld id="{9BED4BE8-31C7-403D-911A-3E727E0E58BF}" type="datetimeFigureOut">
               <a:rPr lang="en-US" smtClean="0"/>
-              <a:t>2/27/2022</a:t>
+              <a:t>3/6/2022</a:t>
             </a:fld>
             <a:endParaRPr lang="en-US" dirty="0"/>
           </a:p>
@@ -671,7 +671,7 @@
           <a:p>
             <a:fld id="{9BED4BE8-31C7-403D-911A-3E727E0E58BF}" type="datetimeFigureOut">
               <a:rPr lang="en-US" smtClean="0"/>
-              <a:t>2/27/2022</a:t>
+              <a:t>3/6/2022</a:t>
             </a:fld>
             <a:endParaRPr lang="en-US" dirty="0"/>
           </a:p>
@@ -869,7 +869,7 @@
           <a:p>
             <a:fld id="{9BED4BE8-31C7-403D-911A-3E727E0E58BF}" type="datetimeFigureOut">
               <a:rPr lang="en-US" smtClean="0"/>
-              <a:t>2/27/2022</a:t>
+              <a:t>3/6/2022</a:t>
             </a:fld>
             <a:endParaRPr lang="en-US" dirty="0"/>
           </a:p>
@@ -1144,7 +1144,7 @@
           <a:p>
             <a:fld id="{9BED4BE8-31C7-403D-911A-3E727E0E58BF}" type="datetimeFigureOut">
               <a:rPr lang="en-US" smtClean="0"/>
-              <a:t>2/27/2022</a:t>
+              <a:t>3/6/2022</a:t>
             </a:fld>
             <a:endParaRPr lang="en-US" dirty="0"/>
           </a:p>
@@ -1409,7 +1409,7 @@
           <a:p>
             <a:fld id="{9BED4BE8-31C7-403D-911A-3E727E0E58BF}" type="datetimeFigureOut">
               <a:rPr lang="en-US" smtClean="0"/>
-              <a:t>2/27/2022</a:t>
+              <a:t>3/6/2022</a:t>
             </a:fld>
             <a:endParaRPr lang="en-US" dirty="0"/>
           </a:p>
@@ -1821,7 +1821,7 @@
           <a:p>
             <a:fld id="{9BED4BE8-31C7-403D-911A-3E727E0E58BF}" type="datetimeFigureOut">
               <a:rPr lang="en-US" smtClean="0"/>
-              <a:t>2/27/2022</a:t>
+              <a:t>3/6/2022</a:t>
             </a:fld>
             <a:endParaRPr lang="en-US" dirty="0"/>
           </a:p>
@@ -1962,7 +1962,7 @@
           <a:p>
             <a:fld id="{9BED4BE8-31C7-403D-911A-3E727E0E58BF}" type="datetimeFigureOut">
               <a:rPr lang="en-US" smtClean="0"/>
-              <a:t>2/27/2022</a:t>
+              <a:t>3/6/2022</a:t>
             </a:fld>
             <a:endParaRPr lang="en-US" dirty="0"/>
           </a:p>
@@ -2075,7 +2075,7 @@
           <a:p>
             <a:fld id="{9BED4BE8-31C7-403D-911A-3E727E0E58BF}" type="datetimeFigureOut">
               <a:rPr lang="en-US" smtClean="0"/>
-              <a:t>2/27/2022</a:t>
+              <a:t>3/6/2022</a:t>
             </a:fld>
             <a:endParaRPr lang="en-US" dirty="0"/>
           </a:p>
@@ -2386,7 +2386,7 @@
           <a:p>
             <a:fld id="{9BED4BE8-31C7-403D-911A-3E727E0E58BF}" type="datetimeFigureOut">
               <a:rPr lang="en-US" smtClean="0"/>
-              <a:t>2/27/2022</a:t>
+              <a:t>3/6/2022</a:t>
             </a:fld>
             <a:endParaRPr lang="en-US" dirty="0"/>
           </a:p>
@@ -2674,7 +2674,7 @@
           <a:p>
             <a:fld id="{9BED4BE8-31C7-403D-911A-3E727E0E58BF}" type="datetimeFigureOut">
               <a:rPr lang="en-US" smtClean="0"/>
-              <a:t>2/27/2022</a:t>
+              <a:t>3/6/2022</a:t>
             </a:fld>
             <a:endParaRPr lang="en-US" dirty="0"/>
           </a:p>
@@ -2915,7 +2915,7 @@
           <a:p>
             <a:fld id="{9BED4BE8-31C7-403D-911A-3E727E0E58BF}" type="datetimeFigureOut">
               <a:rPr lang="en-US" smtClean="0"/>
-              <a:t>2/27/2022</a:t>
+              <a:t>3/6/2022</a:t>
             </a:fld>
             <a:endParaRPr lang="en-US" dirty="0"/>
           </a:p>
@@ -18898,7 +18898,7 @@
                 </a:solidFill>
                 <a:latin typeface="Consolas" panose="020B0609020204030204" pitchFamily="49" charset="0"/>
               </a:rPr>
-              <a:t>2    ……</a:t>
+              <a:t>2    ...</a:t>
             </a:r>
           </a:p>
           <a:p>
@@ -19058,7 +19058,7 @@
                 </a:solidFill>
                 <a:latin typeface="Consolas" panose="020B0609020204030204" pitchFamily="49" charset="0"/>
               </a:rPr>
-              <a:t>8    ……</a:t>
+              <a:t>8    ...</a:t>
             </a:r>
           </a:p>
           <a:p>
@@ -20994,19 +20994,17 @@
                   </p:cNvPr>
                   <p:cNvCxnSpPr>
                     <a:cxnSpLocks/>
-                    <a:stCxn id="51" idx="3"/>
-                    <a:endCxn id="53" idx="3"/>
                   </p:cNvCxnSpPr>
                   <p:nvPr/>
                 </p:nvCxnSpPr>
                 <p:spPr>
                   <a:xfrm flipH="1">
-                    <a:off x="2451100" y="1529080"/>
+                    <a:off x="2436587" y="1529078"/>
                     <a:ext cx="125349" cy="2026921"/>
                   </a:xfrm>
                   <a:prstGeom prst="curvedConnector3">
                     <a:avLst>
-                      <a:gd name="adj1" fmla="val -632219"/>
+                      <a:gd name="adj1" fmla="val -239108"/>
                     </a:avLst>
                   </a:prstGeom>
                   <a:ln>
@@ -21056,7 +21054,7 @@
                   </a:xfrm>
                   <a:prstGeom prst="curvedConnector3">
                     <a:avLst>
-                      <a:gd name="adj1" fmla="val -190074"/>
+                      <a:gd name="adj1" fmla="val -164731"/>
                     </a:avLst>
                   </a:prstGeom>
                   <a:ln>
@@ -21212,7 +21210,7 @@
               </a:xfrm>
               <a:prstGeom prst="curvedConnector3">
                 <a:avLst>
-                  <a:gd name="adj1" fmla="val -98983"/>
+                  <a:gd name="adj1" fmla="val -39593"/>
                 </a:avLst>
               </a:prstGeom>
               <a:ln>
@@ -21517,6 +21515,92 @@
             <a:r>
               <a:rPr lang="en-US" dirty="0"/>
               <a:t>(c)</a:t>
+            </a:r>
+          </a:p>
+        </p:txBody>
+      </p:sp>
+      <p:sp>
+        <p:nvSpPr>
+          <p:cNvPr id="9" name="TextBox 8">
+            <a:extLst>
+              <a:ext uri="{FF2B5EF4-FFF2-40B4-BE49-F238E27FC236}">
+                <a16:creationId xmlns:a16="http://schemas.microsoft.com/office/drawing/2014/main" id="{147D27D9-3939-4C10-9C98-84606CC073B2}"/>
+              </a:ext>
+            </a:extLst>
+          </p:cNvPr>
+          <p:cNvSpPr txBox="1"/>
+          <p:nvPr/>
+        </p:nvSpPr>
+        <p:spPr>
+          <a:xfrm>
+            <a:off x="6664463" y="855979"/>
+            <a:ext cx="912429" cy="369332"/>
+          </a:xfrm>
+          <a:prstGeom prst="rect">
+            <a:avLst/>
+          </a:prstGeom>
+          <a:noFill/>
+        </p:spPr>
+        <p:txBody>
+          <a:bodyPr wrap="none" rtlCol="0">
+            <a:spAutoFit/>
+          </a:bodyPr>
+          <a:lstStyle/>
+          <a:p>
+            <a:r>
+              <a:rPr lang="en-US" dirty="0">
+                <a:latin typeface="Symbol" panose="05050102010706020507" pitchFamily="18" charset="2"/>
+              </a:rPr>
+              <a:t>d-</a:t>
+            </a:r>
+            <a:r>
+              <a:rPr lang="nn-NO" b="1" dirty="0">
+                <a:solidFill>
+                  <a:srgbClr val="000000"/>
+                </a:solidFill>
+                <a:latin typeface="Times New Roman" panose="02020603050405020304" pitchFamily="18" charset="0"/>
+                <a:cs typeface="Times New Roman" panose="02020603050405020304" pitchFamily="18" charset="0"/>
+              </a:rPr>
+              <a:t>PDG</a:t>
+            </a:r>
+            <a:endParaRPr lang="en-US" b="1" dirty="0">
+              <a:latin typeface="Times New Roman" panose="02020603050405020304" pitchFamily="18" charset="0"/>
+              <a:cs typeface="Times New Roman" panose="02020603050405020304" pitchFamily="18" charset="0"/>
+            </a:endParaRPr>
+          </a:p>
+        </p:txBody>
+      </p:sp>
+      <p:sp>
+        <p:nvSpPr>
+          <p:cNvPr id="62" name="TextBox 61">
+            <a:extLst>
+              <a:ext uri="{FF2B5EF4-FFF2-40B4-BE49-F238E27FC236}">
+                <a16:creationId xmlns:a16="http://schemas.microsoft.com/office/drawing/2014/main" id="{834E5447-99E9-498C-A767-5D6E7CA15AD1}"/>
+              </a:ext>
+            </a:extLst>
+          </p:cNvPr>
+          <p:cNvSpPr txBox="1"/>
+          <p:nvPr/>
+        </p:nvSpPr>
+        <p:spPr>
+          <a:xfrm>
+            <a:off x="7409561" y="732868"/>
+            <a:ext cx="402487" cy="307777"/>
+          </a:xfrm>
+          <a:prstGeom prst="rect">
+            <a:avLst/>
+          </a:prstGeom>
+          <a:noFill/>
+        </p:spPr>
+        <p:txBody>
+          <a:bodyPr wrap="square" rtlCol="0">
+            <a:spAutoFit/>
+          </a:bodyPr>
+          <a:lstStyle/>
+          <a:p>
+            <a:r>
+              <a:rPr lang="en-US" sz="1400" dirty="0"/>
+              <a:t>i, j</a:t>
             </a:r>
           </a:p>
         </p:txBody>

--- a/figures/Figures-Yi.pptx
+++ b/figures/Figures-Yi.pptx
@@ -265,7 +265,7 @@
           <a:p>
             <a:fld id="{9BED4BE8-31C7-403D-911A-3E727E0E58BF}" type="datetimeFigureOut">
               <a:rPr lang="en-US" smtClean="0"/>
-              <a:t>3/6/2022</a:t>
+              <a:t>3/7/2022</a:t>
             </a:fld>
             <a:endParaRPr lang="en-US" dirty="0"/>
           </a:p>
@@ -463,7 +463,7 @@
           <a:p>
             <a:fld id="{9BED4BE8-31C7-403D-911A-3E727E0E58BF}" type="datetimeFigureOut">
               <a:rPr lang="en-US" smtClean="0"/>
-              <a:t>3/6/2022</a:t>
+              <a:t>3/7/2022</a:t>
             </a:fld>
             <a:endParaRPr lang="en-US" dirty="0"/>
           </a:p>
@@ -671,7 +671,7 @@
           <a:p>
             <a:fld id="{9BED4BE8-31C7-403D-911A-3E727E0E58BF}" type="datetimeFigureOut">
               <a:rPr lang="en-US" smtClean="0"/>
-              <a:t>3/6/2022</a:t>
+              <a:t>3/7/2022</a:t>
             </a:fld>
             <a:endParaRPr lang="en-US" dirty="0"/>
           </a:p>
@@ -869,7 +869,7 @@
           <a:p>
             <a:fld id="{9BED4BE8-31C7-403D-911A-3E727E0E58BF}" type="datetimeFigureOut">
               <a:rPr lang="en-US" smtClean="0"/>
-              <a:t>3/6/2022</a:t>
+              <a:t>3/7/2022</a:t>
             </a:fld>
             <a:endParaRPr lang="en-US" dirty="0"/>
           </a:p>
@@ -1144,7 +1144,7 @@
           <a:p>
             <a:fld id="{9BED4BE8-31C7-403D-911A-3E727E0E58BF}" type="datetimeFigureOut">
               <a:rPr lang="en-US" smtClean="0"/>
-              <a:t>3/6/2022</a:t>
+              <a:t>3/7/2022</a:t>
             </a:fld>
             <a:endParaRPr lang="en-US" dirty="0"/>
           </a:p>
@@ -1409,7 +1409,7 @@
           <a:p>
             <a:fld id="{9BED4BE8-31C7-403D-911A-3E727E0E58BF}" type="datetimeFigureOut">
               <a:rPr lang="en-US" smtClean="0"/>
-              <a:t>3/6/2022</a:t>
+              <a:t>3/7/2022</a:t>
             </a:fld>
             <a:endParaRPr lang="en-US" dirty="0"/>
           </a:p>
@@ -1821,7 +1821,7 @@
           <a:p>
             <a:fld id="{9BED4BE8-31C7-403D-911A-3E727E0E58BF}" type="datetimeFigureOut">
               <a:rPr lang="en-US" smtClean="0"/>
-              <a:t>3/6/2022</a:t>
+              <a:t>3/7/2022</a:t>
             </a:fld>
             <a:endParaRPr lang="en-US" dirty="0"/>
           </a:p>
@@ -1962,7 +1962,7 @@
           <a:p>
             <a:fld id="{9BED4BE8-31C7-403D-911A-3E727E0E58BF}" type="datetimeFigureOut">
               <a:rPr lang="en-US" smtClean="0"/>
-              <a:t>3/6/2022</a:t>
+              <a:t>3/7/2022</a:t>
             </a:fld>
             <a:endParaRPr lang="en-US" dirty="0"/>
           </a:p>
@@ -2075,7 +2075,7 @@
           <a:p>
             <a:fld id="{9BED4BE8-31C7-403D-911A-3E727E0E58BF}" type="datetimeFigureOut">
               <a:rPr lang="en-US" smtClean="0"/>
-              <a:t>3/6/2022</a:t>
+              <a:t>3/7/2022</a:t>
             </a:fld>
             <a:endParaRPr lang="en-US" dirty="0"/>
           </a:p>
@@ -2386,7 +2386,7 @@
           <a:p>
             <a:fld id="{9BED4BE8-31C7-403D-911A-3E727E0E58BF}" type="datetimeFigureOut">
               <a:rPr lang="en-US" smtClean="0"/>
-              <a:t>3/6/2022</a:t>
+              <a:t>3/7/2022</a:t>
             </a:fld>
             <a:endParaRPr lang="en-US" dirty="0"/>
           </a:p>
@@ -2674,7 +2674,7 @@
           <a:p>
             <a:fld id="{9BED4BE8-31C7-403D-911A-3E727E0E58BF}" type="datetimeFigureOut">
               <a:rPr lang="en-US" smtClean="0"/>
-              <a:t>3/6/2022</a:t>
+              <a:t>3/7/2022</a:t>
             </a:fld>
             <a:endParaRPr lang="en-US" dirty="0"/>
           </a:p>
@@ -2915,7 +2915,7 @@
           <a:p>
             <a:fld id="{9BED4BE8-31C7-403D-911A-3E727E0E58BF}" type="datetimeFigureOut">
               <a:rPr lang="en-US" smtClean="0"/>
-              <a:t>3/6/2022</a:t>
+              <a:t>3/7/2022</a:t>
             </a:fld>
             <a:endParaRPr lang="en-US" dirty="0"/>
           </a:p>
@@ -21692,10 +21692,10 @@
             <a:r>
               <a:rPr lang="en-US" sz="1400" b="1" dirty="0">
                 <a:solidFill>
-                  <a:srgbClr val="0070C0"/>
+                  <a:schemeClr val="tx1"/>
                 </a:solidFill>
               </a:rPr>
-              <a:t>Building Multi-version PDGs and Contexts</a:t>
+              <a:t>Building Multi-version PDG and Contexts</a:t>
             </a:r>
           </a:p>
         </p:txBody>
@@ -21757,7 +21757,7 @@
             <a:r>
               <a:rPr lang="en-US" sz="1400" b="1" dirty="0">
                 <a:solidFill>
-                  <a:srgbClr val="0070C0"/>
+                  <a:schemeClr val="tx1"/>
                 </a:solidFill>
               </a:rPr>
               <a:t>Code Change Representation Learning</a:t>
@@ -21779,8 +21779,8 @@
         </p:nvSpPr>
         <p:spPr>
           <a:xfrm>
-            <a:off x="6791824" y="2053638"/>
-            <a:ext cx="1074566" cy="329042"/>
+            <a:off x="6593324" y="1870597"/>
+            <a:ext cx="1283226" cy="706923"/>
           </a:xfrm>
           <a:prstGeom prst="roundRect">
             <a:avLst>
@@ -21822,10 +21822,10 @@
             <a:r>
               <a:rPr lang="en-US" sz="1400" b="1" dirty="0">
                 <a:solidFill>
-                  <a:srgbClr val="0070C0"/>
+                  <a:schemeClr val="tx1"/>
                 </a:solidFill>
               </a:rPr>
-              <a:t>Clustering</a:t>
+              <a:t>Agglomerative Clustering</a:t>
             </a:r>
           </a:p>
         </p:txBody>
@@ -21887,10 +21887,10 @@
             <a:r>
               <a:rPr lang="en-US" sz="1400" b="1" dirty="0">
                 <a:solidFill>
-                  <a:srgbClr val="0070C0"/>
+                  <a:schemeClr val="tx1"/>
                 </a:solidFill>
               </a:rPr>
-              <a:t>Updating the Clusters via Code Clone Det</a:t>
+              <a:t>Clusters Updating via Clone Detection</a:t>
             </a:r>
           </a:p>
         </p:txBody>
@@ -22298,7 +22298,7 @@
         </p:nvGrpSpPr>
         <p:grpSpPr>
           <a:xfrm rot="5400000">
-            <a:off x="5877281" y="1377474"/>
+            <a:off x="5770601" y="1377474"/>
             <a:ext cx="250078" cy="810055"/>
             <a:chOff x="6068497" y="1766458"/>
             <a:chExt cx="250078" cy="810055"/>
@@ -22551,7 +22551,7 @@
         </p:nvGrpSpPr>
         <p:grpSpPr>
           <a:xfrm rot="5400000">
-            <a:off x="5877281" y="1721532"/>
+            <a:off x="5770601" y="1721532"/>
             <a:ext cx="250078" cy="810055"/>
             <a:chOff x="6068497" y="1766458"/>
             <a:chExt cx="250078" cy="810055"/>
@@ -22804,7 +22804,7 @@
         </p:nvGrpSpPr>
         <p:grpSpPr>
           <a:xfrm rot="5400000">
-            <a:off x="5877281" y="2258854"/>
+            <a:off x="5770601" y="2258854"/>
             <a:ext cx="250078" cy="810055"/>
             <a:chOff x="6068497" y="1766458"/>
             <a:chExt cx="250078" cy="810055"/>
@@ -23057,7 +23057,7 @@
         </p:nvSpPr>
         <p:spPr>
           <a:xfrm>
-            <a:off x="5747861" y="2172774"/>
+            <a:off x="5641181" y="2172774"/>
             <a:ext cx="863600" cy="369332"/>
           </a:xfrm>
           <a:prstGeom prst="rect">
@@ -23584,11 +23584,7 @@
           <a:lstStyle/>
           <a:p>
             <a:r>
-              <a:rPr lang="en-US" sz="1400" b="1" dirty="0">
-                <a:solidFill>
-                  <a:srgbClr val="0070C0"/>
-                </a:solidFill>
-              </a:rPr>
+              <a:rPr lang="en-US" sz="1400" b="1" dirty="0"/>
               <a:t>Context-aware, Graph-based, Code Change Clustering Learning Model</a:t>
             </a:r>
           </a:p>
@@ -23625,7 +23621,7 @@
             <a:pPr algn="ctr"/>
             <a:r>
               <a:rPr lang="en-US" sz="1400" b="1" dirty="0"/>
-              <a:t>Multi-version PDGs</a:t>
+              <a:t>Multi-version PDG</a:t>
             </a:r>
           </a:p>
         </p:txBody>
@@ -23644,7 +23640,7 @@
         </p:nvSpPr>
         <p:spPr>
           <a:xfrm>
-            <a:off x="5323726" y="999102"/>
+            <a:off x="5217046" y="999102"/>
             <a:ext cx="1357188" cy="523220"/>
           </a:xfrm>
           <a:prstGeom prst="rect">
@@ -23860,7 +23856,7 @@
         </p:nvSpPr>
         <p:spPr>
           <a:xfrm>
-            <a:off x="5273086" y="2129902"/>
+            <a:off x="5222286" y="2129902"/>
             <a:ext cx="220614" cy="156098"/>
           </a:xfrm>
           <a:prstGeom prst="rightArrow">
@@ -23914,7 +23910,7 @@
         </p:nvSpPr>
         <p:spPr>
           <a:xfrm>
-            <a:off x="6508858" y="2129902"/>
+            <a:off x="6346298" y="2129902"/>
             <a:ext cx="220614" cy="156098"/>
           </a:xfrm>
           <a:prstGeom prst="rightArrow">
@@ -24022,7 +24018,7 @@
         </p:nvSpPr>
         <p:spPr>
           <a:xfrm>
-            <a:off x="9070668" y="2129902"/>
+            <a:off x="9090988" y="2129902"/>
             <a:ext cx="220614" cy="156098"/>
           </a:xfrm>
           <a:prstGeom prst="rightArrow">

--- a/figures/Figures-Yi.pptx
+++ b/figures/Figures-Yi.pptx
@@ -27488,8 +27488,12 @@
           <a:lstStyle/>
           <a:p>
             <a:r>
+              <a:rPr lang="en-US" sz="1600" dirty="0"/>
+              <a:t>δ</a:t>
+            </a:r>
+            <a:r>
               <a:rPr lang="en-US" sz="1600" b="1" dirty="0"/>
-              <a:t>δ-PDG</a:t>
+              <a:t>-PDG</a:t>
             </a:r>
           </a:p>
         </p:txBody>
@@ -27546,9 +27550,9 @@
         <p:grpSpPr>
           <a:xfrm>
             <a:off x="8130550" y="1167246"/>
-            <a:ext cx="1004063" cy="529575"/>
+            <a:ext cx="1004063" cy="514344"/>
             <a:chOff x="4761992" y="3977386"/>
-            <a:chExt cx="1004063" cy="529575"/>
+            <a:chExt cx="1004063" cy="514344"/>
           </a:xfrm>
         </p:grpSpPr>
         <p:sp>
@@ -27607,7 +27611,7 @@
           </p:nvSpPr>
           <p:spPr>
             <a:xfrm>
-              <a:off x="4936838" y="4137629"/>
+              <a:off x="4908000" y="4122398"/>
               <a:ext cx="584200" cy="369332"/>
             </a:xfrm>
             <a:prstGeom prst="rect">
@@ -27629,6 +27633,797 @@
                 <a:t>ctx</a:t>
               </a:r>
               <a:endParaRPr lang="en-US" dirty="0"/>
+            </a:p>
+          </p:txBody>
+        </p:sp>
+      </p:grpSp>
+      <p:grpSp>
+        <p:nvGrpSpPr>
+          <p:cNvPr id="10" name="Group 9">
+            <a:extLst>
+              <a:ext uri="{FF2B5EF4-FFF2-40B4-BE49-F238E27FC236}">
+                <a16:creationId xmlns:a16="http://schemas.microsoft.com/office/drawing/2014/main" id="{6510A126-95A9-4CBF-87DD-CFDC03584C19}"/>
+              </a:ext>
+            </a:extLst>
+          </p:cNvPr>
+          <p:cNvGrpSpPr/>
+          <p:nvPr/>
+        </p:nvGrpSpPr>
+        <p:grpSpPr>
+          <a:xfrm>
+            <a:off x="1208078" y="1179259"/>
+            <a:ext cx="455101" cy="572127"/>
+            <a:chOff x="1507986" y="361574"/>
+            <a:chExt cx="455101" cy="572127"/>
+          </a:xfrm>
+        </p:grpSpPr>
+        <p:sp>
+          <p:nvSpPr>
+            <p:cNvPr id="88" name="TextBox 87">
+              <a:extLst>
+                <a:ext uri="{FF2B5EF4-FFF2-40B4-BE49-F238E27FC236}">
+                  <a16:creationId xmlns:a16="http://schemas.microsoft.com/office/drawing/2014/main" id="{39EF8AA8-5BAD-4099-B846-9AC53224EE1E}"/>
+                </a:ext>
+              </a:extLst>
+            </p:cNvPr>
+            <p:cNvSpPr txBox="1"/>
+            <p:nvPr/>
+          </p:nvSpPr>
+          <p:spPr>
+            <a:xfrm>
+              <a:off x="1507986" y="361574"/>
+              <a:ext cx="370614" cy="523220"/>
+            </a:xfrm>
+            <a:prstGeom prst="rect">
+              <a:avLst/>
+            </a:prstGeom>
+            <a:noFill/>
+          </p:spPr>
+          <p:txBody>
+            <a:bodyPr wrap="none" rtlCol="0">
+              <a:spAutoFit/>
+            </a:bodyPr>
+            <a:lstStyle/>
+            <a:p>
+              <a:r>
+                <a:rPr lang="en-US" sz="2800" i="1" dirty="0">
+                  <a:latin typeface="Century Schoolbook" panose="02040604050505020304" pitchFamily="18" charset="0"/>
+                  <a:cs typeface="Times New Roman" panose="02020603050405020304" pitchFamily="18" charset="0"/>
+                </a:rPr>
+                <a:t>v</a:t>
+              </a:r>
+              <a:endParaRPr lang="en-US" sz="2800" i="1" dirty="0">
+                <a:latin typeface="Times New Roman" panose="02020603050405020304" pitchFamily="18" charset="0"/>
+                <a:cs typeface="Times New Roman" panose="02020603050405020304" pitchFamily="18" charset="0"/>
+              </a:endParaRPr>
+            </a:p>
+          </p:txBody>
+        </p:sp>
+        <p:sp>
+          <p:nvSpPr>
+            <p:cNvPr id="89" name="TextBox 88">
+              <a:extLst>
+                <a:ext uri="{FF2B5EF4-FFF2-40B4-BE49-F238E27FC236}">
+                  <a16:creationId xmlns:a16="http://schemas.microsoft.com/office/drawing/2014/main" id="{E3D6C57E-91C0-437C-B771-65E43EEF9F0A}"/>
+                </a:ext>
+              </a:extLst>
+            </p:cNvPr>
+            <p:cNvSpPr txBox="1"/>
+            <p:nvPr/>
+          </p:nvSpPr>
+          <p:spPr>
+            <a:xfrm>
+              <a:off x="1669542" y="621813"/>
+              <a:ext cx="293545" cy="311888"/>
+            </a:xfrm>
+            <a:prstGeom prst="rect">
+              <a:avLst/>
+            </a:prstGeom>
+            <a:noFill/>
+          </p:spPr>
+          <p:txBody>
+            <a:bodyPr wrap="square" rtlCol="0">
+              <a:spAutoFit/>
+            </a:bodyPr>
+            <a:lstStyle/>
+            <a:p>
+              <a:r>
+                <a:rPr lang="en-US" sz="1400" i="1" dirty="0">
+                  <a:latin typeface="Times New Roman" panose="02020603050405020304" pitchFamily="18" charset="0"/>
+                  <a:cs typeface="Times New Roman" panose="02020603050405020304" pitchFamily="18" charset="0"/>
+                </a:rPr>
+                <a:t>3</a:t>
+              </a:r>
+            </a:p>
+          </p:txBody>
+        </p:sp>
+      </p:grpSp>
+      <p:grpSp>
+        <p:nvGrpSpPr>
+          <p:cNvPr id="93" name="Group 92">
+            <a:extLst>
+              <a:ext uri="{FF2B5EF4-FFF2-40B4-BE49-F238E27FC236}">
+                <a16:creationId xmlns:a16="http://schemas.microsoft.com/office/drawing/2014/main" id="{B0D81226-D57B-48B8-9958-8A3F4B5C481E}"/>
+              </a:ext>
+            </a:extLst>
+          </p:cNvPr>
+          <p:cNvGrpSpPr/>
+          <p:nvPr/>
+        </p:nvGrpSpPr>
+        <p:grpSpPr>
+          <a:xfrm>
+            <a:off x="1914735" y="1419980"/>
+            <a:ext cx="449772" cy="578160"/>
+            <a:chOff x="1507986" y="361574"/>
+            <a:chExt cx="449772" cy="578160"/>
+          </a:xfrm>
+        </p:grpSpPr>
+        <p:sp>
+          <p:nvSpPr>
+            <p:cNvPr id="94" name="TextBox 93">
+              <a:extLst>
+                <a:ext uri="{FF2B5EF4-FFF2-40B4-BE49-F238E27FC236}">
+                  <a16:creationId xmlns:a16="http://schemas.microsoft.com/office/drawing/2014/main" id="{795B2593-CB2C-4C94-AA8A-C4770812A805}"/>
+                </a:ext>
+              </a:extLst>
+            </p:cNvPr>
+            <p:cNvSpPr txBox="1"/>
+            <p:nvPr/>
+          </p:nvSpPr>
+          <p:spPr>
+            <a:xfrm>
+              <a:off x="1507986" y="361574"/>
+              <a:ext cx="370614" cy="523220"/>
+            </a:xfrm>
+            <a:prstGeom prst="rect">
+              <a:avLst/>
+            </a:prstGeom>
+            <a:noFill/>
+          </p:spPr>
+          <p:txBody>
+            <a:bodyPr wrap="none" rtlCol="0">
+              <a:spAutoFit/>
+            </a:bodyPr>
+            <a:lstStyle/>
+            <a:p>
+              <a:r>
+                <a:rPr lang="en-US" sz="2800" i="1" dirty="0">
+                  <a:latin typeface="Century Schoolbook" panose="02040604050505020304" pitchFamily="18" charset="0"/>
+                  <a:cs typeface="Times New Roman" panose="02020603050405020304" pitchFamily="18" charset="0"/>
+                </a:rPr>
+                <a:t>v</a:t>
+              </a:r>
+              <a:endParaRPr lang="en-US" sz="2800" i="1" dirty="0">
+                <a:latin typeface="Times New Roman" panose="02020603050405020304" pitchFamily="18" charset="0"/>
+                <a:cs typeface="Times New Roman" panose="02020603050405020304" pitchFamily="18" charset="0"/>
+              </a:endParaRPr>
+            </a:p>
+          </p:txBody>
+        </p:sp>
+        <p:sp>
+          <p:nvSpPr>
+            <p:cNvPr id="103" name="TextBox 102">
+              <a:extLst>
+                <a:ext uri="{FF2B5EF4-FFF2-40B4-BE49-F238E27FC236}">
+                  <a16:creationId xmlns:a16="http://schemas.microsoft.com/office/drawing/2014/main" id="{8A9852DE-6CA8-4C53-B831-A14E133EDDFF}"/>
+                </a:ext>
+              </a:extLst>
+            </p:cNvPr>
+            <p:cNvSpPr txBox="1"/>
+            <p:nvPr/>
+          </p:nvSpPr>
+          <p:spPr>
+            <a:xfrm>
+              <a:off x="1664213" y="627846"/>
+              <a:ext cx="293545" cy="311888"/>
+            </a:xfrm>
+            <a:prstGeom prst="rect">
+              <a:avLst/>
+            </a:prstGeom>
+            <a:noFill/>
+          </p:spPr>
+          <p:txBody>
+            <a:bodyPr wrap="square" rtlCol="0">
+              <a:spAutoFit/>
+            </a:bodyPr>
+            <a:lstStyle/>
+            <a:p>
+              <a:r>
+                <a:rPr lang="en-US" sz="1400" i="1" dirty="0">
+                  <a:latin typeface="Times New Roman" panose="02020603050405020304" pitchFamily="18" charset="0"/>
+                  <a:cs typeface="Times New Roman" panose="02020603050405020304" pitchFamily="18" charset="0"/>
+                </a:rPr>
+                <a:t>6</a:t>
+              </a:r>
+            </a:p>
+          </p:txBody>
+        </p:sp>
+      </p:grpSp>
+      <p:grpSp>
+        <p:nvGrpSpPr>
+          <p:cNvPr id="104" name="Group 103">
+            <a:extLst>
+              <a:ext uri="{FF2B5EF4-FFF2-40B4-BE49-F238E27FC236}">
+                <a16:creationId xmlns:a16="http://schemas.microsoft.com/office/drawing/2014/main" id="{657459A6-6501-4CED-B608-9FA41E6A1C43}"/>
+              </a:ext>
+            </a:extLst>
+          </p:cNvPr>
+          <p:cNvGrpSpPr/>
+          <p:nvPr/>
+        </p:nvGrpSpPr>
+        <p:grpSpPr>
+          <a:xfrm>
+            <a:off x="1111552" y="1780351"/>
+            <a:ext cx="449934" cy="578085"/>
+            <a:chOff x="1507986" y="361574"/>
+            <a:chExt cx="449934" cy="578085"/>
+          </a:xfrm>
+        </p:grpSpPr>
+        <p:sp>
+          <p:nvSpPr>
+            <p:cNvPr id="105" name="TextBox 104">
+              <a:extLst>
+                <a:ext uri="{FF2B5EF4-FFF2-40B4-BE49-F238E27FC236}">
+                  <a16:creationId xmlns:a16="http://schemas.microsoft.com/office/drawing/2014/main" id="{B4AB8AA9-5C90-4D72-84FF-0C46EFB0DF15}"/>
+                </a:ext>
+              </a:extLst>
+            </p:cNvPr>
+            <p:cNvSpPr txBox="1"/>
+            <p:nvPr/>
+          </p:nvSpPr>
+          <p:spPr>
+            <a:xfrm>
+              <a:off x="1507986" y="361574"/>
+              <a:ext cx="370614" cy="523220"/>
+            </a:xfrm>
+            <a:prstGeom prst="rect">
+              <a:avLst/>
+            </a:prstGeom>
+            <a:noFill/>
+          </p:spPr>
+          <p:txBody>
+            <a:bodyPr wrap="none" rtlCol="0">
+              <a:spAutoFit/>
+            </a:bodyPr>
+            <a:lstStyle/>
+            <a:p>
+              <a:r>
+                <a:rPr lang="en-US" sz="2800" i="1" dirty="0">
+                  <a:latin typeface="Century Schoolbook" panose="02040604050505020304" pitchFamily="18" charset="0"/>
+                  <a:cs typeface="Times New Roman" panose="02020603050405020304" pitchFamily="18" charset="0"/>
+                </a:rPr>
+                <a:t>v</a:t>
+              </a:r>
+              <a:endParaRPr lang="en-US" sz="2800" i="1" dirty="0">
+                <a:latin typeface="Times New Roman" panose="02020603050405020304" pitchFamily="18" charset="0"/>
+                <a:cs typeface="Times New Roman" panose="02020603050405020304" pitchFamily="18" charset="0"/>
+              </a:endParaRPr>
+            </a:p>
+          </p:txBody>
+        </p:sp>
+        <p:sp>
+          <p:nvSpPr>
+            <p:cNvPr id="107" name="TextBox 106">
+              <a:extLst>
+                <a:ext uri="{FF2B5EF4-FFF2-40B4-BE49-F238E27FC236}">
+                  <a16:creationId xmlns:a16="http://schemas.microsoft.com/office/drawing/2014/main" id="{91B37361-21FE-4B48-A5DF-BC065B034331}"/>
+                </a:ext>
+              </a:extLst>
+            </p:cNvPr>
+            <p:cNvSpPr txBox="1"/>
+            <p:nvPr/>
+          </p:nvSpPr>
+          <p:spPr>
+            <a:xfrm>
+              <a:off x="1664375" y="627771"/>
+              <a:ext cx="293545" cy="311888"/>
+            </a:xfrm>
+            <a:prstGeom prst="rect">
+              <a:avLst/>
+            </a:prstGeom>
+            <a:noFill/>
+          </p:spPr>
+          <p:txBody>
+            <a:bodyPr wrap="square" rtlCol="0">
+              <a:spAutoFit/>
+            </a:bodyPr>
+            <a:lstStyle/>
+            <a:p>
+              <a:r>
+                <a:rPr lang="en-US" sz="1400" i="1" dirty="0">
+                  <a:latin typeface="Times New Roman" panose="02020603050405020304" pitchFamily="18" charset="0"/>
+                  <a:cs typeface="Times New Roman" panose="02020603050405020304" pitchFamily="18" charset="0"/>
+                </a:rPr>
+                <a:t>4</a:t>
+              </a:r>
+            </a:p>
+          </p:txBody>
+        </p:sp>
+      </p:grpSp>
+      <p:grpSp>
+        <p:nvGrpSpPr>
+          <p:cNvPr id="108" name="Group 107">
+            <a:extLst>
+              <a:ext uri="{FF2B5EF4-FFF2-40B4-BE49-F238E27FC236}">
+                <a16:creationId xmlns:a16="http://schemas.microsoft.com/office/drawing/2014/main" id="{3070470F-22D2-4A2E-A83F-F0B19B028F0E}"/>
+              </a:ext>
+            </a:extLst>
+          </p:cNvPr>
+          <p:cNvGrpSpPr/>
+          <p:nvPr/>
+        </p:nvGrpSpPr>
+        <p:grpSpPr>
+          <a:xfrm>
+            <a:off x="1238889" y="2673784"/>
+            <a:ext cx="462013" cy="573498"/>
+            <a:chOff x="1507986" y="361574"/>
+            <a:chExt cx="462013" cy="573498"/>
+          </a:xfrm>
+        </p:grpSpPr>
+        <p:sp>
+          <p:nvSpPr>
+            <p:cNvPr id="110" name="TextBox 109">
+              <a:extLst>
+                <a:ext uri="{FF2B5EF4-FFF2-40B4-BE49-F238E27FC236}">
+                  <a16:creationId xmlns:a16="http://schemas.microsoft.com/office/drawing/2014/main" id="{4D1C5970-D483-4878-AADA-43068958AABB}"/>
+                </a:ext>
+              </a:extLst>
+            </p:cNvPr>
+            <p:cNvSpPr txBox="1"/>
+            <p:nvPr/>
+          </p:nvSpPr>
+          <p:spPr>
+            <a:xfrm>
+              <a:off x="1507986" y="361574"/>
+              <a:ext cx="370614" cy="523220"/>
+            </a:xfrm>
+            <a:prstGeom prst="rect">
+              <a:avLst/>
+            </a:prstGeom>
+            <a:noFill/>
+          </p:spPr>
+          <p:txBody>
+            <a:bodyPr wrap="none" rtlCol="0">
+              <a:spAutoFit/>
+            </a:bodyPr>
+            <a:lstStyle/>
+            <a:p>
+              <a:r>
+                <a:rPr lang="en-US" sz="2800" i="1" dirty="0">
+                  <a:latin typeface="Century Schoolbook" panose="02040604050505020304" pitchFamily="18" charset="0"/>
+                  <a:cs typeface="Times New Roman" panose="02020603050405020304" pitchFamily="18" charset="0"/>
+                </a:rPr>
+                <a:t>v</a:t>
+              </a:r>
+              <a:endParaRPr lang="en-US" sz="2800" i="1" dirty="0">
+                <a:latin typeface="Times New Roman" panose="02020603050405020304" pitchFamily="18" charset="0"/>
+                <a:cs typeface="Times New Roman" panose="02020603050405020304" pitchFamily="18" charset="0"/>
+              </a:endParaRPr>
+            </a:p>
+          </p:txBody>
+        </p:sp>
+        <p:sp>
+          <p:nvSpPr>
+            <p:cNvPr id="112" name="TextBox 111">
+              <a:extLst>
+                <a:ext uri="{FF2B5EF4-FFF2-40B4-BE49-F238E27FC236}">
+                  <a16:creationId xmlns:a16="http://schemas.microsoft.com/office/drawing/2014/main" id="{E4710C20-4F0B-4B52-8F4C-8DB4811CE6F0}"/>
+                </a:ext>
+              </a:extLst>
+            </p:cNvPr>
+            <p:cNvSpPr txBox="1"/>
+            <p:nvPr/>
+          </p:nvSpPr>
+          <p:spPr>
+            <a:xfrm>
+              <a:off x="1676454" y="623184"/>
+              <a:ext cx="293545" cy="311888"/>
+            </a:xfrm>
+            <a:prstGeom prst="rect">
+              <a:avLst/>
+            </a:prstGeom>
+            <a:noFill/>
+          </p:spPr>
+          <p:txBody>
+            <a:bodyPr wrap="square" rtlCol="0">
+              <a:spAutoFit/>
+            </a:bodyPr>
+            <a:lstStyle/>
+            <a:p>
+              <a:r>
+                <a:rPr lang="en-US" sz="1400" i="1" dirty="0">
+                  <a:latin typeface="Times New Roman" panose="02020603050405020304" pitchFamily="18" charset="0"/>
+                  <a:cs typeface="Times New Roman" panose="02020603050405020304" pitchFamily="18" charset="0"/>
+                </a:rPr>
+                <a:t>7</a:t>
+              </a:r>
+            </a:p>
+          </p:txBody>
+        </p:sp>
+      </p:grpSp>
+      <p:grpSp>
+        <p:nvGrpSpPr>
+          <p:cNvPr id="114" name="Group 113">
+            <a:extLst>
+              <a:ext uri="{FF2B5EF4-FFF2-40B4-BE49-F238E27FC236}">
+                <a16:creationId xmlns:a16="http://schemas.microsoft.com/office/drawing/2014/main" id="{9DDF66AE-FA0E-4B62-B591-F68F24F6E265}"/>
+              </a:ext>
+            </a:extLst>
+          </p:cNvPr>
+          <p:cNvGrpSpPr/>
+          <p:nvPr/>
+        </p:nvGrpSpPr>
+        <p:grpSpPr>
+          <a:xfrm>
+            <a:off x="126004" y="1298133"/>
+            <a:ext cx="444253" cy="572381"/>
+            <a:chOff x="1507986" y="361574"/>
+            <a:chExt cx="444253" cy="572381"/>
+          </a:xfrm>
+        </p:grpSpPr>
+        <p:sp>
+          <p:nvSpPr>
+            <p:cNvPr id="115" name="TextBox 114">
+              <a:extLst>
+                <a:ext uri="{FF2B5EF4-FFF2-40B4-BE49-F238E27FC236}">
+                  <a16:creationId xmlns:a16="http://schemas.microsoft.com/office/drawing/2014/main" id="{A1F8FCEA-B667-4A01-BDBC-581A3D44AA7F}"/>
+                </a:ext>
+              </a:extLst>
+            </p:cNvPr>
+            <p:cNvSpPr txBox="1"/>
+            <p:nvPr/>
+          </p:nvSpPr>
+          <p:spPr>
+            <a:xfrm>
+              <a:off x="1507986" y="361574"/>
+              <a:ext cx="370614" cy="523220"/>
+            </a:xfrm>
+            <a:prstGeom prst="rect">
+              <a:avLst/>
+            </a:prstGeom>
+            <a:noFill/>
+          </p:spPr>
+          <p:txBody>
+            <a:bodyPr wrap="none" rtlCol="0">
+              <a:spAutoFit/>
+            </a:bodyPr>
+            <a:lstStyle/>
+            <a:p>
+              <a:r>
+                <a:rPr lang="en-US" sz="2800" i="1" dirty="0">
+                  <a:latin typeface="Century Schoolbook" panose="02040604050505020304" pitchFamily="18" charset="0"/>
+                  <a:cs typeface="Times New Roman" panose="02020603050405020304" pitchFamily="18" charset="0"/>
+                </a:rPr>
+                <a:t>v</a:t>
+              </a:r>
+              <a:endParaRPr lang="en-US" sz="2800" i="1" dirty="0">
+                <a:latin typeface="Times New Roman" panose="02020603050405020304" pitchFamily="18" charset="0"/>
+                <a:cs typeface="Times New Roman" panose="02020603050405020304" pitchFamily="18" charset="0"/>
+              </a:endParaRPr>
+            </a:p>
+          </p:txBody>
+        </p:sp>
+        <p:sp>
+          <p:nvSpPr>
+            <p:cNvPr id="117" name="TextBox 116">
+              <a:extLst>
+                <a:ext uri="{FF2B5EF4-FFF2-40B4-BE49-F238E27FC236}">
+                  <a16:creationId xmlns:a16="http://schemas.microsoft.com/office/drawing/2014/main" id="{C2E98922-7689-4DDC-BEB1-3926047F46A3}"/>
+                </a:ext>
+              </a:extLst>
+            </p:cNvPr>
+            <p:cNvSpPr txBox="1"/>
+            <p:nvPr/>
+          </p:nvSpPr>
+          <p:spPr>
+            <a:xfrm>
+              <a:off x="1658694" y="622067"/>
+              <a:ext cx="293545" cy="311888"/>
+            </a:xfrm>
+            <a:prstGeom prst="rect">
+              <a:avLst/>
+            </a:prstGeom>
+            <a:noFill/>
+          </p:spPr>
+          <p:txBody>
+            <a:bodyPr wrap="square" rtlCol="0">
+              <a:spAutoFit/>
+            </a:bodyPr>
+            <a:lstStyle/>
+            <a:p>
+              <a:r>
+                <a:rPr lang="en-US" sz="1400" i="1" dirty="0">
+                  <a:latin typeface="Times New Roman" panose="02020603050405020304" pitchFamily="18" charset="0"/>
+                  <a:cs typeface="Times New Roman" panose="02020603050405020304" pitchFamily="18" charset="0"/>
+                </a:rPr>
+                <a:t>5</a:t>
+              </a:r>
+            </a:p>
+          </p:txBody>
+        </p:sp>
+      </p:grpSp>
+      <p:grpSp>
+        <p:nvGrpSpPr>
+          <p:cNvPr id="119" name="Group 118">
+            <a:extLst>
+              <a:ext uri="{FF2B5EF4-FFF2-40B4-BE49-F238E27FC236}">
+                <a16:creationId xmlns:a16="http://schemas.microsoft.com/office/drawing/2014/main" id="{E9173B10-0FF8-4BA7-A59F-0C98277DB184}"/>
+              </a:ext>
+            </a:extLst>
+          </p:cNvPr>
+          <p:cNvGrpSpPr/>
+          <p:nvPr/>
+        </p:nvGrpSpPr>
+        <p:grpSpPr>
+          <a:xfrm>
+            <a:off x="8964838" y="1179373"/>
+            <a:ext cx="1004063" cy="528954"/>
+            <a:chOff x="4761992" y="3977386"/>
+            <a:chExt cx="1004063" cy="528954"/>
+          </a:xfrm>
+        </p:grpSpPr>
+        <p:sp>
+          <p:nvSpPr>
+            <p:cNvPr id="124" name="TextBox 123">
+              <a:extLst>
+                <a:ext uri="{FF2B5EF4-FFF2-40B4-BE49-F238E27FC236}">
+                  <a16:creationId xmlns:a16="http://schemas.microsoft.com/office/drawing/2014/main" id="{66D65CAD-ADDE-47E3-9BDB-4FB8711F7BE1}"/>
+                </a:ext>
+              </a:extLst>
+            </p:cNvPr>
+            <p:cNvSpPr txBox="1"/>
+            <p:nvPr/>
+          </p:nvSpPr>
+          <p:spPr>
+            <a:xfrm>
+              <a:off x="4761992" y="3977386"/>
+              <a:ext cx="1004063" cy="461665"/>
+            </a:xfrm>
+            <a:prstGeom prst="rect">
+              <a:avLst/>
+            </a:prstGeom>
+            <a:noFill/>
+          </p:spPr>
+          <p:txBody>
+            <a:bodyPr wrap="square" rtlCol="0">
+              <a:spAutoFit/>
+            </a:bodyPr>
+            <a:lstStyle/>
+            <a:p>
+              <a:r>
+                <a:rPr lang="en-US" sz="2400" i="1" dirty="0">
+                  <a:latin typeface="Century Schoolbook" panose="02040604050505020304" pitchFamily="18" charset="0"/>
+                  <a:cs typeface="Times New Roman" panose="02020603050405020304" pitchFamily="18" charset="0"/>
+                </a:rPr>
+                <a:t>v</a:t>
+              </a:r>
+              <a:endParaRPr lang="en-US" i="1" dirty="0">
+                <a:latin typeface="Century Schoolbook" panose="02040604050505020304" pitchFamily="18" charset="0"/>
+                <a:cs typeface="Times New Roman" panose="02020603050405020304" pitchFamily="18" charset="0"/>
+              </a:endParaRPr>
+            </a:p>
+          </p:txBody>
+        </p:sp>
+        <p:sp>
+          <p:nvSpPr>
+            <p:cNvPr id="126" name="TextBox 125">
+              <a:extLst>
+                <a:ext uri="{FF2B5EF4-FFF2-40B4-BE49-F238E27FC236}">
+                  <a16:creationId xmlns:a16="http://schemas.microsoft.com/office/drawing/2014/main" id="{0991C466-0741-46B9-9CF2-C28B8A3441B0}"/>
+                </a:ext>
+              </a:extLst>
+            </p:cNvPr>
+            <p:cNvSpPr txBox="1"/>
+            <p:nvPr/>
+          </p:nvSpPr>
+          <p:spPr>
+            <a:xfrm>
+              <a:off x="4890385" y="4137008"/>
+              <a:ext cx="584200" cy="369332"/>
+            </a:xfrm>
+            <a:prstGeom prst="rect">
+              <a:avLst/>
+            </a:prstGeom>
+            <a:noFill/>
+          </p:spPr>
+          <p:txBody>
+            <a:bodyPr wrap="square">
+              <a:spAutoFit/>
+            </a:bodyPr>
+            <a:lstStyle/>
+            <a:p>
+              <a:r>
+                <a:rPr lang="en-US" sz="1800" i="1" dirty="0" err="1">
+                  <a:latin typeface="Times New Roman" panose="02020603050405020304" pitchFamily="18" charset="0"/>
+                  <a:cs typeface="Times New Roman" panose="02020603050405020304" pitchFamily="18" charset="0"/>
+                </a:rPr>
+                <a:t>ctx</a:t>
+              </a:r>
+              <a:endParaRPr lang="en-US" dirty="0"/>
+            </a:p>
+          </p:txBody>
+        </p:sp>
+      </p:grpSp>
+      <p:sp>
+        <p:nvSpPr>
+          <p:cNvPr id="127" name="TextBox 126">
+            <a:extLst>
+              <a:ext uri="{FF2B5EF4-FFF2-40B4-BE49-F238E27FC236}">
+                <a16:creationId xmlns:a16="http://schemas.microsoft.com/office/drawing/2014/main" id="{1B9F99E9-4831-4206-A298-3B42FD2D32E6}"/>
+              </a:ext>
+            </a:extLst>
+          </p:cNvPr>
+          <p:cNvSpPr txBox="1"/>
+          <p:nvPr/>
+        </p:nvSpPr>
+        <p:spPr>
+          <a:xfrm>
+            <a:off x="9576009" y="1284611"/>
+            <a:ext cx="553806" cy="369332"/>
+          </a:xfrm>
+          <a:prstGeom prst="rect">
+            <a:avLst/>
+          </a:prstGeom>
+          <a:noFill/>
+        </p:spPr>
+        <p:txBody>
+          <a:bodyPr wrap="square">
+            <a:spAutoFit/>
+          </a:bodyPr>
+          <a:lstStyle/>
+          <a:p>
+            <a:pPr algn="ctr"/>
+            <a:r>
+              <a:rPr lang="en-US" sz="1800" dirty="0">
+                <a:solidFill>
+                  <a:schemeClr val="accent6">
+                    <a:lumMod val="75000"/>
+                  </a:schemeClr>
+                </a:solidFill>
+              </a:rPr>
+              <a:t>V6</a:t>
+            </a:r>
+          </a:p>
+        </p:txBody>
+      </p:sp>
+      <p:sp>
+        <p:nvSpPr>
+          <p:cNvPr id="128" name="TextBox 127">
+            <a:extLst>
+              <a:ext uri="{FF2B5EF4-FFF2-40B4-BE49-F238E27FC236}">
+                <a16:creationId xmlns:a16="http://schemas.microsoft.com/office/drawing/2014/main" id="{09E67B08-F389-4038-8104-7D87B9D12F2F}"/>
+              </a:ext>
+            </a:extLst>
+          </p:cNvPr>
+          <p:cNvSpPr txBox="1"/>
+          <p:nvPr/>
+        </p:nvSpPr>
+        <p:spPr>
+          <a:xfrm>
+            <a:off x="9393655" y="1288842"/>
+            <a:ext cx="387856" cy="369332"/>
+          </a:xfrm>
+          <a:prstGeom prst="rect">
+            <a:avLst/>
+          </a:prstGeom>
+          <a:noFill/>
+        </p:spPr>
+        <p:txBody>
+          <a:bodyPr wrap="square">
+            <a:spAutoFit/>
+          </a:bodyPr>
+          <a:lstStyle/>
+          <a:p>
+            <a:pPr algn="ctr"/>
+            <a:r>
+              <a:rPr lang="en-US" sz="1800" dirty="0"/>
+              <a:t>x</a:t>
+            </a:r>
+          </a:p>
+        </p:txBody>
+      </p:sp>
+      <p:grpSp>
+        <p:nvGrpSpPr>
+          <p:cNvPr id="17" name="Group 16">
+            <a:extLst>
+              <a:ext uri="{FF2B5EF4-FFF2-40B4-BE49-F238E27FC236}">
+                <a16:creationId xmlns:a16="http://schemas.microsoft.com/office/drawing/2014/main" id="{A84B0886-7241-4143-A91B-EB838C9E93D8}"/>
+              </a:ext>
+            </a:extLst>
+          </p:cNvPr>
+          <p:cNvGrpSpPr/>
+          <p:nvPr/>
+        </p:nvGrpSpPr>
+        <p:grpSpPr>
+          <a:xfrm>
+            <a:off x="9739341" y="1910793"/>
+            <a:ext cx="553806" cy="442175"/>
+            <a:chOff x="7569916" y="3846044"/>
+            <a:chExt cx="553806" cy="442175"/>
+          </a:xfrm>
+        </p:grpSpPr>
+        <p:sp>
+          <p:nvSpPr>
+            <p:cNvPr id="129" name="TextBox 128">
+              <a:extLst>
+                <a:ext uri="{FF2B5EF4-FFF2-40B4-BE49-F238E27FC236}">
+                  <a16:creationId xmlns:a16="http://schemas.microsoft.com/office/drawing/2014/main" id="{5899F48B-EBC2-42F2-A63C-68D9131DDE9B}"/>
+                </a:ext>
+              </a:extLst>
+            </p:cNvPr>
+            <p:cNvSpPr txBox="1"/>
+            <p:nvPr/>
+          </p:nvSpPr>
+          <p:spPr>
+            <a:xfrm>
+              <a:off x="7569916" y="3846044"/>
+              <a:ext cx="553806" cy="369332"/>
+            </a:xfrm>
+            <a:prstGeom prst="rect">
+              <a:avLst/>
+            </a:prstGeom>
+            <a:noFill/>
+          </p:spPr>
+          <p:txBody>
+            <a:bodyPr wrap="square">
+              <a:spAutoFit/>
+            </a:bodyPr>
+            <a:lstStyle/>
+            <a:p>
+              <a:pPr algn="ctr"/>
+              <a:r>
+                <a:rPr lang="en-US" sz="1800" dirty="0">
+                  <a:solidFill>
+                    <a:schemeClr val="accent6">
+                      <a:lumMod val="75000"/>
+                    </a:schemeClr>
+                  </a:solidFill>
+                </a:rPr>
+                <a:t>V*</a:t>
+              </a:r>
+            </a:p>
+          </p:txBody>
+        </p:sp>
+        <p:sp>
+          <p:nvSpPr>
+            <p:cNvPr id="131" name="TextBox 130">
+              <a:extLst>
+                <a:ext uri="{FF2B5EF4-FFF2-40B4-BE49-F238E27FC236}">
+                  <a16:creationId xmlns:a16="http://schemas.microsoft.com/office/drawing/2014/main" id="{83296D4C-BE0A-49A2-8FAC-757B6949E316}"/>
+                </a:ext>
+              </a:extLst>
+            </p:cNvPr>
+            <p:cNvSpPr txBox="1"/>
+            <p:nvPr/>
+          </p:nvSpPr>
+          <p:spPr>
+            <a:xfrm>
+              <a:off x="7741841" y="3980557"/>
+              <a:ext cx="250836" cy="307662"/>
+            </a:xfrm>
+            <a:prstGeom prst="rect">
+              <a:avLst/>
+            </a:prstGeom>
+            <a:noFill/>
+          </p:spPr>
+          <p:txBody>
+            <a:bodyPr wrap="square" rtlCol="0">
+              <a:spAutoFit/>
+            </a:bodyPr>
+            <a:lstStyle/>
+            <a:p>
+              <a:r>
+                <a:rPr lang="en-US" sz="1400" b="1" i="1" dirty="0">
+                  <a:solidFill>
+                    <a:schemeClr val="accent6">
+                      <a:lumMod val="75000"/>
+                    </a:schemeClr>
+                  </a:solidFill>
+                  <a:latin typeface="Times New Roman" panose="02020603050405020304" pitchFamily="18" charset="0"/>
+                  <a:cs typeface="Times New Roman" panose="02020603050405020304" pitchFamily="18" charset="0"/>
+                </a:rPr>
+                <a:t>6</a:t>
+              </a:r>
             </a:p>
           </p:txBody>
         </p:sp>

--- a/figures/Figures-Yi.pptx
+++ b/figures/Figures-Yi.pptx
@@ -22377,16 +22377,15 @@
               <a:avLst/>
             </a:prstGeom>
             <a:solidFill>
-              <a:schemeClr val="accent4">
+              <a:schemeClr val="accent6">
                 <a:lumMod val="20000"/>
                 <a:lumOff val="80000"/>
               </a:schemeClr>
             </a:solidFill>
             <a:ln>
               <a:solidFill>
-                <a:schemeClr val="accent4">
-                  <a:lumMod val="60000"/>
-                  <a:lumOff val="40000"/>
+                <a:schemeClr val="accent6">
+                  <a:lumMod val="50000"/>
                 </a:schemeClr>
               </a:solidFill>
             </a:ln>
@@ -22430,23 +22429,22 @@
           </p:nvSpPr>
           <p:spPr>
             <a:xfrm>
-              <a:off x="6102255" y="2086816"/>
-              <a:ext cx="182880" cy="182880"/>
+              <a:off x="6113726" y="2086816"/>
+              <a:ext cx="171410" cy="182880"/>
             </a:xfrm>
             <a:prstGeom prst="ellipse">
               <a:avLst/>
             </a:prstGeom>
             <a:solidFill>
-              <a:schemeClr val="accent4">
+              <a:schemeClr val="accent6">
                 <a:lumMod val="20000"/>
                 <a:lumOff val="80000"/>
               </a:schemeClr>
             </a:solidFill>
             <a:ln>
               <a:solidFill>
-                <a:schemeClr val="accent4">
-                  <a:lumMod val="60000"/>
-                  <a:lumOff val="40000"/>
+                <a:schemeClr val="accent6">
+                  <a:lumMod val="50000"/>
                 </a:schemeClr>
               </a:solidFill>
             </a:ln>
@@ -22497,16 +22495,15 @@
               <a:avLst/>
             </a:prstGeom>
             <a:solidFill>
-              <a:schemeClr val="accent4">
+              <a:schemeClr val="accent6">
                 <a:lumMod val="20000"/>
                 <a:lumOff val="80000"/>
               </a:schemeClr>
             </a:solidFill>
             <a:ln>
               <a:solidFill>
-                <a:schemeClr val="accent4">
-                  <a:lumMod val="60000"/>
-                  <a:lumOff val="40000"/>
+                <a:schemeClr val="accent6">
+                  <a:lumMod val="50000"/>
                 </a:schemeClr>
               </a:solidFill>
             </a:ln>
@@ -22630,16 +22627,15 @@
               <a:avLst/>
             </a:prstGeom>
             <a:solidFill>
-              <a:schemeClr val="accent4">
+              <a:schemeClr val="accent6">
                 <a:lumMod val="20000"/>
                 <a:lumOff val="80000"/>
               </a:schemeClr>
             </a:solidFill>
             <a:ln>
               <a:solidFill>
-                <a:schemeClr val="accent4">
-                  <a:lumMod val="60000"/>
-                  <a:lumOff val="40000"/>
+                <a:schemeClr val="accent6">
+                  <a:lumMod val="50000"/>
                 </a:schemeClr>
               </a:solidFill>
             </a:ln>
@@ -22690,16 +22686,15 @@
               <a:avLst/>
             </a:prstGeom>
             <a:solidFill>
-              <a:schemeClr val="accent4">
+              <a:schemeClr val="accent6">
                 <a:lumMod val="20000"/>
                 <a:lumOff val="80000"/>
               </a:schemeClr>
             </a:solidFill>
             <a:ln>
               <a:solidFill>
-                <a:schemeClr val="accent4">
-                  <a:lumMod val="60000"/>
-                  <a:lumOff val="40000"/>
+                <a:schemeClr val="accent6">
+                  <a:lumMod val="50000"/>
                 </a:schemeClr>
               </a:solidFill>
             </a:ln>
@@ -22750,16 +22745,15 @@
               <a:avLst/>
             </a:prstGeom>
             <a:solidFill>
-              <a:schemeClr val="accent4">
+              <a:schemeClr val="accent6">
                 <a:lumMod val="20000"/>
                 <a:lumOff val="80000"/>
               </a:schemeClr>
             </a:solidFill>
             <a:ln>
               <a:solidFill>
-                <a:schemeClr val="accent4">
-                  <a:lumMod val="60000"/>
-                  <a:lumOff val="40000"/>
+                <a:schemeClr val="accent6">
+                  <a:lumMod val="50000"/>
                 </a:schemeClr>
               </a:solidFill>
             </a:ln>
@@ -22883,16 +22877,15 @@
               <a:avLst/>
             </a:prstGeom>
             <a:solidFill>
-              <a:schemeClr val="accent4">
+              <a:schemeClr val="accent6">
                 <a:lumMod val="20000"/>
                 <a:lumOff val="80000"/>
               </a:schemeClr>
             </a:solidFill>
             <a:ln>
               <a:solidFill>
-                <a:schemeClr val="accent4">
-                  <a:lumMod val="60000"/>
-                  <a:lumOff val="40000"/>
+                <a:schemeClr val="accent6">
+                  <a:lumMod val="50000"/>
                 </a:schemeClr>
               </a:solidFill>
             </a:ln>
@@ -22943,16 +22936,15 @@
               <a:avLst/>
             </a:prstGeom>
             <a:solidFill>
-              <a:schemeClr val="accent4">
+              <a:schemeClr val="accent6">
                 <a:lumMod val="20000"/>
                 <a:lumOff val="80000"/>
               </a:schemeClr>
             </a:solidFill>
             <a:ln>
               <a:solidFill>
-                <a:schemeClr val="accent4">
-                  <a:lumMod val="60000"/>
-                  <a:lumOff val="40000"/>
+                <a:schemeClr val="accent6">
+                  <a:lumMod val="50000"/>
                 </a:schemeClr>
               </a:solidFill>
             </a:ln>
@@ -23003,16 +22995,15 @@
               <a:avLst/>
             </a:prstGeom>
             <a:solidFill>
-              <a:schemeClr val="accent4">
+              <a:schemeClr val="accent6">
                 <a:lumMod val="20000"/>
                 <a:lumOff val="80000"/>
               </a:schemeClr>
             </a:solidFill>
             <a:ln>
               <a:solidFill>
-                <a:schemeClr val="accent4">
-                  <a:lumMod val="60000"/>
-                  <a:lumOff val="40000"/>
+                <a:schemeClr val="accent6">
+                  <a:lumMod val="50000"/>
                 </a:schemeClr>
               </a:solidFill>
             </a:ln>
@@ -23098,7 +23089,12 @@
           <a:prstGeom prst="roundRect">
             <a:avLst/>
           </a:prstGeom>
-          <a:noFill/>
+          <a:solidFill>
+            <a:schemeClr val="accent1">
+              <a:lumMod val="20000"/>
+              <a:lumOff val="80000"/>
+            </a:schemeClr>
+          </a:solidFill>
           <a:ln>
             <a:solidFill>
               <a:schemeClr val="tx1"/>
@@ -23157,7 +23153,9 @@
           <a:prstGeom prst="roundRect">
             <a:avLst/>
           </a:prstGeom>
-          <a:noFill/>
+          <a:solidFill>
+            <a:srgbClr val="FDFDD9"/>
+          </a:solidFill>
           <a:ln>
             <a:solidFill>
               <a:schemeClr val="tx1"/>
@@ -23216,7 +23214,12 @@
           <a:prstGeom prst="roundRect">
             <a:avLst/>
           </a:prstGeom>
-          <a:noFill/>
+          <a:solidFill>
+            <a:schemeClr val="accent1">
+              <a:lumMod val="20000"/>
+              <a:lumOff val="80000"/>
+            </a:schemeClr>
+          </a:solidFill>
           <a:ln>
             <a:solidFill>
               <a:schemeClr val="tx1"/>
@@ -23310,7 +23313,12 @@
           <a:prstGeom prst="roundRect">
             <a:avLst/>
           </a:prstGeom>
-          <a:noFill/>
+          <a:solidFill>
+            <a:schemeClr val="accent1">
+              <a:lumMod val="20000"/>
+              <a:lumOff val="80000"/>
+            </a:schemeClr>
+          </a:solidFill>
           <a:ln>
             <a:solidFill>
               <a:schemeClr val="tx1"/>
@@ -23369,7 +23377,12 @@
           <a:prstGeom prst="roundRect">
             <a:avLst/>
           </a:prstGeom>
-          <a:noFill/>
+          <a:solidFill>
+            <a:schemeClr val="accent1">
+              <a:lumMod val="20000"/>
+              <a:lumOff val="80000"/>
+            </a:schemeClr>
+          </a:solidFill>
           <a:ln>
             <a:solidFill>
               <a:schemeClr val="tx1"/>
@@ -23428,7 +23441,9 @@
           <a:prstGeom prst="roundRect">
             <a:avLst/>
           </a:prstGeom>
-          <a:noFill/>
+          <a:solidFill>
+            <a:srgbClr val="FDFDD9"/>
+          </a:solidFill>
           <a:ln>
             <a:solidFill>
               <a:schemeClr val="tx1"/>
@@ -23462,7 +23477,7 @@
                   <a:schemeClr val="tx1"/>
                 </a:solidFill>
               </a:rPr>
-              <a:t>Concern 1</a:t>
+              <a:t>Concern 2</a:t>
             </a:r>
           </a:p>
         </p:txBody>
@@ -24133,7 +24148,7 @@
             <a:avLst/>
           </a:prstGeom>
           <a:solidFill>
-            <a:schemeClr val="accent6">
+            <a:schemeClr val="accent4">
               <a:lumMod val="20000"/>
               <a:lumOff val="80000"/>
             </a:schemeClr>
@@ -24192,7 +24207,7 @@
             <a:avLst/>
           </a:prstGeom>
           <a:solidFill>
-            <a:schemeClr val="accent6">
+            <a:schemeClr val="accent4">
               <a:lumMod val="20000"/>
               <a:lumOff val="80000"/>
             </a:schemeClr>

--- a/figures/Figures-Yi.pptx
+++ b/figures/Figures-Yi.pptx
@@ -265,7 +265,7 @@
           <a:p>
             <a:fld id="{9BED4BE8-31C7-403D-911A-3E727E0E58BF}" type="datetimeFigureOut">
               <a:rPr lang="en-US" smtClean="0"/>
-              <a:t>3/7/2022</a:t>
+              <a:t>3/9/2022</a:t>
             </a:fld>
             <a:endParaRPr lang="en-US" dirty="0"/>
           </a:p>
@@ -463,7 +463,7 @@
           <a:p>
             <a:fld id="{9BED4BE8-31C7-403D-911A-3E727E0E58BF}" type="datetimeFigureOut">
               <a:rPr lang="en-US" smtClean="0"/>
-              <a:t>3/7/2022</a:t>
+              <a:t>3/9/2022</a:t>
             </a:fld>
             <a:endParaRPr lang="en-US" dirty="0"/>
           </a:p>
@@ -671,7 +671,7 @@
           <a:p>
             <a:fld id="{9BED4BE8-31C7-403D-911A-3E727E0E58BF}" type="datetimeFigureOut">
               <a:rPr lang="en-US" smtClean="0"/>
-              <a:t>3/7/2022</a:t>
+              <a:t>3/9/2022</a:t>
             </a:fld>
             <a:endParaRPr lang="en-US" dirty="0"/>
           </a:p>
@@ -869,7 +869,7 @@
           <a:p>
             <a:fld id="{9BED4BE8-31C7-403D-911A-3E727E0E58BF}" type="datetimeFigureOut">
               <a:rPr lang="en-US" smtClean="0"/>
-              <a:t>3/7/2022</a:t>
+              <a:t>3/9/2022</a:t>
             </a:fld>
             <a:endParaRPr lang="en-US" dirty="0"/>
           </a:p>
@@ -1144,7 +1144,7 @@
           <a:p>
             <a:fld id="{9BED4BE8-31C7-403D-911A-3E727E0E58BF}" type="datetimeFigureOut">
               <a:rPr lang="en-US" smtClean="0"/>
-              <a:t>3/7/2022</a:t>
+              <a:t>3/9/2022</a:t>
             </a:fld>
             <a:endParaRPr lang="en-US" dirty="0"/>
           </a:p>
@@ -1409,7 +1409,7 @@
           <a:p>
             <a:fld id="{9BED4BE8-31C7-403D-911A-3E727E0E58BF}" type="datetimeFigureOut">
               <a:rPr lang="en-US" smtClean="0"/>
-              <a:t>3/7/2022</a:t>
+              <a:t>3/9/2022</a:t>
             </a:fld>
             <a:endParaRPr lang="en-US" dirty="0"/>
           </a:p>
@@ -1821,7 +1821,7 @@
           <a:p>
             <a:fld id="{9BED4BE8-31C7-403D-911A-3E727E0E58BF}" type="datetimeFigureOut">
               <a:rPr lang="en-US" smtClean="0"/>
-              <a:t>3/7/2022</a:t>
+              <a:t>3/9/2022</a:t>
             </a:fld>
             <a:endParaRPr lang="en-US" dirty="0"/>
           </a:p>
@@ -1962,7 +1962,7 @@
           <a:p>
             <a:fld id="{9BED4BE8-31C7-403D-911A-3E727E0E58BF}" type="datetimeFigureOut">
               <a:rPr lang="en-US" smtClean="0"/>
-              <a:t>3/7/2022</a:t>
+              <a:t>3/9/2022</a:t>
             </a:fld>
             <a:endParaRPr lang="en-US" dirty="0"/>
           </a:p>
@@ -2075,7 +2075,7 @@
           <a:p>
             <a:fld id="{9BED4BE8-31C7-403D-911A-3E727E0E58BF}" type="datetimeFigureOut">
               <a:rPr lang="en-US" smtClean="0"/>
-              <a:t>3/7/2022</a:t>
+              <a:t>3/9/2022</a:t>
             </a:fld>
             <a:endParaRPr lang="en-US" dirty="0"/>
           </a:p>
@@ -2386,7 +2386,7 @@
           <a:p>
             <a:fld id="{9BED4BE8-31C7-403D-911A-3E727E0E58BF}" type="datetimeFigureOut">
               <a:rPr lang="en-US" smtClean="0"/>
-              <a:t>3/7/2022</a:t>
+              <a:t>3/9/2022</a:t>
             </a:fld>
             <a:endParaRPr lang="en-US" dirty="0"/>
           </a:p>
@@ -2674,7 +2674,7 @@
           <a:p>
             <a:fld id="{9BED4BE8-31C7-403D-911A-3E727E0E58BF}" type="datetimeFigureOut">
               <a:rPr lang="en-US" smtClean="0"/>
-              <a:t>3/7/2022</a:t>
+              <a:t>3/9/2022</a:t>
             </a:fld>
             <a:endParaRPr lang="en-US" dirty="0"/>
           </a:p>
@@ -2915,7 +2915,7 @@
           <a:p>
             <a:fld id="{9BED4BE8-31C7-403D-911A-3E727E0E58BF}" type="datetimeFigureOut">
               <a:rPr lang="en-US" smtClean="0"/>
-              <a:t>3/7/2022</a:t>
+              <a:t>3/9/2022</a:t>
             </a:fld>
             <a:endParaRPr lang="en-US" dirty="0"/>
           </a:p>

--- a/figures/Figures-Yi.pptx
+++ b/figures/Figures-Yi.pptx
@@ -12,6 +12,7 @@
     <p:sldId id="260" r:id="rId6"/>
     <p:sldId id="261" r:id="rId7"/>
     <p:sldId id="262" r:id="rId8"/>
+    <p:sldId id="263" r:id="rId9"/>
   </p:sldIdLst>
   <p:sldSz cx="12192000" cy="6858000"/>
   <p:notesSz cx="6858000" cy="9144000"/>
@@ -116,6 +117,1902 @@
     </p:ext>
   </p:extLst>
 </p:presentation>
+</file>
+
+<file path=ppt/charts/chart1.xml><?xml version="1.0" encoding="utf-8"?>
+<c:chartSpace xmlns:c="http://schemas.openxmlformats.org/drawingml/2006/chart" xmlns:a="http://schemas.openxmlformats.org/drawingml/2006/main" xmlns:r="http://schemas.openxmlformats.org/officeDocument/2006/relationships" xmlns:c16r2="http://schemas.microsoft.com/office/drawing/2015/06/chart">
+  <c:date1904 val="0"/>
+  <c:lang val="en-US"/>
+  <c:roundedCorners val="0"/>
+  <mc:AlternateContent xmlns:mc="http://schemas.openxmlformats.org/markup-compatibility/2006">
+    <mc:Choice xmlns:c14="http://schemas.microsoft.com/office/drawing/2007/8/2/chart" Requires="c14">
+      <c14:style val="102"/>
+    </mc:Choice>
+    <mc:Fallback>
+      <c:style val="2"/>
+    </mc:Fallback>
+  </mc:AlternateContent>
+  <c:chart>
+    <c:autoTitleDeleted val="1"/>
+    <c:plotArea>
+      <c:layout/>
+      <c:lineChart>
+        <c:grouping val="standard"/>
+        <c:varyColors val="0"/>
+        <c:ser>
+          <c:idx val="0"/>
+          <c:order val="0"/>
+          <c:tx>
+            <c:strRef>
+              <c:f>Sheet1!$C$1</c:f>
+              <c:strCache>
+                <c:ptCount val="1"/>
+                <c:pt idx="0">
+                  <c:v>acc</c:v>
+                </c:pt>
+              </c:strCache>
+            </c:strRef>
+          </c:tx>
+          <c:spPr>
+            <a:ln w="28575" cap="rnd">
+              <a:solidFill>
+                <a:schemeClr val="accent1"/>
+              </a:solidFill>
+              <a:round/>
+            </a:ln>
+            <a:effectLst/>
+          </c:spPr>
+          <c:marker>
+            <c:symbol val="none"/>
+          </c:marker>
+          <c:cat>
+            <c:numRef>
+              <c:f>Sheet1!$A$2:$A$166</c:f>
+              <c:numCache>
+                <c:formatCode>General</c:formatCode>
+                <c:ptCount val="165"/>
+                <c:pt idx="0">
+                  <c:v>1</c:v>
+                </c:pt>
+                <c:pt idx="1">
+                  <c:v>3</c:v>
+                </c:pt>
+                <c:pt idx="2">
+                  <c:v>5</c:v>
+                </c:pt>
+                <c:pt idx="3">
+                  <c:v>6</c:v>
+                </c:pt>
+                <c:pt idx="4">
+                  <c:v>7</c:v>
+                </c:pt>
+                <c:pt idx="5">
+                  <c:v>8</c:v>
+                </c:pt>
+                <c:pt idx="6">
+                  <c:v>9</c:v>
+                </c:pt>
+                <c:pt idx="7">
+                  <c:v>12</c:v>
+                </c:pt>
+                <c:pt idx="8">
+                  <c:v>13</c:v>
+                </c:pt>
+                <c:pt idx="9">
+                  <c:v>15</c:v>
+                </c:pt>
+                <c:pt idx="10">
+                  <c:v>16</c:v>
+                </c:pt>
+                <c:pt idx="11">
+                  <c:v>17</c:v>
+                </c:pt>
+                <c:pt idx="12">
+                  <c:v>18</c:v>
+                </c:pt>
+                <c:pt idx="13">
+                  <c:v>19</c:v>
+                </c:pt>
+                <c:pt idx="14">
+                  <c:v>21</c:v>
+                </c:pt>
+                <c:pt idx="15">
+                  <c:v>22</c:v>
+                </c:pt>
+                <c:pt idx="16">
+                  <c:v>24</c:v>
+                </c:pt>
+                <c:pt idx="17">
+                  <c:v>25</c:v>
+                </c:pt>
+                <c:pt idx="18">
+                  <c:v>26</c:v>
+                </c:pt>
+                <c:pt idx="19">
+                  <c:v>27</c:v>
+                </c:pt>
+                <c:pt idx="20">
+                  <c:v>29</c:v>
+                </c:pt>
+                <c:pt idx="21">
+                  <c:v>30</c:v>
+                </c:pt>
+                <c:pt idx="22">
+                  <c:v>31</c:v>
+                </c:pt>
+                <c:pt idx="23">
+                  <c:v>34</c:v>
+                </c:pt>
+                <c:pt idx="24">
+                  <c:v>35</c:v>
+                </c:pt>
+                <c:pt idx="25">
+                  <c:v>37</c:v>
+                </c:pt>
+                <c:pt idx="26">
+                  <c:v>38</c:v>
+                </c:pt>
+                <c:pt idx="27">
+                  <c:v>39</c:v>
+                </c:pt>
+                <c:pt idx="28">
+                  <c:v>41</c:v>
+                </c:pt>
+                <c:pt idx="29">
+                  <c:v>43</c:v>
+                </c:pt>
+                <c:pt idx="30">
+                  <c:v>45</c:v>
+                </c:pt>
+                <c:pt idx="31">
+                  <c:v>47</c:v>
+                </c:pt>
+                <c:pt idx="32">
+                  <c:v>48</c:v>
+                </c:pt>
+                <c:pt idx="33">
+                  <c:v>49</c:v>
+                </c:pt>
+                <c:pt idx="34">
+                  <c:v>50</c:v>
+                </c:pt>
+                <c:pt idx="35">
+                  <c:v>51</c:v>
+                </c:pt>
+                <c:pt idx="36">
+                  <c:v>54</c:v>
+                </c:pt>
+                <c:pt idx="37">
+                  <c:v>58</c:v>
+                </c:pt>
+                <c:pt idx="38">
+                  <c:v>60</c:v>
+                </c:pt>
+                <c:pt idx="39">
+                  <c:v>62</c:v>
+                </c:pt>
+                <c:pt idx="40">
+                  <c:v>63</c:v>
+                </c:pt>
+                <c:pt idx="41">
+                  <c:v>64</c:v>
+                </c:pt>
+                <c:pt idx="42">
+                  <c:v>68</c:v>
+                </c:pt>
+                <c:pt idx="43">
+                  <c:v>70</c:v>
+                </c:pt>
+                <c:pt idx="44">
+                  <c:v>73</c:v>
+                </c:pt>
+                <c:pt idx="45">
+                  <c:v>74</c:v>
+                </c:pt>
+                <c:pt idx="46">
+                  <c:v>75</c:v>
+                </c:pt>
+                <c:pt idx="47">
+                  <c:v>76</c:v>
+                </c:pt>
+                <c:pt idx="48">
+                  <c:v>79</c:v>
+                </c:pt>
+                <c:pt idx="49">
+                  <c:v>80</c:v>
+                </c:pt>
+                <c:pt idx="50">
+                  <c:v>82</c:v>
+                </c:pt>
+                <c:pt idx="51">
+                  <c:v>86</c:v>
+                </c:pt>
+                <c:pt idx="52">
+                  <c:v>87</c:v>
+                </c:pt>
+                <c:pt idx="53">
+                  <c:v>89</c:v>
+                </c:pt>
+                <c:pt idx="54">
+                  <c:v>90</c:v>
+                </c:pt>
+                <c:pt idx="55">
+                  <c:v>94</c:v>
+                </c:pt>
+                <c:pt idx="56">
+                  <c:v>96</c:v>
+                </c:pt>
+                <c:pt idx="57">
+                  <c:v>97</c:v>
+                </c:pt>
+                <c:pt idx="58">
+                  <c:v>102</c:v>
+                </c:pt>
+                <c:pt idx="59">
+                  <c:v>103</c:v>
+                </c:pt>
+                <c:pt idx="60">
+                  <c:v>105</c:v>
+                </c:pt>
+                <c:pt idx="61">
+                  <c:v>107</c:v>
+                </c:pt>
+                <c:pt idx="62">
+                  <c:v>108</c:v>
+                </c:pt>
+                <c:pt idx="63">
+                  <c:v>115</c:v>
+                </c:pt>
+                <c:pt idx="64">
+                  <c:v>121</c:v>
+                </c:pt>
+                <c:pt idx="65">
+                  <c:v>124</c:v>
+                </c:pt>
+                <c:pt idx="66">
+                  <c:v>130</c:v>
+                </c:pt>
+                <c:pt idx="67">
+                  <c:v>133</c:v>
+                </c:pt>
+                <c:pt idx="68">
+                  <c:v>139</c:v>
+                </c:pt>
+                <c:pt idx="69">
+                  <c:v>142</c:v>
+                </c:pt>
+                <c:pt idx="70">
+                  <c:v>143</c:v>
+                </c:pt>
+                <c:pt idx="71">
+                  <c:v>152</c:v>
+                </c:pt>
+                <c:pt idx="72">
+                  <c:v>154</c:v>
+                </c:pt>
+                <c:pt idx="73">
+                  <c:v>159</c:v>
+                </c:pt>
+                <c:pt idx="74">
+                  <c:v>163</c:v>
+                </c:pt>
+                <c:pt idx="75">
+                  <c:v>169</c:v>
+                </c:pt>
+                <c:pt idx="76">
+                  <c:v>171</c:v>
+                </c:pt>
+                <c:pt idx="77">
+                  <c:v>175</c:v>
+                </c:pt>
+                <c:pt idx="78">
+                  <c:v>188</c:v>
+                </c:pt>
+                <c:pt idx="79">
+                  <c:v>190</c:v>
+                </c:pt>
+                <c:pt idx="80">
+                  <c:v>193</c:v>
+                </c:pt>
+                <c:pt idx="81">
+                  <c:v>195</c:v>
+                </c:pt>
+                <c:pt idx="82">
+                  <c:v>196</c:v>
+                </c:pt>
+                <c:pt idx="83">
+                  <c:v>212</c:v>
+                </c:pt>
+                <c:pt idx="84">
+                  <c:v>213</c:v>
+                </c:pt>
+                <c:pt idx="85">
+                  <c:v>214</c:v>
+                </c:pt>
+                <c:pt idx="86">
+                  <c:v>215</c:v>
+                </c:pt>
+                <c:pt idx="87">
+                  <c:v>216</c:v>
+                </c:pt>
+                <c:pt idx="88">
+                  <c:v>218</c:v>
+                </c:pt>
+                <c:pt idx="89">
+                  <c:v>220</c:v>
+                </c:pt>
+                <c:pt idx="90">
+                  <c:v>221</c:v>
+                </c:pt>
+                <c:pt idx="91">
+                  <c:v>222</c:v>
+                </c:pt>
+                <c:pt idx="92">
+                  <c:v>229</c:v>
+                </c:pt>
+                <c:pt idx="93">
+                  <c:v>246</c:v>
+                </c:pt>
+                <c:pt idx="94">
+                  <c:v>263</c:v>
+                </c:pt>
+                <c:pt idx="95">
+                  <c:v>269</c:v>
+                </c:pt>
+                <c:pt idx="96">
+                  <c:v>276</c:v>
+                </c:pt>
+                <c:pt idx="97">
+                  <c:v>281</c:v>
+                </c:pt>
+                <c:pt idx="98">
+                  <c:v>282</c:v>
+                </c:pt>
+                <c:pt idx="99">
+                  <c:v>283</c:v>
+                </c:pt>
+                <c:pt idx="100">
+                  <c:v>286</c:v>
+                </c:pt>
+                <c:pt idx="101">
+                  <c:v>296</c:v>
+                </c:pt>
+                <c:pt idx="102">
+                  <c:v>305</c:v>
+                </c:pt>
+                <c:pt idx="103">
+                  <c:v>306</c:v>
+                </c:pt>
+                <c:pt idx="104">
+                  <c:v>308</c:v>
+                </c:pt>
+                <c:pt idx="105">
+                  <c:v>309</c:v>
+                </c:pt>
+                <c:pt idx="106">
+                  <c:v>310</c:v>
+                </c:pt>
+                <c:pt idx="107">
+                  <c:v>311</c:v>
+                </c:pt>
+                <c:pt idx="108">
+                  <c:v>322</c:v>
+                </c:pt>
+                <c:pt idx="109">
+                  <c:v>325</c:v>
+                </c:pt>
+                <c:pt idx="110">
+                  <c:v>327</c:v>
+                </c:pt>
+                <c:pt idx="111">
+                  <c:v>335</c:v>
+                </c:pt>
+                <c:pt idx="112">
+                  <c:v>336</c:v>
+                </c:pt>
+                <c:pt idx="113">
+                  <c:v>346</c:v>
+                </c:pt>
+                <c:pt idx="114">
+                  <c:v>353</c:v>
+                </c:pt>
+                <c:pt idx="115">
+                  <c:v>365</c:v>
+                </c:pt>
+                <c:pt idx="116">
+                  <c:v>369</c:v>
+                </c:pt>
+                <c:pt idx="117">
+                  <c:v>382</c:v>
+                </c:pt>
+                <c:pt idx="118">
+                  <c:v>386</c:v>
+                </c:pt>
+                <c:pt idx="119">
+                  <c:v>405</c:v>
+                </c:pt>
+                <c:pt idx="120">
+                  <c:v>428</c:v>
+                </c:pt>
+                <c:pt idx="121">
+                  <c:v>441</c:v>
+                </c:pt>
+                <c:pt idx="122">
+                  <c:v>481</c:v>
+                </c:pt>
+                <c:pt idx="123">
+                  <c:v>501</c:v>
+                </c:pt>
+                <c:pt idx="124">
+                  <c:v>510</c:v>
+                </c:pt>
+                <c:pt idx="125">
+                  <c:v>515</c:v>
+                </c:pt>
+                <c:pt idx="126">
+                  <c:v>518</c:v>
+                </c:pt>
+                <c:pt idx="127">
+                  <c:v>525</c:v>
+                </c:pt>
+                <c:pt idx="128">
+                  <c:v>544</c:v>
+                </c:pt>
+                <c:pt idx="129">
+                  <c:v>551</c:v>
+                </c:pt>
+                <c:pt idx="130">
+                  <c:v>612</c:v>
+                </c:pt>
+                <c:pt idx="131">
+                  <c:v>672</c:v>
+                </c:pt>
+                <c:pt idx="132">
+                  <c:v>693</c:v>
+                </c:pt>
+                <c:pt idx="133">
+                  <c:v>717</c:v>
+                </c:pt>
+                <c:pt idx="134">
+                  <c:v>782</c:v>
+                </c:pt>
+                <c:pt idx="135">
+                  <c:v>828</c:v>
+                </c:pt>
+                <c:pt idx="136">
+                  <c:v>876</c:v>
+                </c:pt>
+                <c:pt idx="137">
+                  <c:v>934</c:v>
+                </c:pt>
+                <c:pt idx="138">
+                  <c:v>935</c:v>
+                </c:pt>
+                <c:pt idx="139">
+                  <c:v>998</c:v>
+                </c:pt>
+                <c:pt idx="140">
+                  <c:v>1015</c:v>
+                </c:pt>
+                <c:pt idx="141">
+                  <c:v>1024</c:v>
+                </c:pt>
+                <c:pt idx="142">
+                  <c:v>1043</c:v>
+                </c:pt>
+                <c:pt idx="143">
+                  <c:v>1068</c:v>
+                </c:pt>
+                <c:pt idx="144">
+                  <c:v>1254</c:v>
+                </c:pt>
+                <c:pt idx="145">
+                  <c:v>1299</c:v>
+                </c:pt>
+                <c:pt idx="146">
+                  <c:v>1305</c:v>
+                </c:pt>
+                <c:pt idx="147">
+                  <c:v>1344</c:v>
+                </c:pt>
+                <c:pt idx="148">
+                  <c:v>1351</c:v>
+                </c:pt>
+                <c:pt idx="149">
+                  <c:v>1352</c:v>
+                </c:pt>
+                <c:pt idx="150">
+                  <c:v>1366</c:v>
+                </c:pt>
+                <c:pt idx="151">
+                  <c:v>1375</c:v>
+                </c:pt>
+                <c:pt idx="152">
+                  <c:v>1447</c:v>
+                </c:pt>
+                <c:pt idx="153">
+                  <c:v>1470</c:v>
+                </c:pt>
+                <c:pt idx="154">
+                  <c:v>1570</c:v>
+                </c:pt>
+                <c:pt idx="155">
+                  <c:v>1572</c:v>
+                </c:pt>
+                <c:pt idx="156">
+                  <c:v>1689</c:v>
+                </c:pt>
+                <c:pt idx="157">
+                  <c:v>1954</c:v>
+                </c:pt>
+                <c:pt idx="158">
+                  <c:v>1956</c:v>
+                </c:pt>
+                <c:pt idx="159">
+                  <c:v>2061</c:v>
+                </c:pt>
+                <c:pt idx="160">
+                  <c:v>2316</c:v>
+                </c:pt>
+                <c:pt idx="161">
+                  <c:v>3365</c:v>
+                </c:pt>
+                <c:pt idx="162">
+                  <c:v>3604</c:v>
+                </c:pt>
+                <c:pt idx="163">
+                  <c:v>7640</c:v>
+                </c:pt>
+              </c:numCache>
+            </c:numRef>
+          </c:cat>
+          <c:val>
+            <c:numRef>
+              <c:f>Sheet1!$C$2:$C$166</c:f>
+              <c:numCache>
+                <c:formatCode>General</c:formatCode>
+                <c:ptCount val="165"/>
+                <c:pt idx="0">
+                  <c:v>0.50981269827866038</c:v>
+                </c:pt>
+                <c:pt idx="1">
+                  <c:v>0.47685753785572738</c:v>
+                </c:pt>
+                <c:pt idx="2">
+                  <c:v>0.47462120537140401</c:v>
+                </c:pt>
+                <c:pt idx="3">
+                  <c:v>0.49051323977541927</c:v>
+                </c:pt>
+                <c:pt idx="4">
+                  <c:v>0.47213819660039652</c:v>
+                </c:pt>
+                <c:pt idx="5">
+                  <c:v>0.47186833942791989</c:v>
+                </c:pt>
+                <c:pt idx="6">
+                  <c:v>0.51728394954216816</c:v>
+                </c:pt>
+                <c:pt idx="7">
+                  <c:v>0.5265911664117805</c:v>
+                </c:pt>
+                <c:pt idx="8">
+                  <c:v>0.50598914717049703</c:v>
+                </c:pt>
+                <c:pt idx="9">
+                  <c:v>0.47249609967607398</c:v>
+                </c:pt>
+                <c:pt idx="10">
+                  <c:v>0.50416863062192896</c:v>
+                </c:pt>
+                <c:pt idx="11">
+                  <c:v>0.52605764686194201</c:v>
+                </c:pt>
+                <c:pt idx="12">
+                  <c:v>0.51335611467811715</c:v>
+                </c:pt>
+                <c:pt idx="13">
+                  <c:v>0.50701149298092163</c:v>
+                </c:pt>
+                <c:pt idx="14">
+                  <c:v>0.47238467989544142</c:v>
+                </c:pt>
+                <c:pt idx="15">
+                  <c:v>0.47699673037359669</c:v>
+                </c:pt>
+                <c:pt idx="16">
+                  <c:v>0.46538468933680011</c:v>
+                </c:pt>
+                <c:pt idx="17">
+                  <c:v>0.46294931649727761</c:v>
+                </c:pt>
+                <c:pt idx="18">
+                  <c:v>0.47909168858473838</c:v>
+                </c:pt>
+                <c:pt idx="19">
+                  <c:v>0.49382003320986151</c:v>
+                </c:pt>
+                <c:pt idx="20">
+                  <c:v>0.50106720450755493</c:v>
+                </c:pt>
+                <c:pt idx="21">
+                  <c:v>0.47971964429542108</c:v>
+                </c:pt>
+                <c:pt idx="22">
+                  <c:v>0.50763421686880006</c:v>
+                </c:pt>
+                <c:pt idx="23">
+                  <c:v>0.50626471674610118</c:v>
+                </c:pt>
+                <c:pt idx="24">
+                  <c:v>0.50097094784221119</c:v>
+                </c:pt>
+                <c:pt idx="25">
+                  <c:v>0.4971296841543707</c:v>
+                </c:pt>
+                <c:pt idx="26">
+                  <c:v>0.50242597002332545</c:v>
+                </c:pt>
+                <c:pt idx="27">
+                  <c:v>0.49910476062335191</c:v>
+                </c:pt>
+                <c:pt idx="28">
+                  <c:v>0.45430190448840718</c:v>
+                </c:pt>
+                <c:pt idx="29">
+                  <c:v>0.47884365819974739</c:v>
+                </c:pt>
+                <c:pt idx="30">
+                  <c:v>0.46819989724499678</c:v>
+                </c:pt>
+                <c:pt idx="31">
+                  <c:v>0.47781905660818558</c:v>
+                </c:pt>
+                <c:pt idx="32">
+                  <c:v>0.453782518380485</c:v>
+                </c:pt>
+                <c:pt idx="33">
+                  <c:v>0.44438439094176152</c:v>
+                </c:pt>
+                <c:pt idx="34">
+                  <c:v>0.474554149321053</c:v>
+                </c:pt>
+                <c:pt idx="35">
+                  <c:v>0.44009980333784399</c:v>
+                </c:pt>
+                <c:pt idx="36">
+                  <c:v>0.44782685888704371</c:v>
+                </c:pt>
+                <c:pt idx="37">
+                  <c:v>0.45039395165817198</c:v>
+                </c:pt>
+                <c:pt idx="38">
+                  <c:v>0.4571346107307363</c:v>
+                </c:pt>
+                <c:pt idx="39">
+                  <c:v>0.47109077674515742</c:v>
+                </c:pt>
+                <c:pt idx="40">
+                  <c:v>0.4508997733861112</c:v>
+                </c:pt>
+                <c:pt idx="41">
+                  <c:v>0.47014224978184382</c:v>
+                </c:pt>
+                <c:pt idx="42">
+                  <c:v>0.44900711444359098</c:v>
+                </c:pt>
+                <c:pt idx="43">
+                  <c:v>0.46094972496825259</c:v>
+                </c:pt>
+                <c:pt idx="44">
+                  <c:v>0.47870888463788402</c:v>
+                </c:pt>
+                <c:pt idx="45">
+                  <c:v>0.47393007434352691</c:v>
+                </c:pt>
+                <c:pt idx="46">
+                  <c:v>0.46487048808391179</c:v>
+                </c:pt>
+                <c:pt idx="47">
+                  <c:v>0.44833509837587388</c:v>
+                </c:pt>
+                <c:pt idx="48">
+                  <c:v>0.46332289179986169</c:v>
+                </c:pt>
+                <c:pt idx="49">
+                  <c:v>0.44603864631485868</c:v>
+                </c:pt>
+                <c:pt idx="50">
+                  <c:v>0.44801583960070612</c:v>
+                </c:pt>
+                <c:pt idx="51">
+                  <c:v>0.43389368628104968</c:v>
+                </c:pt>
+                <c:pt idx="52">
+                  <c:v>0.43724281289661843</c:v>
+                </c:pt>
+                <c:pt idx="53">
+                  <c:v>0.44329639476325178</c:v>
+                </c:pt>
+                <c:pt idx="54">
+                  <c:v>0.4580834217798464</c:v>
+                </c:pt>
+                <c:pt idx="55">
+                  <c:v>0.44625311623973712</c:v>
+                </c:pt>
+                <c:pt idx="56">
+                  <c:v>0.45791423033870171</c:v>
+                </c:pt>
+                <c:pt idx="57">
+                  <c:v>0.45830692548308621</c:v>
+                </c:pt>
+                <c:pt idx="58">
+                  <c:v>0.45233100451098229</c:v>
+                </c:pt>
+                <c:pt idx="59">
+                  <c:v>0.45317497788218197</c:v>
+                </c:pt>
+                <c:pt idx="60">
+                  <c:v>0.45165143309501588</c:v>
+                </c:pt>
+                <c:pt idx="61">
+                  <c:v>0.45898354095965749</c:v>
+                </c:pt>
+                <c:pt idx="62">
+                  <c:v>0.43829166304079598</c:v>
+                </c:pt>
+                <c:pt idx="63">
+                  <c:v>0.43875501614458789</c:v>
+                </c:pt>
+                <c:pt idx="64">
+                  <c:v>0.44498757232409653</c:v>
+                </c:pt>
+                <c:pt idx="65">
+                  <c:v>0.43354549422303262</c:v>
+                </c:pt>
+                <c:pt idx="66">
+                  <c:v>0.4583131564728179</c:v>
+                </c:pt>
+                <c:pt idx="67">
+                  <c:v>0.43564361137459229</c:v>
+                </c:pt>
+                <c:pt idx="68">
+                  <c:v>0.4329690775261778</c:v>
+                </c:pt>
+                <c:pt idx="69">
+                  <c:v>0.44155219002437579</c:v>
+                </c:pt>
+                <c:pt idx="70">
+                  <c:v>0.43670010308492591</c:v>
+                </c:pt>
+                <c:pt idx="71">
+                  <c:v>0.42671873574676572</c:v>
+                </c:pt>
+                <c:pt idx="72">
+                  <c:v>0.43101702913050932</c:v>
+                </c:pt>
+                <c:pt idx="73">
+                  <c:v>0.42972085006670557</c:v>
+                </c:pt>
+                <c:pt idx="74">
+                  <c:v>0.43959121285764408</c:v>
+                </c:pt>
+                <c:pt idx="75">
+                  <c:v>0.42654362732908391</c:v>
+                </c:pt>
+                <c:pt idx="76">
+                  <c:v>0.43935619972144258</c:v>
+                </c:pt>
+                <c:pt idx="77">
+                  <c:v>0.42907815949243983</c:v>
+                </c:pt>
+                <c:pt idx="78">
+                  <c:v>0.41225284093913978</c:v>
+                </c:pt>
+                <c:pt idx="79">
+                  <c:v>0.43886644823144733</c:v>
+                </c:pt>
+                <c:pt idx="80">
+                  <c:v>0.43934707784973348</c:v>
+                </c:pt>
+                <c:pt idx="81">
+                  <c:v>0.41583381946148418</c:v>
+                </c:pt>
+                <c:pt idx="82">
+                  <c:v>0.43786948736798181</c:v>
+                </c:pt>
+                <c:pt idx="83">
+                  <c:v>0.41437976028416912</c:v>
+                </c:pt>
+                <c:pt idx="84">
+                  <c:v>0.43123890296996809</c:v>
+                </c:pt>
+                <c:pt idx="85">
+                  <c:v>0.42364268748112599</c:v>
+                </c:pt>
+                <c:pt idx="86">
+                  <c:v>0.4327681828249475</c:v>
+                </c:pt>
+                <c:pt idx="87">
+                  <c:v>0.41701220097434111</c:v>
+                </c:pt>
+                <c:pt idx="88">
+                  <c:v>0.42043443406187098</c:v>
+                </c:pt>
+                <c:pt idx="89">
+                  <c:v>0.4145091348197284</c:v>
+                </c:pt>
+                <c:pt idx="90">
+                  <c:v>0.41515084221525111</c:v>
+                </c:pt>
+                <c:pt idx="91">
+                  <c:v>0.41912282051572503</c:v>
+                </c:pt>
+                <c:pt idx="92">
+                  <c:v>0.41198192155217123</c:v>
+                </c:pt>
+                <c:pt idx="93">
+                  <c:v>0.41929531027391881</c:v>
+                </c:pt>
+                <c:pt idx="94">
+                  <c:v>0.43252612202309049</c:v>
+                </c:pt>
+                <c:pt idx="95">
+                  <c:v>0.43986415036571669</c:v>
+                </c:pt>
+                <c:pt idx="96">
+                  <c:v>0.43436473154530192</c:v>
+                </c:pt>
+                <c:pt idx="97">
+                  <c:v>0.42866084889216849</c:v>
+                </c:pt>
+                <c:pt idx="98">
+                  <c:v>0.41172984780745758</c:v>
+                </c:pt>
+                <c:pt idx="99">
+                  <c:v>0.43818095612884722</c:v>
+                </c:pt>
+                <c:pt idx="100">
+                  <c:v>0.43803586053426757</c:v>
+                </c:pt>
+                <c:pt idx="101">
+                  <c:v>0.42992816225928188</c:v>
+                </c:pt>
+                <c:pt idx="102">
+                  <c:v>0.41564603207435702</c:v>
+                </c:pt>
+                <c:pt idx="103">
+                  <c:v>0.39254911420609051</c:v>
+                </c:pt>
+                <c:pt idx="104">
+                  <c:v>0.42047690441989422</c:v>
+                </c:pt>
+                <c:pt idx="105">
+                  <c:v>0.40962267505856359</c:v>
+                </c:pt>
+                <c:pt idx="106">
+                  <c:v>0.3988561220742593</c:v>
+                </c:pt>
+                <c:pt idx="107">
+                  <c:v>0.4180548110786319</c:v>
+                </c:pt>
+                <c:pt idx="108">
+                  <c:v>0.39776650256719542</c:v>
+                </c:pt>
+                <c:pt idx="109">
+                  <c:v>0.41079930708911472</c:v>
+                </c:pt>
+                <c:pt idx="110">
+                  <c:v>0.42575970524854362</c:v>
+                </c:pt>
+                <c:pt idx="111">
+                  <c:v>0.40369596454166962</c:v>
+                </c:pt>
+                <c:pt idx="112">
+                  <c:v>0.39428411721852102</c:v>
+                </c:pt>
+                <c:pt idx="113">
+                  <c:v>0.41028540100235977</c:v>
+                </c:pt>
+                <c:pt idx="114">
+                  <c:v>0.41456243527253922</c:v>
+                </c:pt>
+                <c:pt idx="115">
+                  <c:v>0.40048575844710588</c:v>
+                </c:pt>
+                <c:pt idx="116">
+                  <c:v>0.39667765486943318</c:v>
+                </c:pt>
+                <c:pt idx="117">
+                  <c:v>0.39463506951129612</c:v>
+                </c:pt>
+                <c:pt idx="118">
+                  <c:v>0.40121775563365197</c:v>
+                </c:pt>
+                <c:pt idx="119">
+                  <c:v>0.41296996994801299</c:v>
+                </c:pt>
+                <c:pt idx="120">
+                  <c:v>0.41047506093509017</c:v>
+                </c:pt>
+                <c:pt idx="121">
+                  <c:v>0.39366938874340712</c:v>
+                </c:pt>
+                <c:pt idx="122">
+                  <c:v>0.40208454806793731</c:v>
+                </c:pt>
+                <c:pt idx="123">
+                  <c:v>0.41628473380673298</c:v>
+                </c:pt>
+                <c:pt idx="124">
+                  <c:v>0.3990600291973041</c:v>
+                </c:pt>
+                <c:pt idx="125">
+                  <c:v>0.40200899179744592</c:v>
+                </c:pt>
+                <c:pt idx="126">
+                  <c:v>0.40952010692327151</c:v>
+                </c:pt>
+                <c:pt idx="127">
+                  <c:v>0.41536445348777268</c:v>
+                </c:pt>
+                <c:pt idx="128">
+                  <c:v>0.3975591466054606</c:v>
+                </c:pt>
+                <c:pt idx="129">
+                  <c:v>0.41515831043862161</c:v>
+                </c:pt>
+                <c:pt idx="130">
+                  <c:v>0.39668870100016518</c:v>
+                </c:pt>
+                <c:pt idx="131">
+                  <c:v>0.42847031446608053</c:v>
+                </c:pt>
+                <c:pt idx="132">
+                  <c:v>0.41869009389521938</c:v>
+                </c:pt>
+                <c:pt idx="133">
+                  <c:v>0.40747862202553792</c:v>
+                </c:pt>
+                <c:pt idx="134">
+                  <c:v>0.42089407348577978</c:v>
+                </c:pt>
+                <c:pt idx="135">
+                  <c:v>0.42787994814781333</c:v>
+                </c:pt>
+                <c:pt idx="136">
+                  <c:v>0.42423363395438929</c:v>
+                </c:pt>
+                <c:pt idx="137">
+                  <c:v>0.42616233970964512</c:v>
+                </c:pt>
+                <c:pt idx="138">
+                  <c:v>0.42319456316086862</c:v>
+                </c:pt>
+                <c:pt idx="139">
+                  <c:v>0.4099538068799134</c:v>
+                </c:pt>
+                <c:pt idx="140">
+                  <c:v>0.39466190331235018</c:v>
+                </c:pt>
+                <c:pt idx="141">
+                  <c:v>0.39650994110722282</c:v>
+                </c:pt>
+                <c:pt idx="142">
+                  <c:v>0.35703949299768623</c:v>
+                </c:pt>
+                <c:pt idx="143">
+                  <c:v>0.38271308085491529</c:v>
+                </c:pt>
+                <c:pt idx="144">
+                  <c:v>0.39532729689269919</c:v>
+                </c:pt>
+                <c:pt idx="145">
+                  <c:v>0.37420491500523312</c:v>
+                </c:pt>
+                <c:pt idx="146">
+                  <c:v>0.38353822403774718</c:v>
+                </c:pt>
+                <c:pt idx="147">
+                  <c:v>0.3853528734288969</c:v>
+                </c:pt>
+                <c:pt idx="148">
+                  <c:v>0.35230323360631433</c:v>
+                </c:pt>
+                <c:pt idx="149">
+                  <c:v>0.37559424159418642</c:v>
+                </c:pt>
+                <c:pt idx="150">
+                  <c:v>0.36383783617401089</c:v>
+                </c:pt>
+                <c:pt idx="151">
+                  <c:v>0.35293907865818941</c:v>
+                </c:pt>
+                <c:pt idx="152">
+                  <c:v>0.38944940403187789</c:v>
+                </c:pt>
+                <c:pt idx="153">
+                  <c:v>0.35516276851988238</c:v>
+                </c:pt>
+                <c:pt idx="154">
+                  <c:v>0.37055562751701637</c:v>
+                </c:pt>
+                <c:pt idx="155">
+                  <c:v>0.3650545572242439</c:v>
+                </c:pt>
+                <c:pt idx="156">
+                  <c:v>0.37854817400840368</c:v>
+                </c:pt>
+                <c:pt idx="157">
+                  <c:v>0.3557761475595605</c:v>
+                </c:pt>
+                <c:pt idx="158">
+                  <c:v>0.38199905260920602</c:v>
+                </c:pt>
+                <c:pt idx="159">
+                  <c:v>0.3564585623874163</c:v>
+                </c:pt>
+                <c:pt idx="160">
+                  <c:v>0.37025124260937842</c:v>
+                </c:pt>
+                <c:pt idx="161">
+                  <c:v>0.35648450032579171</c:v>
+                </c:pt>
+                <c:pt idx="162">
+                  <c:v>0.37943171288285049</c:v>
+                </c:pt>
+                <c:pt idx="163">
+                  <c:v>0.36147156349141241</c:v>
+                </c:pt>
+              </c:numCache>
+            </c:numRef>
+          </c:val>
+          <c:smooth val="0"/>
+          <c:extLst>
+            <c:ext xmlns:c16="http://schemas.microsoft.com/office/drawing/2014/chart" uri="{C3380CC4-5D6E-409C-BE32-E72D297353CC}">
+              <c16:uniqueId val="{00000000-7655-4204-95BF-3254CB452444}"/>
+            </c:ext>
+          </c:extLst>
+        </c:ser>
+        <c:dLbls>
+          <c:showLegendKey val="0"/>
+          <c:showVal val="0"/>
+          <c:showCatName val="0"/>
+          <c:showSerName val="0"/>
+          <c:showPercent val="0"/>
+          <c:showBubbleSize val="0"/>
+        </c:dLbls>
+        <c:smooth val="0"/>
+        <c:axId val="645800784"/>
+        <c:axId val="645799184"/>
+      </c:lineChart>
+      <c:catAx>
+        <c:axId val="645800784"/>
+        <c:scaling>
+          <c:orientation val="minMax"/>
+        </c:scaling>
+        <c:delete val="0"/>
+        <c:axPos val="b"/>
+        <c:title>
+          <c:tx>
+            <c:rich>
+              <a:bodyPr rot="0" spcFirstLastPara="1" vertOverflow="ellipsis" vert="horz" wrap="square" anchor="ctr" anchorCtr="1"/>
+              <a:lstStyle/>
+              <a:p>
+                <a:pPr>
+                  <a:defRPr sz="1000" b="0" i="0" u="none" strike="noStrike" kern="1200" baseline="0">
+                    <a:solidFill>
+                      <a:schemeClr val="tx1">
+                        <a:lumMod val="65000"/>
+                        <a:lumOff val="35000"/>
+                      </a:schemeClr>
+                    </a:solidFill>
+                    <a:latin typeface="+mn-lt"/>
+                    <a:ea typeface="+mn-ea"/>
+                    <a:cs typeface="+mn-cs"/>
+                  </a:defRPr>
+                </a:pPr>
+                <a:r>
+                  <a:rPr lang="en-US"/>
+                  <a:t>#</a:t>
+                </a:r>
+                <a:r>
+                  <a:rPr lang="en-US" baseline="0"/>
+                  <a:t> stmts</a:t>
+                </a:r>
+                <a:endParaRPr lang="en-US"/>
+              </a:p>
+            </c:rich>
+          </c:tx>
+          <c:layout>
+            <c:manualLayout>
+              <c:xMode val="edge"/>
+              <c:yMode val="edge"/>
+              <c:x val="0.87739795028489176"/>
+              <c:y val="0.7644762045952993"/>
+            </c:manualLayout>
+          </c:layout>
+          <c:overlay val="0"/>
+          <c:spPr>
+            <a:noFill/>
+            <a:ln>
+              <a:noFill/>
+            </a:ln>
+            <a:effectLst/>
+          </c:spPr>
+          <c:txPr>
+            <a:bodyPr rot="0" spcFirstLastPara="1" vertOverflow="ellipsis" vert="horz" wrap="square" anchor="ctr" anchorCtr="1"/>
+            <a:lstStyle/>
+            <a:p>
+              <a:pPr>
+                <a:defRPr sz="1000" b="0" i="0" u="none" strike="noStrike" kern="1200" baseline="0">
+                  <a:solidFill>
+                    <a:schemeClr val="tx1">
+                      <a:lumMod val="65000"/>
+                      <a:lumOff val="35000"/>
+                    </a:schemeClr>
+                  </a:solidFill>
+                  <a:latin typeface="+mn-lt"/>
+                  <a:ea typeface="+mn-ea"/>
+                  <a:cs typeface="+mn-cs"/>
+                </a:defRPr>
+              </a:pPr>
+              <a:endParaRPr lang="en-US"/>
+            </a:p>
+          </c:txPr>
+        </c:title>
+        <c:numFmt formatCode="General" sourceLinked="1"/>
+        <c:majorTickMark val="none"/>
+        <c:minorTickMark val="none"/>
+        <c:tickLblPos val="nextTo"/>
+        <c:spPr>
+          <a:noFill/>
+          <a:ln w="9525" cap="flat" cmpd="sng" algn="ctr">
+            <a:solidFill>
+              <a:schemeClr val="tx1">
+                <a:lumMod val="15000"/>
+                <a:lumOff val="85000"/>
+              </a:schemeClr>
+            </a:solidFill>
+            <a:round/>
+          </a:ln>
+          <a:effectLst/>
+        </c:spPr>
+        <c:txPr>
+          <a:bodyPr rot="-60000000" spcFirstLastPara="1" vertOverflow="ellipsis" vert="horz" wrap="square" anchor="ctr" anchorCtr="1"/>
+          <a:lstStyle/>
+          <a:p>
+            <a:pPr>
+              <a:defRPr sz="900" b="0" i="0" u="none" strike="noStrike" kern="1200" baseline="0">
+                <a:solidFill>
+                  <a:schemeClr val="tx1">
+                    <a:lumMod val="65000"/>
+                    <a:lumOff val="35000"/>
+                  </a:schemeClr>
+                </a:solidFill>
+                <a:latin typeface="+mn-lt"/>
+                <a:ea typeface="+mn-ea"/>
+                <a:cs typeface="+mn-cs"/>
+              </a:defRPr>
+            </a:pPr>
+            <a:endParaRPr lang="en-US"/>
+          </a:p>
+        </c:txPr>
+        <c:crossAx val="645799184"/>
+        <c:crosses val="autoZero"/>
+        <c:auto val="1"/>
+        <c:lblAlgn val="ctr"/>
+        <c:lblOffset val="100"/>
+        <c:tickLblSkip val="15"/>
+        <c:noMultiLvlLbl val="0"/>
+      </c:catAx>
+      <c:valAx>
+        <c:axId val="645799184"/>
+        <c:scaling>
+          <c:orientation val="minMax"/>
+        </c:scaling>
+        <c:delete val="0"/>
+        <c:axPos val="l"/>
+        <c:majorGridlines>
+          <c:spPr>
+            <a:ln w="9525" cap="flat" cmpd="sng" algn="ctr">
+              <a:solidFill>
+                <a:schemeClr val="tx1">
+                  <a:lumMod val="15000"/>
+                  <a:lumOff val="85000"/>
+                </a:schemeClr>
+              </a:solidFill>
+              <a:round/>
+            </a:ln>
+            <a:effectLst/>
+          </c:spPr>
+        </c:majorGridlines>
+        <c:title>
+          <c:tx>
+            <c:rich>
+              <a:bodyPr rot="-5400000" spcFirstLastPara="1" vertOverflow="ellipsis" vert="horz" wrap="square" anchor="ctr" anchorCtr="1"/>
+              <a:lstStyle/>
+              <a:p>
+                <a:pPr>
+                  <a:defRPr sz="1000" b="0" i="0" u="none" strike="noStrike" kern="1200" baseline="0">
+                    <a:solidFill>
+                      <a:schemeClr val="tx1">
+                        <a:lumMod val="65000"/>
+                        <a:lumOff val="35000"/>
+                      </a:schemeClr>
+                    </a:solidFill>
+                    <a:latin typeface="+mn-lt"/>
+                    <a:ea typeface="+mn-ea"/>
+                    <a:cs typeface="+mn-cs"/>
+                  </a:defRPr>
+                </a:pPr>
+                <a:r>
+                  <a:rPr lang="en-US"/>
+                  <a:t>Accuracy</a:t>
+                </a:r>
+              </a:p>
+            </c:rich>
+          </c:tx>
+          <c:overlay val="0"/>
+          <c:spPr>
+            <a:noFill/>
+            <a:ln>
+              <a:noFill/>
+            </a:ln>
+            <a:effectLst/>
+          </c:spPr>
+          <c:txPr>
+            <a:bodyPr rot="-5400000" spcFirstLastPara="1" vertOverflow="ellipsis" vert="horz" wrap="square" anchor="ctr" anchorCtr="1"/>
+            <a:lstStyle/>
+            <a:p>
+              <a:pPr>
+                <a:defRPr sz="1000" b="0" i="0" u="none" strike="noStrike" kern="1200" baseline="0">
+                  <a:solidFill>
+                    <a:schemeClr val="tx1">
+                      <a:lumMod val="65000"/>
+                      <a:lumOff val="35000"/>
+                    </a:schemeClr>
+                  </a:solidFill>
+                  <a:latin typeface="+mn-lt"/>
+                  <a:ea typeface="+mn-ea"/>
+                  <a:cs typeface="+mn-cs"/>
+                </a:defRPr>
+              </a:pPr>
+              <a:endParaRPr lang="en-US"/>
+            </a:p>
+          </c:txPr>
+        </c:title>
+        <c:numFmt formatCode="General" sourceLinked="1"/>
+        <c:majorTickMark val="none"/>
+        <c:minorTickMark val="none"/>
+        <c:tickLblPos val="nextTo"/>
+        <c:spPr>
+          <a:noFill/>
+          <a:ln>
+            <a:noFill/>
+          </a:ln>
+          <a:effectLst/>
+        </c:spPr>
+        <c:txPr>
+          <a:bodyPr rot="-60000000" spcFirstLastPara="1" vertOverflow="ellipsis" vert="horz" wrap="square" anchor="ctr" anchorCtr="1"/>
+          <a:lstStyle/>
+          <a:p>
+            <a:pPr>
+              <a:defRPr sz="900" b="0" i="0" u="none" strike="noStrike" kern="1200" baseline="0">
+                <a:solidFill>
+                  <a:schemeClr val="tx1">
+                    <a:lumMod val="65000"/>
+                    <a:lumOff val="35000"/>
+                  </a:schemeClr>
+                </a:solidFill>
+                <a:latin typeface="+mn-lt"/>
+                <a:ea typeface="+mn-ea"/>
+                <a:cs typeface="+mn-cs"/>
+              </a:defRPr>
+            </a:pPr>
+            <a:endParaRPr lang="en-US"/>
+          </a:p>
+        </c:txPr>
+        <c:crossAx val="645800784"/>
+        <c:crosses val="autoZero"/>
+        <c:crossBetween val="between"/>
+      </c:valAx>
+      <c:spPr>
+        <a:noFill/>
+        <a:ln>
+          <a:noFill/>
+        </a:ln>
+        <a:effectLst/>
+      </c:spPr>
+    </c:plotArea>
+    <c:plotVisOnly val="1"/>
+    <c:dispBlanksAs val="gap"/>
+    <c:extLst>
+      <c:ext xmlns:c16r3="http://schemas.microsoft.com/office/drawing/2017/03/chart" uri="{56B9EC1D-385E-4148-901F-78D8002777C0}">
+        <c16r3:dataDisplayOptions16>
+          <c16r3:dispNaAsBlank val="1"/>
+        </c16r3:dataDisplayOptions16>
+      </c:ext>
+    </c:extLst>
+    <c:showDLblsOverMax val="0"/>
+  </c:chart>
+  <c:spPr>
+    <a:noFill/>
+    <a:ln>
+      <a:noFill/>
+    </a:ln>
+    <a:effectLst/>
+  </c:spPr>
+  <c:txPr>
+    <a:bodyPr/>
+    <a:lstStyle/>
+    <a:p>
+      <a:pPr>
+        <a:defRPr/>
+      </a:pPr>
+      <a:endParaRPr lang="en-US"/>
+    </a:p>
+  </c:txPr>
+  <c:externalData r:id="rId3">
+    <c:autoUpdate val="0"/>
+  </c:externalData>
+</c:chartSpace>
+</file>
+
+<file path=ppt/charts/colors1.xml><?xml version="1.0" encoding="utf-8"?>
+<cs:colorStyle xmlns:cs="http://schemas.microsoft.com/office/drawing/2012/chartStyle" xmlns:a="http://schemas.openxmlformats.org/drawingml/2006/main" meth="cycle" id="10">
+  <a:schemeClr val="accent1"/>
+  <a:schemeClr val="accent2"/>
+  <a:schemeClr val="accent3"/>
+  <a:schemeClr val="accent4"/>
+  <a:schemeClr val="accent5"/>
+  <a:schemeClr val="accent6"/>
+  <cs:variation/>
+  <cs:variation>
+    <a:lumMod val="60000"/>
+  </cs:variation>
+  <cs:variation>
+    <a:lumMod val="80000"/>
+    <a:lumOff val="20000"/>
+  </cs:variation>
+  <cs:variation>
+    <a:lumMod val="80000"/>
+  </cs:variation>
+  <cs:variation>
+    <a:lumMod val="60000"/>
+    <a:lumOff val="40000"/>
+  </cs:variation>
+  <cs:variation>
+    <a:lumMod val="50000"/>
+  </cs:variation>
+  <cs:variation>
+    <a:lumMod val="70000"/>
+    <a:lumOff val="30000"/>
+  </cs:variation>
+  <cs:variation>
+    <a:lumMod val="70000"/>
+  </cs:variation>
+  <cs:variation>
+    <a:lumMod val="50000"/>
+    <a:lumOff val="50000"/>
+  </cs:variation>
+</cs:colorStyle>
+</file>
+
+<file path=ppt/charts/style1.xml><?xml version="1.0" encoding="utf-8"?>
+<cs:chartStyle xmlns:cs="http://schemas.microsoft.com/office/drawing/2012/chartStyle" xmlns:a="http://schemas.openxmlformats.org/drawingml/2006/main" id="227">
+  <cs:axisTitle>
+    <cs:lnRef idx="0"/>
+    <cs:fillRef idx="0"/>
+    <cs:effectRef idx="0"/>
+    <cs:fontRef idx="minor">
+      <a:schemeClr val="tx1">
+        <a:lumMod val="65000"/>
+        <a:lumOff val="35000"/>
+      </a:schemeClr>
+    </cs:fontRef>
+    <cs:defRPr sz="1000" kern="1200"/>
+  </cs:axisTitle>
+  <cs:categoryAxis>
+    <cs:lnRef idx="0"/>
+    <cs:fillRef idx="0"/>
+    <cs:effectRef idx="0"/>
+    <cs:fontRef idx="minor">
+      <a:schemeClr val="tx1">
+        <a:lumMod val="65000"/>
+        <a:lumOff val="35000"/>
+      </a:schemeClr>
+    </cs:fontRef>
+    <cs:spPr>
+      <a:ln w="9525" cap="flat" cmpd="sng" algn="ctr">
+        <a:solidFill>
+          <a:schemeClr val="tx1">
+            <a:lumMod val="15000"/>
+            <a:lumOff val="85000"/>
+          </a:schemeClr>
+        </a:solidFill>
+        <a:round/>
+      </a:ln>
+    </cs:spPr>
+    <cs:defRPr sz="900" kern="1200"/>
+  </cs:categoryAxis>
+  <cs:chartArea mods="allowNoFillOverride allowNoLineOverride">
+    <cs:lnRef idx="0"/>
+    <cs:fillRef idx="0"/>
+    <cs:effectRef idx="0"/>
+    <cs:fontRef idx="minor">
+      <a:schemeClr val="tx1"/>
+    </cs:fontRef>
+    <cs:spPr>
+      <a:solidFill>
+        <a:schemeClr val="bg1"/>
+      </a:solidFill>
+      <a:ln w="9525" cap="flat" cmpd="sng" algn="ctr">
+        <a:solidFill>
+          <a:schemeClr val="tx1">
+            <a:lumMod val="15000"/>
+            <a:lumOff val="85000"/>
+          </a:schemeClr>
+        </a:solidFill>
+        <a:round/>
+      </a:ln>
+    </cs:spPr>
+    <cs:defRPr sz="1000" kern="1200"/>
+  </cs:chartArea>
+  <cs:dataLabel>
+    <cs:lnRef idx="0"/>
+    <cs:fillRef idx="0"/>
+    <cs:effectRef idx="0"/>
+    <cs:fontRef idx="minor">
+      <a:schemeClr val="tx1">
+        <a:lumMod val="75000"/>
+        <a:lumOff val="25000"/>
+      </a:schemeClr>
+    </cs:fontRef>
+    <cs:defRPr sz="900" kern="1200"/>
+  </cs:dataLabel>
+  <cs:dataLabelCallout>
+    <cs:lnRef idx="0"/>
+    <cs:fillRef idx="0"/>
+    <cs:effectRef idx="0"/>
+    <cs:fontRef idx="minor">
+      <a:schemeClr val="dk1">
+        <a:lumMod val="65000"/>
+        <a:lumOff val="35000"/>
+      </a:schemeClr>
+    </cs:fontRef>
+    <cs:spPr>
+      <a:solidFill>
+        <a:schemeClr val="lt1"/>
+      </a:solidFill>
+      <a:ln>
+        <a:solidFill>
+          <a:schemeClr val="dk1">
+            <a:lumMod val="25000"/>
+            <a:lumOff val="75000"/>
+          </a:schemeClr>
+        </a:solidFill>
+      </a:ln>
+    </cs:spPr>
+    <cs:defRPr sz="900" kern="1200"/>
+    <cs:bodyPr rot="0" spcFirstLastPara="1" vertOverflow="clip" horzOverflow="clip" vert="horz" wrap="square" lIns="36576" tIns="18288" rIns="36576" bIns="18288" anchor="ctr" anchorCtr="1">
+      <a:spAutoFit/>
+    </cs:bodyPr>
+  </cs:dataLabelCallout>
+  <cs:dataPoint>
+    <cs:lnRef idx="0"/>
+    <cs:fillRef idx="1">
+      <cs:styleClr val="auto"/>
+    </cs:fillRef>
+    <cs:effectRef idx="0"/>
+    <cs:fontRef idx="minor">
+      <a:schemeClr val="tx1"/>
+    </cs:fontRef>
+    <cs:spPr>
+      <a:solidFill>
+        <a:schemeClr val="phClr"/>
+      </a:solidFill>
+    </cs:spPr>
+  </cs:dataPoint>
+  <cs:dataPoint3D>
+    <cs:lnRef idx="0"/>
+    <cs:fillRef idx="1">
+      <cs:styleClr val="auto"/>
+    </cs:fillRef>
+    <cs:effectRef idx="0"/>
+    <cs:fontRef idx="minor">
+      <a:schemeClr val="tx1"/>
+    </cs:fontRef>
+    <cs:spPr>
+      <a:solidFill>
+        <a:schemeClr val="phClr"/>
+      </a:solidFill>
+    </cs:spPr>
+  </cs:dataPoint3D>
+  <cs:dataPointLine>
+    <cs:lnRef idx="0">
+      <cs:styleClr val="auto"/>
+    </cs:lnRef>
+    <cs:fillRef idx="1"/>
+    <cs:effectRef idx="0"/>
+    <cs:fontRef idx="minor">
+      <a:schemeClr val="tx1"/>
+    </cs:fontRef>
+    <cs:spPr>
+      <a:ln w="28575" cap="rnd">
+        <a:solidFill>
+          <a:schemeClr val="phClr"/>
+        </a:solidFill>
+        <a:round/>
+      </a:ln>
+    </cs:spPr>
+  </cs:dataPointLine>
+  <cs:dataPointMarker>
+    <cs:lnRef idx="0">
+      <cs:styleClr val="auto"/>
+    </cs:lnRef>
+    <cs:fillRef idx="1">
+      <cs:styleClr val="auto"/>
+    </cs:fillRef>
+    <cs:effectRef idx="0"/>
+    <cs:fontRef idx="minor">
+      <a:schemeClr val="tx1"/>
+    </cs:fontRef>
+    <cs:spPr>
+      <a:solidFill>
+        <a:schemeClr val="phClr"/>
+      </a:solidFill>
+      <a:ln w="9525">
+        <a:solidFill>
+          <a:schemeClr val="phClr"/>
+        </a:solidFill>
+      </a:ln>
+    </cs:spPr>
+  </cs:dataPointMarker>
+  <cs:dataPointMarkerLayout symbol="circle" size="5"/>
+  <cs:dataPointWireframe>
+    <cs:lnRef idx="0">
+      <cs:styleClr val="auto"/>
+    </cs:lnRef>
+    <cs:fillRef idx="1"/>
+    <cs:effectRef idx="0"/>
+    <cs:fontRef idx="minor">
+      <a:schemeClr val="tx1"/>
+    </cs:fontRef>
+    <cs:spPr>
+      <a:ln w="9525" cap="rnd">
+        <a:solidFill>
+          <a:schemeClr val="phClr"/>
+        </a:solidFill>
+        <a:round/>
+      </a:ln>
+    </cs:spPr>
+  </cs:dataPointWireframe>
+  <cs:dataTable>
+    <cs:lnRef idx="0"/>
+    <cs:fillRef idx="0"/>
+    <cs:effectRef idx="0"/>
+    <cs:fontRef idx="minor">
+      <a:schemeClr val="tx1">
+        <a:lumMod val="65000"/>
+        <a:lumOff val="35000"/>
+      </a:schemeClr>
+    </cs:fontRef>
+    <cs:spPr>
+      <a:noFill/>
+      <a:ln w="9525" cap="flat" cmpd="sng" algn="ctr">
+        <a:solidFill>
+          <a:schemeClr val="tx1">
+            <a:lumMod val="15000"/>
+            <a:lumOff val="85000"/>
+          </a:schemeClr>
+        </a:solidFill>
+        <a:round/>
+      </a:ln>
+    </cs:spPr>
+    <cs:defRPr sz="900" kern="1200"/>
+  </cs:dataTable>
+  <cs:downBar>
+    <cs:lnRef idx="0"/>
+    <cs:fillRef idx="0"/>
+    <cs:effectRef idx="0"/>
+    <cs:fontRef idx="minor">
+      <a:schemeClr val="dk1"/>
+    </cs:fontRef>
+    <cs:spPr>
+      <a:solidFill>
+        <a:schemeClr val="dk1">
+          <a:lumMod val="65000"/>
+          <a:lumOff val="35000"/>
+        </a:schemeClr>
+      </a:solidFill>
+      <a:ln w="9525">
+        <a:solidFill>
+          <a:schemeClr val="tx1">
+            <a:lumMod val="65000"/>
+            <a:lumOff val="35000"/>
+          </a:schemeClr>
+        </a:solidFill>
+      </a:ln>
+    </cs:spPr>
+  </cs:downBar>
+  <cs:dropLine>
+    <cs:lnRef idx="0"/>
+    <cs:fillRef idx="0"/>
+    <cs:effectRef idx="0"/>
+    <cs:fontRef idx="minor">
+      <a:schemeClr val="tx1"/>
+    </cs:fontRef>
+    <cs:spPr>
+      <a:ln w="9525" cap="flat" cmpd="sng" algn="ctr">
+        <a:solidFill>
+          <a:schemeClr val="tx1">
+            <a:lumMod val="35000"/>
+            <a:lumOff val="65000"/>
+          </a:schemeClr>
+        </a:solidFill>
+        <a:round/>
+      </a:ln>
+    </cs:spPr>
+  </cs:dropLine>
+  <cs:errorBar>
+    <cs:lnRef idx="0"/>
+    <cs:fillRef idx="0"/>
+    <cs:effectRef idx="0"/>
+    <cs:fontRef idx="minor">
+      <a:schemeClr val="tx1"/>
+    </cs:fontRef>
+    <cs:spPr>
+      <a:ln w="9525" cap="flat" cmpd="sng" algn="ctr">
+        <a:solidFill>
+          <a:schemeClr val="tx1">
+            <a:lumMod val="65000"/>
+            <a:lumOff val="35000"/>
+          </a:schemeClr>
+        </a:solidFill>
+        <a:round/>
+      </a:ln>
+    </cs:spPr>
+  </cs:errorBar>
+  <cs:floor>
+    <cs:lnRef idx="0"/>
+    <cs:fillRef idx="0"/>
+    <cs:effectRef idx="0"/>
+    <cs:fontRef idx="minor">
+      <a:schemeClr val="tx1"/>
+    </cs:fontRef>
+    <cs:spPr>
+      <a:noFill/>
+      <a:ln>
+        <a:noFill/>
+      </a:ln>
+    </cs:spPr>
+  </cs:floor>
+  <cs:gridlineMajor>
+    <cs:lnRef idx="0"/>
+    <cs:fillRef idx="0"/>
+    <cs:effectRef idx="0"/>
+    <cs:fontRef idx="minor">
+      <a:schemeClr val="tx1"/>
+    </cs:fontRef>
+    <cs:spPr>
+      <a:ln w="9525" cap="flat" cmpd="sng" algn="ctr">
+        <a:solidFill>
+          <a:schemeClr val="tx1">
+            <a:lumMod val="15000"/>
+            <a:lumOff val="85000"/>
+          </a:schemeClr>
+        </a:solidFill>
+        <a:round/>
+      </a:ln>
+    </cs:spPr>
+  </cs:gridlineMajor>
+  <cs:gridlineMinor>
+    <cs:lnRef idx="0"/>
+    <cs:fillRef idx="0"/>
+    <cs:effectRef idx="0"/>
+    <cs:fontRef idx="minor">
+      <a:schemeClr val="tx1"/>
+    </cs:fontRef>
+    <cs:spPr>
+      <a:ln w="9525" cap="flat" cmpd="sng" algn="ctr">
+        <a:solidFill>
+          <a:schemeClr val="tx1">
+            <a:lumMod val="5000"/>
+            <a:lumOff val="95000"/>
+          </a:schemeClr>
+        </a:solidFill>
+        <a:round/>
+      </a:ln>
+    </cs:spPr>
+  </cs:gridlineMinor>
+  <cs:hiLoLine>
+    <cs:lnRef idx="0"/>
+    <cs:fillRef idx="0"/>
+    <cs:effectRef idx="0"/>
+    <cs:fontRef idx="minor">
+      <a:schemeClr val="tx1"/>
+    </cs:fontRef>
+    <cs:spPr>
+      <a:ln w="9525" cap="flat" cmpd="sng" algn="ctr">
+        <a:solidFill>
+          <a:schemeClr val="tx1">
+            <a:lumMod val="75000"/>
+            <a:lumOff val="25000"/>
+          </a:schemeClr>
+        </a:solidFill>
+        <a:round/>
+      </a:ln>
+    </cs:spPr>
+  </cs:hiLoLine>
+  <cs:leaderLine>
+    <cs:lnRef idx="0"/>
+    <cs:fillRef idx="0"/>
+    <cs:effectRef idx="0"/>
+    <cs:fontRef idx="minor">
+      <a:schemeClr val="tx1"/>
+    </cs:fontRef>
+    <cs:spPr>
+      <a:ln w="9525" cap="flat" cmpd="sng" algn="ctr">
+        <a:solidFill>
+          <a:schemeClr val="tx1">
+            <a:lumMod val="35000"/>
+            <a:lumOff val="65000"/>
+          </a:schemeClr>
+        </a:solidFill>
+        <a:round/>
+      </a:ln>
+    </cs:spPr>
+  </cs:leaderLine>
+  <cs:legend>
+    <cs:lnRef idx="0"/>
+    <cs:fillRef idx="0"/>
+    <cs:effectRef idx="0"/>
+    <cs:fontRef idx="minor">
+      <a:schemeClr val="tx1">
+        <a:lumMod val="65000"/>
+        <a:lumOff val="35000"/>
+      </a:schemeClr>
+    </cs:fontRef>
+    <cs:defRPr sz="900" kern="1200"/>
+  </cs:legend>
+  <cs:plotArea mods="allowNoFillOverride allowNoLineOverride">
+    <cs:lnRef idx="0"/>
+    <cs:fillRef idx="0"/>
+    <cs:effectRef idx="0"/>
+    <cs:fontRef idx="minor">
+      <a:schemeClr val="tx1"/>
+    </cs:fontRef>
+  </cs:plotArea>
+  <cs:plotArea3D mods="allowNoFillOverride allowNoLineOverride">
+    <cs:lnRef idx="0"/>
+    <cs:fillRef idx="0"/>
+    <cs:effectRef idx="0"/>
+    <cs:fontRef idx="minor">
+      <a:schemeClr val="tx1"/>
+    </cs:fontRef>
+  </cs:plotArea3D>
+  <cs:seriesAxis>
+    <cs:lnRef idx="0"/>
+    <cs:fillRef idx="0"/>
+    <cs:effectRef idx="0"/>
+    <cs:fontRef idx="minor">
+      <a:schemeClr val="tx1">
+        <a:lumMod val="65000"/>
+        <a:lumOff val="35000"/>
+      </a:schemeClr>
+    </cs:fontRef>
+    <cs:defRPr sz="900" kern="1200"/>
+  </cs:seriesAxis>
+  <cs:seriesLine>
+    <cs:lnRef idx="0"/>
+    <cs:fillRef idx="0"/>
+    <cs:effectRef idx="0"/>
+    <cs:fontRef idx="minor">
+      <a:schemeClr val="tx1"/>
+    </cs:fontRef>
+    <cs:spPr>
+      <a:ln w="9525" cap="flat" cmpd="sng" algn="ctr">
+        <a:solidFill>
+          <a:schemeClr val="tx1">
+            <a:lumMod val="35000"/>
+            <a:lumOff val="65000"/>
+          </a:schemeClr>
+        </a:solidFill>
+        <a:round/>
+      </a:ln>
+    </cs:spPr>
+  </cs:seriesLine>
+  <cs:title>
+    <cs:lnRef idx="0"/>
+    <cs:fillRef idx="0"/>
+    <cs:effectRef idx="0"/>
+    <cs:fontRef idx="minor">
+      <a:schemeClr val="tx1">
+        <a:lumMod val="65000"/>
+        <a:lumOff val="35000"/>
+      </a:schemeClr>
+    </cs:fontRef>
+    <cs:defRPr sz="1400" b="0" kern="1200" spc="0" baseline="0"/>
+  </cs:title>
+  <cs:trendline>
+    <cs:lnRef idx="0">
+      <cs:styleClr val="auto"/>
+    </cs:lnRef>
+    <cs:fillRef idx="0"/>
+    <cs:effectRef idx="0"/>
+    <cs:fontRef idx="minor">
+      <a:schemeClr val="tx1"/>
+    </cs:fontRef>
+    <cs:spPr>
+      <a:ln w="19050" cap="rnd">
+        <a:solidFill>
+          <a:schemeClr val="phClr"/>
+        </a:solidFill>
+        <a:prstDash val="sysDot"/>
+      </a:ln>
+    </cs:spPr>
+  </cs:trendline>
+  <cs:trendlineLabel>
+    <cs:lnRef idx="0"/>
+    <cs:fillRef idx="0"/>
+    <cs:effectRef idx="0"/>
+    <cs:fontRef idx="minor">
+      <a:schemeClr val="tx1">
+        <a:lumMod val="65000"/>
+        <a:lumOff val="35000"/>
+      </a:schemeClr>
+    </cs:fontRef>
+    <cs:defRPr sz="900" kern="1200"/>
+  </cs:trendlineLabel>
+  <cs:upBar>
+    <cs:lnRef idx="0"/>
+    <cs:fillRef idx="0"/>
+    <cs:effectRef idx="0"/>
+    <cs:fontRef idx="minor">
+      <a:schemeClr val="dk1"/>
+    </cs:fontRef>
+    <cs:spPr>
+      <a:solidFill>
+        <a:schemeClr val="lt1"/>
+      </a:solidFill>
+      <a:ln w="9525">
+        <a:solidFill>
+          <a:schemeClr val="tx1">
+            <a:lumMod val="15000"/>
+            <a:lumOff val="85000"/>
+          </a:schemeClr>
+        </a:solidFill>
+      </a:ln>
+    </cs:spPr>
+  </cs:upBar>
+  <cs:valueAxis>
+    <cs:lnRef idx="0"/>
+    <cs:fillRef idx="0"/>
+    <cs:effectRef idx="0"/>
+    <cs:fontRef idx="minor">
+      <a:schemeClr val="tx1">
+        <a:lumMod val="65000"/>
+        <a:lumOff val="35000"/>
+      </a:schemeClr>
+    </cs:fontRef>
+    <cs:defRPr sz="900" kern="1200"/>
+  </cs:valueAxis>
+  <cs:wall>
+    <cs:lnRef idx="0"/>
+    <cs:fillRef idx="0"/>
+    <cs:effectRef idx="0"/>
+    <cs:fontRef idx="minor">
+      <a:schemeClr val="tx1"/>
+    </cs:fontRef>
+    <cs:spPr>
+      <a:noFill/>
+      <a:ln>
+        <a:noFill/>
+      </a:ln>
+    </cs:spPr>
+  </cs:wall>
+</cs:chartStyle>
 </file>
 
 <file path=ppt/slideLayouts/slideLayout1.xml><?xml version="1.0" encoding="utf-8"?>
@@ -265,7 +2162,7 @@
           <a:p>
             <a:fld id="{9BED4BE8-31C7-403D-911A-3E727E0E58BF}" type="datetimeFigureOut">
               <a:rPr lang="en-US" smtClean="0"/>
-              <a:t>3/9/2022</a:t>
+              <a:t>3/11/2022</a:t>
             </a:fld>
             <a:endParaRPr lang="en-US" dirty="0"/>
           </a:p>
@@ -463,7 +2360,7 @@
           <a:p>
             <a:fld id="{9BED4BE8-31C7-403D-911A-3E727E0E58BF}" type="datetimeFigureOut">
               <a:rPr lang="en-US" smtClean="0"/>
-              <a:t>3/9/2022</a:t>
+              <a:t>3/11/2022</a:t>
             </a:fld>
             <a:endParaRPr lang="en-US" dirty="0"/>
           </a:p>
@@ -671,7 +2568,7 @@
           <a:p>
             <a:fld id="{9BED4BE8-31C7-403D-911A-3E727E0E58BF}" type="datetimeFigureOut">
               <a:rPr lang="en-US" smtClean="0"/>
-              <a:t>3/9/2022</a:t>
+              <a:t>3/11/2022</a:t>
             </a:fld>
             <a:endParaRPr lang="en-US" dirty="0"/>
           </a:p>
@@ -869,7 +2766,7 @@
           <a:p>
             <a:fld id="{9BED4BE8-31C7-403D-911A-3E727E0E58BF}" type="datetimeFigureOut">
               <a:rPr lang="en-US" smtClean="0"/>
-              <a:t>3/9/2022</a:t>
+              <a:t>3/11/2022</a:t>
             </a:fld>
             <a:endParaRPr lang="en-US" dirty="0"/>
           </a:p>
@@ -1144,7 +3041,7 @@
           <a:p>
             <a:fld id="{9BED4BE8-31C7-403D-911A-3E727E0E58BF}" type="datetimeFigureOut">
               <a:rPr lang="en-US" smtClean="0"/>
-              <a:t>3/9/2022</a:t>
+              <a:t>3/11/2022</a:t>
             </a:fld>
             <a:endParaRPr lang="en-US" dirty="0"/>
           </a:p>
@@ -1409,7 +3306,7 @@
           <a:p>
             <a:fld id="{9BED4BE8-31C7-403D-911A-3E727E0E58BF}" type="datetimeFigureOut">
               <a:rPr lang="en-US" smtClean="0"/>
-              <a:t>3/9/2022</a:t>
+              <a:t>3/11/2022</a:t>
             </a:fld>
             <a:endParaRPr lang="en-US" dirty="0"/>
           </a:p>
@@ -1821,7 +3718,7 @@
           <a:p>
             <a:fld id="{9BED4BE8-31C7-403D-911A-3E727E0E58BF}" type="datetimeFigureOut">
               <a:rPr lang="en-US" smtClean="0"/>
-              <a:t>3/9/2022</a:t>
+              <a:t>3/11/2022</a:t>
             </a:fld>
             <a:endParaRPr lang="en-US" dirty="0"/>
           </a:p>
@@ -1962,7 +3859,7 @@
           <a:p>
             <a:fld id="{9BED4BE8-31C7-403D-911A-3E727E0E58BF}" type="datetimeFigureOut">
               <a:rPr lang="en-US" smtClean="0"/>
-              <a:t>3/9/2022</a:t>
+              <a:t>3/11/2022</a:t>
             </a:fld>
             <a:endParaRPr lang="en-US" dirty="0"/>
           </a:p>
@@ -2075,7 +3972,7 @@
           <a:p>
             <a:fld id="{9BED4BE8-31C7-403D-911A-3E727E0E58BF}" type="datetimeFigureOut">
               <a:rPr lang="en-US" smtClean="0"/>
-              <a:t>3/9/2022</a:t>
+              <a:t>3/11/2022</a:t>
             </a:fld>
             <a:endParaRPr lang="en-US" dirty="0"/>
           </a:p>
@@ -2386,7 +4283,7 @@
           <a:p>
             <a:fld id="{9BED4BE8-31C7-403D-911A-3E727E0E58BF}" type="datetimeFigureOut">
               <a:rPr lang="en-US" smtClean="0"/>
-              <a:t>3/9/2022</a:t>
+              <a:t>3/11/2022</a:t>
             </a:fld>
             <a:endParaRPr lang="en-US" dirty="0"/>
           </a:p>
@@ -2674,7 +4571,7 @@
           <a:p>
             <a:fld id="{9BED4BE8-31C7-403D-911A-3E727E0E58BF}" type="datetimeFigureOut">
               <a:rPr lang="en-US" smtClean="0"/>
-              <a:t>3/9/2022</a:t>
+              <a:t>3/11/2022</a:t>
             </a:fld>
             <a:endParaRPr lang="en-US" dirty="0"/>
           </a:p>
@@ -2915,7 +4812,7 @@
           <a:p>
             <a:fld id="{9BED4BE8-31C7-403D-911A-3E727E0E58BF}" type="datetimeFigureOut">
               <a:rPr lang="en-US" smtClean="0"/>
-              <a:t>3/9/2022</a:t>
+              <a:t>3/11/2022</a:t>
             </a:fld>
             <a:endParaRPr lang="en-US" dirty="0"/>
           </a:p>
@@ -28456,6 +30353,66 @@
 </p:sld>
 </file>
 
+<file path=ppt/slides/slide8.xml><?xml version="1.0" encoding="utf-8"?>
+<p:sld xmlns:a="http://schemas.openxmlformats.org/drawingml/2006/main" xmlns:r="http://schemas.openxmlformats.org/officeDocument/2006/relationships" xmlns:p="http://schemas.openxmlformats.org/presentationml/2006/main">
+  <p:cSld>
+    <p:spTree>
+      <p:nvGrpSpPr>
+        <p:cNvPr id="1" name=""/>
+        <p:cNvGrpSpPr/>
+        <p:nvPr/>
+      </p:nvGrpSpPr>
+      <p:grpSpPr>
+        <a:xfrm>
+          <a:off x="0" y="0"/>
+          <a:ext cx="0" cy="0"/>
+          <a:chOff x="0" y="0"/>
+          <a:chExt cx="0" cy="0"/>
+        </a:xfrm>
+      </p:grpSpPr>
+      <p:graphicFrame>
+        <p:nvGraphicFramePr>
+          <p:cNvPr id="4" name="Chart 3">
+            <a:extLst>
+              <a:ext uri="{FF2B5EF4-FFF2-40B4-BE49-F238E27FC236}">
+                <a16:creationId xmlns:a16="http://schemas.microsoft.com/office/drawing/2014/main" id="{4F8217CC-973D-453A-9A72-F2A365A957AB}"/>
+              </a:ext>
+            </a:extLst>
+          </p:cNvPr>
+          <p:cNvGraphicFramePr>
+            <a:graphicFrameLocks/>
+          </p:cNvGraphicFramePr>
+          <p:nvPr>
+            <p:extLst>
+              <p:ext uri="{D42A27DB-BD31-4B8C-83A1-F6EECF244321}">
+                <p14:modId xmlns:p14="http://schemas.microsoft.com/office/powerpoint/2010/main" val="2718211966"/>
+              </p:ext>
+            </p:extLst>
+          </p:nvPr>
+        </p:nvGraphicFramePr>
+        <p:xfrm>
+          <a:off x="2851485" y="1275348"/>
+          <a:ext cx="5527012" cy="3399648"/>
+        </p:xfrm>
+        <a:graphic>
+          <a:graphicData uri="http://schemas.openxmlformats.org/drawingml/2006/chart">
+            <c:chart xmlns:c="http://schemas.openxmlformats.org/drawingml/2006/chart" xmlns:r="http://schemas.openxmlformats.org/officeDocument/2006/relationships" r:id="rId2"/>
+          </a:graphicData>
+        </a:graphic>
+      </p:graphicFrame>
+    </p:spTree>
+    <p:extLst>
+      <p:ext uri="{BB962C8B-B14F-4D97-AF65-F5344CB8AC3E}">
+        <p14:creationId xmlns:p14="http://schemas.microsoft.com/office/powerpoint/2010/main" val="1161385954"/>
+      </p:ext>
+    </p:extLst>
+  </p:cSld>
+  <p:clrMapOvr>
+    <a:masterClrMapping/>
+  </p:clrMapOvr>
+</p:sld>
+</file>
+
 <file path=ppt/theme/theme1.xml><?xml version="1.0" encoding="utf-8"?>
 <a:theme xmlns:a="http://schemas.openxmlformats.org/drawingml/2006/main" name="Office Theme">
   <a:themeElements>

--- a/figures/Figures-Yi.pptx
+++ b/figures/Figures-Yi.pptx
@@ -13,6 +13,7 @@
     <p:sldId id="261" r:id="rId7"/>
     <p:sldId id="262" r:id="rId8"/>
     <p:sldId id="263" r:id="rId9"/>
+    <p:sldId id="264" r:id="rId10"/>
   </p:sldIdLst>
   <p:sldSz cx="12192000" cy="6858000"/>
   <p:notesSz cx="6858000" cy="9144000"/>
@@ -2162,7 +2163,7 @@
           <a:p>
             <a:fld id="{9BED4BE8-31C7-403D-911A-3E727E0E58BF}" type="datetimeFigureOut">
               <a:rPr lang="en-US" smtClean="0"/>
-              <a:t>3/11/2022</a:t>
+              <a:t>3/13/2022</a:t>
             </a:fld>
             <a:endParaRPr lang="en-US" dirty="0"/>
           </a:p>
@@ -2360,7 +2361,7 @@
           <a:p>
             <a:fld id="{9BED4BE8-31C7-403D-911A-3E727E0E58BF}" type="datetimeFigureOut">
               <a:rPr lang="en-US" smtClean="0"/>
-              <a:t>3/11/2022</a:t>
+              <a:t>3/13/2022</a:t>
             </a:fld>
             <a:endParaRPr lang="en-US" dirty="0"/>
           </a:p>
@@ -2568,7 +2569,7 @@
           <a:p>
             <a:fld id="{9BED4BE8-31C7-403D-911A-3E727E0E58BF}" type="datetimeFigureOut">
               <a:rPr lang="en-US" smtClean="0"/>
-              <a:t>3/11/2022</a:t>
+              <a:t>3/13/2022</a:t>
             </a:fld>
             <a:endParaRPr lang="en-US" dirty="0"/>
           </a:p>
@@ -2766,7 +2767,7 @@
           <a:p>
             <a:fld id="{9BED4BE8-31C7-403D-911A-3E727E0E58BF}" type="datetimeFigureOut">
               <a:rPr lang="en-US" smtClean="0"/>
-              <a:t>3/11/2022</a:t>
+              <a:t>3/13/2022</a:t>
             </a:fld>
             <a:endParaRPr lang="en-US" dirty="0"/>
           </a:p>
@@ -3041,7 +3042,7 @@
           <a:p>
             <a:fld id="{9BED4BE8-31C7-403D-911A-3E727E0E58BF}" type="datetimeFigureOut">
               <a:rPr lang="en-US" smtClean="0"/>
-              <a:t>3/11/2022</a:t>
+              <a:t>3/13/2022</a:t>
             </a:fld>
             <a:endParaRPr lang="en-US" dirty="0"/>
           </a:p>
@@ -3306,7 +3307,7 @@
           <a:p>
             <a:fld id="{9BED4BE8-31C7-403D-911A-3E727E0E58BF}" type="datetimeFigureOut">
               <a:rPr lang="en-US" smtClean="0"/>
-              <a:t>3/11/2022</a:t>
+              <a:t>3/13/2022</a:t>
             </a:fld>
             <a:endParaRPr lang="en-US" dirty="0"/>
           </a:p>
@@ -3718,7 +3719,7 @@
           <a:p>
             <a:fld id="{9BED4BE8-31C7-403D-911A-3E727E0E58BF}" type="datetimeFigureOut">
               <a:rPr lang="en-US" smtClean="0"/>
-              <a:t>3/11/2022</a:t>
+              <a:t>3/13/2022</a:t>
             </a:fld>
             <a:endParaRPr lang="en-US" dirty="0"/>
           </a:p>
@@ -3859,7 +3860,7 @@
           <a:p>
             <a:fld id="{9BED4BE8-31C7-403D-911A-3E727E0E58BF}" type="datetimeFigureOut">
               <a:rPr lang="en-US" smtClean="0"/>
-              <a:t>3/11/2022</a:t>
+              <a:t>3/13/2022</a:t>
             </a:fld>
             <a:endParaRPr lang="en-US" dirty="0"/>
           </a:p>
@@ -3972,7 +3973,7 @@
           <a:p>
             <a:fld id="{9BED4BE8-31C7-403D-911A-3E727E0E58BF}" type="datetimeFigureOut">
               <a:rPr lang="en-US" smtClean="0"/>
-              <a:t>3/11/2022</a:t>
+              <a:t>3/13/2022</a:t>
             </a:fld>
             <a:endParaRPr lang="en-US" dirty="0"/>
           </a:p>
@@ -4283,7 +4284,7 @@
           <a:p>
             <a:fld id="{9BED4BE8-31C7-403D-911A-3E727E0E58BF}" type="datetimeFigureOut">
               <a:rPr lang="en-US" smtClean="0"/>
-              <a:t>3/11/2022</a:t>
+              <a:t>3/13/2022</a:t>
             </a:fld>
             <a:endParaRPr lang="en-US" dirty="0"/>
           </a:p>
@@ -4571,7 +4572,7 @@
           <a:p>
             <a:fld id="{9BED4BE8-31C7-403D-911A-3E727E0E58BF}" type="datetimeFigureOut">
               <a:rPr lang="en-US" smtClean="0"/>
-              <a:t>3/11/2022</a:t>
+              <a:t>3/13/2022</a:t>
             </a:fld>
             <a:endParaRPr lang="en-US" dirty="0"/>
           </a:p>
@@ -4812,7 +4813,7 @@
           <a:p>
             <a:fld id="{9BED4BE8-31C7-403D-911A-3E727E0E58BF}" type="datetimeFigureOut">
               <a:rPr lang="en-US" smtClean="0"/>
-              <a:t>3/11/2022</a:t>
+              <a:t>3/13/2022</a:t>
             </a:fld>
             <a:endParaRPr lang="en-US" dirty="0"/>
           </a:p>
@@ -30413,6 +30414,4475 @@
 </p:sld>
 </file>
 
+<file path=ppt/slides/slide9.xml><?xml version="1.0" encoding="utf-8"?>
+<p:sld xmlns:a="http://schemas.openxmlformats.org/drawingml/2006/main" xmlns:r="http://schemas.openxmlformats.org/officeDocument/2006/relationships" xmlns:p="http://schemas.openxmlformats.org/presentationml/2006/main">
+  <p:cSld>
+    <p:spTree>
+      <p:nvGrpSpPr>
+        <p:cNvPr id="1" name=""/>
+        <p:cNvGrpSpPr/>
+        <p:nvPr/>
+      </p:nvGrpSpPr>
+      <p:grpSpPr>
+        <a:xfrm>
+          <a:off x="0" y="0"/>
+          <a:ext cx="0" cy="0"/>
+          <a:chOff x="0" y="0"/>
+          <a:chExt cx="0" cy="0"/>
+        </a:xfrm>
+      </p:grpSpPr>
+      <p:grpSp>
+        <p:nvGrpSpPr>
+          <p:cNvPr id="51" name="Group 50">
+            <a:extLst>
+              <a:ext uri="{FF2B5EF4-FFF2-40B4-BE49-F238E27FC236}">
+                <a16:creationId xmlns:a16="http://schemas.microsoft.com/office/drawing/2014/main" id="{4A48833B-FB04-4064-BDEC-AD8F6BD5A824}"/>
+              </a:ext>
+            </a:extLst>
+          </p:cNvPr>
+          <p:cNvGrpSpPr/>
+          <p:nvPr/>
+        </p:nvGrpSpPr>
+        <p:grpSpPr>
+          <a:xfrm>
+            <a:off x="86212" y="1159940"/>
+            <a:ext cx="1986196" cy="2335446"/>
+            <a:chOff x="3347804" y="1176104"/>
+            <a:chExt cx="1986196" cy="2335446"/>
+          </a:xfrm>
+        </p:grpSpPr>
+        <p:sp>
+          <p:nvSpPr>
+            <p:cNvPr id="2" name="Oval 1">
+              <a:extLst>
+                <a:ext uri="{FF2B5EF4-FFF2-40B4-BE49-F238E27FC236}">
+                  <a16:creationId xmlns:a16="http://schemas.microsoft.com/office/drawing/2014/main" id="{3A2DE67A-6293-4CE8-B6F0-4B0E6F9D6FFB}"/>
+                </a:ext>
+              </a:extLst>
+            </p:cNvPr>
+            <p:cNvSpPr/>
+            <p:nvPr/>
+          </p:nvSpPr>
+          <p:spPr>
+            <a:xfrm>
+              <a:off x="4178300" y="1499954"/>
+              <a:ext cx="381000" cy="381000"/>
+            </a:xfrm>
+            <a:prstGeom prst="ellipse">
+              <a:avLst/>
+            </a:prstGeom>
+            <a:noFill/>
+            <a:ln>
+              <a:solidFill>
+                <a:schemeClr val="tx1"/>
+              </a:solidFill>
+            </a:ln>
+          </p:spPr>
+          <p:style>
+            <a:lnRef idx="2">
+              <a:schemeClr val="accent1">
+                <a:shade val="50000"/>
+              </a:schemeClr>
+            </a:lnRef>
+            <a:fillRef idx="1">
+              <a:schemeClr val="accent1"/>
+            </a:fillRef>
+            <a:effectRef idx="0">
+              <a:schemeClr val="accent1"/>
+            </a:effectRef>
+            <a:fontRef idx="minor">
+              <a:schemeClr val="lt1"/>
+            </a:fontRef>
+          </p:style>
+          <p:txBody>
+            <a:bodyPr lIns="0" tIns="0" rIns="0" bIns="0" rtlCol="0" anchor="ctr"/>
+            <a:lstStyle/>
+            <a:p>
+              <a:pPr algn="ctr"/>
+              <a:r>
+                <a:rPr lang="en-US" sz="1600" dirty="0">
+                  <a:solidFill>
+                    <a:schemeClr val="tx1"/>
+                  </a:solidFill>
+                </a:rPr>
+                <a:t>S3</a:t>
+              </a:r>
+            </a:p>
+          </p:txBody>
+        </p:sp>
+        <p:sp>
+          <p:nvSpPr>
+            <p:cNvPr id="3" name="Oval 2">
+              <a:extLst>
+                <a:ext uri="{FF2B5EF4-FFF2-40B4-BE49-F238E27FC236}">
+                  <a16:creationId xmlns:a16="http://schemas.microsoft.com/office/drawing/2014/main" id="{4B27E447-B1D9-40C4-AF38-259D93EEDA47}"/>
+                </a:ext>
+              </a:extLst>
+            </p:cNvPr>
+            <p:cNvSpPr/>
+            <p:nvPr/>
+          </p:nvSpPr>
+          <p:spPr>
+            <a:xfrm>
+              <a:off x="4953000" y="1823804"/>
+              <a:ext cx="381000" cy="381000"/>
+            </a:xfrm>
+            <a:prstGeom prst="ellipse">
+              <a:avLst/>
+            </a:prstGeom>
+            <a:noFill/>
+            <a:ln>
+              <a:solidFill>
+                <a:schemeClr val="tx1"/>
+              </a:solidFill>
+            </a:ln>
+          </p:spPr>
+          <p:style>
+            <a:lnRef idx="2">
+              <a:schemeClr val="accent1">
+                <a:shade val="50000"/>
+              </a:schemeClr>
+            </a:lnRef>
+            <a:fillRef idx="1">
+              <a:schemeClr val="accent1"/>
+            </a:fillRef>
+            <a:effectRef idx="0">
+              <a:schemeClr val="accent1"/>
+            </a:effectRef>
+            <a:fontRef idx="minor">
+              <a:schemeClr val="lt1"/>
+            </a:fontRef>
+          </p:style>
+          <p:txBody>
+            <a:bodyPr lIns="0" tIns="0" rIns="0" bIns="0" rtlCol="0" anchor="ctr"/>
+            <a:lstStyle/>
+            <a:p>
+              <a:pPr algn="ctr"/>
+              <a:r>
+                <a:rPr lang="en-US" sz="1600" dirty="0">
+                  <a:solidFill>
+                    <a:schemeClr val="accent6">
+                      <a:lumMod val="75000"/>
+                    </a:schemeClr>
+                  </a:solidFill>
+                </a:rPr>
+                <a:t>S6</a:t>
+              </a:r>
+            </a:p>
+          </p:txBody>
+        </p:sp>
+        <p:sp>
+          <p:nvSpPr>
+            <p:cNvPr id="4" name="Oval 3">
+              <a:extLst>
+                <a:ext uri="{FF2B5EF4-FFF2-40B4-BE49-F238E27FC236}">
+                  <a16:creationId xmlns:a16="http://schemas.microsoft.com/office/drawing/2014/main" id="{C889B34D-F0D1-4B56-9710-0D3D34ED174B}"/>
+                </a:ext>
+              </a:extLst>
+            </p:cNvPr>
+            <p:cNvSpPr/>
+            <p:nvPr/>
+          </p:nvSpPr>
+          <p:spPr>
+            <a:xfrm>
+              <a:off x="4178300" y="2204804"/>
+              <a:ext cx="381000" cy="381000"/>
+            </a:xfrm>
+            <a:prstGeom prst="ellipse">
+              <a:avLst/>
+            </a:prstGeom>
+            <a:noFill/>
+            <a:ln>
+              <a:solidFill>
+                <a:schemeClr val="tx1"/>
+              </a:solidFill>
+            </a:ln>
+          </p:spPr>
+          <p:style>
+            <a:lnRef idx="2">
+              <a:schemeClr val="accent1">
+                <a:shade val="50000"/>
+              </a:schemeClr>
+            </a:lnRef>
+            <a:fillRef idx="1">
+              <a:schemeClr val="accent1"/>
+            </a:fillRef>
+            <a:effectRef idx="0">
+              <a:schemeClr val="accent1"/>
+            </a:effectRef>
+            <a:fontRef idx="minor">
+              <a:schemeClr val="lt1"/>
+            </a:fontRef>
+          </p:style>
+          <p:txBody>
+            <a:bodyPr lIns="0" tIns="0" rIns="0" bIns="0" rtlCol="0" anchor="ctr"/>
+            <a:lstStyle/>
+            <a:p>
+              <a:pPr algn="ctr"/>
+              <a:r>
+                <a:rPr lang="en-US" sz="1600" dirty="0">
+                  <a:solidFill>
+                    <a:schemeClr val="tx1"/>
+                  </a:solidFill>
+                </a:rPr>
+                <a:t>S4</a:t>
+              </a:r>
+            </a:p>
+          </p:txBody>
+        </p:sp>
+        <p:sp>
+          <p:nvSpPr>
+            <p:cNvPr id="5" name="Oval 4">
+              <a:extLst>
+                <a:ext uri="{FF2B5EF4-FFF2-40B4-BE49-F238E27FC236}">
+                  <a16:creationId xmlns:a16="http://schemas.microsoft.com/office/drawing/2014/main" id="{03F49203-F5C9-4A8D-9CF9-ACAA2362F406}"/>
+                </a:ext>
+              </a:extLst>
+            </p:cNvPr>
+            <p:cNvSpPr/>
+            <p:nvPr/>
+          </p:nvSpPr>
+          <p:spPr>
+            <a:xfrm>
+              <a:off x="3347804" y="1825835"/>
+              <a:ext cx="381000" cy="381000"/>
+            </a:xfrm>
+            <a:prstGeom prst="ellipse">
+              <a:avLst/>
+            </a:prstGeom>
+            <a:noFill/>
+            <a:ln>
+              <a:solidFill>
+                <a:schemeClr val="tx1"/>
+              </a:solidFill>
+            </a:ln>
+          </p:spPr>
+          <p:style>
+            <a:lnRef idx="2">
+              <a:schemeClr val="accent1">
+                <a:shade val="50000"/>
+              </a:schemeClr>
+            </a:lnRef>
+            <a:fillRef idx="1">
+              <a:schemeClr val="accent1"/>
+            </a:fillRef>
+            <a:effectRef idx="0">
+              <a:schemeClr val="accent1"/>
+            </a:effectRef>
+            <a:fontRef idx="minor">
+              <a:schemeClr val="lt1"/>
+            </a:fontRef>
+          </p:style>
+          <p:txBody>
+            <a:bodyPr lIns="0" tIns="0" rIns="0" bIns="0" rtlCol="0" anchor="ctr"/>
+            <a:lstStyle/>
+            <a:p>
+              <a:pPr algn="ctr"/>
+              <a:r>
+                <a:rPr lang="en-US" sz="1600" dirty="0">
+                  <a:solidFill>
+                    <a:srgbClr val="FF0000"/>
+                  </a:solidFill>
+                </a:rPr>
+                <a:t>S5</a:t>
+              </a:r>
+            </a:p>
+          </p:txBody>
+        </p:sp>
+        <p:sp>
+          <p:nvSpPr>
+            <p:cNvPr id="6" name="Oval 5">
+              <a:extLst>
+                <a:ext uri="{FF2B5EF4-FFF2-40B4-BE49-F238E27FC236}">
+                  <a16:creationId xmlns:a16="http://schemas.microsoft.com/office/drawing/2014/main" id="{C25CB021-EAE6-4E0F-BEBA-E30DE4921DE2}"/>
+                </a:ext>
+              </a:extLst>
+            </p:cNvPr>
+            <p:cNvSpPr/>
+            <p:nvPr/>
+          </p:nvSpPr>
+          <p:spPr>
+            <a:xfrm>
+              <a:off x="4178300" y="2806700"/>
+              <a:ext cx="381000" cy="381000"/>
+            </a:xfrm>
+            <a:prstGeom prst="ellipse">
+              <a:avLst/>
+            </a:prstGeom>
+            <a:noFill/>
+            <a:ln>
+              <a:solidFill>
+                <a:schemeClr val="tx1"/>
+              </a:solidFill>
+            </a:ln>
+          </p:spPr>
+          <p:style>
+            <a:lnRef idx="2">
+              <a:schemeClr val="accent1">
+                <a:shade val="50000"/>
+              </a:schemeClr>
+            </a:lnRef>
+            <a:fillRef idx="1">
+              <a:schemeClr val="accent1"/>
+            </a:fillRef>
+            <a:effectRef idx="0">
+              <a:schemeClr val="accent1"/>
+            </a:effectRef>
+            <a:fontRef idx="minor">
+              <a:schemeClr val="lt1"/>
+            </a:fontRef>
+          </p:style>
+          <p:txBody>
+            <a:bodyPr lIns="0" tIns="0" rIns="0" bIns="0" rtlCol="0" anchor="ctr"/>
+            <a:lstStyle/>
+            <a:p>
+              <a:pPr algn="ctr"/>
+              <a:r>
+                <a:rPr lang="en-US" sz="1600" dirty="0">
+                  <a:solidFill>
+                    <a:schemeClr val="tx1"/>
+                  </a:solidFill>
+                </a:rPr>
+                <a:t>S7</a:t>
+              </a:r>
+            </a:p>
+          </p:txBody>
+        </p:sp>
+        <p:cxnSp>
+          <p:nvCxnSpPr>
+            <p:cNvPr id="8" name="Straight Arrow Connector 7">
+              <a:extLst>
+                <a:ext uri="{FF2B5EF4-FFF2-40B4-BE49-F238E27FC236}">
+                  <a16:creationId xmlns:a16="http://schemas.microsoft.com/office/drawing/2014/main" id="{81333EBF-A501-4839-9035-8CF024B7A966}"/>
+                </a:ext>
+              </a:extLst>
+            </p:cNvPr>
+            <p:cNvCxnSpPr>
+              <a:stCxn id="2" idx="4"/>
+              <a:endCxn id="4" idx="0"/>
+            </p:cNvCxnSpPr>
+            <p:nvPr/>
+          </p:nvCxnSpPr>
+          <p:spPr>
+            <a:xfrm>
+              <a:off x="4368800" y="1880954"/>
+              <a:ext cx="0" cy="323850"/>
+            </a:xfrm>
+            <a:prstGeom prst="straightConnector1">
+              <a:avLst/>
+            </a:prstGeom>
+            <a:ln>
+              <a:tailEnd type="triangle"/>
+            </a:ln>
+          </p:spPr>
+          <p:style>
+            <a:lnRef idx="1">
+              <a:schemeClr val="accent1"/>
+            </a:lnRef>
+            <a:fillRef idx="0">
+              <a:schemeClr val="accent1"/>
+            </a:fillRef>
+            <a:effectRef idx="0">
+              <a:schemeClr val="accent1"/>
+            </a:effectRef>
+            <a:fontRef idx="minor">
+              <a:schemeClr val="tx1"/>
+            </a:fontRef>
+          </p:style>
+        </p:cxnSp>
+        <p:cxnSp>
+          <p:nvCxnSpPr>
+            <p:cNvPr id="9" name="Straight Arrow Connector 8">
+              <a:extLst>
+                <a:ext uri="{FF2B5EF4-FFF2-40B4-BE49-F238E27FC236}">
+                  <a16:creationId xmlns:a16="http://schemas.microsoft.com/office/drawing/2014/main" id="{2F743377-EDC9-4103-A062-D8F6E130E407}"/>
+                </a:ext>
+              </a:extLst>
+            </p:cNvPr>
+            <p:cNvCxnSpPr>
+              <a:cxnSpLocks/>
+              <a:stCxn id="2" idx="6"/>
+              <a:endCxn id="3" idx="1"/>
+            </p:cNvCxnSpPr>
+            <p:nvPr/>
+          </p:nvCxnSpPr>
+          <p:spPr>
+            <a:xfrm>
+              <a:off x="4559300" y="1690454"/>
+              <a:ext cx="449496" cy="189146"/>
+            </a:xfrm>
+            <a:prstGeom prst="straightConnector1">
+              <a:avLst/>
+            </a:prstGeom>
+            <a:ln>
+              <a:solidFill>
+                <a:schemeClr val="accent6">
+                  <a:lumMod val="75000"/>
+                </a:schemeClr>
+              </a:solidFill>
+              <a:tailEnd type="triangle"/>
+            </a:ln>
+          </p:spPr>
+          <p:style>
+            <a:lnRef idx="1">
+              <a:schemeClr val="accent1"/>
+            </a:lnRef>
+            <a:fillRef idx="0">
+              <a:schemeClr val="accent1"/>
+            </a:fillRef>
+            <a:effectRef idx="0">
+              <a:schemeClr val="accent1"/>
+            </a:effectRef>
+            <a:fontRef idx="minor">
+              <a:schemeClr val="tx1"/>
+            </a:fontRef>
+          </p:style>
+        </p:cxnSp>
+        <p:cxnSp>
+          <p:nvCxnSpPr>
+            <p:cNvPr id="12" name="Straight Arrow Connector 11">
+              <a:extLst>
+                <a:ext uri="{FF2B5EF4-FFF2-40B4-BE49-F238E27FC236}">
+                  <a16:creationId xmlns:a16="http://schemas.microsoft.com/office/drawing/2014/main" id="{6C0C46F0-DD88-4668-B1EC-F50AC7305D3A}"/>
+                </a:ext>
+              </a:extLst>
+            </p:cNvPr>
+            <p:cNvCxnSpPr>
+              <a:cxnSpLocks/>
+              <a:stCxn id="4" idx="6"/>
+              <a:endCxn id="3" idx="3"/>
+            </p:cNvCxnSpPr>
+            <p:nvPr/>
+          </p:nvCxnSpPr>
+          <p:spPr>
+            <a:xfrm flipV="1">
+              <a:off x="4559300" y="2149008"/>
+              <a:ext cx="449496" cy="246296"/>
+            </a:xfrm>
+            <a:prstGeom prst="straightConnector1">
+              <a:avLst/>
+            </a:prstGeom>
+            <a:ln>
+              <a:solidFill>
+                <a:schemeClr val="accent6">
+                  <a:lumMod val="75000"/>
+                </a:schemeClr>
+              </a:solidFill>
+              <a:tailEnd type="triangle"/>
+            </a:ln>
+          </p:spPr>
+          <p:style>
+            <a:lnRef idx="1">
+              <a:schemeClr val="accent1"/>
+            </a:lnRef>
+            <a:fillRef idx="0">
+              <a:schemeClr val="accent1"/>
+            </a:fillRef>
+            <a:effectRef idx="0">
+              <a:schemeClr val="accent1"/>
+            </a:effectRef>
+            <a:fontRef idx="minor">
+              <a:schemeClr val="tx1"/>
+            </a:fontRef>
+          </p:style>
+        </p:cxnSp>
+        <p:cxnSp>
+          <p:nvCxnSpPr>
+            <p:cNvPr id="15" name="Straight Arrow Connector 14">
+              <a:extLst>
+                <a:ext uri="{FF2B5EF4-FFF2-40B4-BE49-F238E27FC236}">
+                  <a16:creationId xmlns:a16="http://schemas.microsoft.com/office/drawing/2014/main" id="{958DAE7F-35EC-49E3-A206-CB550BEF486A}"/>
+                </a:ext>
+              </a:extLst>
+            </p:cNvPr>
+            <p:cNvCxnSpPr>
+              <a:cxnSpLocks/>
+              <a:stCxn id="4" idx="2"/>
+              <a:endCxn id="5" idx="5"/>
+            </p:cNvCxnSpPr>
+            <p:nvPr/>
+          </p:nvCxnSpPr>
+          <p:spPr>
+            <a:xfrm flipH="1" flipV="1">
+              <a:off x="3673008" y="2151039"/>
+              <a:ext cx="505292" cy="244265"/>
+            </a:xfrm>
+            <a:prstGeom prst="straightConnector1">
+              <a:avLst/>
+            </a:prstGeom>
+            <a:ln>
+              <a:solidFill>
+                <a:srgbClr val="FF0000"/>
+              </a:solidFill>
+              <a:tailEnd type="triangle"/>
+            </a:ln>
+          </p:spPr>
+          <p:style>
+            <a:lnRef idx="1">
+              <a:schemeClr val="accent1"/>
+            </a:lnRef>
+            <a:fillRef idx="0">
+              <a:schemeClr val="accent1"/>
+            </a:fillRef>
+            <a:effectRef idx="0">
+              <a:schemeClr val="accent1"/>
+            </a:effectRef>
+            <a:fontRef idx="minor">
+              <a:schemeClr val="tx1"/>
+            </a:fontRef>
+          </p:style>
+        </p:cxnSp>
+        <p:cxnSp>
+          <p:nvCxnSpPr>
+            <p:cNvPr id="29" name="Straight Arrow Connector 28">
+              <a:extLst>
+                <a:ext uri="{FF2B5EF4-FFF2-40B4-BE49-F238E27FC236}">
+                  <a16:creationId xmlns:a16="http://schemas.microsoft.com/office/drawing/2014/main" id="{89218288-91BE-40F2-93D3-D48A88C3CD25}"/>
+                </a:ext>
+              </a:extLst>
+            </p:cNvPr>
+            <p:cNvCxnSpPr>
+              <a:cxnSpLocks/>
+              <a:stCxn id="2" idx="2"/>
+              <a:endCxn id="5" idx="7"/>
+            </p:cNvCxnSpPr>
+            <p:nvPr/>
+          </p:nvCxnSpPr>
+          <p:spPr>
+            <a:xfrm flipH="1">
+              <a:off x="3673008" y="1690454"/>
+              <a:ext cx="505292" cy="191177"/>
+            </a:xfrm>
+            <a:prstGeom prst="straightConnector1">
+              <a:avLst/>
+            </a:prstGeom>
+            <a:ln>
+              <a:solidFill>
+                <a:srgbClr val="FF0000"/>
+              </a:solidFill>
+              <a:tailEnd type="triangle"/>
+            </a:ln>
+          </p:spPr>
+          <p:style>
+            <a:lnRef idx="1">
+              <a:schemeClr val="accent1"/>
+            </a:lnRef>
+            <a:fillRef idx="0">
+              <a:schemeClr val="accent1"/>
+            </a:fillRef>
+            <a:effectRef idx="0">
+              <a:schemeClr val="accent1"/>
+            </a:effectRef>
+            <a:fontRef idx="minor">
+              <a:schemeClr val="tx1"/>
+            </a:fontRef>
+          </p:style>
+        </p:cxnSp>
+        <p:cxnSp>
+          <p:nvCxnSpPr>
+            <p:cNvPr id="34" name="Straight Arrow Connector 33">
+              <a:extLst>
+                <a:ext uri="{FF2B5EF4-FFF2-40B4-BE49-F238E27FC236}">
+                  <a16:creationId xmlns:a16="http://schemas.microsoft.com/office/drawing/2014/main" id="{B2A76456-9C82-430D-A349-D1CA1D475C52}"/>
+                </a:ext>
+              </a:extLst>
+            </p:cNvPr>
+            <p:cNvCxnSpPr>
+              <a:cxnSpLocks/>
+              <a:stCxn id="3" idx="4"/>
+              <a:endCxn id="6" idx="7"/>
+            </p:cNvCxnSpPr>
+            <p:nvPr/>
+          </p:nvCxnSpPr>
+          <p:spPr>
+            <a:xfrm flipH="1">
+              <a:off x="4503504" y="2204804"/>
+              <a:ext cx="639996" cy="657692"/>
+            </a:xfrm>
+            <a:prstGeom prst="straightConnector1">
+              <a:avLst/>
+            </a:prstGeom>
+            <a:ln>
+              <a:solidFill>
+                <a:schemeClr val="accent6">
+                  <a:lumMod val="75000"/>
+                </a:schemeClr>
+              </a:solidFill>
+              <a:tailEnd type="triangle"/>
+            </a:ln>
+          </p:spPr>
+          <p:style>
+            <a:lnRef idx="1">
+              <a:schemeClr val="accent1"/>
+            </a:lnRef>
+            <a:fillRef idx="0">
+              <a:schemeClr val="accent1"/>
+            </a:fillRef>
+            <a:effectRef idx="0">
+              <a:schemeClr val="accent1"/>
+            </a:effectRef>
+            <a:fontRef idx="minor">
+              <a:schemeClr val="tx1"/>
+            </a:fontRef>
+          </p:style>
+        </p:cxnSp>
+        <p:cxnSp>
+          <p:nvCxnSpPr>
+            <p:cNvPr id="37" name="Straight Arrow Connector 36">
+              <a:extLst>
+                <a:ext uri="{FF2B5EF4-FFF2-40B4-BE49-F238E27FC236}">
+                  <a16:creationId xmlns:a16="http://schemas.microsoft.com/office/drawing/2014/main" id="{7DD69850-8E28-4D50-BC94-9CC377B9821F}"/>
+                </a:ext>
+              </a:extLst>
+            </p:cNvPr>
+            <p:cNvCxnSpPr>
+              <a:cxnSpLocks/>
+              <a:stCxn id="5" idx="4"/>
+              <a:endCxn id="6" idx="1"/>
+            </p:cNvCxnSpPr>
+            <p:nvPr/>
+          </p:nvCxnSpPr>
+          <p:spPr>
+            <a:xfrm>
+              <a:off x="3538304" y="2206835"/>
+              <a:ext cx="695792" cy="655661"/>
+            </a:xfrm>
+            <a:prstGeom prst="straightConnector1">
+              <a:avLst/>
+            </a:prstGeom>
+            <a:ln>
+              <a:solidFill>
+                <a:srgbClr val="FF0000"/>
+              </a:solidFill>
+              <a:tailEnd type="triangle"/>
+            </a:ln>
+          </p:spPr>
+          <p:style>
+            <a:lnRef idx="1">
+              <a:schemeClr val="accent1"/>
+            </a:lnRef>
+            <a:fillRef idx="0">
+              <a:schemeClr val="accent1"/>
+            </a:fillRef>
+            <a:effectRef idx="0">
+              <a:schemeClr val="accent1"/>
+            </a:effectRef>
+            <a:fontRef idx="minor">
+              <a:schemeClr val="tx1"/>
+            </a:fontRef>
+          </p:style>
+        </p:cxnSp>
+        <p:cxnSp>
+          <p:nvCxnSpPr>
+            <p:cNvPr id="55" name="Straight Arrow Connector 54">
+              <a:extLst>
+                <a:ext uri="{FF2B5EF4-FFF2-40B4-BE49-F238E27FC236}">
+                  <a16:creationId xmlns:a16="http://schemas.microsoft.com/office/drawing/2014/main" id="{0BDA502C-B9DC-4810-BB5A-8A120C1F8B64}"/>
+                </a:ext>
+              </a:extLst>
+            </p:cNvPr>
+            <p:cNvCxnSpPr>
+              <a:cxnSpLocks/>
+              <a:endCxn id="2" idx="0"/>
+            </p:cNvCxnSpPr>
+            <p:nvPr/>
+          </p:nvCxnSpPr>
+          <p:spPr>
+            <a:xfrm>
+              <a:off x="4368800" y="1176104"/>
+              <a:ext cx="0" cy="323850"/>
+            </a:xfrm>
+            <a:prstGeom prst="straightConnector1">
+              <a:avLst/>
+            </a:prstGeom>
+            <a:ln>
+              <a:tailEnd type="triangle"/>
+            </a:ln>
+          </p:spPr>
+          <p:style>
+            <a:lnRef idx="1">
+              <a:schemeClr val="accent1"/>
+            </a:lnRef>
+            <a:fillRef idx="0">
+              <a:schemeClr val="accent1"/>
+            </a:fillRef>
+            <a:effectRef idx="0">
+              <a:schemeClr val="accent1"/>
+            </a:effectRef>
+            <a:fontRef idx="minor">
+              <a:schemeClr val="tx1"/>
+            </a:fontRef>
+          </p:style>
+        </p:cxnSp>
+        <p:cxnSp>
+          <p:nvCxnSpPr>
+            <p:cNvPr id="57" name="Straight Arrow Connector 56">
+              <a:extLst>
+                <a:ext uri="{FF2B5EF4-FFF2-40B4-BE49-F238E27FC236}">
+                  <a16:creationId xmlns:a16="http://schemas.microsoft.com/office/drawing/2014/main" id="{456F928F-947E-4295-AF47-48D9B19008F6}"/>
+                </a:ext>
+              </a:extLst>
+            </p:cNvPr>
+            <p:cNvCxnSpPr>
+              <a:cxnSpLocks/>
+            </p:cNvCxnSpPr>
+            <p:nvPr/>
+          </p:nvCxnSpPr>
+          <p:spPr>
+            <a:xfrm>
+              <a:off x="4368800" y="3187700"/>
+              <a:ext cx="0" cy="323850"/>
+            </a:xfrm>
+            <a:prstGeom prst="straightConnector1">
+              <a:avLst/>
+            </a:prstGeom>
+            <a:ln>
+              <a:tailEnd type="triangle"/>
+            </a:ln>
+          </p:spPr>
+          <p:style>
+            <a:lnRef idx="1">
+              <a:schemeClr val="accent1"/>
+            </a:lnRef>
+            <a:fillRef idx="0">
+              <a:schemeClr val="accent1"/>
+            </a:fillRef>
+            <a:effectRef idx="0">
+              <a:schemeClr val="accent1"/>
+            </a:effectRef>
+            <a:fontRef idx="minor">
+              <a:schemeClr val="tx1"/>
+            </a:fontRef>
+          </p:style>
+        </p:cxnSp>
+      </p:grpSp>
+      <p:sp>
+        <p:nvSpPr>
+          <p:cNvPr id="59" name="Rectangle: Rounded Corners 58">
+            <a:extLst>
+              <a:ext uri="{FF2B5EF4-FFF2-40B4-BE49-F238E27FC236}">
+                <a16:creationId xmlns:a16="http://schemas.microsoft.com/office/drawing/2014/main" id="{360651C0-2FF9-4632-B27B-B46A920D8475}"/>
+              </a:ext>
+            </a:extLst>
+          </p:cNvPr>
+          <p:cNvSpPr/>
+          <p:nvPr/>
+        </p:nvSpPr>
+        <p:spPr>
+          <a:xfrm>
+            <a:off x="2733964" y="1150704"/>
+            <a:ext cx="449496" cy="2335446"/>
+          </a:xfrm>
+          <a:prstGeom prst="roundRect">
+            <a:avLst/>
+          </a:prstGeom>
+          <a:solidFill>
+            <a:schemeClr val="bg2">
+              <a:lumMod val="90000"/>
+            </a:schemeClr>
+          </a:solidFill>
+          <a:ln>
+            <a:solidFill>
+              <a:schemeClr val="tx1"/>
+            </a:solidFill>
+          </a:ln>
+        </p:spPr>
+        <p:style>
+          <a:lnRef idx="2">
+            <a:schemeClr val="accent1">
+              <a:shade val="50000"/>
+            </a:schemeClr>
+          </a:lnRef>
+          <a:fillRef idx="1">
+            <a:schemeClr val="accent1"/>
+          </a:fillRef>
+          <a:effectRef idx="0">
+            <a:schemeClr val="accent1"/>
+          </a:effectRef>
+          <a:fontRef idx="minor">
+            <a:schemeClr val="lt1"/>
+          </a:fontRef>
+        </p:style>
+        <p:txBody>
+          <a:bodyPr rtlCol="0" anchor="ctr"/>
+          <a:lstStyle/>
+          <a:p>
+            <a:pPr algn="ctr"/>
+            <a:endParaRPr lang="en-US"/>
+          </a:p>
+        </p:txBody>
+      </p:sp>
+      <p:grpSp>
+        <p:nvGrpSpPr>
+          <p:cNvPr id="60" name="Group 59">
+            <a:extLst>
+              <a:ext uri="{FF2B5EF4-FFF2-40B4-BE49-F238E27FC236}">
+                <a16:creationId xmlns:a16="http://schemas.microsoft.com/office/drawing/2014/main" id="{184B81BE-FD7F-4D6C-A59E-72A41FD0250C}"/>
+              </a:ext>
+            </a:extLst>
+          </p:cNvPr>
+          <p:cNvGrpSpPr/>
+          <p:nvPr/>
+        </p:nvGrpSpPr>
+        <p:grpSpPr>
+          <a:xfrm>
+            <a:off x="3725342" y="1150704"/>
+            <a:ext cx="1986196" cy="2335446"/>
+            <a:chOff x="3347804" y="1176104"/>
+            <a:chExt cx="1986196" cy="2335446"/>
+          </a:xfrm>
+        </p:grpSpPr>
+        <p:sp>
+          <p:nvSpPr>
+            <p:cNvPr id="61" name="Oval 60">
+              <a:extLst>
+                <a:ext uri="{FF2B5EF4-FFF2-40B4-BE49-F238E27FC236}">
+                  <a16:creationId xmlns:a16="http://schemas.microsoft.com/office/drawing/2014/main" id="{056217D0-6C67-49CC-981E-91E00A3B4FC0}"/>
+                </a:ext>
+              </a:extLst>
+            </p:cNvPr>
+            <p:cNvSpPr/>
+            <p:nvPr/>
+          </p:nvSpPr>
+          <p:spPr>
+            <a:xfrm>
+              <a:off x="4178300" y="1499954"/>
+              <a:ext cx="381000" cy="381000"/>
+            </a:xfrm>
+            <a:prstGeom prst="ellipse">
+              <a:avLst/>
+            </a:prstGeom>
+            <a:noFill/>
+            <a:ln>
+              <a:solidFill>
+                <a:schemeClr val="tx1"/>
+              </a:solidFill>
+            </a:ln>
+          </p:spPr>
+          <p:style>
+            <a:lnRef idx="2">
+              <a:schemeClr val="accent1">
+                <a:shade val="50000"/>
+              </a:schemeClr>
+            </a:lnRef>
+            <a:fillRef idx="1">
+              <a:schemeClr val="accent1"/>
+            </a:fillRef>
+            <a:effectRef idx="0">
+              <a:schemeClr val="accent1"/>
+            </a:effectRef>
+            <a:fontRef idx="minor">
+              <a:schemeClr val="lt1"/>
+            </a:fontRef>
+          </p:style>
+          <p:txBody>
+            <a:bodyPr lIns="0" tIns="0" rIns="0" bIns="0" rtlCol="0" anchor="ctr"/>
+            <a:lstStyle/>
+            <a:p>
+              <a:pPr algn="ctr"/>
+              <a:r>
+                <a:rPr lang="en-US" sz="2200" dirty="0">
+                  <a:solidFill>
+                    <a:schemeClr val="tx1"/>
+                  </a:solidFill>
+                </a:rPr>
+                <a:t>V</a:t>
+              </a:r>
+            </a:p>
+          </p:txBody>
+        </p:sp>
+        <p:sp>
+          <p:nvSpPr>
+            <p:cNvPr id="62" name="Oval 61">
+              <a:extLst>
+                <a:ext uri="{FF2B5EF4-FFF2-40B4-BE49-F238E27FC236}">
+                  <a16:creationId xmlns:a16="http://schemas.microsoft.com/office/drawing/2014/main" id="{42BD281D-A22B-4905-84BE-4DD219517C4B}"/>
+                </a:ext>
+              </a:extLst>
+            </p:cNvPr>
+            <p:cNvSpPr/>
+            <p:nvPr/>
+          </p:nvSpPr>
+          <p:spPr>
+            <a:xfrm>
+              <a:off x="4953000" y="1823804"/>
+              <a:ext cx="381000" cy="381000"/>
+            </a:xfrm>
+            <a:prstGeom prst="ellipse">
+              <a:avLst/>
+            </a:prstGeom>
+            <a:solidFill>
+              <a:schemeClr val="accent6">
+                <a:lumMod val="20000"/>
+                <a:lumOff val="80000"/>
+              </a:schemeClr>
+            </a:solidFill>
+            <a:ln>
+              <a:solidFill>
+                <a:schemeClr val="tx1"/>
+              </a:solidFill>
+            </a:ln>
+          </p:spPr>
+          <p:style>
+            <a:lnRef idx="2">
+              <a:schemeClr val="accent1">
+                <a:shade val="50000"/>
+              </a:schemeClr>
+            </a:lnRef>
+            <a:fillRef idx="1">
+              <a:schemeClr val="accent1"/>
+            </a:fillRef>
+            <a:effectRef idx="0">
+              <a:schemeClr val="accent1"/>
+            </a:effectRef>
+            <a:fontRef idx="minor">
+              <a:schemeClr val="lt1"/>
+            </a:fontRef>
+          </p:style>
+          <p:txBody>
+            <a:bodyPr lIns="0" tIns="0" rIns="0" bIns="0" rtlCol="0" anchor="ctr"/>
+            <a:lstStyle/>
+            <a:p>
+              <a:pPr algn="ctr"/>
+              <a:r>
+                <a:rPr lang="en-US" sz="2200" dirty="0">
+                  <a:solidFill>
+                    <a:schemeClr val="accent6">
+                      <a:lumMod val="75000"/>
+                    </a:schemeClr>
+                  </a:solidFill>
+                </a:rPr>
+                <a:t>V</a:t>
+              </a:r>
+            </a:p>
+          </p:txBody>
+        </p:sp>
+        <p:sp>
+          <p:nvSpPr>
+            <p:cNvPr id="63" name="Oval 62">
+              <a:extLst>
+                <a:ext uri="{FF2B5EF4-FFF2-40B4-BE49-F238E27FC236}">
+                  <a16:creationId xmlns:a16="http://schemas.microsoft.com/office/drawing/2014/main" id="{D7FDFEBC-CE8D-4D3A-93CA-3F1187C93863}"/>
+                </a:ext>
+              </a:extLst>
+            </p:cNvPr>
+            <p:cNvSpPr/>
+            <p:nvPr/>
+          </p:nvSpPr>
+          <p:spPr>
+            <a:xfrm>
+              <a:off x="4178300" y="2204804"/>
+              <a:ext cx="381000" cy="381000"/>
+            </a:xfrm>
+            <a:prstGeom prst="ellipse">
+              <a:avLst/>
+            </a:prstGeom>
+            <a:noFill/>
+            <a:ln>
+              <a:solidFill>
+                <a:schemeClr val="tx1"/>
+              </a:solidFill>
+            </a:ln>
+          </p:spPr>
+          <p:style>
+            <a:lnRef idx="2">
+              <a:schemeClr val="accent1">
+                <a:shade val="50000"/>
+              </a:schemeClr>
+            </a:lnRef>
+            <a:fillRef idx="1">
+              <a:schemeClr val="accent1"/>
+            </a:fillRef>
+            <a:effectRef idx="0">
+              <a:schemeClr val="accent1"/>
+            </a:effectRef>
+            <a:fontRef idx="minor">
+              <a:schemeClr val="lt1"/>
+            </a:fontRef>
+          </p:style>
+          <p:txBody>
+            <a:bodyPr lIns="0" tIns="0" rIns="0" bIns="0" rtlCol="0" anchor="ctr"/>
+            <a:lstStyle/>
+            <a:p>
+              <a:pPr algn="ctr"/>
+              <a:r>
+                <a:rPr lang="en-US" sz="2200" dirty="0">
+                  <a:solidFill>
+                    <a:schemeClr val="tx1"/>
+                  </a:solidFill>
+                </a:rPr>
+                <a:t>V</a:t>
+              </a:r>
+            </a:p>
+          </p:txBody>
+        </p:sp>
+        <p:sp>
+          <p:nvSpPr>
+            <p:cNvPr id="64" name="Oval 63">
+              <a:extLst>
+                <a:ext uri="{FF2B5EF4-FFF2-40B4-BE49-F238E27FC236}">
+                  <a16:creationId xmlns:a16="http://schemas.microsoft.com/office/drawing/2014/main" id="{152BC16A-9278-49ED-9765-CB70E30BE0E4}"/>
+                </a:ext>
+              </a:extLst>
+            </p:cNvPr>
+            <p:cNvSpPr/>
+            <p:nvPr/>
+          </p:nvSpPr>
+          <p:spPr>
+            <a:xfrm>
+              <a:off x="3347804" y="1825835"/>
+              <a:ext cx="381000" cy="381000"/>
+            </a:xfrm>
+            <a:prstGeom prst="ellipse">
+              <a:avLst/>
+            </a:prstGeom>
+            <a:noFill/>
+            <a:ln>
+              <a:solidFill>
+                <a:schemeClr val="tx1"/>
+              </a:solidFill>
+            </a:ln>
+          </p:spPr>
+          <p:style>
+            <a:lnRef idx="2">
+              <a:schemeClr val="accent1">
+                <a:shade val="50000"/>
+              </a:schemeClr>
+            </a:lnRef>
+            <a:fillRef idx="1">
+              <a:schemeClr val="accent1"/>
+            </a:fillRef>
+            <a:effectRef idx="0">
+              <a:schemeClr val="accent1"/>
+            </a:effectRef>
+            <a:fontRef idx="minor">
+              <a:schemeClr val="lt1"/>
+            </a:fontRef>
+          </p:style>
+          <p:txBody>
+            <a:bodyPr lIns="0" tIns="0" rIns="0" bIns="0" rtlCol="0" anchor="ctr"/>
+            <a:lstStyle/>
+            <a:p>
+              <a:pPr algn="ctr"/>
+              <a:r>
+                <a:rPr lang="en-US" sz="2200" dirty="0">
+                  <a:solidFill>
+                    <a:srgbClr val="FF0000"/>
+                  </a:solidFill>
+                </a:rPr>
+                <a:t>V</a:t>
+              </a:r>
+            </a:p>
+          </p:txBody>
+        </p:sp>
+        <p:sp>
+          <p:nvSpPr>
+            <p:cNvPr id="65" name="Oval 64">
+              <a:extLst>
+                <a:ext uri="{FF2B5EF4-FFF2-40B4-BE49-F238E27FC236}">
+                  <a16:creationId xmlns:a16="http://schemas.microsoft.com/office/drawing/2014/main" id="{FCB97BE8-036D-4E74-A737-01B39B435611}"/>
+                </a:ext>
+              </a:extLst>
+            </p:cNvPr>
+            <p:cNvSpPr/>
+            <p:nvPr/>
+          </p:nvSpPr>
+          <p:spPr>
+            <a:xfrm>
+              <a:off x="4178300" y="2806700"/>
+              <a:ext cx="381000" cy="381000"/>
+            </a:xfrm>
+            <a:prstGeom prst="ellipse">
+              <a:avLst/>
+            </a:prstGeom>
+            <a:noFill/>
+            <a:ln>
+              <a:solidFill>
+                <a:schemeClr val="tx1"/>
+              </a:solidFill>
+            </a:ln>
+          </p:spPr>
+          <p:style>
+            <a:lnRef idx="2">
+              <a:schemeClr val="accent1">
+                <a:shade val="50000"/>
+              </a:schemeClr>
+            </a:lnRef>
+            <a:fillRef idx="1">
+              <a:schemeClr val="accent1"/>
+            </a:fillRef>
+            <a:effectRef idx="0">
+              <a:schemeClr val="accent1"/>
+            </a:effectRef>
+            <a:fontRef idx="minor">
+              <a:schemeClr val="lt1"/>
+            </a:fontRef>
+          </p:style>
+          <p:txBody>
+            <a:bodyPr lIns="0" tIns="0" rIns="0" bIns="0" rtlCol="0" anchor="ctr"/>
+            <a:lstStyle/>
+            <a:p>
+              <a:pPr algn="ctr"/>
+              <a:r>
+                <a:rPr lang="en-US" sz="2200" dirty="0">
+                  <a:solidFill>
+                    <a:schemeClr val="tx1"/>
+                  </a:solidFill>
+                </a:rPr>
+                <a:t>V</a:t>
+              </a:r>
+            </a:p>
+          </p:txBody>
+        </p:sp>
+        <p:cxnSp>
+          <p:nvCxnSpPr>
+            <p:cNvPr id="66" name="Straight Arrow Connector 65">
+              <a:extLst>
+                <a:ext uri="{FF2B5EF4-FFF2-40B4-BE49-F238E27FC236}">
+                  <a16:creationId xmlns:a16="http://schemas.microsoft.com/office/drawing/2014/main" id="{390BD0FA-762C-4765-BED7-6ADE02589C86}"/>
+                </a:ext>
+              </a:extLst>
+            </p:cNvPr>
+            <p:cNvCxnSpPr>
+              <a:stCxn id="61" idx="4"/>
+              <a:endCxn id="63" idx="0"/>
+            </p:cNvCxnSpPr>
+            <p:nvPr/>
+          </p:nvCxnSpPr>
+          <p:spPr>
+            <a:xfrm>
+              <a:off x="4368800" y="1880954"/>
+              <a:ext cx="0" cy="323850"/>
+            </a:xfrm>
+            <a:prstGeom prst="straightConnector1">
+              <a:avLst/>
+            </a:prstGeom>
+            <a:ln>
+              <a:tailEnd type="triangle"/>
+            </a:ln>
+          </p:spPr>
+          <p:style>
+            <a:lnRef idx="1">
+              <a:schemeClr val="accent1"/>
+            </a:lnRef>
+            <a:fillRef idx="0">
+              <a:schemeClr val="accent1"/>
+            </a:fillRef>
+            <a:effectRef idx="0">
+              <a:schemeClr val="accent1"/>
+            </a:effectRef>
+            <a:fontRef idx="minor">
+              <a:schemeClr val="tx1"/>
+            </a:fontRef>
+          </p:style>
+        </p:cxnSp>
+        <p:cxnSp>
+          <p:nvCxnSpPr>
+            <p:cNvPr id="67" name="Straight Arrow Connector 66">
+              <a:extLst>
+                <a:ext uri="{FF2B5EF4-FFF2-40B4-BE49-F238E27FC236}">
+                  <a16:creationId xmlns:a16="http://schemas.microsoft.com/office/drawing/2014/main" id="{EE292C38-1FD5-4AFE-8895-E31F8DFB1A81}"/>
+                </a:ext>
+              </a:extLst>
+            </p:cNvPr>
+            <p:cNvCxnSpPr>
+              <a:cxnSpLocks/>
+              <a:stCxn id="61" idx="6"/>
+              <a:endCxn id="62" idx="1"/>
+            </p:cNvCxnSpPr>
+            <p:nvPr/>
+          </p:nvCxnSpPr>
+          <p:spPr>
+            <a:xfrm>
+              <a:off x="4559300" y="1690454"/>
+              <a:ext cx="449496" cy="189146"/>
+            </a:xfrm>
+            <a:prstGeom prst="straightConnector1">
+              <a:avLst/>
+            </a:prstGeom>
+            <a:ln>
+              <a:solidFill>
+                <a:schemeClr val="accent6">
+                  <a:lumMod val="75000"/>
+                </a:schemeClr>
+              </a:solidFill>
+              <a:tailEnd type="triangle"/>
+            </a:ln>
+          </p:spPr>
+          <p:style>
+            <a:lnRef idx="1">
+              <a:schemeClr val="accent1"/>
+            </a:lnRef>
+            <a:fillRef idx="0">
+              <a:schemeClr val="accent1"/>
+            </a:fillRef>
+            <a:effectRef idx="0">
+              <a:schemeClr val="accent1"/>
+            </a:effectRef>
+            <a:fontRef idx="minor">
+              <a:schemeClr val="tx1"/>
+            </a:fontRef>
+          </p:style>
+        </p:cxnSp>
+        <p:cxnSp>
+          <p:nvCxnSpPr>
+            <p:cNvPr id="68" name="Straight Arrow Connector 67">
+              <a:extLst>
+                <a:ext uri="{FF2B5EF4-FFF2-40B4-BE49-F238E27FC236}">
+                  <a16:creationId xmlns:a16="http://schemas.microsoft.com/office/drawing/2014/main" id="{9CEE15AD-150D-4C34-85D5-74348FD2DDD8}"/>
+                </a:ext>
+              </a:extLst>
+            </p:cNvPr>
+            <p:cNvCxnSpPr>
+              <a:cxnSpLocks/>
+              <a:stCxn id="63" idx="6"/>
+              <a:endCxn id="62" idx="3"/>
+            </p:cNvCxnSpPr>
+            <p:nvPr/>
+          </p:nvCxnSpPr>
+          <p:spPr>
+            <a:xfrm flipV="1">
+              <a:off x="4559300" y="2149008"/>
+              <a:ext cx="449496" cy="246296"/>
+            </a:xfrm>
+            <a:prstGeom prst="straightConnector1">
+              <a:avLst/>
+            </a:prstGeom>
+            <a:ln>
+              <a:solidFill>
+                <a:schemeClr val="accent6">
+                  <a:lumMod val="75000"/>
+                </a:schemeClr>
+              </a:solidFill>
+              <a:tailEnd type="triangle"/>
+            </a:ln>
+          </p:spPr>
+          <p:style>
+            <a:lnRef idx="1">
+              <a:schemeClr val="accent1"/>
+            </a:lnRef>
+            <a:fillRef idx="0">
+              <a:schemeClr val="accent1"/>
+            </a:fillRef>
+            <a:effectRef idx="0">
+              <a:schemeClr val="accent1"/>
+            </a:effectRef>
+            <a:fontRef idx="minor">
+              <a:schemeClr val="tx1"/>
+            </a:fontRef>
+          </p:style>
+        </p:cxnSp>
+        <p:cxnSp>
+          <p:nvCxnSpPr>
+            <p:cNvPr id="69" name="Straight Arrow Connector 68">
+              <a:extLst>
+                <a:ext uri="{FF2B5EF4-FFF2-40B4-BE49-F238E27FC236}">
+                  <a16:creationId xmlns:a16="http://schemas.microsoft.com/office/drawing/2014/main" id="{B8D44E7A-2E18-48F5-AC12-AF97E8A1D594}"/>
+                </a:ext>
+              </a:extLst>
+            </p:cNvPr>
+            <p:cNvCxnSpPr>
+              <a:cxnSpLocks/>
+              <a:stCxn id="63" idx="2"/>
+              <a:endCxn id="64" idx="5"/>
+            </p:cNvCxnSpPr>
+            <p:nvPr/>
+          </p:nvCxnSpPr>
+          <p:spPr>
+            <a:xfrm flipH="1" flipV="1">
+              <a:off x="3673008" y="2151039"/>
+              <a:ext cx="505292" cy="244265"/>
+            </a:xfrm>
+            <a:prstGeom prst="straightConnector1">
+              <a:avLst/>
+            </a:prstGeom>
+            <a:ln>
+              <a:solidFill>
+                <a:srgbClr val="FF0000"/>
+              </a:solidFill>
+              <a:tailEnd type="triangle"/>
+            </a:ln>
+          </p:spPr>
+          <p:style>
+            <a:lnRef idx="1">
+              <a:schemeClr val="accent1"/>
+            </a:lnRef>
+            <a:fillRef idx="0">
+              <a:schemeClr val="accent1"/>
+            </a:fillRef>
+            <a:effectRef idx="0">
+              <a:schemeClr val="accent1"/>
+            </a:effectRef>
+            <a:fontRef idx="minor">
+              <a:schemeClr val="tx1"/>
+            </a:fontRef>
+          </p:style>
+        </p:cxnSp>
+        <p:cxnSp>
+          <p:nvCxnSpPr>
+            <p:cNvPr id="70" name="Straight Arrow Connector 69">
+              <a:extLst>
+                <a:ext uri="{FF2B5EF4-FFF2-40B4-BE49-F238E27FC236}">
+                  <a16:creationId xmlns:a16="http://schemas.microsoft.com/office/drawing/2014/main" id="{843D73AF-63AF-4D51-9EC4-711A6CD69327}"/>
+                </a:ext>
+              </a:extLst>
+            </p:cNvPr>
+            <p:cNvCxnSpPr>
+              <a:cxnSpLocks/>
+              <a:stCxn id="61" idx="2"/>
+              <a:endCxn id="64" idx="7"/>
+            </p:cNvCxnSpPr>
+            <p:nvPr/>
+          </p:nvCxnSpPr>
+          <p:spPr>
+            <a:xfrm flipH="1">
+              <a:off x="3673008" y="1690454"/>
+              <a:ext cx="505292" cy="191177"/>
+            </a:xfrm>
+            <a:prstGeom prst="straightConnector1">
+              <a:avLst/>
+            </a:prstGeom>
+            <a:ln>
+              <a:solidFill>
+                <a:srgbClr val="FF0000"/>
+              </a:solidFill>
+              <a:tailEnd type="triangle"/>
+            </a:ln>
+          </p:spPr>
+          <p:style>
+            <a:lnRef idx="1">
+              <a:schemeClr val="accent1"/>
+            </a:lnRef>
+            <a:fillRef idx="0">
+              <a:schemeClr val="accent1"/>
+            </a:fillRef>
+            <a:effectRef idx="0">
+              <a:schemeClr val="accent1"/>
+            </a:effectRef>
+            <a:fontRef idx="minor">
+              <a:schemeClr val="tx1"/>
+            </a:fontRef>
+          </p:style>
+        </p:cxnSp>
+        <p:cxnSp>
+          <p:nvCxnSpPr>
+            <p:cNvPr id="71" name="Straight Arrow Connector 70">
+              <a:extLst>
+                <a:ext uri="{FF2B5EF4-FFF2-40B4-BE49-F238E27FC236}">
+                  <a16:creationId xmlns:a16="http://schemas.microsoft.com/office/drawing/2014/main" id="{71485EC6-3757-48BF-A281-3FC2FF1D412C}"/>
+                </a:ext>
+              </a:extLst>
+            </p:cNvPr>
+            <p:cNvCxnSpPr>
+              <a:cxnSpLocks/>
+              <a:stCxn id="62" idx="4"/>
+              <a:endCxn id="65" idx="7"/>
+            </p:cNvCxnSpPr>
+            <p:nvPr/>
+          </p:nvCxnSpPr>
+          <p:spPr>
+            <a:xfrm flipH="1">
+              <a:off x="4503504" y="2204804"/>
+              <a:ext cx="639996" cy="657692"/>
+            </a:xfrm>
+            <a:prstGeom prst="straightConnector1">
+              <a:avLst/>
+            </a:prstGeom>
+            <a:ln>
+              <a:solidFill>
+                <a:schemeClr val="accent6">
+                  <a:lumMod val="75000"/>
+                </a:schemeClr>
+              </a:solidFill>
+              <a:tailEnd type="triangle"/>
+            </a:ln>
+          </p:spPr>
+          <p:style>
+            <a:lnRef idx="1">
+              <a:schemeClr val="accent1"/>
+            </a:lnRef>
+            <a:fillRef idx="0">
+              <a:schemeClr val="accent1"/>
+            </a:fillRef>
+            <a:effectRef idx="0">
+              <a:schemeClr val="accent1"/>
+            </a:effectRef>
+            <a:fontRef idx="minor">
+              <a:schemeClr val="tx1"/>
+            </a:fontRef>
+          </p:style>
+        </p:cxnSp>
+        <p:cxnSp>
+          <p:nvCxnSpPr>
+            <p:cNvPr id="72" name="Straight Arrow Connector 71">
+              <a:extLst>
+                <a:ext uri="{FF2B5EF4-FFF2-40B4-BE49-F238E27FC236}">
+                  <a16:creationId xmlns:a16="http://schemas.microsoft.com/office/drawing/2014/main" id="{3844CF42-427E-46E1-83FA-5641C40D06A7}"/>
+                </a:ext>
+              </a:extLst>
+            </p:cNvPr>
+            <p:cNvCxnSpPr>
+              <a:cxnSpLocks/>
+              <a:stCxn id="64" idx="4"/>
+              <a:endCxn id="65" idx="1"/>
+            </p:cNvCxnSpPr>
+            <p:nvPr/>
+          </p:nvCxnSpPr>
+          <p:spPr>
+            <a:xfrm>
+              <a:off x="3538304" y="2206835"/>
+              <a:ext cx="695792" cy="655661"/>
+            </a:xfrm>
+            <a:prstGeom prst="straightConnector1">
+              <a:avLst/>
+            </a:prstGeom>
+            <a:ln>
+              <a:solidFill>
+                <a:srgbClr val="FF0000"/>
+              </a:solidFill>
+              <a:tailEnd type="triangle"/>
+            </a:ln>
+          </p:spPr>
+          <p:style>
+            <a:lnRef idx="1">
+              <a:schemeClr val="accent1"/>
+            </a:lnRef>
+            <a:fillRef idx="0">
+              <a:schemeClr val="accent1"/>
+            </a:fillRef>
+            <a:effectRef idx="0">
+              <a:schemeClr val="accent1"/>
+            </a:effectRef>
+            <a:fontRef idx="minor">
+              <a:schemeClr val="tx1"/>
+            </a:fontRef>
+          </p:style>
+        </p:cxnSp>
+        <p:cxnSp>
+          <p:nvCxnSpPr>
+            <p:cNvPr id="73" name="Straight Arrow Connector 72">
+              <a:extLst>
+                <a:ext uri="{FF2B5EF4-FFF2-40B4-BE49-F238E27FC236}">
+                  <a16:creationId xmlns:a16="http://schemas.microsoft.com/office/drawing/2014/main" id="{7FF36DD9-B303-4ACA-B82F-A30A400CC063}"/>
+                </a:ext>
+              </a:extLst>
+            </p:cNvPr>
+            <p:cNvCxnSpPr>
+              <a:cxnSpLocks/>
+              <a:endCxn id="61" idx="0"/>
+            </p:cNvCxnSpPr>
+            <p:nvPr/>
+          </p:nvCxnSpPr>
+          <p:spPr>
+            <a:xfrm>
+              <a:off x="4368800" y="1176104"/>
+              <a:ext cx="0" cy="323850"/>
+            </a:xfrm>
+            <a:prstGeom prst="straightConnector1">
+              <a:avLst/>
+            </a:prstGeom>
+            <a:ln>
+              <a:tailEnd type="triangle"/>
+            </a:ln>
+          </p:spPr>
+          <p:style>
+            <a:lnRef idx="1">
+              <a:schemeClr val="accent1"/>
+            </a:lnRef>
+            <a:fillRef idx="0">
+              <a:schemeClr val="accent1"/>
+            </a:fillRef>
+            <a:effectRef idx="0">
+              <a:schemeClr val="accent1"/>
+            </a:effectRef>
+            <a:fontRef idx="minor">
+              <a:schemeClr val="tx1"/>
+            </a:fontRef>
+          </p:style>
+        </p:cxnSp>
+        <p:cxnSp>
+          <p:nvCxnSpPr>
+            <p:cNvPr id="74" name="Straight Arrow Connector 73">
+              <a:extLst>
+                <a:ext uri="{FF2B5EF4-FFF2-40B4-BE49-F238E27FC236}">
+                  <a16:creationId xmlns:a16="http://schemas.microsoft.com/office/drawing/2014/main" id="{CF48A448-7609-4706-A00F-756786A37946}"/>
+                </a:ext>
+              </a:extLst>
+            </p:cNvPr>
+            <p:cNvCxnSpPr>
+              <a:cxnSpLocks/>
+            </p:cNvCxnSpPr>
+            <p:nvPr/>
+          </p:nvCxnSpPr>
+          <p:spPr>
+            <a:xfrm>
+              <a:off x="4368800" y="3187700"/>
+              <a:ext cx="0" cy="323850"/>
+            </a:xfrm>
+            <a:prstGeom prst="straightConnector1">
+              <a:avLst/>
+            </a:prstGeom>
+            <a:ln>
+              <a:tailEnd type="triangle"/>
+            </a:ln>
+          </p:spPr>
+          <p:style>
+            <a:lnRef idx="1">
+              <a:schemeClr val="accent1"/>
+            </a:lnRef>
+            <a:fillRef idx="0">
+              <a:schemeClr val="accent1"/>
+            </a:fillRef>
+            <a:effectRef idx="0">
+              <a:schemeClr val="accent1"/>
+            </a:effectRef>
+            <a:fontRef idx="minor">
+              <a:schemeClr val="tx1"/>
+            </a:fontRef>
+          </p:style>
+        </p:cxnSp>
+      </p:grpSp>
+      <p:cxnSp>
+        <p:nvCxnSpPr>
+          <p:cNvPr id="77" name="Straight Connector 76">
+            <a:extLst>
+              <a:ext uri="{FF2B5EF4-FFF2-40B4-BE49-F238E27FC236}">
+                <a16:creationId xmlns:a16="http://schemas.microsoft.com/office/drawing/2014/main" id="{39682941-3A1A-42DA-A4C6-1250F68EDC19}"/>
+              </a:ext>
+            </a:extLst>
+          </p:cNvPr>
+          <p:cNvCxnSpPr>
+            <a:stCxn id="62" idx="0"/>
+          </p:cNvCxnSpPr>
+          <p:nvPr/>
+        </p:nvCxnSpPr>
+        <p:spPr>
+          <a:xfrm flipV="1">
+            <a:off x="5521038" y="1150704"/>
+            <a:ext cx="787400" cy="647700"/>
+          </a:xfrm>
+          <a:prstGeom prst="line">
+            <a:avLst/>
+          </a:prstGeom>
+          <a:ln>
+            <a:solidFill>
+              <a:schemeClr val="tx1"/>
+            </a:solidFill>
+          </a:ln>
+        </p:spPr>
+        <p:style>
+          <a:lnRef idx="1">
+            <a:schemeClr val="accent1"/>
+          </a:lnRef>
+          <a:fillRef idx="0">
+            <a:schemeClr val="accent1"/>
+          </a:fillRef>
+          <a:effectRef idx="0">
+            <a:schemeClr val="accent1"/>
+          </a:effectRef>
+          <a:fontRef idx="minor">
+            <a:schemeClr val="tx1"/>
+          </a:fontRef>
+        </p:style>
+      </p:cxnSp>
+      <p:cxnSp>
+        <p:nvCxnSpPr>
+          <p:cNvPr id="78" name="Straight Connector 77">
+            <a:extLst>
+              <a:ext uri="{FF2B5EF4-FFF2-40B4-BE49-F238E27FC236}">
+                <a16:creationId xmlns:a16="http://schemas.microsoft.com/office/drawing/2014/main" id="{6B9C0603-E0A9-445D-A95E-637AA9F3DC09}"/>
+              </a:ext>
+            </a:extLst>
+          </p:cNvPr>
+          <p:cNvCxnSpPr>
+            <a:cxnSpLocks/>
+            <a:stCxn id="62" idx="4"/>
+          </p:cNvCxnSpPr>
+          <p:nvPr/>
+        </p:nvCxnSpPr>
+        <p:spPr>
+          <a:xfrm>
+            <a:off x="5521038" y="2179404"/>
+            <a:ext cx="682747" cy="1152272"/>
+          </a:xfrm>
+          <a:prstGeom prst="line">
+            <a:avLst/>
+          </a:prstGeom>
+          <a:ln>
+            <a:solidFill>
+              <a:schemeClr val="tx1"/>
+            </a:solidFill>
+          </a:ln>
+        </p:spPr>
+        <p:style>
+          <a:lnRef idx="1">
+            <a:schemeClr val="accent1"/>
+          </a:lnRef>
+          <a:fillRef idx="0">
+            <a:schemeClr val="accent1"/>
+          </a:fillRef>
+          <a:effectRef idx="0">
+            <a:schemeClr val="accent1"/>
+          </a:effectRef>
+          <a:fontRef idx="minor">
+            <a:schemeClr val="tx1"/>
+          </a:fontRef>
+        </p:style>
+      </p:cxnSp>
+      <p:sp>
+        <p:nvSpPr>
+          <p:cNvPr id="81" name="Left Brace 80">
+            <a:extLst>
+              <a:ext uri="{FF2B5EF4-FFF2-40B4-BE49-F238E27FC236}">
+                <a16:creationId xmlns:a16="http://schemas.microsoft.com/office/drawing/2014/main" id="{BB6329F5-5D1D-4FCF-B3FC-982D36D2CB94}"/>
+              </a:ext>
+            </a:extLst>
+          </p:cNvPr>
+          <p:cNvSpPr/>
+          <p:nvPr/>
+        </p:nvSpPr>
+        <p:spPr>
+          <a:xfrm>
+            <a:off x="6262719" y="1150704"/>
+            <a:ext cx="180423" cy="1219200"/>
+          </a:xfrm>
+          <a:prstGeom prst="leftBrace">
+            <a:avLst/>
+          </a:prstGeom>
+          <a:ln>
+            <a:solidFill>
+              <a:schemeClr val="tx1"/>
+            </a:solidFill>
+          </a:ln>
+        </p:spPr>
+        <p:style>
+          <a:lnRef idx="1">
+            <a:schemeClr val="accent1"/>
+          </a:lnRef>
+          <a:fillRef idx="0">
+            <a:schemeClr val="accent1"/>
+          </a:fillRef>
+          <a:effectRef idx="0">
+            <a:schemeClr val="accent1"/>
+          </a:effectRef>
+          <a:fontRef idx="minor">
+            <a:schemeClr val="tx1"/>
+          </a:fontRef>
+        </p:style>
+        <p:txBody>
+          <a:bodyPr rtlCol="0" anchor="ctr"/>
+          <a:lstStyle/>
+          <a:p>
+            <a:pPr algn="ctr"/>
+            <a:endParaRPr lang="en-US"/>
+          </a:p>
+        </p:txBody>
+      </p:sp>
+      <p:grpSp>
+        <p:nvGrpSpPr>
+          <p:cNvPr id="86" name="Group 85">
+            <a:extLst>
+              <a:ext uri="{FF2B5EF4-FFF2-40B4-BE49-F238E27FC236}">
+                <a16:creationId xmlns:a16="http://schemas.microsoft.com/office/drawing/2014/main" id="{2E20C167-4F53-49D9-A017-7E1FB7CA32D4}"/>
+              </a:ext>
+            </a:extLst>
+          </p:cNvPr>
+          <p:cNvGrpSpPr/>
+          <p:nvPr/>
+        </p:nvGrpSpPr>
+        <p:grpSpPr>
+          <a:xfrm>
+            <a:off x="6448917" y="1150704"/>
+            <a:ext cx="381000" cy="1204091"/>
+            <a:chOff x="7989076" y="1150704"/>
+            <a:chExt cx="381000" cy="1204091"/>
+          </a:xfrm>
+        </p:grpSpPr>
+        <p:sp>
+          <p:nvSpPr>
+            <p:cNvPr id="83" name="Oval 82">
+              <a:extLst>
+                <a:ext uri="{FF2B5EF4-FFF2-40B4-BE49-F238E27FC236}">
+                  <a16:creationId xmlns:a16="http://schemas.microsoft.com/office/drawing/2014/main" id="{9ADFF9B1-8581-4409-8102-4556C7430CFA}"/>
+                </a:ext>
+              </a:extLst>
+            </p:cNvPr>
+            <p:cNvSpPr/>
+            <p:nvPr/>
+          </p:nvSpPr>
+          <p:spPr>
+            <a:xfrm>
+              <a:off x="7989076" y="1150704"/>
+              <a:ext cx="381000" cy="381000"/>
+            </a:xfrm>
+            <a:prstGeom prst="ellipse">
+              <a:avLst/>
+            </a:prstGeom>
+            <a:noFill/>
+            <a:ln>
+              <a:solidFill>
+                <a:schemeClr val="tx1"/>
+              </a:solidFill>
+            </a:ln>
+          </p:spPr>
+          <p:style>
+            <a:lnRef idx="2">
+              <a:schemeClr val="accent1">
+                <a:shade val="50000"/>
+              </a:schemeClr>
+            </a:lnRef>
+            <a:fillRef idx="1">
+              <a:schemeClr val="accent1"/>
+            </a:fillRef>
+            <a:effectRef idx="0">
+              <a:schemeClr val="accent1"/>
+            </a:effectRef>
+            <a:fontRef idx="minor">
+              <a:schemeClr val="lt1"/>
+            </a:fontRef>
+          </p:style>
+          <p:txBody>
+            <a:bodyPr lIns="0" tIns="0" rIns="0" bIns="0" rtlCol="0" anchor="ctr"/>
+            <a:lstStyle/>
+            <a:p>
+              <a:pPr algn="ctr"/>
+              <a:r>
+                <a:rPr lang="en-US" sz="2200" dirty="0">
+                  <a:solidFill>
+                    <a:schemeClr val="tx1"/>
+                  </a:solidFill>
+                </a:rPr>
+                <a:t>V</a:t>
+              </a:r>
+            </a:p>
+          </p:txBody>
+        </p:sp>
+        <p:sp>
+          <p:nvSpPr>
+            <p:cNvPr id="84" name="Oval 83">
+              <a:extLst>
+                <a:ext uri="{FF2B5EF4-FFF2-40B4-BE49-F238E27FC236}">
+                  <a16:creationId xmlns:a16="http://schemas.microsoft.com/office/drawing/2014/main" id="{95797AA8-EFB6-466E-93CA-73A4096D4F29}"/>
+                </a:ext>
+              </a:extLst>
+            </p:cNvPr>
+            <p:cNvSpPr/>
+            <p:nvPr/>
+          </p:nvSpPr>
+          <p:spPr>
+            <a:xfrm>
+              <a:off x="7989076" y="1569127"/>
+              <a:ext cx="381000" cy="381000"/>
+            </a:xfrm>
+            <a:prstGeom prst="ellipse">
+              <a:avLst/>
+            </a:prstGeom>
+            <a:noFill/>
+            <a:ln>
+              <a:solidFill>
+                <a:schemeClr val="tx1"/>
+              </a:solidFill>
+            </a:ln>
+          </p:spPr>
+          <p:style>
+            <a:lnRef idx="2">
+              <a:schemeClr val="accent1">
+                <a:shade val="50000"/>
+              </a:schemeClr>
+            </a:lnRef>
+            <a:fillRef idx="1">
+              <a:schemeClr val="accent1"/>
+            </a:fillRef>
+            <a:effectRef idx="0">
+              <a:schemeClr val="accent1"/>
+            </a:effectRef>
+            <a:fontRef idx="minor">
+              <a:schemeClr val="lt1"/>
+            </a:fontRef>
+          </p:style>
+          <p:txBody>
+            <a:bodyPr lIns="0" tIns="0" rIns="0" bIns="0" rtlCol="0" anchor="ctr"/>
+            <a:lstStyle/>
+            <a:p>
+              <a:pPr algn="ctr"/>
+              <a:r>
+                <a:rPr lang="en-US" sz="2200" dirty="0">
+                  <a:solidFill>
+                    <a:schemeClr val="tx1"/>
+                  </a:solidFill>
+                </a:rPr>
+                <a:t>V</a:t>
+              </a:r>
+            </a:p>
+          </p:txBody>
+        </p:sp>
+        <p:sp>
+          <p:nvSpPr>
+            <p:cNvPr id="85" name="Oval 84">
+              <a:extLst>
+                <a:ext uri="{FF2B5EF4-FFF2-40B4-BE49-F238E27FC236}">
+                  <a16:creationId xmlns:a16="http://schemas.microsoft.com/office/drawing/2014/main" id="{48003D3A-C046-4B91-99C0-5C511EC302EB}"/>
+                </a:ext>
+              </a:extLst>
+            </p:cNvPr>
+            <p:cNvSpPr/>
+            <p:nvPr/>
+          </p:nvSpPr>
+          <p:spPr>
+            <a:xfrm>
+              <a:off x="7989076" y="1973795"/>
+              <a:ext cx="381000" cy="381000"/>
+            </a:xfrm>
+            <a:prstGeom prst="ellipse">
+              <a:avLst/>
+            </a:prstGeom>
+            <a:noFill/>
+            <a:ln>
+              <a:solidFill>
+                <a:schemeClr val="tx1"/>
+              </a:solidFill>
+            </a:ln>
+          </p:spPr>
+          <p:style>
+            <a:lnRef idx="2">
+              <a:schemeClr val="accent1">
+                <a:shade val="50000"/>
+              </a:schemeClr>
+            </a:lnRef>
+            <a:fillRef idx="1">
+              <a:schemeClr val="accent1"/>
+            </a:fillRef>
+            <a:effectRef idx="0">
+              <a:schemeClr val="accent1"/>
+            </a:effectRef>
+            <a:fontRef idx="minor">
+              <a:schemeClr val="lt1"/>
+            </a:fontRef>
+          </p:style>
+          <p:txBody>
+            <a:bodyPr lIns="0" tIns="0" rIns="0" bIns="0" rtlCol="0" anchor="ctr"/>
+            <a:lstStyle/>
+            <a:p>
+              <a:pPr algn="ctr"/>
+              <a:r>
+                <a:rPr lang="en-US" sz="2200" dirty="0">
+                  <a:solidFill>
+                    <a:schemeClr val="tx1"/>
+                  </a:solidFill>
+                </a:rPr>
+                <a:t>V</a:t>
+              </a:r>
+            </a:p>
+          </p:txBody>
+        </p:sp>
+      </p:grpSp>
+      <p:sp>
+        <p:nvSpPr>
+          <p:cNvPr id="91" name="Oval 90">
+            <a:extLst>
+              <a:ext uri="{FF2B5EF4-FFF2-40B4-BE49-F238E27FC236}">
+                <a16:creationId xmlns:a16="http://schemas.microsoft.com/office/drawing/2014/main" id="{EE473F9A-8D5C-4B98-AF2B-889133FD3A7D}"/>
+              </a:ext>
+            </a:extLst>
+          </p:cNvPr>
+          <p:cNvSpPr/>
+          <p:nvPr/>
+        </p:nvSpPr>
+        <p:spPr>
+          <a:xfrm>
+            <a:off x="6424670" y="2947940"/>
+            <a:ext cx="381000" cy="381000"/>
+          </a:xfrm>
+          <a:prstGeom prst="ellipse">
+            <a:avLst/>
+          </a:prstGeom>
+          <a:solidFill>
+            <a:schemeClr val="accent6">
+              <a:lumMod val="20000"/>
+              <a:lumOff val="80000"/>
+            </a:schemeClr>
+          </a:solidFill>
+          <a:ln>
+            <a:solidFill>
+              <a:schemeClr val="tx1"/>
+            </a:solidFill>
+          </a:ln>
+        </p:spPr>
+        <p:style>
+          <a:lnRef idx="2">
+            <a:schemeClr val="accent1">
+              <a:shade val="50000"/>
+            </a:schemeClr>
+          </a:lnRef>
+          <a:fillRef idx="1">
+            <a:schemeClr val="accent1"/>
+          </a:fillRef>
+          <a:effectRef idx="0">
+            <a:schemeClr val="accent1"/>
+          </a:effectRef>
+          <a:fontRef idx="minor">
+            <a:schemeClr val="lt1"/>
+          </a:fontRef>
+        </p:style>
+        <p:txBody>
+          <a:bodyPr lIns="0" tIns="0" rIns="0" bIns="0" rtlCol="0" anchor="ctr"/>
+          <a:lstStyle/>
+          <a:p>
+            <a:pPr algn="ctr"/>
+            <a:r>
+              <a:rPr lang="en-US" sz="2200" dirty="0">
+                <a:solidFill>
+                  <a:schemeClr val="accent6">
+                    <a:lumMod val="75000"/>
+                  </a:schemeClr>
+                </a:solidFill>
+              </a:rPr>
+              <a:t>V</a:t>
+            </a:r>
+          </a:p>
+        </p:txBody>
+      </p:sp>
+      <p:sp>
+        <p:nvSpPr>
+          <p:cNvPr id="95" name="Flowchart: Summing Junction 94">
+            <a:extLst>
+              <a:ext uri="{FF2B5EF4-FFF2-40B4-BE49-F238E27FC236}">
+                <a16:creationId xmlns:a16="http://schemas.microsoft.com/office/drawing/2014/main" id="{EC3CC771-2C12-4C3F-9FB5-FB692C4A4525}"/>
+              </a:ext>
+            </a:extLst>
+          </p:cNvPr>
+          <p:cNvSpPr/>
+          <p:nvPr/>
+        </p:nvSpPr>
+        <p:spPr>
+          <a:xfrm>
+            <a:off x="8525161" y="2164295"/>
+            <a:ext cx="381000" cy="381000"/>
+          </a:xfrm>
+          <a:prstGeom prst="flowChartSummingJunction">
+            <a:avLst/>
+          </a:prstGeom>
+          <a:noFill/>
+          <a:ln w="44450">
+            <a:solidFill>
+              <a:schemeClr val="accent5">
+                <a:lumMod val="75000"/>
+              </a:schemeClr>
+            </a:solidFill>
+          </a:ln>
+        </p:spPr>
+        <p:style>
+          <a:lnRef idx="2">
+            <a:schemeClr val="accent1">
+              <a:shade val="50000"/>
+            </a:schemeClr>
+          </a:lnRef>
+          <a:fillRef idx="1">
+            <a:schemeClr val="accent1"/>
+          </a:fillRef>
+          <a:effectRef idx="0">
+            <a:schemeClr val="accent1"/>
+          </a:effectRef>
+          <a:fontRef idx="minor">
+            <a:schemeClr val="lt1"/>
+          </a:fontRef>
+        </p:style>
+        <p:txBody>
+          <a:bodyPr rtlCol="0" anchor="ctr"/>
+          <a:lstStyle/>
+          <a:p>
+            <a:pPr algn="ctr"/>
+            <a:endParaRPr lang="en-US"/>
+          </a:p>
+        </p:txBody>
+      </p:sp>
+      <p:grpSp>
+        <p:nvGrpSpPr>
+          <p:cNvPr id="101" name="Group 100">
+            <a:extLst>
+              <a:ext uri="{FF2B5EF4-FFF2-40B4-BE49-F238E27FC236}">
+                <a16:creationId xmlns:a16="http://schemas.microsoft.com/office/drawing/2014/main" id="{DD0F03D0-6061-4830-8839-725B7B8264CC}"/>
+              </a:ext>
+            </a:extLst>
+          </p:cNvPr>
+          <p:cNvGrpSpPr/>
+          <p:nvPr/>
+        </p:nvGrpSpPr>
+        <p:grpSpPr>
+          <a:xfrm>
+            <a:off x="9393379" y="1743368"/>
+            <a:ext cx="412550" cy="1219200"/>
+            <a:chOff x="8829964" y="1854200"/>
+            <a:chExt cx="412550" cy="1219200"/>
+          </a:xfrm>
+        </p:grpSpPr>
+        <p:sp>
+          <p:nvSpPr>
+            <p:cNvPr id="96" name="Rectangle: Rounded Corners 95">
+              <a:extLst>
+                <a:ext uri="{FF2B5EF4-FFF2-40B4-BE49-F238E27FC236}">
+                  <a16:creationId xmlns:a16="http://schemas.microsoft.com/office/drawing/2014/main" id="{5625D678-1995-4E4B-944D-577BDCCAC7B4}"/>
+                </a:ext>
+              </a:extLst>
+            </p:cNvPr>
+            <p:cNvSpPr/>
+            <p:nvPr/>
+          </p:nvSpPr>
+          <p:spPr>
+            <a:xfrm>
+              <a:off x="8829964" y="1854200"/>
+              <a:ext cx="412550" cy="1219200"/>
+            </a:xfrm>
+            <a:prstGeom prst="roundRect">
+              <a:avLst/>
+            </a:prstGeom>
+            <a:noFill/>
+            <a:ln>
+              <a:solidFill>
+                <a:schemeClr val="accent6">
+                  <a:lumMod val="50000"/>
+                </a:schemeClr>
+              </a:solidFill>
+            </a:ln>
+          </p:spPr>
+          <p:style>
+            <a:lnRef idx="2">
+              <a:schemeClr val="accent1">
+                <a:shade val="50000"/>
+              </a:schemeClr>
+            </a:lnRef>
+            <a:fillRef idx="1">
+              <a:schemeClr val="accent1"/>
+            </a:fillRef>
+            <a:effectRef idx="0">
+              <a:schemeClr val="accent1"/>
+            </a:effectRef>
+            <a:fontRef idx="minor">
+              <a:schemeClr val="lt1"/>
+            </a:fontRef>
+          </p:style>
+          <p:txBody>
+            <a:bodyPr rtlCol="0" anchor="ctr"/>
+            <a:lstStyle/>
+            <a:p>
+              <a:pPr algn="ctr"/>
+              <a:endParaRPr lang="en-US"/>
+            </a:p>
+          </p:txBody>
+        </p:sp>
+        <p:grpSp>
+          <p:nvGrpSpPr>
+            <p:cNvPr id="97" name="Group 96">
+              <a:extLst>
+                <a:ext uri="{FF2B5EF4-FFF2-40B4-BE49-F238E27FC236}">
+                  <a16:creationId xmlns:a16="http://schemas.microsoft.com/office/drawing/2014/main" id="{15C0DEBF-5E8C-4956-A4E5-CE3B7CA6801A}"/>
+                </a:ext>
+              </a:extLst>
+            </p:cNvPr>
+            <p:cNvGrpSpPr/>
+            <p:nvPr/>
+          </p:nvGrpSpPr>
+          <p:grpSpPr>
+            <a:xfrm>
+              <a:off x="8888787" y="1987071"/>
+              <a:ext cx="312565" cy="987813"/>
+              <a:chOff x="7989076" y="1150704"/>
+              <a:chExt cx="381000" cy="1204091"/>
+            </a:xfrm>
+            <a:solidFill>
+              <a:schemeClr val="accent6">
+                <a:lumMod val="20000"/>
+                <a:lumOff val="80000"/>
+              </a:schemeClr>
+            </a:solidFill>
+          </p:grpSpPr>
+          <p:sp>
+            <p:nvSpPr>
+              <p:cNvPr id="98" name="Oval 97">
+                <a:extLst>
+                  <a:ext uri="{FF2B5EF4-FFF2-40B4-BE49-F238E27FC236}">
+                    <a16:creationId xmlns:a16="http://schemas.microsoft.com/office/drawing/2014/main" id="{00BBE466-86F5-4996-9B88-8FA52FCEBA86}"/>
+                  </a:ext>
+                </a:extLst>
+              </p:cNvPr>
+              <p:cNvSpPr/>
+              <p:nvPr/>
+            </p:nvSpPr>
+            <p:spPr>
+              <a:xfrm>
+                <a:off x="7989076" y="1150704"/>
+                <a:ext cx="381000" cy="381000"/>
+              </a:xfrm>
+              <a:prstGeom prst="ellipse">
+                <a:avLst/>
+              </a:prstGeom>
+              <a:grpFill/>
+              <a:ln>
+                <a:solidFill>
+                  <a:schemeClr val="accent6">
+                    <a:lumMod val="50000"/>
+                  </a:schemeClr>
+                </a:solidFill>
+              </a:ln>
+            </p:spPr>
+            <p:style>
+              <a:lnRef idx="2">
+                <a:schemeClr val="accent1">
+                  <a:shade val="50000"/>
+                </a:schemeClr>
+              </a:lnRef>
+              <a:fillRef idx="1">
+                <a:schemeClr val="accent1"/>
+              </a:fillRef>
+              <a:effectRef idx="0">
+                <a:schemeClr val="accent1"/>
+              </a:effectRef>
+              <a:fontRef idx="minor">
+                <a:schemeClr val="lt1"/>
+              </a:fontRef>
+            </p:style>
+            <p:txBody>
+              <a:bodyPr lIns="0" tIns="0" rIns="0" bIns="0" rtlCol="0" anchor="ctr"/>
+              <a:lstStyle/>
+              <a:p>
+                <a:pPr algn="ctr"/>
+                <a:endParaRPr lang="en-US" sz="1600" dirty="0">
+                  <a:solidFill>
+                    <a:schemeClr val="tx1"/>
+                  </a:solidFill>
+                </a:endParaRPr>
+              </a:p>
+            </p:txBody>
+          </p:sp>
+          <p:sp>
+            <p:nvSpPr>
+              <p:cNvPr id="99" name="Oval 98">
+                <a:extLst>
+                  <a:ext uri="{FF2B5EF4-FFF2-40B4-BE49-F238E27FC236}">
+                    <a16:creationId xmlns:a16="http://schemas.microsoft.com/office/drawing/2014/main" id="{1E024D6E-94C9-4062-BBB7-1945CE82FD22}"/>
+                  </a:ext>
+                </a:extLst>
+              </p:cNvPr>
+              <p:cNvSpPr/>
+              <p:nvPr/>
+            </p:nvSpPr>
+            <p:spPr>
+              <a:xfrm>
+                <a:off x="7989076" y="1569127"/>
+                <a:ext cx="381000" cy="381000"/>
+              </a:xfrm>
+              <a:prstGeom prst="ellipse">
+                <a:avLst/>
+              </a:prstGeom>
+              <a:grpFill/>
+              <a:ln>
+                <a:solidFill>
+                  <a:schemeClr val="accent6">
+                    <a:lumMod val="50000"/>
+                  </a:schemeClr>
+                </a:solidFill>
+              </a:ln>
+            </p:spPr>
+            <p:style>
+              <a:lnRef idx="2">
+                <a:schemeClr val="accent1">
+                  <a:shade val="50000"/>
+                </a:schemeClr>
+              </a:lnRef>
+              <a:fillRef idx="1">
+                <a:schemeClr val="accent1"/>
+              </a:fillRef>
+              <a:effectRef idx="0">
+                <a:schemeClr val="accent1"/>
+              </a:effectRef>
+              <a:fontRef idx="minor">
+                <a:schemeClr val="lt1"/>
+              </a:fontRef>
+            </p:style>
+            <p:txBody>
+              <a:bodyPr lIns="0" tIns="0" rIns="0" bIns="0" rtlCol="0" anchor="ctr"/>
+              <a:lstStyle/>
+              <a:p>
+                <a:pPr algn="ctr"/>
+                <a:endParaRPr lang="en-US" sz="1600" dirty="0">
+                  <a:solidFill>
+                    <a:schemeClr val="tx1"/>
+                  </a:solidFill>
+                </a:endParaRPr>
+              </a:p>
+            </p:txBody>
+          </p:sp>
+          <p:sp>
+            <p:nvSpPr>
+              <p:cNvPr id="100" name="Oval 99">
+                <a:extLst>
+                  <a:ext uri="{FF2B5EF4-FFF2-40B4-BE49-F238E27FC236}">
+                    <a16:creationId xmlns:a16="http://schemas.microsoft.com/office/drawing/2014/main" id="{DAB2E35C-77DE-44C6-AE84-E307051ED72E}"/>
+                  </a:ext>
+                </a:extLst>
+              </p:cNvPr>
+              <p:cNvSpPr/>
+              <p:nvPr/>
+            </p:nvSpPr>
+            <p:spPr>
+              <a:xfrm>
+                <a:off x="7989076" y="1973795"/>
+                <a:ext cx="381000" cy="381000"/>
+              </a:xfrm>
+              <a:prstGeom prst="ellipse">
+                <a:avLst/>
+              </a:prstGeom>
+              <a:grpFill/>
+              <a:ln>
+                <a:solidFill>
+                  <a:schemeClr val="accent6">
+                    <a:lumMod val="50000"/>
+                  </a:schemeClr>
+                </a:solidFill>
+              </a:ln>
+            </p:spPr>
+            <p:style>
+              <a:lnRef idx="2">
+                <a:schemeClr val="accent1">
+                  <a:shade val="50000"/>
+                </a:schemeClr>
+              </a:lnRef>
+              <a:fillRef idx="1">
+                <a:schemeClr val="accent1"/>
+              </a:fillRef>
+              <a:effectRef idx="0">
+                <a:schemeClr val="accent1"/>
+              </a:effectRef>
+              <a:fontRef idx="minor">
+                <a:schemeClr val="lt1"/>
+              </a:fontRef>
+            </p:style>
+            <p:txBody>
+              <a:bodyPr lIns="0" tIns="0" rIns="0" bIns="0" rtlCol="0" anchor="ctr"/>
+              <a:lstStyle/>
+              <a:p>
+                <a:pPr algn="ctr"/>
+                <a:endParaRPr lang="en-US" sz="1600" dirty="0">
+                  <a:solidFill>
+                    <a:schemeClr val="tx1"/>
+                  </a:solidFill>
+                </a:endParaRPr>
+              </a:p>
+            </p:txBody>
+          </p:sp>
+        </p:grpSp>
+      </p:grpSp>
+      <p:sp>
+        <p:nvSpPr>
+          <p:cNvPr id="102" name="Rectangle: Rounded Corners 101">
+            <a:extLst>
+              <a:ext uri="{FF2B5EF4-FFF2-40B4-BE49-F238E27FC236}">
+                <a16:creationId xmlns:a16="http://schemas.microsoft.com/office/drawing/2014/main" id="{C8EF780A-4833-4550-8011-999ED360C29D}"/>
+              </a:ext>
+            </a:extLst>
+          </p:cNvPr>
+          <p:cNvSpPr/>
+          <p:nvPr/>
+        </p:nvSpPr>
+        <p:spPr>
+          <a:xfrm>
+            <a:off x="10258899" y="1187648"/>
+            <a:ext cx="449496" cy="2335446"/>
+          </a:xfrm>
+          <a:prstGeom prst="roundRect">
+            <a:avLst/>
+          </a:prstGeom>
+          <a:solidFill>
+            <a:schemeClr val="bg2">
+              <a:lumMod val="90000"/>
+            </a:schemeClr>
+          </a:solidFill>
+          <a:ln>
+            <a:solidFill>
+              <a:schemeClr val="tx1"/>
+            </a:solidFill>
+          </a:ln>
+        </p:spPr>
+        <p:style>
+          <a:lnRef idx="2">
+            <a:schemeClr val="accent1">
+              <a:shade val="50000"/>
+            </a:schemeClr>
+          </a:lnRef>
+          <a:fillRef idx="1">
+            <a:schemeClr val="accent1"/>
+          </a:fillRef>
+          <a:effectRef idx="0">
+            <a:schemeClr val="accent1"/>
+          </a:effectRef>
+          <a:fontRef idx="minor">
+            <a:schemeClr val="lt1"/>
+          </a:fontRef>
+        </p:style>
+        <p:txBody>
+          <a:bodyPr rtlCol="0" anchor="ctr"/>
+          <a:lstStyle/>
+          <a:p>
+            <a:pPr algn="ctr"/>
+            <a:endParaRPr lang="en-US"/>
+          </a:p>
+        </p:txBody>
+      </p:sp>
+      <p:cxnSp>
+        <p:nvCxnSpPr>
+          <p:cNvPr id="106" name="Straight Arrow Connector 105">
+            <a:extLst>
+              <a:ext uri="{FF2B5EF4-FFF2-40B4-BE49-F238E27FC236}">
+                <a16:creationId xmlns:a16="http://schemas.microsoft.com/office/drawing/2014/main" id="{C02372C6-5A1A-45EA-B460-CFA04087AFAC}"/>
+              </a:ext>
+            </a:extLst>
+          </p:cNvPr>
+          <p:cNvCxnSpPr>
+            <a:cxnSpLocks/>
+            <a:endCxn id="59" idx="1"/>
+          </p:cNvCxnSpPr>
+          <p:nvPr/>
+        </p:nvCxnSpPr>
+        <p:spPr>
+          <a:xfrm>
+            <a:off x="2152075" y="2318427"/>
+            <a:ext cx="581889" cy="0"/>
+          </a:xfrm>
+          <a:prstGeom prst="straightConnector1">
+            <a:avLst/>
+          </a:prstGeom>
+          <a:ln w="44450">
+            <a:tailEnd type="triangle"/>
+          </a:ln>
+        </p:spPr>
+        <p:style>
+          <a:lnRef idx="1">
+            <a:schemeClr val="accent1"/>
+          </a:lnRef>
+          <a:fillRef idx="0">
+            <a:schemeClr val="accent1"/>
+          </a:fillRef>
+          <a:effectRef idx="0">
+            <a:schemeClr val="accent1"/>
+          </a:effectRef>
+          <a:fontRef idx="minor">
+            <a:schemeClr val="tx1"/>
+          </a:fontRef>
+        </p:style>
+      </p:cxnSp>
+      <p:cxnSp>
+        <p:nvCxnSpPr>
+          <p:cNvPr id="109" name="Straight Arrow Connector 108">
+            <a:extLst>
+              <a:ext uri="{FF2B5EF4-FFF2-40B4-BE49-F238E27FC236}">
+                <a16:creationId xmlns:a16="http://schemas.microsoft.com/office/drawing/2014/main" id="{0CA67759-AFBC-4903-88AC-3EBE84154D63}"/>
+              </a:ext>
+            </a:extLst>
+          </p:cNvPr>
+          <p:cNvCxnSpPr>
+            <a:cxnSpLocks/>
+          </p:cNvCxnSpPr>
+          <p:nvPr/>
+        </p:nvCxnSpPr>
+        <p:spPr>
+          <a:xfrm>
+            <a:off x="3189633" y="2318427"/>
+            <a:ext cx="581889" cy="0"/>
+          </a:xfrm>
+          <a:prstGeom prst="straightConnector1">
+            <a:avLst/>
+          </a:prstGeom>
+          <a:ln w="44450">
+            <a:tailEnd type="triangle"/>
+          </a:ln>
+        </p:spPr>
+        <p:style>
+          <a:lnRef idx="1">
+            <a:schemeClr val="accent1"/>
+          </a:lnRef>
+          <a:fillRef idx="0">
+            <a:schemeClr val="accent1"/>
+          </a:fillRef>
+          <a:effectRef idx="0">
+            <a:schemeClr val="accent1"/>
+          </a:effectRef>
+          <a:fontRef idx="minor">
+            <a:schemeClr val="tx1"/>
+          </a:fontRef>
+        </p:style>
+      </p:cxnSp>
+      <p:cxnSp>
+        <p:nvCxnSpPr>
+          <p:cNvPr id="111" name="Connector: Elbow 110">
+            <a:extLst>
+              <a:ext uri="{FF2B5EF4-FFF2-40B4-BE49-F238E27FC236}">
+                <a16:creationId xmlns:a16="http://schemas.microsoft.com/office/drawing/2014/main" id="{8518612D-CF1A-4346-B1FD-79065DF122D0}"/>
+              </a:ext>
+            </a:extLst>
+          </p:cNvPr>
+          <p:cNvCxnSpPr>
+            <a:endCxn id="95" idx="0"/>
+          </p:cNvCxnSpPr>
+          <p:nvPr/>
+        </p:nvCxnSpPr>
+        <p:spPr>
+          <a:xfrm>
+            <a:off x="8155707" y="1674290"/>
+            <a:ext cx="559954" cy="490005"/>
+          </a:xfrm>
+          <a:prstGeom prst="bentConnector2">
+            <a:avLst/>
+          </a:prstGeom>
+          <a:ln w="44450">
+            <a:tailEnd type="triangle"/>
+          </a:ln>
+        </p:spPr>
+        <p:style>
+          <a:lnRef idx="1">
+            <a:schemeClr val="accent1"/>
+          </a:lnRef>
+          <a:fillRef idx="0">
+            <a:schemeClr val="accent1"/>
+          </a:fillRef>
+          <a:effectRef idx="0">
+            <a:schemeClr val="accent1"/>
+          </a:effectRef>
+          <a:fontRef idx="minor">
+            <a:schemeClr val="tx1"/>
+          </a:fontRef>
+        </p:style>
+      </p:cxnSp>
+      <p:cxnSp>
+        <p:nvCxnSpPr>
+          <p:cNvPr id="113" name="Connector: Elbow 112">
+            <a:extLst>
+              <a:ext uri="{FF2B5EF4-FFF2-40B4-BE49-F238E27FC236}">
+                <a16:creationId xmlns:a16="http://schemas.microsoft.com/office/drawing/2014/main" id="{53AE4BD3-E150-40F6-A143-34FB9769381B}"/>
+              </a:ext>
+            </a:extLst>
+          </p:cNvPr>
+          <p:cNvCxnSpPr>
+            <a:cxnSpLocks/>
+            <a:endCxn id="95" idx="4"/>
+          </p:cNvCxnSpPr>
+          <p:nvPr/>
+        </p:nvCxnSpPr>
+        <p:spPr>
+          <a:xfrm flipV="1">
+            <a:off x="7018857" y="2545295"/>
+            <a:ext cx="1696804" cy="626241"/>
+          </a:xfrm>
+          <a:prstGeom prst="bentConnector2">
+            <a:avLst/>
+          </a:prstGeom>
+          <a:ln w="44450">
+            <a:tailEnd type="triangle"/>
+          </a:ln>
+        </p:spPr>
+        <p:style>
+          <a:lnRef idx="1">
+            <a:schemeClr val="accent1"/>
+          </a:lnRef>
+          <a:fillRef idx="0">
+            <a:schemeClr val="accent1"/>
+          </a:fillRef>
+          <a:effectRef idx="0">
+            <a:schemeClr val="accent1"/>
+          </a:effectRef>
+          <a:fontRef idx="minor">
+            <a:schemeClr val="tx1"/>
+          </a:fontRef>
+        </p:style>
+      </p:cxnSp>
+      <p:cxnSp>
+        <p:nvCxnSpPr>
+          <p:cNvPr id="116" name="Straight Arrow Connector 115">
+            <a:extLst>
+              <a:ext uri="{FF2B5EF4-FFF2-40B4-BE49-F238E27FC236}">
+                <a16:creationId xmlns:a16="http://schemas.microsoft.com/office/drawing/2014/main" id="{B93C8514-31E4-4F20-899D-866560C7FBE8}"/>
+              </a:ext>
+            </a:extLst>
+          </p:cNvPr>
+          <p:cNvCxnSpPr>
+            <a:stCxn id="95" idx="6"/>
+            <a:endCxn id="96" idx="1"/>
+          </p:cNvCxnSpPr>
+          <p:nvPr/>
+        </p:nvCxnSpPr>
+        <p:spPr>
+          <a:xfrm flipV="1">
+            <a:off x="8906161" y="2352968"/>
+            <a:ext cx="487218" cy="1827"/>
+          </a:xfrm>
+          <a:prstGeom prst="straightConnector1">
+            <a:avLst/>
+          </a:prstGeom>
+          <a:ln w="44450">
+            <a:tailEnd type="triangle"/>
+          </a:ln>
+        </p:spPr>
+        <p:style>
+          <a:lnRef idx="1">
+            <a:schemeClr val="accent1"/>
+          </a:lnRef>
+          <a:fillRef idx="0">
+            <a:schemeClr val="accent1"/>
+          </a:fillRef>
+          <a:effectRef idx="0">
+            <a:schemeClr val="accent1"/>
+          </a:effectRef>
+          <a:fontRef idx="minor">
+            <a:schemeClr val="tx1"/>
+          </a:fontRef>
+        </p:style>
+      </p:cxnSp>
+      <p:cxnSp>
+        <p:nvCxnSpPr>
+          <p:cNvPr id="118" name="Straight Arrow Connector 117">
+            <a:extLst>
+              <a:ext uri="{FF2B5EF4-FFF2-40B4-BE49-F238E27FC236}">
+                <a16:creationId xmlns:a16="http://schemas.microsoft.com/office/drawing/2014/main" id="{3BE25479-C5E1-4067-B0BF-FC62D2CED242}"/>
+              </a:ext>
+            </a:extLst>
+          </p:cNvPr>
+          <p:cNvCxnSpPr>
+            <a:stCxn id="96" idx="3"/>
+            <a:endCxn id="102" idx="1"/>
+          </p:cNvCxnSpPr>
+          <p:nvPr/>
+        </p:nvCxnSpPr>
+        <p:spPr>
+          <a:xfrm>
+            <a:off x="9805929" y="2352968"/>
+            <a:ext cx="452970" cy="2403"/>
+          </a:xfrm>
+          <a:prstGeom prst="straightConnector1">
+            <a:avLst/>
+          </a:prstGeom>
+          <a:ln w="44450">
+            <a:tailEnd type="triangle"/>
+          </a:ln>
+        </p:spPr>
+        <p:style>
+          <a:lnRef idx="1">
+            <a:schemeClr val="accent1"/>
+          </a:lnRef>
+          <a:fillRef idx="0">
+            <a:schemeClr val="accent1"/>
+          </a:fillRef>
+          <a:effectRef idx="0">
+            <a:schemeClr val="accent1"/>
+          </a:effectRef>
+          <a:fontRef idx="minor">
+            <a:schemeClr val="tx1"/>
+          </a:fontRef>
+        </p:style>
+      </p:cxnSp>
+      <p:sp>
+        <p:nvSpPr>
+          <p:cNvPr id="120" name="Flowchart: Card 119">
+            <a:extLst>
+              <a:ext uri="{FF2B5EF4-FFF2-40B4-BE49-F238E27FC236}">
+                <a16:creationId xmlns:a16="http://schemas.microsoft.com/office/drawing/2014/main" id="{10120A33-1C93-431B-B1C6-F5D4A193D90E}"/>
+              </a:ext>
+            </a:extLst>
+          </p:cNvPr>
+          <p:cNvSpPr/>
+          <p:nvPr/>
+        </p:nvSpPr>
+        <p:spPr>
+          <a:xfrm>
+            <a:off x="11166766" y="2025848"/>
+            <a:ext cx="542651" cy="681274"/>
+          </a:xfrm>
+          <a:prstGeom prst="flowChartPunchedCard">
+            <a:avLst/>
+          </a:prstGeom>
+          <a:noFill/>
+          <a:ln>
+            <a:solidFill>
+              <a:schemeClr val="tx1"/>
+            </a:solidFill>
+          </a:ln>
+        </p:spPr>
+        <p:style>
+          <a:lnRef idx="2">
+            <a:schemeClr val="accent1">
+              <a:shade val="50000"/>
+            </a:schemeClr>
+          </a:lnRef>
+          <a:fillRef idx="1">
+            <a:schemeClr val="accent1"/>
+          </a:fillRef>
+          <a:effectRef idx="0">
+            <a:schemeClr val="accent1"/>
+          </a:effectRef>
+          <a:fontRef idx="minor">
+            <a:schemeClr val="lt1"/>
+          </a:fontRef>
+        </p:style>
+        <p:txBody>
+          <a:bodyPr rtlCol="0" anchor="ctr"/>
+          <a:lstStyle/>
+          <a:p>
+            <a:pPr algn="ctr"/>
+            <a:endParaRPr lang="en-US"/>
+          </a:p>
+        </p:txBody>
+      </p:sp>
+      <p:cxnSp>
+        <p:nvCxnSpPr>
+          <p:cNvPr id="121" name="Straight Arrow Connector 120">
+            <a:extLst>
+              <a:ext uri="{FF2B5EF4-FFF2-40B4-BE49-F238E27FC236}">
+                <a16:creationId xmlns:a16="http://schemas.microsoft.com/office/drawing/2014/main" id="{F06DE42B-8C93-4F36-970B-E6B085A2543A}"/>
+              </a:ext>
+            </a:extLst>
+          </p:cNvPr>
+          <p:cNvCxnSpPr/>
+          <p:nvPr/>
+        </p:nvCxnSpPr>
+        <p:spPr>
+          <a:xfrm>
+            <a:off x="10703803" y="2352968"/>
+            <a:ext cx="452970" cy="2403"/>
+          </a:xfrm>
+          <a:prstGeom prst="straightConnector1">
+            <a:avLst/>
+          </a:prstGeom>
+          <a:ln w="44450">
+            <a:tailEnd type="triangle"/>
+          </a:ln>
+        </p:spPr>
+        <p:style>
+          <a:lnRef idx="1">
+            <a:schemeClr val="accent1"/>
+          </a:lnRef>
+          <a:fillRef idx="0">
+            <a:schemeClr val="accent1"/>
+          </a:fillRef>
+          <a:effectRef idx="0">
+            <a:schemeClr val="accent1"/>
+          </a:effectRef>
+          <a:fontRef idx="minor">
+            <a:schemeClr val="tx1"/>
+          </a:fontRef>
+        </p:style>
+      </p:cxnSp>
+      <p:sp>
+        <p:nvSpPr>
+          <p:cNvPr id="122" name="TextBox 121">
+            <a:extLst>
+              <a:ext uri="{FF2B5EF4-FFF2-40B4-BE49-F238E27FC236}">
+                <a16:creationId xmlns:a16="http://schemas.microsoft.com/office/drawing/2014/main" id="{8EB0A09D-C5D1-45EA-932B-2448D3C2D7FB}"/>
+              </a:ext>
+            </a:extLst>
+          </p:cNvPr>
+          <p:cNvSpPr txBox="1"/>
+          <p:nvPr/>
+        </p:nvSpPr>
+        <p:spPr>
+          <a:xfrm>
+            <a:off x="6168118" y="2375787"/>
+            <a:ext cx="1004063" cy="369332"/>
+          </a:xfrm>
+          <a:prstGeom prst="rect">
+            <a:avLst/>
+          </a:prstGeom>
+          <a:noFill/>
+        </p:spPr>
+        <p:txBody>
+          <a:bodyPr wrap="square" rtlCol="0">
+            <a:spAutoFit/>
+          </a:bodyPr>
+          <a:lstStyle/>
+          <a:p>
+            <a:r>
+              <a:rPr lang="en-US" b="1" dirty="0"/>
+              <a:t>Context</a:t>
+            </a:r>
+          </a:p>
+        </p:txBody>
+      </p:sp>
+      <p:sp>
+        <p:nvSpPr>
+          <p:cNvPr id="123" name="TextBox 122">
+            <a:extLst>
+              <a:ext uri="{FF2B5EF4-FFF2-40B4-BE49-F238E27FC236}">
+                <a16:creationId xmlns:a16="http://schemas.microsoft.com/office/drawing/2014/main" id="{30F46E21-0E92-4887-BD97-C8636035E4E9}"/>
+              </a:ext>
+            </a:extLst>
+          </p:cNvPr>
+          <p:cNvSpPr txBox="1"/>
+          <p:nvPr/>
+        </p:nvSpPr>
+        <p:spPr>
+          <a:xfrm>
+            <a:off x="2395630" y="858028"/>
+            <a:ext cx="1403926" cy="338554"/>
+          </a:xfrm>
+          <a:prstGeom prst="rect">
+            <a:avLst/>
+          </a:prstGeom>
+          <a:noFill/>
+        </p:spPr>
+        <p:txBody>
+          <a:bodyPr wrap="square" rtlCol="0">
+            <a:spAutoFit/>
+          </a:bodyPr>
+          <a:lstStyle/>
+          <a:p>
+            <a:r>
+              <a:rPr lang="en-US" sz="1600" b="1" dirty="0"/>
+              <a:t>Label-GCN</a:t>
+            </a:r>
+          </a:p>
+        </p:txBody>
+      </p:sp>
+      <p:sp>
+        <p:nvSpPr>
+          <p:cNvPr id="125" name="Rectangle: Rounded Corners 124">
+            <a:extLst>
+              <a:ext uri="{FF2B5EF4-FFF2-40B4-BE49-F238E27FC236}">
+                <a16:creationId xmlns:a16="http://schemas.microsoft.com/office/drawing/2014/main" id="{3701175A-4949-447C-B14D-948DAD68B7E0}"/>
+              </a:ext>
+            </a:extLst>
+          </p:cNvPr>
+          <p:cNvSpPr/>
+          <p:nvPr/>
+        </p:nvSpPr>
+        <p:spPr>
+          <a:xfrm>
+            <a:off x="7710089" y="1150704"/>
+            <a:ext cx="449496" cy="1130779"/>
+          </a:xfrm>
+          <a:prstGeom prst="roundRect">
+            <a:avLst/>
+          </a:prstGeom>
+          <a:solidFill>
+            <a:schemeClr val="bg2">
+              <a:lumMod val="90000"/>
+            </a:schemeClr>
+          </a:solidFill>
+          <a:ln>
+            <a:solidFill>
+              <a:schemeClr val="tx1"/>
+            </a:solidFill>
+          </a:ln>
+        </p:spPr>
+        <p:style>
+          <a:lnRef idx="2">
+            <a:schemeClr val="accent1">
+              <a:shade val="50000"/>
+            </a:schemeClr>
+          </a:lnRef>
+          <a:fillRef idx="1">
+            <a:schemeClr val="accent1"/>
+          </a:fillRef>
+          <a:effectRef idx="0">
+            <a:schemeClr val="accent1"/>
+          </a:effectRef>
+          <a:fontRef idx="minor">
+            <a:schemeClr val="lt1"/>
+          </a:fontRef>
+        </p:style>
+        <p:txBody>
+          <a:bodyPr rtlCol="0" anchor="ctr"/>
+          <a:lstStyle/>
+          <a:p>
+            <a:pPr algn="ctr"/>
+            <a:endParaRPr lang="en-US"/>
+          </a:p>
+        </p:txBody>
+      </p:sp>
+      <p:sp>
+        <p:nvSpPr>
+          <p:cNvPr id="133" name="TextBox 132">
+            <a:extLst>
+              <a:ext uri="{FF2B5EF4-FFF2-40B4-BE49-F238E27FC236}">
+                <a16:creationId xmlns:a16="http://schemas.microsoft.com/office/drawing/2014/main" id="{B8307E1E-B330-41B0-BECA-ABAAEAF2A0E2}"/>
+              </a:ext>
+            </a:extLst>
+          </p:cNvPr>
+          <p:cNvSpPr txBox="1"/>
+          <p:nvPr/>
+        </p:nvSpPr>
+        <p:spPr>
+          <a:xfrm>
+            <a:off x="5429639" y="3277997"/>
+            <a:ext cx="2371062" cy="369332"/>
+          </a:xfrm>
+          <a:prstGeom prst="rect">
+            <a:avLst/>
+          </a:prstGeom>
+          <a:noFill/>
+        </p:spPr>
+        <p:txBody>
+          <a:bodyPr wrap="square" rtlCol="0">
+            <a:spAutoFit/>
+          </a:bodyPr>
+          <a:lstStyle/>
+          <a:p>
+            <a:pPr algn="ctr"/>
+            <a:r>
+              <a:rPr lang="en-US" b="1" dirty="0"/>
+              <a:t>Representation Vector</a:t>
+            </a:r>
+          </a:p>
+        </p:txBody>
+      </p:sp>
+      <p:sp>
+        <p:nvSpPr>
+          <p:cNvPr id="135" name="TextBox 134">
+            <a:extLst>
+              <a:ext uri="{FF2B5EF4-FFF2-40B4-BE49-F238E27FC236}">
+                <a16:creationId xmlns:a16="http://schemas.microsoft.com/office/drawing/2014/main" id="{5710802F-7F87-447C-A441-30A2B74B1A2C}"/>
+              </a:ext>
+            </a:extLst>
+          </p:cNvPr>
+          <p:cNvSpPr txBox="1"/>
+          <p:nvPr/>
+        </p:nvSpPr>
+        <p:spPr>
+          <a:xfrm>
+            <a:off x="8674781" y="2903363"/>
+            <a:ext cx="1696803" cy="923330"/>
+          </a:xfrm>
+          <a:prstGeom prst="rect">
+            <a:avLst/>
+          </a:prstGeom>
+          <a:noFill/>
+        </p:spPr>
+        <p:txBody>
+          <a:bodyPr wrap="square" rtlCol="0">
+            <a:spAutoFit/>
+          </a:bodyPr>
+          <a:lstStyle/>
+          <a:p>
+            <a:pPr algn="ctr"/>
+            <a:r>
+              <a:rPr lang="en-US" b="1" dirty="0"/>
+              <a:t>Code Change Representation Vector for S6</a:t>
+            </a:r>
+          </a:p>
+        </p:txBody>
+      </p:sp>
+      <p:sp>
+        <p:nvSpPr>
+          <p:cNvPr id="136" name="TextBox 135">
+            <a:extLst>
+              <a:ext uri="{FF2B5EF4-FFF2-40B4-BE49-F238E27FC236}">
+                <a16:creationId xmlns:a16="http://schemas.microsoft.com/office/drawing/2014/main" id="{282B16F0-CC78-41C4-B270-39996F3DA97F}"/>
+              </a:ext>
+            </a:extLst>
+          </p:cNvPr>
+          <p:cNvSpPr txBox="1"/>
+          <p:nvPr/>
+        </p:nvSpPr>
+        <p:spPr>
+          <a:xfrm>
+            <a:off x="6679840" y="851223"/>
+            <a:ext cx="2374838" cy="338554"/>
+          </a:xfrm>
+          <a:prstGeom prst="rect">
+            <a:avLst/>
+          </a:prstGeom>
+          <a:noFill/>
+        </p:spPr>
+        <p:txBody>
+          <a:bodyPr wrap="square" rtlCol="0">
+            <a:spAutoFit/>
+          </a:bodyPr>
+          <a:lstStyle/>
+          <a:p>
+            <a:pPr algn="ctr"/>
+            <a:r>
+              <a:rPr lang="en-US" sz="1600" b="1" dirty="0"/>
+              <a:t>Fully-connected Layer</a:t>
+            </a:r>
+          </a:p>
+        </p:txBody>
+      </p:sp>
+      <p:sp>
+        <p:nvSpPr>
+          <p:cNvPr id="137" name="TextBox 136">
+            <a:extLst>
+              <a:ext uri="{FF2B5EF4-FFF2-40B4-BE49-F238E27FC236}">
+                <a16:creationId xmlns:a16="http://schemas.microsoft.com/office/drawing/2014/main" id="{81A3BE03-1A4C-4845-A9FA-D9101AD4BCFF}"/>
+              </a:ext>
+            </a:extLst>
+          </p:cNvPr>
+          <p:cNvSpPr txBox="1"/>
+          <p:nvPr/>
+        </p:nvSpPr>
+        <p:spPr>
+          <a:xfrm>
+            <a:off x="9592984" y="601943"/>
+            <a:ext cx="1781325" cy="646331"/>
+          </a:xfrm>
+          <a:prstGeom prst="rect">
+            <a:avLst/>
+          </a:prstGeom>
+          <a:noFill/>
+        </p:spPr>
+        <p:txBody>
+          <a:bodyPr wrap="square" rtlCol="0">
+            <a:spAutoFit/>
+          </a:bodyPr>
+          <a:lstStyle/>
+          <a:p>
+            <a:pPr algn="ctr"/>
+            <a:r>
+              <a:rPr lang="en-US" b="1" i="1" dirty="0"/>
+              <a:t>Hierarchical Clustering</a:t>
+            </a:r>
+          </a:p>
+        </p:txBody>
+      </p:sp>
+      <p:sp>
+        <p:nvSpPr>
+          <p:cNvPr id="138" name="TextBox 137">
+            <a:extLst>
+              <a:ext uri="{FF2B5EF4-FFF2-40B4-BE49-F238E27FC236}">
+                <a16:creationId xmlns:a16="http://schemas.microsoft.com/office/drawing/2014/main" id="{C1B30D0F-CD8D-471A-A29A-C653633B0473}"/>
+              </a:ext>
+            </a:extLst>
+          </p:cNvPr>
+          <p:cNvSpPr txBox="1"/>
+          <p:nvPr/>
+        </p:nvSpPr>
+        <p:spPr>
+          <a:xfrm>
+            <a:off x="10572839" y="2708405"/>
+            <a:ext cx="1781325" cy="646331"/>
+          </a:xfrm>
+          <a:prstGeom prst="rect">
+            <a:avLst/>
+          </a:prstGeom>
+          <a:noFill/>
+        </p:spPr>
+        <p:txBody>
+          <a:bodyPr wrap="square" rtlCol="0">
+            <a:spAutoFit/>
+          </a:bodyPr>
+          <a:lstStyle/>
+          <a:p>
+            <a:pPr algn="ctr"/>
+            <a:r>
+              <a:rPr lang="en-US" b="1" dirty="0"/>
+              <a:t>Clustering Results</a:t>
+            </a:r>
+          </a:p>
+        </p:txBody>
+      </p:sp>
+      <p:cxnSp>
+        <p:nvCxnSpPr>
+          <p:cNvPr id="139" name="Straight Arrow Connector 138">
+            <a:extLst>
+              <a:ext uri="{FF2B5EF4-FFF2-40B4-BE49-F238E27FC236}">
+                <a16:creationId xmlns:a16="http://schemas.microsoft.com/office/drawing/2014/main" id="{83CECE03-1FAA-41FD-9F14-9C133212593A}"/>
+              </a:ext>
+            </a:extLst>
+          </p:cNvPr>
+          <p:cNvCxnSpPr>
+            <a:cxnSpLocks/>
+          </p:cNvCxnSpPr>
+          <p:nvPr/>
+        </p:nvCxnSpPr>
+        <p:spPr>
+          <a:xfrm>
+            <a:off x="6956982" y="1686120"/>
+            <a:ext cx="763936" cy="0"/>
+          </a:xfrm>
+          <a:prstGeom prst="straightConnector1">
+            <a:avLst/>
+          </a:prstGeom>
+          <a:ln w="44450">
+            <a:tailEnd type="triangle"/>
+          </a:ln>
+        </p:spPr>
+        <p:style>
+          <a:lnRef idx="1">
+            <a:schemeClr val="accent1"/>
+          </a:lnRef>
+          <a:fillRef idx="0">
+            <a:schemeClr val="accent1"/>
+          </a:fillRef>
+          <a:effectRef idx="0">
+            <a:schemeClr val="accent1"/>
+          </a:effectRef>
+          <a:fontRef idx="minor">
+            <a:schemeClr val="tx1"/>
+          </a:fontRef>
+        </p:style>
+      </p:cxnSp>
+      <p:sp>
+        <p:nvSpPr>
+          <p:cNvPr id="75" name="TextBox 74">
+            <a:extLst>
+              <a:ext uri="{FF2B5EF4-FFF2-40B4-BE49-F238E27FC236}">
+                <a16:creationId xmlns:a16="http://schemas.microsoft.com/office/drawing/2014/main" id="{F2C5482D-5F80-4C25-AD95-29401DA3603C}"/>
+              </a:ext>
+            </a:extLst>
+          </p:cNvPr>
+          <p:cNvSpPr txBox="1"/>
+          <p:nvPr/>
+        </p:nvSpPr>
+        <p:spPr>
+          <a:xfrm>
+            <a:off x="2615991" y="579127"/>
+            <a:ext cx="6642779" cy="369332"/>
+          </a:xfrm>
+          <a:prstGeom prst="rect">
+            <a:avLst/>
+          </a:prstGeom>
+          <a:noFill/>
+        </p:spPr>
+        <p:txBody>
+          <a:bodyPr wrap="square" rtlCol="0">
+            <a:spAutoFit/>
+          </a:bodyPr>
+          <a:lstStyle/>
+          <a:p>
+            <a:r>
+              <a:rPr lang="en-US" b="1" i="1" dirty="0"/>
+              <a:t>Context-aware, Graph-based Code Change Representation Learning </a:t>
+            </a:r>
+          </a:p>
+        </p:txBody>
+      </p:sp>
+      <p:sp>
+        <p:nvSpPr>
+          <p:cNvPr id="7" name="Right Brace 6">
+            <a:extLst>
+              <a:ext uri="{FF2B5EF4-FFF2-40B4-BE49-F238E27FC236}">
+                <a16:creationId xmlns:a16="http://schemas.microsoft.com/office/drawing/2014/main" id="{ACF470F2-6BB3-4F31-A87D-A2EB4E89346E}"/>
+              </a:ext>
+            </a:extLst>
+          </p:cNvPr>
+          <p:cNvSpPr/>
+          <p:nvPr/>
+        </p:nvSpPr>
+        <p:spPr>
+          <a:xfrm rot="16200000">
+            <a:off x="5821625" y="-2706834"/>
+            <a:ext cx="305440" cy="7203327"/>
+          </a:xfrm>
+          <a:prstGeom prst="rightBrace">
+            <a:avLst/>
+          </a:prstGeom>
+          <a:ln w="12700"/>
+        </p:spPr>
+        <p:style>
+          <a:lnRef idx="1">
+            <a:schemeClr val="accent1"/>
+          </a:lnRef>
+          <a:fillRef idx="0">
+            <a:schemeClr val="accent1"/>
+          </a:fillRef>
+          <a:effectRef idx="0">
+            <a:schemeClr val="accent1"/>
+          </a:effectRef>
+          <a:fontRef idx="minor">
+            <a:schemeClr val="tx1"/>
+          </a:fontRef>
+        </p:style>
+        <p:txBody>
+          <a:bodyPr rtlCol="0" anchor="ctr"/>
+          <a:lstStyle/>
+          <a:p>
+            <a:pPr algn="ctr"/>
+            <a:endParaRPr lang="en-US"/>
+          </a:p>
+        </p:txBody>
+      </p:sp>
+      <p:sp>
+        <p:nvSpPr>
+          <p:cNvPr id="76" name="TextBox 75">
+            <a:extLst>
+              <a:ext uri="{FF2B5EF4-FFF2-40B4-BE49-F238E27FC236}">
+                <a16:creationId xmlns:a16="http://schemas.microsoft.com/office/drawing/2014/main" id="{A02C7F24-E54E-4417-904D-3151015D7B57}"/>
+              </a:ext>
+            </a:extLst>
+          </p:cNvPr>
+          <p:cNvSpPr txBox="1"/>
+          <p:nvPr/>
+        </p:nvSpPr>
+        <p:spPr>
+          <a:xfrm>
+            <a:off x="726912" y="890532"/>
+            <a:ext cx="1403926" cy="338554"/>
+          </a:xfrm>
+          <a:prstGeom prst="rect">
+            <a:avLst/>
+          </a:prstGeom>
+          <a:noFill/>
+        </p:spPr>
+        <p:txBody>
+          <a:bodyPr wrap="square" rtlCol="0">
+            <a:spAutoFit/>
+          </a:bodyPr>
+          <a:lstStyle/>
+          <a:p>
+            <a:r>
+              <a:rPr lang="en-US" sz="1600" dirty="0"/>
+              <a:t>δ</a:t>
+            </a:r>
+            <a:r>
+              <a:rPr lang="en-US" sz="1600" b="1" dirty="0"/>
+              <a:t>-PDG</a:t>
+            </a:r>
+          </a:p>
+        </p:txBody>
+      </p:sp>
+      <p:sp>
+        <p:nvSpPr>
+          <p:cNvPr id="79" name="TextBox 78">
+            <a:extLst>
+              <a:ext uri="{FF2B5EF4-FFF2-40B4-BE49-F238E27FC236}">
+                <a16:creationId xmlns:a16="http://schemas.microsoft.com/office/drawing/2014/main" id="{E73EFBF7-ED8E-4478-B37E-81A24C36493A}"/>
+              </a:ext>
+            </a:extLst>
+          </p:cNvPr>
+          <p:cNvSpPr txBox="1"/>
+          <p:nvPr/>
+        </p:nvSpPr>
+        <p:spPr>
+          <a:xfrm>
+            <a:off x="1183845" y="770346"/>
+            <a:ext cx="530006" cy="338554"/>
+          </a:xfrm>
+          <a:prstGeom prst="rect">
+            <a:avLst/>
+          </a:prstGeom>
+          <a:noFill/>
+        </p:spPr>
+        <p:txBody>
+          <a:bodyPr wrap="square" rtlCol="0">
+            <a:spAutoFit/>
+          </a:bodyPr>
+          <a:lstStyle/>
+          <a:p>
+            <a:pPr algn="ctr"/>
+            <a:r>
+              <a:rPr lang="en-US" sz="1600" b="1" dirty="0" err="1"/>
+              <a:t>i,j</a:t>
+            </a:r>
+            <a:endParaRPr lang="en-US" sz="1600" b="1" dirty="0"/>
+          </a:p>
+        </p:txBody>
+      </p:sp>
+      <p:grpSp>
+        <p:nvGrpSpPr>
+          <p:cNvPr id="11" name="Group 10">
+            <a:extLst>
+              <a:ext uri="{FF2B5EF4-FFF2-40B4-BE49-F238E27FC236}">
+                <a16:creationId xmlns:a16="http://schemas.microsoft.com/office/drawing/2014/main" id="{5F8B015D-07D0-4C0F-93EC-C281D8FF0863}"/>
+              </a:ext>
+            </a:extLst>
+          </p:cNvPr>
+          <p:cNvGrpSpPr/>
+          <p:nvPr/>
+        </p:nvGrpSpPr>
+        <p:grpSpPr>
+          <a:xfrm>
+            <a:off x="8130550" y="1167246"/>
+            <a:ext cx="1004063" cy="514344"/>
+            <a:chOff x="4761992" y="3977386"/>
+            <a:chExt cx="1004063" cy="514344"/>
+          </a:xfrm>
+        </p:grpSpPr>
+        <p:sp>
+          <p:nvSpPr>
+            <p:cNvPr id="80" name="TextBox 79">
+              <a:extLst>
+                <a:ext uri="{FF2B5EF4-FFF2-40B4-BE49-F238E27FC236}">
+                  <a16:creationId xmlns:a16="http://schemas.microsoft.com/office/drawing/2014/main" id="{13CA4A67-9AB2-4C5E-B21E-23CC91B1153E}"/>
+                </a:ext>
+              </a:extLst>
+            </p:cNvPr>
+            <p:cNvSpPr txBox="1"/>
+            <p:nvPr/>
+          </p:nvSpPr>
+          <p:spPr>
+            <a:xfrm>
+              <a:off x="4761992" y="3977386"/>
+              <a:ext cx="1004063" cy="461665"/>
+            </a:xfrm>
+            <a:prstGeom prst="rect">
+              <a:avLst/>
+            </a:prstGeom>
+            <a:noFill/>
+          </p:spPr>
+          <p:txBody>
+            <a:bodyPr wrap="square" rtlCol="0">
+              <a:spAutoFit/>
+            </a:bodyPr>
+            <a:lstStyle/>
+            <a:p>
+              <a:r>
+                <a:rPr lang="en-US" sz="2400" i="1" dirty="0">
+                  <a:latin typeface="Century Schoolbook" panose="02040604050505020304" pitchFamily="18" charset="0"/>
+                  <a:cs typeface="Times New Roman" panose="02020603050405020304" pitchFamily="18" charset="0"/>
+                </a:rPr>
+                <a:t>v</a:t>
+              </a:r>
+              <a:endParaRPr lang="en-US" i="1" dirty="0">
+                <a:latin typeface="Century Schoolbook" panose="02040604050505020304" pitchFamily="18" charset="0"/>
+                <a:cs typeface="Times New Roman" panose="02020603050405020304" pitchFamily="18" charset="0"/>
+              </a:endParaRPr>
+            </a:p>
+          </p:txBody>
+        </p:sp>
+        <p:sp>
+          <p:nvSpPr>
+            <p:cNvPr id="82" name="TextBox 81">
+              <a:extLst>
+                <a:ext uri="{FF2B5EF4-FFF2-40B4-BE49-F238E27FC236}">
+                  <a16:creationId xmlns:a16="http://schemas.microsoft.com/office/drawing/2014/main" id="{27BA0DA9-9DFD-4D90-9E7C-F8C2EE1FD68F}"/>
+                </a:ext>
+              </a:extLst>
+            </p:cNvPr>
+            <p:cNvSpPr txBox="1"/>
+            <p:nvPr/>
+          </p:nvSpPr>
+          <p:spPr>
+            <a:xfrm>
+              <a:off x="4908000" y="4122398"/>
+              <a:ext cx="584200" cy="369332"/>
+            </a:xfrm>
+            <a:prstGeom prst="rect">
+              <a:avLst/>
+            </a:prstGeom>
+            <a:noFill/>
+          </p:spPr>
+          <p:txBody>
+            <a:bodyPr wrap="square">
+              <a:spAutoFit/>
+            </a:bodyPr>
+            <a:lstStyle/>
+            <a:p>
+              <a:r>
+                <a:rPr lang="en-US" sz="1800" i="1" dirty="0" err="1">
+                  <a:latin typeface="Times New Roman" panose="02020603050405020304" pitchFamily="18" charset="0"/>
+                  <a:cs typeface="Times New Roman" panose="02020603050405020304" pitchFamily="18" charset="0"/>
+                </a:rPr>
+                <a:t>ctx</a:t>
+              </a:r>
+              <a:endParaRPr lang="en-US" dirty="0"/>
+            </a:p>
+          </p:txBody>
+        </p:sp>
+      </p:grpSp>
+      <p:grpSp>
+        <p:nvGrpSpPr>
+          <p:cNvPr id="10" name="Group 9">
+            <a:extLst>
+              <a:ext uri="{FF2B5EF4-FFF2-40B4-BE49-F238E27FC236}">
+                <a16:creationId xmlns:a16="http://schemas.microsoft.com/office/drawing/2014/main" id="{6510A126-95A9-4CBF-87DD-CFDC03584C19}"/>
+              </a:ext>
+            </a:extLst>
+          </p:cNvPr>
+          <p:cNvGrpSpPr/>
+          <p:nvPr/>
+        </p:nvGrpSpPr>
+        <p:grpSpPr>
+          <a:xfrm>
+            <a:off x="1208078" y="1179259"/>
+            <a:ext cx="455101" cy="572127"/>
+            <a:chOff x="1507986" y="361574"/>
+            <a:chExt cx="455101" cy="572127"/>
+          </a:xfrm>
+        </p:grpSpPr>
+        <p:sp>
+          <p:nvSpPr>
+            <p:cNvPr id="88" name="TextBox 87">
+              <a:extLst>
+                <a:ext uri="{FF2B5EF4-FFF2-40B4-BE49-F238E27FC236}">
+                  <a16:creationId xmlns:a16="http://schemas.microsoft.com/office/drawing/2014/main" id="{39EF8AA8-5BAD-4099-B846-9AC53224EE1E}"/>
+                </a:ext>
+              </a:extLst>
+            </p:cNvPr>
+            <p:cNvSpPr txBox="1"/>
+            <p:nvPr/>
+          </p:nvSpPr>
+          <p:spPr>
+            <a:xfrm>
+              <a:off x="1507986" y="361574"/>
+              <a:ext cx="370614" cy="523220"/>
+            </a:xfrm>
+            <a:prstGeom prst="rect">
+              <a:avLst/>
+            </a:prstGeom>
+            <a:noFill/>
+          </p:spPr>
+          <p:txBody>
+            <a:bodyPr wrap="none" rtlCol="0">
+              <a:spAutoFit/>
+            </a:bodyPr>
+            <a:lstStyle/>
+            <a:p>
+              <a:r>
+                <a:rPr lang="en-US" sz="2800" i="1" dirty="0">
+                  <a:latin typeface="Century Schoolbook" panose="02040604050505020304" pitchFamily="18" charset="0"/>
+                  <a:cs typeface="Times New Roman" panose="02020603050405020304" pitchFamily="18" charset="0"/>
+                </a:rPr>
+                <a:t>v</a:t>
+              </a:r>
+              <a:endParaRPr lang="en-US" sz="2800" i="1" dirty="0">
+                <a:latin typeface="Times New Roman" panose="02020603050405020304" pitchFamily="18" charset="0"/>
+                <a:cs typeface="Times New Roman" panose="02020603050405020304" pitchFamily="18" charset="0"/>
+              </a:endParaRPr>
+            </a:p>
+          </p:txBody>
+        </p:sp>
+        <p:sp>
+          <p:nvSpPr>
+            <p:cNvPr id="89" name="TextBox 88">
+              <a:extLst>
+                <a:ext uri="{FF2B5EF4-FFF2-40B4-BE49-F238E27FC236}">
+                  <a16:creationId xmlns:a16="http://schemas.microsoft.com/office/drawing/2014/main" id="{E3D6C57E-91C0-437C-B771-65E43EEF9F0A}"/>
+                </a:ext>
+              </a:extLst>
+            </p:cNvPr>
+            <p:cNvSpPr txBox="1"/>
+            <p:nvPr/>
+          </p:nvSpPr>
+          <p:spPr>
+            <a:xfrm>
+              <a:off x="1669542" y="621813"/>
+              <a:ext cx="293545" cy="311888"/>
+            </a:xfrm>
+            <a:prstGeom prst="rect">
+              <a:avLst/>
+            </a:prstGeom>
+            <a:noFill/>
+          </p:spPr>
+          <p:txBody>
+            <a:bodyPr wrap="square" rtlCol="0">
+              <a:spAutoFit/>
+            </a:bodyPr>
+            <a:lstStyle/>
+            <a:p>
+              <a:r>
+                <a:rPr lang="en-US" sz="1400" i="1" dirty="0">
+                  <a:latin typeface="Times New Roman" panose="02020603050405020304" pitchFamily="18" charset="0"/>
+                  <a:cs typeface="Times New Roman" panose="02020603050405020304" pitchFamily="18" charset="0"/>
+                </a:rPr>
+                <a:t>3</a:t>
+              </a:r>
+            </a:p>
+          </p:txBody>
+        </p:sp>
+      </p:grpSp>
+      <p:grpSp>
+        <p:nvGrpSpPr>
+          <p:cNvPr id="93" name="Group 92">
+            <a:extLst>
+              <a:ext uri="{FF2B5EF4-FFF2-40B4-BE49-F238E27FC236}">
+                <a16:creationId xmlns:a16="http://schemas.microsoft.com/office/drawing/2014/main" id="{B0D81226-D57B-48B8-9958-8A3F4B5C481E}"/>
+              </a:ext>
+            </a:extLst>
+          </p:cNvPr>
+          <p:cNvGrpSpPr/>
+          <p:nvPr/>
+        </p:nvGrpSpPr>
+        <p:grpSpPr>
+          <a:xfrm>
+            <a:off x="1914735" y="1419980"/>
+            <a:ext cx="449772" cy="578160"/>
+            <a:chOff x="1507986" y="361574"/>
+            <a:chExt cx="449772" cy="578160"/>
+          </a:xfrm>
+        </p:grpSpPr>
+        <p:sp>
+          <p:nvSpPr>
+            <p:cNvPr id="94" name="TextBox 93">
+              <a:extLst>
+                <a:ext uri="{FF2B5EF4-FFF2-40B4-BE49-F238E27FC236}">
+                  <a16:creationId xmlns:a16="http://schemas.microsoft.com/office/drawing/2014/main" id="{795B2593-CB2C-4C94-AA8A-C4770812A805}"/>
+                </a:ext>
+              </a:extLst>
+            </p:cNvPr>
+            <p:cNvSpPr txBox="1"/>
+            <p:nvPr/>
+          </p:nvSpPr>
+          <p:spPr>
+            <a:xfrm>
+              <a:off x="1507986" y="361574"/>
+              <a:ext cx="370614" cy="523220"/>
+            </a:xfrm>
+            <a:prstGeom prst="rect">
+              <a:avLst/>
+            </a:prstGeom>
+            <a:noFill/>
+          </p:spPr>
+          <p:txBody>
+            <a:bodyPr wrap="none" rtlCol="0">
+              <a:spAutoFit/>
+            </a:bodyPr>
+            <a:lstStyle/>
+            <a:p>
+              <a:r>
+                <a:rPr lang="en-US" sz="2800" i="1" dirty="0">
+                  <a:latin typeface="Century Schoolbook" panose="02040604050505020304" pitchFamily="18" charset="0"/>
+                  <a:cs typeface="Times New Roman" panose="02020603050405020304" pitchFamily="18" charset="0"/>
+                </a:rPr>
+                <a:t>v</a:t>
+              </a:r>
+              <a:endParaRPr lang="en-US" sz="2800" i="1" dirty="0">
+                <a:latin typeface="Times New Roman" panose="02020603050405020304" pitchFamily="18" charset="0"/>
+                <a:cs typeface="Times New Roman" panose="02020603050405020304" pitchFamily="18" charset="0"/>
+              </a:endParaRPr>
+            </a:p>
+          </p:txBody>
+        </p:sp>
+        <p:sp>
+          <p:nvSpPr>
+            <p:cNvPr id="103" name="TextBox 102">
+              <a:extLst>
+                <a:ext uri="{FF2B5EF4-FFF2-40B4-BE49-F238E27FC236}">
+                  <a16:creationId xmlns:a16="http://schemas.microsoft.com/office/drawing/2014/main" id="{8A9852DE-6CA8-4C53-B831-A14E133EDDFF}"/>
+                </a:ext>
+              </a:extLst>
+            </p:cNvPr>
+            <p:cNvSpPr txBox="1"/>
+            <p:nvPr/>
+          </p:nvSpPr>
+          <p:spPr>
+            <a:xfrm>
+              <a:off x="1664213" y="627846"/>
+              <a:ext cx="293545" cy="311888"/>
+            </a:xfrm>
+            <a:prstGeom prst="rect">
+              <a:avLst/>
+            </a:prstGeom>
+            <a:noFill/>
+          </p:spPr>
+          <p:txBody>
+            <a:bodyPr wrap="square" rtlCol="0">
+              <a:spAutoFit/>
+            </a:bodyPr>
+            <a:lstStyle/>
+            <a:p>
+              <a:r>
+                <a:rPr lang="en-US" sz="1400" i="1" dirty="0">
+                  <a:latin typeface="Times New Roman" panose="02020603050405020304" pitchFamily="18" charset="0"/>
+                  <a:cs typeface="Times New Roman" panose="02020603050405020304" pitchFamily="18" charset="0"/>
+                </a:rPr>
+                <a:t>6</a:t>
+              </a:r>
+            </a:p>
+          </p:txBody>
+        </p:sp>
+      </p:grpSp>
+      <p:grpSp>
+        <p:nvGrpSpPr>
+          <p:cNvPr id="104" name="Group 103">
+            <a:extLst>
+              <a:ext uri="{FF2B5EF4-FFF2-40B4-BE49-F238E27FC236}">
+                <a16:creationId xmlns:a16="http://schemas.microsoft.com/office/drawing/2014/main" id="{657459A6-6501-4CED-B608-9FA41E6A1C43}"/>
+              </a:ext>
+            </a:extLst>
+          </p:cNvPr>
+          <p:cNvGrpSpPr/>
+          <p:nvPr/>
+        </p:nvGrpSpPr>
+        <p:grpSpPr>
+          <a:xfrm>
+            <a:off x="1111552" y="1780351"/>
+            <a:ext cx="449934" cy="578085"/>
+            <a:chOff x="1507986" y="361574"/>
+            <a:chExt cx="449934" cy="578085"/>
+          </a:xfrm>
+        </p:grpSpPr>
+        <p:sp>
+          <p:nvSpPr>
+            <p:cNvPr id="105" name="TextBox 104">
+              <a:extLst>
+                <a:ext uri="{FF2B5EF4-FFF2-40B4-BE49-F238E27FC236}">
+                  <a16:creationId xmlns:a16="http://schemas.microsoft.com/office/drawing/2014/main" id="{B4AB8AA9-5C90-4D72-84FF-0C46EFB0DF15}"/>
+                </a:ext>
+              </a:extLst>
+            </p:cNvPr>
+            <p:cNvSpPr txBox="1"/>
+            <p:nvPr/>
+          </p:nvSpPr>
+          <p:spPr>
+            <a:xfrm>
+              <a:off x="1507986" y="361574"/>
+              <a:ext cx="370614" cy="523220"/>
+            </a:xfrm>
+            <a:prstGeom prst="rect">
+              <a:avLst/>
+            </a:prstGeom>
+            <a:noFill/>
+          </p:spPr>
+          <p:txBody>
+            <a:bodyPr wrap="none" rtlCol="0">
+              <a:spAutoFit/>
+            </a:bodyPr>
+            <a:lstStyle/>
+            <a:p>
+              <a:r>
+                <a:rPr lang="en-US" sz="2800" i="1" dirty="0">
+                  <a:latin typeface="Century Schoolbook" panose="02040604050505020304" pitchFamily="18" charset="0"/>
+                  <a:cs typeface="Times New Roman" panose="02020603050405020304" pitchFamily="18" charset="0"/>
+                </a:rPr>
+                <a:t>v</a:t>
+              </a:r>
+              <a:endParaRPr lang="en-US" sz="2800" i="1" dirty="0">
+                <a:latin typeface="Times New Roman" panose="02020603050405020304" pitchFamily="18" charset="0"/>
+                <a:cs typeface="Times New Roman" panose="02020603050405020304" pitchFamily="18" charset="0"/>
+              </a:endParaRPr>
+            </a:p>
+          </p:txBody>
+        </p:sp>
+        <p:sp>
+          <p:nvSpPr>
+            <p:cNvPr id="107" name="TextBox 106">
+              <a:extLst>
+                <a:ext uri="{FF2B5EF4-FFF2-40B4-BE49-F238E27FC236}">
+                  <a16:creationId xmlns:a16="http://schemas.microsoft.com/office/drawing/2014/main" id="{91B37361-21FE-4B48-A5DF-BC065B034331}"/>
+                </a:ext>
+              </a:extLst>
+            </p:cNvPr>
+            <p:cNvSpPr txBox="1"/>
+            <p:nvPr/>
+          </p:nvSpPr>
+          <p:spPr>
+            <a:xfrm>
+              <a:off x="1664375" y="627771"/>
+              <a:ext cx="293545" cy="311888"/>
+            </a:xfrm>
+            <a:prstGeom prst="rect">
+              <a:avLst/>
+            </a:prstGeom>
+            <a:noFill/>
+          </p:spPr>
+          <p:txBody>
+            <a:bodyPr wrap="square" rtlCol="0">
+              <a:spAutoFit/>
+            </a:bodyPr>
+            <a:lstStyle/>
+            <a:p>
+              <a:r>
+                <a:rPr lang="en-US" sz="1400" i="1" dirty="0">
+                  <a:latin typeface="Times New Roman" panose="02020603050405020304" pitchFamily="18" charset="0"/>
+                  <a:cs typeface="Times New Roman" panose="02020603050405020304" pitchFamily="18" charset="0"/>
+                </a:rPr>
+                <a:t>4</a:t>
+              </a:r>
+            </a:p>
+          </p:txBody>
+        </p:sp>
+      </p:grpSp>
+      <p:grpSp>
+        <p:nvGrpSpPr>
+          <p:cNvPr id="108" name="Group 107">
+            <a:extLst>
+              <a:ext uri="{FF2B5EF4-FFF2-40B4-BE49-F238E27FC236}">
+                <a16:creationId xmlns:a16="http://schemas.microsoft.com/office/drawing/2014/main" id="{3070470F-22D2-4A2E-A83F-F0B19B028F0E}"/>
+              </a:ext>
+            </a:extLst>
+          </p:cNvPr>
+          <p:cNvGrpSpPr/>
+          <p:nvPr/>
+        </p:nvGrpSpPr>
+        <p:grpSpPr>
+          <a:xfrm>
+            <a:off x="1238889" y="2673784"/>
+            <a:ext cx="462013" cy="573498"/>
+            <a:chOff x="1507986" y="361574"/>
+            <a:chExt cx="462013" cy="573498"/>
+          </a:xfrm>
+        </p:grpSpPr>
+        <p:sp>
+          <p:nvSpPr>
+            <p:cNvPr id="110" name="TextBox 109">
+              <a:extLst>
+                <a:ext uri="{FF2B5EF4-FFF2-40B4-BE49-F238E27FC236}">
+                  <a16:creationId xmlns:a16="http://schemas.microsoft.com/office/drawing/2014/main" id="{4D1C5970-D483-4878-AADA-43068958AABB}"/>
+                </a:ext>
+              </a:extLst>
+            </p:cNvPr>
+            <p:cNvSpPr txBox="1"/>
+            <p:nvPr/>
+          </p:nvSpPr>
+          <p:spPr>
+            <a:xfrm>
+              <a:off x="1507986" y="361574"/>
+              <a:ext cx="370614" cy="523220"/>
+            </a:xfrm>
+            <a:prstGeom prst="rect">
+              <a:avLst/>
+            </a:prstGeom>
+            <a:noFill/>
+          </p:spPr>
+          <p:txBody>
+            <a:bodyPr wrap="none" rtlCol="0">
+              <a:spAutoFit/>
+            </a:bodyPr>
+            <a:lstStyle/>
+            <a:p>
+              <a:r>
+                <a:rPr lang="en-US" sz="2800" i="1" dirty="0">
+                  <a:latin typeface="Century Schoolbook" panose="02040604050505020304" pitchFamily="18" charset="0"/>
+                  <a:cs typeface="Times New Roman" panose="02020603050405020304" pitchFamily="18" charset="0"/>
+                </a:rPr>
+                <a:t>v</a:t>
+              </a:r>
+              <a:endParaRPr lang="en-US" sz="2800" i="1" dirty="0">
+                <a:latin typeface="Times New Roman" panose="02020603050405020304" pitchFamily="18" charset="0"/>
+                <a:cs typeface="Times New Roman" panose="02020603050405020304" pitchFamily="18" charset="0"/>
+              </a:endParaRPr>
+            </a:p>
+          </p:txBody>
+        </p:sp>
+        <p:sp>
+          <p:nvSpPr>
+            <p:cNvPr id="112" name="TextBox 111">
+              <a:extLst>
+                <a:ext uri="{FF2B5EF4-FFF2-40B4-BE49-F238E27FC236}">
+                  <a16:creationId xmlns:a16="http://schemas.microsoft.com/office/drawing/2014/main" id="{E4710C20-4F0B-4B52-8F4C-8DB4811CE6F0}"/>
+                </a:ext>
+              </a:extLst>
+            </p:cNvPr>
+            <p:cNvSpPr txBox="1"/>
+            <p:nvPr/>
+          </p:nvSpPr>
+          <p:spPr>
+            <a:xfrm>
+              <a:off x="1676454" y="623184"/>
+              <a:ext cx="293545" cy="311888"/>
+            </a:xfrm>
+            <a:prstGeom prst="rect">
+              <a:avLst/>
+            </a:prstGeom>
+            <a:noFill/>
+          </p:spPr>
+          <p:txBody>
+            <a:bodyPr wrap="square" rtlCol="0">
+              <a:spAutoFit/>
+            </a:bodyPr>
+            <a:lstStyle/>
+            <a:p>
+              <a:r>
+                <a:rPr lang="en-US" sz="1400" i="1" dirty="0">
+                  <a:latin typeface="Times New Roman" panose="02020603050405020304" pitchFamily="18" charset="0"/>
+                  <a:cs typeface="Times New Roman" panose="02020603050405020304" pitchFamily="18" charset="0"/>
+                </a:rPr>
+                <a:t>7</a:t>
+              </a:r>
+            </a:p>
+          </p:txBody>
+        </p:sp>
+      </p:grpSp>
+      <p:grpSp>
+        <p:nvGrpSpPr>
+          <p:cNvPr id="114" name="Group 113">
+            <a:extLst>
+              <a:ext uri="{FF2B5EF4-FFF2-40B4-BE49-F238E27FC236}">
+                <a16:creationId xmlns:a16="http://schemas.microsoft.com/office/drawing/2014/main" id="{9DDF66AE-FA0E-4B62-B591-F68F24F6E265}"/>
+              </a:ext>
+            </a:extLst>
+          </p:cNvPr>
+          <p:cNvGrpSpPr/>
+          <p:nvPr/>
+        </p:nvGrpSpPr>
+        <p:grpSpPr>
+          <a:xfrm>
+            <a:off x="126004" y="1298133"/>
+            <a:ext cx="444253" cy="572381"/>
+            <a:chOff x="1507986" y="361574"/>
+            <a:chExt cx="444253" cy="572381"/>
+          </a:xfrm>
+        </p:grpSpPr>
+        <p:sp>
+          <p:nvSpPr>
+            <p:cNvPr id="115" name="TextBox 114">
+              <a:extLst>
+                <a:ext uri="{FF2B5EF4-FFF2-40B4-BE49-F238E27FC236}">
+                  <a16:creationId xmlns:a16="http://schemas.microsoft.com/office/drawing/2014/main" id="{A1F8FCEA-B667-4A01-BDBC-581A3D44AA7F}"/>
+                </a:ext>
+              </a:extLst>
+            </p:cNvPr>
+            <p:cNvSpPr txBox="1"/>
+            <p:nvPr/>
+          </p:nvSpPr>
+          <p:spPr>
+            <a:xfrm>
+              <a:off x="1507986" y="361574"/>
+              <a:ext cx="370614" cy="523220"/>
+            </a:xfrm>
+            <a:prstGeom prst="rect">
+              <a:avLst/>
+            </a:prstGeom>
+            <a:noFill/>
+          </p:spPr>
+          <p:txBody>
+            <a:bodyPr wrap="none" rtlCol="0">
+              <a:spAutoFit/>
+            </a:bodyPr>
+            <a:lstStyle/>
+            <a:p>
+              <a:r>
+                <a:rPr lang="en-US" sz="2800" i="1" dirty="0">
+                  <a:latin typeface="Century Schoolbook" panose="02040604050505020304" pitchFamily="18" charset="0"/>
+                  <a:cs typeface="Times New Roman" panose="02020603050405020304" pitchFamily="18" charset="0"/>
+                </a:rPr>
+                <a:t>v</a:t>
+              </a:r>
+              <a:endParaRPr lang="en-US" sz="2800" i="1" dirty="0">
+                <a:latin typeface="Times New Roman" panose="02020603050405020304" pitchFamily="18" charset="0"/>
+                <a:cs typeface="Times New Roman" panose="02020603050405020304" pitchFamily="18" charset="0"/>
+              </a:endParaRPr>
+            </a:p>
+          </p:txBody>
+        </p:sp>
+        <p:sp>
+          <p:nvSpPr>
+            <p:cNvPr id="117" name="TextBox 116">
+              <a:extLst>
+                <a:ext uri="{FF2B5EF4-FFF2-40B4-BE49-F238E27FC236}">
+                  <a16:creationId xmlns:a16="http://schemas.microsoft.com/office/drawing/2014/main" id="{C2E98922-7689-4DDC-BEB1-3926047F46A3}"/>
+                </a:ext>
+              </a:extLst>
+            </p:cNvPr>
+            <p:cNvSpPr txBox="1"/>
+            <p:nvPr/>
+          </p:nvSpPr>
+          <p:spPr>
+            <a:xfrm>
+              <a:off x="1658694" y="622067"/>
+              <a:ext cx="293545" cy="311888"/>
+            </a:xfrm>
+            <a:prstGeom prst="rect">
+              <a:avLst/>
+            </a:prstGeom>
+            <a:noFill/>
+          </p:spPr>
+          <p:txBody>
+            <a:bodyPr wrap="square" rtlCol="0">
+              <a:spAutoFit/>
+            </a:bodyPr>
+            <a:lstStyle/>
+            <a:p>
+              <a:r>
+                <a:rPr lang="en-US" sz="1400" i="1" dirty="0">
+                  <a:latin typeface="Times New Roman" panose="02020603050405020304" pitchFamily="18" charset="0"/>
+                  <a:cs typeface="Times New Roman" panose="02020603050405020304" pitchFamily="18" charset="0"/>
+                </a:rPr>
+                <a:t>5</a:t>
+              </a:r>
+            </a:p>
+          </p:txBody>
+        </p:sp>
+      </p:grpSp>
+      <p:grpSp>
+        <p:nvGrpSpPr>
+          <p:cNvPr id="119" name="Group 118">
+            <a:extLst>
+              <a:ext uri="{FF2B5EF4-FFF2-40B4-BE49-F238E27FC236}">
+                <a16:creationId xmlns:a16="http://schemas.microsoft.com/office/drawing/2014/main" id="{E9173B10-0FF8-4BA7-A59F-0C98277DB184}"/>
+              </a:ext>
+            </a:extLst>
+          </p:cNvPr>
+          <p:cNvGrpSpPr/>
+          <p:nvPr/>
+        </p:nvGrpSpPr>
+        <p:grpSpPr>
+          <a:xfrm>
+            <a:off x="8964838" y="1179373"/>
+            <a:ext cx="1004063" cy="528954"/>
+            <a:chOff x="4761992" y="3977386"/>
+            <a:chExt cx="1004063" cy="528954"/>
+          </a:xfrm>
+        </p:grpSpPr>
+        <p:sp>
+          <p:nvSpPr>
+            <p:cNvPr id="124" name="TextBox 123">
+              <a:extLst>
+                <a:ext uri="{FF2B5EF4-FFF2-40B4-BE49-F238E27FC236}">
+                  <a16:creationId xmlns:a16="http://schemas.microsoft.com/office/drawing/2014/main" id="{66D65CAD-ADDE-47E3-9BDB-4FB8711F7BE1}"/>
+                </a:ext>
+              </a:extLst>
+            </p:cNvPr>
+            <p:cNvSpPr txBox="1"/>
+            <p:nvPr/>
+          </p:nvSpPr>
+          <p:spPr>
+            <a:xfrm>
+              <a:off x="4761992" y="3977386"/>
+              <a:ext cx="1004063" cy="461665"/>
+            </a:xfrm>
+            <a:prstGeom prst="rect">
+              <a:avLst/>
+            </a:prstGeom>
+            <a:noFill/>
+          </p:spPr>
+          <p:txBody>
+            <a:bodyPr wrap="square" rtlCol="0">
+              <a:spAutoFit/>
+            </a:bodyPr>
+            <a:lstStyle/>
+            <a:p>
+              <a:r>
+                <a:rPr lang="en-US" sz="2400" i="1" dirty="0">
+                  <a:latin typeface="Century Schoolbook" panose="02040604050505020304" pitchFamily="18" charset="0"/>
+                  <a:cs typeface="Times New Roman" panose="02020603050405020304" pitchFamily="18" charset="0"/>
+                </a:rPr>
+                <a:t>v</a:t>
+              </a:r>
+              <a:endParaRPr lang="en-US" i="1" dirty="0">
+                <a:latin typeface="Century Schoolbook" panose="02040604050505020304" pitchFamily="18" charset="0"/>
+                <a:cs typeface="Times New Roman" panose="02020603050405020304" pitchFamily="18" charset="0"/>
+              </a:endParaRPr>
+            </a:p>
+          </p:txBody>
+        </p:sp>
+        <p:sp>
+          <p:nvSpPr>
+            <p:cNvPr id="126" name="TextBox 125">
+              <a:extLst>
+                <a:ext uri="{FF2B5EF4-FFF2-40B4-BE49-F238E27FC236}">
+                  <a16:creationId xmlns:a16="http://schemas.microsoft.com/office/drawing/2014/main" id="{0991C466-0741-46B9-9CF2-C28B8A3441B0}"/>
+                </a:ext>
+              </a:extLst>
+            </p:cNvPr>
+            <p:cNvSpPr txBox="1"/>
+            <p:nvPr/>
+          </p:nvSpPr>
+          <p:spPr>
+            <a:xfrm>
+              <a:off x="4890385" y="4137008"/>
+              <a:ext cx="584200" cy="369332"/>
+            </a:xfrm>
+            <a:prstGeom prst="rect">
+              <a:avLst/>
+            </a:prstGeom>
+            <a:noFill/>
+          </p:spPr>
+          <p:txBody>
+            <a:bodyPr wrap="square">
+              <a:spAutoFit/>
+            </a:bodyPr>
+            <a:lstStyle/>
+            <a:p>
+              <a:r>
+                <a:rPr lang="en-US" sz="1800" i="1" dirty="0" err="1">
+                  <a:latin typeface="Times New Roman" panose="02020603050405020304" pitchFamily="18" charset="0"/>
+                  <a:cs typeface="Times New Roman" panose="02020603050405020304" pitchFamily="18" charset="0"/>
+                </a:rPr>
+                <a:t>ctx</a:t>
+              </a:r>
+              <a:endParaRPr lang="en-US" dirty="0"/>
+            </a:p>
+          </p:txBody>
+        </p:sp>
+      </p:grpSp>
+      <p:sp>
+        <p:nvSpPr>
+          <p:cNvPr id="127" name="TextBox 126">
+            <a:extLst>
+              <a:ext uri="{FF2B5EF4-FFF2-40B4-BE49-F238E27FC236}">
+                <a16:creationId xmlns:a16="http://schemas.microsoft.com/office/drawing/2014/main" id="{1B9F99E9-4831-4206-A298-3B42FD2D32E6}"/>
+              </a:ext>
+            </a:extLst>
+          </p:cNvPr>
+          <p:cNvSpPr txBox="1"/>
+          <p:nvPr/>
+        </p:nvSpPr>
+        <p:spPr>
+          <a:xfrm>
+            <a:off x="9537986" y="1251095"/>
+            <a:ext cx="553806" cy="430887"/>
+          </a:xfrm>
+          <a:prstGeom prst="rect">
+            <a:avLst/>
+          </a:prstGeom>
+          <a:noFill/>
+        </p:spPr>
+        <p:txBody>
+          <a:bodyPr wrap="square">
+            <a:spAutoFit/>
+          </a:bodyPr>
+          <a:lstStyle/>
+          <a:p>
+            <a:pPr algn="ctr"/>
+            <a:r>
+              <a:rPr lang="en-US" sz="2200" dirty="0">
+                <a:solidFill>
+                  <a:schemeClr val="accent6">
+                    <a:lumMod val="75000"/>
+                  </a:schemeClr>
+                </a:solidFill>
+              </a:rPr>
+              <a:t>V</a:t>
+            </a:r>
+          </a:p>
+        </p:txBody>
+      </p:sp>
+      <p:sp>
+        <p:nvSpPr>
+          <p:cNvPr id="128" name="TextBox 127">
+            <a:extLst>
+              <a:ext uri="{FF2B5EF4-FFF2-40B4-BE49-F238E27FC236}">
+                <a16:creationId xmlns:a16="http://schemas.microsoft.com/office/drawing/2014/main" id="{09E67B08-F389-4038-8104-7D87B9D12F2F}"/>
+              </a:ext>
+            </a:extLst>
+          </p:cNvPr>
+          <p:cNvSpPr txBox="1"/>
+          <p:nvPr/>
+        </p:nvSpPr>
+        <p:spPr>
+          <a:xfrm>
+            <a:off x="9393655" y="1288842"/>
+            <a:ext cx="387856" cy="369332"/>
+          </a:xfrm>
+          <a:prstGeom prst="rect">
+            <a:avLst/>
+          </a:prstGeom>
+          <a:noFill/>
+        </p:spPr>
+        <p:txBody>
+          <a:bodyPr wrap="square">
+            <a:spAutoFit/>
+          </a:bodyPr>
+          <a:lstStyle/>
+          <a:p>
+            <a:pPr algn="ctr"/>
+            <a:r>
+              <a:rPr lang="en-US" sz="1800" dirty="0"/>
+              <a:t>x</a:t>
+            </a:r>
+          </a:p>
+        </p:txBody>
+      </p:sp>
+      <p:grpSp>
+        <p:nvGrpSpPr>
+          <p:cNvPr id="17" name="Group 16">
+            <a:extLst>
+              <a:ext uri="{FF2B5EF4-FFF2-40B4-BE49-F238E27FC236}">
+                <a16:creationId xmlns:a16="http://schemas.microsoft.com/office/drawing/2014/main" id="{A84B0886-7241-4143-A91B-EB838C9E93D8}"/>
+              </a:ext>
+            </a:extLst>
+          </p:cNvPr>
+          <p:cNvGrpSpPr/>
+          <p:nvPr/>
+        </p:nvGrpSpPr>
+        <p:grpSpPr>
+          <a:xfrm>
+            <a:off x="9743703" y="1919292"/>
+            <a:ext cx="553806" cy="475756"/>
+            <a:chOff x="7569916" y="3846044"/>
+            <a:chExt cx="553806" cy="475756"/>
+          </a:xfrm>
+        </p:grpSpPr>
+        <p:sp>
+          <p:nvSpPr>
+            <p:cNvPr id="129" name="TextBox 128">
+              <a:extLst>
+                <a:ext uri="{FF2B5EF4-FFF2-40B4-BE49-F238E27FC236}">
+                  <a16:creationId xmlns:a16="http://schemas.microsoft.com/office/drawing/2014/main" id="{5899F48B-EBC2-42F2-A63C-68D9131DDE9B}"/>
+                </a:ext>
+              </a:extLst>
+            </p:cNvPr>
+            <p:cNvSpPr txBox="1"/>
+            <p:nvPr/>
+          </p:nvSpPr>
+          <p:spPr>
+            <a:xfrm>
+              <a:off x="7569916" y="3846044"/>
+              <a:ext cx="553806" cy="430887"/>
+            </a:xfrm>
+            <a:prstGeom prst="rect">
+              <a:avLst/>
+            </a:prstGeom>
+            <a:noFill/>
+          </p:spPr>
+          <p:txBody>
+            <a:bodyPr wrap="square">
+              <a:spAutoFit/>
+            </a:bodyPr>
+            <a:lstStyle/>
+            <a:p>
+              <a:pPr algn="ctr"/>
+              <a:r>
+                <a:rPr lang="en-US" sz="2200" dirty="0">
+                  <a:solidFill>
+                    <a:schemeClr val="accent6">
+                      <a:lumMod val="75000"/>
+                    </a:schemeClr>
+                  </a:solidFill>
+                </a:rPr>
+                <a:t>V*</a:t>
+              </a:r>
+              <a:endParaRPr lang="en-US" sz="1800" dirty="0">
+                <a:solidFill>
+                  <a:schemeClr val="accent6">
+                    <a:lumMod val="75000"/>
+                  </a:schemeClr>
+                </a:solidFill>
+              </a:endParaRPr>
+            </a:p>
+          </p:txBody>
+        </p:sp>
+        <p:sp>
+          <p:nvSpPr>
+            <p:cNvPr id="131" name="TextBox 130">
+              <a:extLst>
+                <a:ext uri="{FF2B5EF4-FFF2-40B4-BE49-F238E27FC236}">
+                  <a16:creationId xmlns:a16="http://schemas.microsoft.com/office/drawing/2014/main" id="{83296D4C-BE0A-49A2-8FAC-757B6949E316}"/>
+                </a:ext>
+              </a:extLst>
+            </p:cNvPr>
+            <p:cNvSpPr txBox="1"/>
+            <p:nvPr/>
+          </p:nvSpPr>
+          <p:spPr>
+            <a:xfrm>
+              <a:off x="7728163" y="4014138"/>
+              <a:ext cx="250836" cy="307662"/>
+            </a:xfrm>
+            <a:prstGeom prst="rect">
+              <a:avLst/>
+            </a:prstGeom>
+            <a:noFill/>
+          </p:spPr>
+          <p:txBody>
+            <a:bodyPr wrap="square" rtlCol="0">
+              <a:spAutoFit/>
+            </a:bodyPr>
+            <a:lstStyle/>
+            <a:p>
+              <a:r>
+                <a:rPr lang="en-US" sz="1400" b="1" i="1" dirty="0">
+                  <a:solidFill>
+                    <a:schemeClr val="accent6">
+                      <a:lumMod val="75000"/>
+                    </a:schemeClr>
+                  </a:solidFill>
+                  <a:latin typeface="Times New Roman" panose="02020603050405020304" pitchFamily="18" charset="0"/>
+                  <a:cs typeface="Times New Roman" panose="02020603050405020304" pitchFamily="18" charset="0"/>
+                </a:rPr>
+                <a:t>6</a:t>
+              </a:r>
+            </a:p>
+          </p:txBody>
+        </p:sp>
+      </p:grpSp>
+      <p:sp>
+        <p:nvSpPr>
+          <p:cNvPr id="130" name="TextBox 129">
+            <a:extLst>
+              <a:ext uri="{FF2B5EF4-FFF2-40B4-BE49-F238E27FC236}">
+                <a16:creationId xmlns:a16="http://schemas.microsoft.com/office/drawing/2014/main" id="{ABB5EA7B-B0CC-4C19-81FF-6A0C11DEBEAF}"/>
+              </a:ext>
+            </a:extLst>
+          </p:cNvPr>
+          <p:cNvSpPr txBox="1"/>
+          <p:nvPr/>
+        </p:nvSpPr>
+        <p:spPr>
+          <a:xfrm>
+            <a:off x="4691518" y="1589670"/>
+            <a:ext cx="293545" cy="311888"/>
+          </a:xfrm>
+          <a:prstGeom prst="rect">
+            <a:avLst/>
+          </a:prstGeom>
+          <a:noFill/>
+        </p:spPr>
+        <p:txBody>
+          <a:bodyPr wrap="square" rtlCol="0">
+            <a:spAutoFit/>
+          </a:bodyPr>
+          <a:lstStyle/>
+          <a:p>
+            <a:r>
+              <a:rPr lang="en-US" sz="1400" i="1" dirty="0">
+                <a:latin typeface="Times New Roman" panose="02020603050405020304" pitchFamily="18" charset="0"/>
+                <a:cs typeface="Times New Roman" panose="02020603050405020304" pitchFamily="18" charset="0"/>
+              </a:rPr>
+              <a:t>3</a:t>
+            </a:r>
+          </a:p>
+        </p:txBody>
+      </p:sp>
+      <p:sp>
+        <p:nvSpPr>
+          <p:cNvPr id="132" name="TextBox 131">
+            <a:extLst>
+              <a:ext uri="{FF2B5EF4-FFF2-40B4-BE49-F238E27FC236}">
+                <a16:creationId xmlns:a16="http://schemas.microsoft.com/office/drawing/2014/main" id="{DBE57310-E81D-48D6-96A6-1A70EF2F06E6}"/>
+              </a:ext>
+            </a:extLst>
+          </p:cNvPr>
+          <p:cNvSpPr txBox="1"/>
+          <p:nvPr/>
+        </p:nvSpPr>
+        <p:spPr>
+          <a:xfrm>
+            <a:off x="3857884" y="1911314"/>
+            <a:ext cx="293545" cy="311888"/>
+          </a:xfrm>
+          <a:prstGeom prst="rect">
+            <a:avLst/>
+          </a:prstGeom>
+          <a:noFill/>
+        </p:spPr>
+        <p:txBody>
+          <a:bodyPr wrap="square" rtlCol="0">
+            <a:spAutoFit/>
+          </a:bodyPr>
+          <a:lstStyle/>
+          <a:p>
+            <a:r>
+              <a:rPr lang="en-US" sz="1400" i="1" dirty="0">
+                <a:solidFill>
+                  <a:srgbClr val="FF0000"/>
+                </a:solidFill>
+                <a:latin typeface="Times New Roman" panose="02020603050405020304" pitchFamily="18" charset="0"/>
+                <a:cs typeface="Times New Roman" panose="02020603050405020304" pitchFamily="18" charset="0"/>
+              </a:rPr>
+              <a:t>5</a:t>
+            </a:r>
+          </a:p>
+        </p:txBody>
+      </p:sp>
+      <p:sp>
+        <p:nvSpPr>
+          <p:cNvPr id="134" name="TextBox 133">
+            <a:extLst>
+              <a:ext uri="{FF2B5EF4-FFF2-40B4-BE49-F238E27FC236}">
+                <a16:creationId xmlns:a16="http://schemas.microsoft.com/office/drawing/2014/main" id="{F5D1DD1B-B20C-4AFB-9732-5E4BB9952A52}"/>
+              </a:ext>
+            </a:extLst>
+          </p:cNvPr>
+          <p:cNvSpPr txBox="1"/>
+          <p:nvPr/>
+        </p:nvSpPr>
+        <p:spPr>
+          <a:xfrm>
+            <a:off x="4696397" y="2280125"/>
+            <a:ext cx="293545" cy="311888"/>
+          </a:xfrm>
+          <a:prstGeom prst="rect">
+            <a:avLst/>
+          </a:prstGeom>
+          <a:noFill/>
+        </p:spPr>
+        <p:txBody>
+          <a:bodyPr wrap="square" rtlCol="0">
+            <a:spAutoFit/>
+          </a:bodyPr>
+          <a:lstStyle/>
+          <a:p>
+            <a:r>
+              <a:rPr lang="en-US" sz="1400" i="1" dirty="0">
+                <a:latin typeface="Times New Roman" panose="02020603050405020304" pitchFamily="18" charset="0"/>
+                <a:cs typeface="Times New Roman" panose="02020603050405020304" pitchFamily="18" charset="0"/>
+              </a:rPr>
+              <a:t>4</a:t>
+            </a:r>
+          </a:p>
+        </p:txBody>
+      </p:sp>
+      <p:sp>
+        <p:nvSpPr>
+          <p:cNvPr id="140" name="TextBox 139">
+            <a:extLst>
+              <a:ext uri="{FF2B5EF4-FFF2-40B4-BE49-F238E27FC236}">
+                <a16:creationId xmlns:a16="http://schemas.microsoft.com/office/drawing/2014/main" id="{D007DAB9-0F83-4DA1-844D-A769CA7484F3}"/>
+              </a:ext>
+            </a:extLst>
+          </p:cNvPr>
+          <p:cNvSpPr txBox="1"/>
+          <p:nvPr/>
+        </p:nvSpPr>
+        <p:spPr>
+          <a:xfrm>
+            <a:off x="4699964" y="2899062"/>
+            <a:ext cx="293545" cy="311888"/>
+          </a:xfrm>
+          <a:prstGeom prst="rect">
+            <a:avLst/>
+          </a:prstGeom>
+          <a:noFill/>
+        </p:spPr>
+        <p:txBody>
+          <a:bodyPr wrap="square" rtlCol="0">
+            <a:spAutoFit/>
+          </a:bodyPr>
+          <a:lstStyle/>
+          <a:p>
+            <a:r>
+              <a:rPr lang="en-US" sz="1400" i="1" dirty="0">
+                <a:latin typeface="Times New Roman" panose="02020603050405020304" pitchFamily="18" charset="0"/>
+                <a:cs typeface="Times New Roman" panose="02020603050405020304" pitchFamily="18" charset="0"/>
+              </a:rPr>
+              <a:t>7</a:t>
+            </a:r>
+          </a:p>
+        </p:txBody>
+      </p:sp>
+      <p:sp>
+        <p:nvSpPr>
+          <p:cNvPr id="141" name="TextBox 140">
+            <a:extLst>
+              <a:ext uri="{FF2B5EF4-FFF2-40B4-BE49-F238E27FC236}">
+                <a16:creationId xmlns:a16="http://schemas.microsoft.com/office/drawing/2014/main" id="{8DCD41AA-743E-4EBF-863B-3B55D19B0FE4}"/>
+              </a:ext>
+            </a:extLst>
+          </p:cNvPr>
+          <p:cNvSpPr txBox="1"/>
+          <p:nvPr/>
+        </p:nvSpPr>
+        <p:spPr>
+          <a:xfrm>
+            <a:off x="5475644" y="1911314"/>
+            <a:ext cx="293545" cy="311888"/>
+          </a:xfrm>
+          <a:prstGeom prst="rect">
+            <a:avLst/>
+          </a:prstGeom>
+          <a:noFill/>
+        </p:spPr>
+        <p:txBody>
+          <a:bodyPr wrap="square" rtlCol="0">
+            <a:spAutoFit/>
+          </a:bodyPr>
+          <a:lstStyle/>
+          <a:p>
+            <a:r>
+              <a:rPr lang="en-US" sz="1400" i="1" dirty="0">
+                <a:solidFill>
+                  <a:schemeClr val="accent6">
+                    <a:lumMod val="75000"/>
+                  </a:schemeClr>
+                </a:solidFill>
+                <a:latin typeface="Times New Roman" panose="02020603050405020304" pitchFamily="18" charset="0"/>
+                <a:cs typeface="Times New Roman" panose="02020603050405020304" pitchFamily="18" charset="0"/>
+              </a:rPr>
+              <a:t>6</a:t>
+            </a:r>
+          </a:p>
+        </p:txBody>
+      </p:sp>
+      <p:sp>
+        <p:nvSpPr>
+          <p:cNvPr id="142" name="TextBox 141">
+            <a:extLst>
+              <a:ext uri="{FF2B5EF4-FFF2-40B4-BE49-F238E27FC236}">
+                <a16:creationId xmlns:a16="http://schemas.microsoft.com/office/drawing/2014/main" id="{03810007-D11A-4816-9715-B676BFE0DC3C}"/>
+              </a:ext>
+            </a:extLst>
+          </p:cNvPr>
+          <p:cNvSpPr txBox="1"/>
+          <p:nvPr/>
+        </p:nvSpPr>
+        <p:spPr>
+          <a:xfrm>
+            <a:off x="6590993" y="1260719"/>
+            <a:ext cx="293545" cy="311888"/>
+          </a:xfrm>
+          <a:prstGeom prst="rect">
+            <a:avLst/>
+          </a:prstGeom>
+          <a:noFill/>
+        </p:spPr>
+        <p:txBody>
+          <a:bodyPr wrap="square" rtlCol="0">
+            <a:spAutoFit/>
+          </a:bodyPr>
+          <a:lstStyle/>
+          <a:p>
+            <a:r>
+              <a:rPr lang="en-US" sz="1400" i="1" dirty="0">
+                <a:latin typeface="Times New Roman" panose="02020603050405020304" pitchFamily="18" charset="0"/>
+                <a:cs typeface="Times New Roman" panose="02020603050405020304" pitchFamily="18" charset="0"/>
+              </a:rPr>
+              <a:t>3</a:t>
+            </a:r>
+          </a:p>
+        </p:txBody>
+      </p:sp>
+      <p:sp>
+        <p:nvSpPr>
+          <p:cNvPr id="143" name="TextBox 142">
+            <a:extLst>
+              <a:ext uri="{FF2B5EF4-FFF2-40B4-BE49-F238E27FC236}">
+                <a16:creationId xmlns:a16="http://schemas.microsoft.com/office/drawing/2014/main" id="{B5B2246E-F246-4435-966E-259028A8E35A}"/>
+              </a:ext>
+            </a:extLst>
+          </p:cNvPr>
+          <p:cNvSpPr txBox="1"/>
+          <p:nvPr/>
+        </p:nvSpPr>
+        <p:spPr>
+          <a:xfrm>
+            <a:off x="6583508" y="1695125"/>
+            <a:ext cx="293545" cy="311888"/>
+          </a:xfrm>
+          <a:prstGeom prst="rect">
+            <a:avLst/>
+          </a:prstGeom>
+          <a:noFill/>
+        </p:spPr>
+        <p:txBody>
+          <a:bodyPr wrap="square" rtlCol="0">
+            <a:spAutoFit/>
+          </a:bodyPr>
+          <a:lstStyle/>
+          <a:p>
+            <a:r>
+              <a:rPr lang="en-US" sz="1400" i="1" dirty="0">
+                <a:latin typeface="Times New Roman" panose="02020603050405020304" pitchFamily="18" charset="0"/>
+                <a:cs typeface="Times New Roman" panose="02020603050405020304" pitchFamily="18" charset="0"/>
+              </a:rPr>
+              <a:t>4</a:t>
+            </a:r>
+          </a:p>
+        </p:txBody>
+      </p:sp>
+      <p:sp>
+        <p:nvSpPr>
+          <p:cNvPr id="144" name="TextBox 143">
+            <a:extLst>
+              <a:ext uri="{FF2B5EF4-FFF2-40B4-BE49-F238E27FC236}">
+                <a16:creationId xmlns:a16="http://schemas.microsoft.com/office/drawing/2014/main" id="{F4632FDF-11D7-43D0-83AD-27413B49B500}"/>
+              </a:ext>
+            </a:extLst>
+          </p:cNvPr>
+          <p:cNvSpPr txBox="1"/>
+          <p:nvPr/>
+        </p:nvSpPr>
+        <p:spPr>
+          <a:xfrm>
+            <a:off x="6594858" y="2096052"/>
+            <a:ext cx="293545" cy="311888"/>
+          </a:xfrm>
+          <a:prstGeom prst="rect">
+            <a:avLst/>
+          </a:prstGeom>
+          <a:noFill/>
+        </p:spPr>
+        <p:txBody>
+          <a:bodyPr wrap="square" rtlCol="0">
+            <a:spAutoFit/>
+          </a:bodyPr>
+          <a:lstStyle/>
+          <a:p>
+            <a:r>
+              <a:rPr lang="en-US" sz="1400" i="1" dirty="0">
+                <a:latin typeface="Times New Roman" panose="02020603050405020304" pitchFamily="18" charset="0"/>
+                <a:cs typeface="Times New Roman" panose="02020603050405020304" pitchFamily="18" charset="0"/>
+              </a:rPr>
+              <a:t>7</a:t>
+            </a:r>
+          </a:p>
+        </p:txBody>
+      </p:sp>
+      <p:sp>
+        <p:nvSpPr>
+          <p:cNvPr id="145" name="TextBox 144">
+            <a:extLst>
+              <a:ext uri="{FF2B5EF4-FFF2-40B4-BE49-F238E27FC236}">
+                <a16:creationId xmlns:a16="http://schemas.microsoft.com/office/drawing/2014/main" id="{D6ADBFB5-D1DF-43DD-B9CA-3D67BA018B09}"/>
+              </a:ext>
+            </a:extLst>
+          </p:cNvPr>
+          <p:cNvSpPr txBox="1"/>
+          <p:nvPr/>
+        </p:nvSpPr>
+        <p:spPr>
+          <a:xfrm>
+            <a:off x="6570591" y="3060508"/>
+            <a:ext cx="293545" cy="311888"/>
+          </a:xfrm>
+          <a:prstGeom prst="rect">
+            <a:avLst/>
+          </a:prstGeom>
+          <a:noFill/>
+        </p:spPr>
+        <p:txBody>
+          <a:bodyPr wrap="square" rtlCol="0">
+            <a:spAutoFit/>
+          </a:bodyPr>
+          <a:lstStyle/>
+          <a:p>
+            <a:r>
+              <a:rPr lang="en-US" sz="1400" i="1" dirty="0">
+                <a:solidFill>
+                  <a:schemeClr val="accent6">
+                    <a:lumMod val="75000"/>
+                  </a:schemeClr>
+                </a:solidFill>
+                <a:latin typeface="Times New Roman" panose="02020603050405020304" pitchFamily="18" charset="0"/>
+                <a:cs typeface="Times New Roman" panose="02020603050405020304" pitchFamily="18" charset="0"/>
+              </a:rPr>
+              <a:t>6</a:t>
+            </a:r>
+          </a:p>
+        </p:txBody>
+      </p:sp>
+      <p:sp>
+        <p:nvSpPr>
+          <p:cNvPr id="146" name="TextBox 145">
+            <a:extLst>
+              <a:ext uri="{FF2B5EF4-FFF2-40B4-BE49-F238E27FC236}">
+                <a16:creationId xmlns:a16="http://schemas.microsoft.com/office/drawing/2014/main" id="{4ADC59A1-2B1F-4C65-ABC4-2996BC5574B1}"/>
+              </a:ext>
+            </a:extLst>
+          </p:cNvPr>
+          <p:cNvSpPr txBox="1"/>
+          <p:nvPr/>
+        </p:nvSpPr>
+        <p:spPr>
+          <a:xfrm>
+            <a:off x="9764767" y="1404205"/>
+            <a:ext cx="293545" cy="311888"/>
+          </a:xfrm>
+          <a:prstGeom prst="rect">
+            <a:avLst/>
+          </a:prstGeom>
+          <a:noFill/>
+        </p:spPr>
+        <p:txBody>
+          <a:bodyPr wrap="square" rtlCol="0">
+            <a:spAutoFit/>
+          </a:bodyPr>
+          <a:lstStyle/>
+          <a:p>
+            <a:r>
+              <a:rPr lang="en-US" sz="1400" i="1" dirty="0">
+                <a:solidFill>
+                  <a:schemeClr val="accent6">
+                    <a:lumMod val="75000"/>
+                  </a:schemeClr>
+                </a:solidFill>
+                <a:latin typeface="Times New Roman" panose="02020603050405020304" pitchFamily="18" charset="0"/>
+                <a:cs typeface="Times New Roman" panose="02020603050405020304" pitchFamily="18" charset="0"/>
+              </a:rPr>
+              <a:t>6</a:t>
+            </a:r>
+          </a:p>
+        </p:txBody>
+      </p:sp>
+    </p:spTree>
+    <p:extLst>
+      <p:ext uri="{BB962C8B-B14F-4D97-AF65-F5344CB8AC3E}">
+        <p14:creationId xmlns:p14="http://schemas.microsoft.com/office/powerpoint/2010/main" val="4236666821"/>
+      </p:ext>
+    </p:extLst>
+  </p:cSld>
+  <p:clrMapOvr>
+    <a:masterClrMapping/>
+  </p:clrMapOvr>
+</p:sld>
+</file>
+
 <file path=ppt/theme/theme1.xml><?xml version="1.0" encoding="utf-8"?>
 <a:theme xmlns:a="http://schemas.openxmlformats.org/drawingml/2006/main" name="Office Theme">
   <a:themeElements>

--- a/figures/Figures-Yi.pptx
+++ b/figures/Figures-Yi.pptx
@@ -1201,7 +1201,7 @@
               <a:lstStyle/>
               <a:p>
                 <a:pPr>
-                  <a:defRPr sz="1000" b="0" i="0" u="none" strike="noStrike" kern="1200" baseline="0">
+                  <a:defRPr sz="2800" b="0" i="0" u="none" strike="noStrike" kern="1200" baseline="0">
                     <a:solidFill>
                       <a:schemeClr val="tx1">
                         <a:lumMod val="65000"/>
@@ -1214,14 +1214,14 @@
                   </a:defRPr>
                 </a:pPr>
                 <a:r>
-                  <a:rPr lang="en-US"/>
+                  <a:rPr lang="en-US" sz="2800"/>
                   <a:t>#</a:t>
                 </a:r>
                 <a:r>
-                  <a:rPr lang="en-US" baseline="0"/>
+                  <a:rPr lang="en-US" sz="2800" baseline="0"/>
                   <a:t> stmts</a:t>
                 </a:r>
-                <a:endParaRPr lang="en-US"/>
+                <a:endParaRPr lang="en-US" sz="2800"/>
               </a:p>
             </c:rich>
           </c:tx>
@@ -1229,8 +1229,8 @@
             <c:manualLayout>
               <c:xMode val="edge"/>
               <c:yMode val="edge"/>
-              <c:x val="0.87739795028489176"/>
-              <c:y val="0.7644762045952993"/>
+              <c:x val="0.77774482848960702"/>
+              <c:y val="0.63372737412814506"/>
             </c:manualLayout>
           </c:layout>
           <c:overlay val="0"/>
@@ -1246,7 +1246,7 @@
             <a:lstStyle/>
             <a:p>
               <a:pPr>
-                <a:defRPr sz="1000" b="0" i="0" u="none" strike="noStrike" kern="1200" baseline="0">
+                <a:defRPr sz="2800" b="0" i="0" u="none" strike="noStrike" kern="1200" baseline="0">
                   <a:solidFill>
                     <a:schemeClr val="tx1">
                       <a:lumMod val="65000"/>
@@ -1348,12 +1348,20 @@
                   </a:defRPr>
                 </a:pPr>
                 <a:r>
-                  <a:rPr lang="en-US"/>
+                  <a:rPr lang="en-US" sz="2800" dirty="0"/>
                   <a:t>Accuracy</a:t>
                 </a:r>
               </a:p>
             </c:rich>
           </c:tx>
+          <c:layout>
+            <c:manualLayout>
+              <c:xMode val="edge"/>
+              <c:yMode val="edge"/>
+              <c:x val="1.1489028791687082E-2"/>
+              <c:y val="0.16743409905966733"/>
+            </c:manualLayout>
+          </c:layout>
           <c:overlay val="0"/>
           <c:spPr>
             <a:noFill/>
@@ -30386,13 +30394,13 @@
           <p:nvPr>
             <p:extLst>
               <p:ext uri="{D42A27DB-BD31-4B8C-83A1-F6EECF244321}">
-                <p14:modId xmlns:p14="http://schemas.microsoft.com/office/powerpoint/2010/main" val="2718211966"/>
+                <p14:modId xmlns:p14="http://schemas.microsoft.com/office/powerpoint/2010/main" val="1922443867"/>
               </p:ext>
             </p:extLst>
           </p:nvPr>
         </p:nvGraphicFramePr>
         <p:xfrm>
-          <a:off x="2851485" y="1275348"/>
+          <a:off x="2739725" y="1275348"/>
           <a:ext cx="5527012" cy="3399648"/>
         </p:xfrm>
         <a:graphic>
